--- a/final school project DA/Final school project DA(presentation).pptx
+++ b/final school project DA/Final school project DA(presentation).pptx
@@ -9,12 +9,15 @@
     <p:sldId id="257" r:id="rId3"/>
     <p:sldId id="258" r:id="rId4"/>
     <p:sldId id="259" r:id="rId5"/>
-    <p:sldId id="267" r:id="rId6"/>
-    <p:sldId id="261" r:id="rId7"/>
-    <p:sldId id="265" r:id="rId8"/>
-    <p:sldId id="266" r:id="rId9"/>
-    <p:sldId id="262" r:id="rId10"/>
-    <p:sldId id="264" r:id="rId11"/>
+    <p:sldId id="270" r:id="rId6"/>
+    <p:sldId id="268" r:id="rId7"/>
+    <p:sldId id="267" r:id="rId8"/>
+    <p:sldId id="269" r:id="rId9"/>
+    <p:sldId id="261" r:id="rId10"/>
+    <p:sldId id="265" r:id="rId11"/>
+    <p:sldId id="266" r:id="rId12"/>
+    <p:sldId id="262" r:id="rId13"/>
+    <p:sldId id="264" r:id="rId14"/>
   </p:sldIdLst>
   <p:sldSz cx="12192000" cy="6858000"/>
   <p:notesSz cx="6858000" cy="9144000"/>
@@ -115,7 +118,7 @@
   </p:defaultTextStyle>
   <p:extLst>
     <p:ext uri="{EFAFB233-063F-42B5-8137-9DF3F51BA10A}">
-      <p15:sldGuideLst xmlns:p15="http://schemas.microsoft.com/office/powerpoint/2012/main" xmlns="">
+      <p15:sldGuideLst xmlns="" xmlns:p15="http://schemas.microsoft.com/office/powerpoint/2012/main">
         <p15:guide id="1" orient="horz" pos="2160">
           <p15:clr>
             <a:srgbClr val="A4A3A4"/>
@@ -263,7 +266,7 @@
           <a:p>
             <a:fld id="{FF3C7121-7194-4A9B-8999-9B506CE5A332}" type="datetimeFigureOut">
               <a:rPr lang="ru-RU" smtClean="0"/>
-              <a:t>25.10.2021</a:t>
+              <a:t>26.10.2021</a:t>
             </a:fld>
             <a:endParaRPr lang="ru-RU"/>
           </a:p>
@@ -457,7 +460,7 @@
           <a:p>
             <a:fld id="{FF3C7121-7194-4A9B-8999-9B506CE5A332}" type="datetimeFigureOut">
               <a:rPr lang="ru-RU" smtClean="0"/>
-              <a:t>25.10.2021</a:t>
+              <a:t>26.10.2021</a:t>
             </a:fld>
             <a:endParaRPr lang="ru-RU"/>
           </a:p>
@@ -637,7 +640,7 @@
           <a:p>
             <a:fld id="{FF3C7121-7194-4A9B-8999-9B506CE5A332}" type="datetimeFigureOut">
               <a:rPr lang="ru-RU" smtClean="0"/>
-              <a:t>25.10.2021</a:t>
+              <a:t>26.10.2021</a:t>
             </a:fld>
             <a:endParaRPr lang="ru-RU"/>
           </a:p>
@@ -807,7 +810,7 @@
           <a:p>
             <a:fld id="{FF3C7121-7194-4A9B-8999-9B506CE5A332}" type="datetimeFigureOut">
               <a:rPr lang="ru-RU" smtClean="0"/>
-              <a:t>25.10.2021</a:t>
+              <a:t>26.10.2021</a:t>
             </a:fld>
             <a:endParaRPr lang="ru-RU"/>
           </a:p>
@@ -1269,7 +1272,7 @@
           <a:p>
             <a:fld id="{FF3C7121-7194-4A9B-8999-9B506CE5A332}" type="datetimeFigureOut">
               <a:rPr lang="ru-RU" smtClean="0"/>
-              <a:t>25.10.2021</a:t>
+              <a:t>26.10.2021</a:t>
             </a:fld>
             <a:endParaRPr lang="ru-RU"/>
           </a:p>
@@ -1501,7 +1504,7 @@
           <a:p>
             <a:fld id="{FF3C7121-7194-4A9B-8999-9B506CE5A332}" type="datetimeFigureOut">
               <a:rPr lang="ru-RU" smtClean="0"/>
-              <a:t>25.10.2021</a:t>
+              <a:t>26.10.2021</a:t>
             </a:fld>
             <a:endParaRPr lang="ru-RU"/>
           </a:p>
@@ -1868,7 +1871,7 @@
           <a:p>
             <a:fld id="{FF3C7121-7194-4A9B-8999-9B506CE5A332}" type="datetimeFigureOut">
               <a:rPr lang="ru-RU" smtClean="0"/>
-              <a:t>25.10.2021</a:t>
+              <a:t>26.10.2021</a:t>
             </a:fld>
             <a:endParaRPr lang="ru-RU"/>
           </a:p>
@@ -1986,7 +1989,7 @@
           <a:p>
             <a:fld id="{FF3C7121-7194-4A9B-8999-9B506CE5A332}" type="datetimeFigureOut">
               <a:rPr lang="ru-RU" smtClean="0"/>
-              <a:t>25.10.2021</a:t>
+              <a:t>26.10.2021</a:t>
             </a:fld>
             <a:endParaRPr lang="ru-RU"/>
           </a:p>
@@ -2081,7 +2084,7 @@
           <a:p>
             <a:fld id="{FF3C7121-7194-4A9B-8999-9B506CE5A332}" type="datetimeFigureOut">
               <a:rPr lang="ru-RU" smtClean="0"/>
-              <a:t>25.10.2021</a:t>
+              <a:t>26.10.2021</a:t>
             </a:fld>
             <a:endParaRPr lang="ru-RU"/>
           </a:p>
@@ -2358,7 +2361,7 @@
           <a:p>
             <a:fld id="{FF3C7121-7194-4A9B-8999-9B506CE5A332}" type="datetimeFigureOut">
               <a:rPr lang="ru-RU" smtClean="0"/>
-              <a:t>25.10.2021</a:t>
+              <a:t>26.10.2021</a:t>
             </a:fld>
             <a:endParaRPr lang="ru-RU"/>
           </a:p>
@@ -2611,7 +2614,7 @@
           <a:p>
             <a:fld id="{FF3C7121-7194-4A9B-8999-9B506CE5A332}" type="datetimeFigureOut">
               <a:rPr lang="ru-RU" smtClean="0"/>
-              <a:t>25.10.2021</a:t>
+              <a:t>26.10.2021</a:t>
             </a:fld>
             <a:endParaRPr lang="ru-RU"/>
           </a:p>
@@ -2824,7 +2827,7 @@
           <a:p>
             <a:fld id="{FF3C7121-7194-4A9B-8999-9B506CE5A332}" type="datetimeFigureOut">
               <a:rPr lang="ru-RU" smtClean="0"/>
-              <a:t>25.10.2021</a:t>
+              <a:t>26.10.2021</a:t>
             </a:fld>
             <a:endParaRPr lang="ru-RU"/>
           </a:p>
@@ -3300,740 +3303,13 @@
       </p:grpSpPr>
       <p:sp>
         <p:nvSpPr>
-          <p:cNvPr id="5" name="Заголовок 2"/>
-          <p:cNvSpPr txBox="1">
-            <a:spLocks/>
-          </p:cNvSpPr>
-          <p:nvPr/>
-        </p:nvSpPr>
-        <p:spPr>
-          <a:xfrm>
-            <a:off x="2300121" y="2215929"/>
-            <a:ext cx="8030840" cy="1723024"/>
-          </a:xfrm>
-          <a:prstGeom prst="rect">
-            <a:avLst/>
-          </a:prstGeom>
-          <a:solidFill>
-            <a:schemeClr val="bg1"/>
-          </a:solidFill>
-        </p:spPr>
-        <p:txBody>
-          <a:bodyPr vert="horz" lIns="91440" tIns="45720" rIns="91440" bIns="45720" rtlCol="0" anchor="ctr">
-            <a:noAutofit/>
-          </a:bodyPr>
-          <a:lstStyle>
-            <a:lvl1pPr algn="l" defTabSz="914400" rtl="0" eaLnBrk="1" latinLnBrk="0" hangingPunct="1">
-              <a:lnSpc>
-                <a:spcPct val="90000"/>
-              </a:lnSpc>
-              <a:spcBef>
-                <a:spcPct val="0"/>
-              </a:spcBef>
-              <a:buNone/>
-              <a:defRPr sz="4400" kern="1200">
-                <a:solidFill>
-                  <a:schemeClr val="tx1"/>
-                </a:solidFill>
-                <a:latin typeface="+mj-lt"/>
-                <a:ea typeface="+mj-ea"/>
-                <a:cs typeface="+mj-cs"/>
-              </a:defRPr>
-            </a:lvl1pPr>
-          </a:lstStyle>
-          <a:p>
-            <a:pPr algn="ctr"/>
-            <a:r>
-              <a:rPr lang="ru-RU" sz="4800" b="1" dirty="0" smtClean="0">
-                <a:solidFill>
-                  <a:schemeClr val="bg1">
-                    <a:lumMod val="50000"/>
-                  </a:schemeClr>
-                </a:solidFill>
-                <a:effectLst>
-                  <a:outerShdw blurRad="50800" dist="38100" dir="5400000" algn="t" rotWithShape="0">
-                    <a:prstClr val="black">
-                      <a:alpha val="40000"/>
-                    </a:prstClr>
-                  </a:outerShdw>
-                </a:effectLst>
-                <a:latin typeface="+mn-lt"/>
-              </a:rPr>
-              <a:t>Спасибо за внимание!</a:t>
-            </a:r>
-            <a:endParaRPr lang="ru-RU" sz="4800" b="1" dirty="0">
-              <a:solidFill>
-                <a:schemeClr val="bg1">
-                  <a:lumMod val="50000"/>
-                </a:schemeClr>
-              </a:solidFill>
-              <a:effectLst>
-                <a:outerShdw blurRad="50800" dist="38100" dir="5400000" algn="t" rotWithShape="0">
-                  <a:prstClr val="black">
-                    <a:alpha val="40000"/>
-                  </a:prstClr>
-                </a:outerShdw>
-              </a:effectLst>
-              <a:latin typeface="Corbel" panose="020B0503020204020204" pitchFamily="34" charset="0"/>
-            </a:endParaRPr>
-          </a:p>
-        </p:txBody>
-      </p:sp>
-    </p:spTree>
-    <p:extLst>
-      <p:ext uri="{BB962C8B-B14F-4D97-AF65-F5344CB8AC3E}">
-        <p14:creationId xmlns:p14="http://schemas.microsoft.com/office/powerpoint/2010/main" val="57592746"/>
-      </p:ext>
-    </p:extLst>
-  </p:cSld>
-  <p:clrMapOvr>
-    <a:masterClrMapping/>
-  </p:clrMapOvr>
-</p:sld>
-</file>
-
-<file path=ppt/slides/slide2.xml><?xml version="1.0" encoding="utf-8"?>
-<p:sld xmlns:a="http://schemas.openxmlformats.org/drawingml/2006/main" xmlns:r="http://schemas.openxmlformats.org/officeDocument/2006/relationships" xmlns:p="http://schemas.openxmlformats.org/presentationml/2006/main">
-  <p:cSld>
-    <p:spTree>
-      <p:nvGrpSpPr>
-        <p:cNvPr id="1" name=""/>
-        <p:cNvGrpSpPr/>
-        <p:nvPr/>
-      </p:nvGrpSpPr>
-      <p:grpSpPr>
-        <a:xfrm>
-          <a:off x="0" y="0"/>
-          <a:ext cx="0" cy="0"/>
-          <a:chOff x="0" y="0"/>
-          <a:chExt cx="0" cy="0"/>
-        </a:xfrm>
-      </p:grpSpPr>
-      <p:sp>
-        <p:nvSpPr>
-          <p:cNvPr id="4" name="Текст 1"/>
-          <p:cNvSpPr txBox="1">
-            <a:spLocks/>
-          </p:cNvSpPr>
-          <p:nvPr/>
-        </p:nvSpPr>
-        <p:spPr>
-          <a:xfrm>
-            <a:off x="3492644" y="3812933"/>
-            <a:ext cx="5781456" cy="652189"/>
-          </a:xfrm>
-          <a:prstGeom prst="rect">
-            <a:avLst/>
-          </a:prstGeom>
-        </p:spPr>
-        <p:txBody>
-          <a:bodyPr vert="horz" lIns="91440" tIns="45720" rIns="91440" bIns="45720" rtlCol="0">
-            <a:normAutofit/>
-          </a:bodyPr>
-          <a:lstStyle>
-            <a:lvl1pPr marL="228600" indent="-228600" algn="l" defTabSz="914400" rtl="0" eaLnBrk="1" latinLnBrk="0" hangingPunct="1">
-              <a:lnSpc>
-                <a:spcPct val="90000"/>
-              </a:lnSpc>
-              <a:spcBef>
-                <a:spcPts val="1000"/>
-              </a:spcBef>
-              <a:buFont typeface="Arial" panose="020B0604020202020204" pitchFamily="34" charset="0"/>
-              <a:buChar char="•"/>
-              <a:defRPr sz="2800" kern="1200">
-                <a:solidFill>
-                  <a:schemeClr val="tx1"/>
-                </a:solidFill>
-                <a:latin typeface="+mn-lt"/>
-                <a:ea typeface="+mn-ea"/>
-                <a:cs typeface="+mn-cs"/>
-              </a:defRPr>
-            </a:lvl1pPr>
-            <a:lvl2pPr marL="685800" indent="-228600" algn="l" defTabSz="914400" rtl="0" eaLnBrk="1" latinLnBrk="0" hangingPunct="1">
-              <a:lnSpc>
-                <a:spcPct val="90000"/>
-              </a:lnSpc>
-              <a:spcBef>
-                <a:spcPts val="500"/>
-              </a:spcBef>
-              <a:buFont typeface="Arial" panose="020B0604020202020204" pitchFamily="34" charset="0"/>
-              <a:buChar char="•"/>
-              <a:defRPr sz="2400" kern="1200">
-                <a:solidFill>
-                  <a:schemeClr val="tx1"/>
-                </a:solidFill>
-                <a:latin typeface="+mn-lt"/>
-                <a:ea typeface="+mn-ea"/>
-                <a:cs typeface="+mn-cs"/>
-              </a:defRPr>
-            </a:lvl2pPr>
-            <a:lvl3pPr marL="1143000" indent="-228600" algn="l" defTabSz="914400" rtl="0" eaLnBrk="1" latinLnBrk="0" hangingPunct="1">
-              <a:lnSpc>
-                <a:spcPct val="90000"/>
-              </a:lnSpc>
-              <a:spcBef>
-                <a:spcPts val="500"/>
-              </a:spcBef>
-              <a:buFont typeface="Arial" panose="020B0604020202020204" pitchFamily="34" charset="0"/>
-              <a:buChar char="•"/>
-              <a:defRPr sz="2000" kern="1200">
-                <a:solidFill>
-                  <a:schemeClr val="tx1"/>
-                </a:solidFill>
-                <a:latin typeface="+mn-lt"/>
-                <a:ea typeface="+mn-ea"/>
-                <a:cs typeface="+mn-cs"/>
-              </a:defRPr>
-            </a:lvl3pPr>
-            <a:lvl4pPr marL="1600200" indent="-228600" algn="l" defTabSz="914400" rtl="0" eaLnBrk="1" latinLnBrk="0" hangingPunct="1">
-              <a:lnSpc>
-                <a:spcPct val="90000"/>
-              </a:lnSpc>
-              <a:spcBef>
-                <a:spcPts val="500"/>
-              </a:spcBef>
-              <a:buFont typeface="Arial" panose="020B0604020202020204" pitchFamily="34" charset="0"/>
-              <a:buChar char="•"/>
-              <a:defRPr sz="1800" kern="1200">
-                <a:solidFill>
-                  <a:schemeClr val="tx1"/>
-                </a:solidFill>
-                <a:latin typeface="+mn-lt"/>
-                <a:ea typeface="+mn-ea"/>
-                <a:cs typeface="+mn-cs"/>
-              </a:defRPr>
-            </a:lvl4pPr>
-            <a:lvl5pPr marL="2057400" indent="-228600" algn="l" defTabSz="914400" rtl="0" eaLnBrk="1" latinLnBrk="0" hangingPunct="1">
-              <a:lnSpc>
-                <a:spcPct val="90000"/>
-              </a:lnSpc>
-              <a:spcBef>
-                <a:spcPts val="500"/>
-              </a:spcBef>
-              <a:buFont typeface="Arial" panose="020B0604020202020204" pitchFamily="34" charset="0"/>
-              <a:buChar char="•"/>
-              <a:defRPr sz="1800" kern="1200">
-                <a:solidFill>
-                  <a:schemeClr val="tx1"/>
-                </a:solidFill>
-                <a:latin typeface="+mn-lt"/>
-                <a:ea typeface="+mn-ea"/>
-                <a:cs typeface="+mn-cs"/>
-              </a:defRPr>
-            </a:lvl5pPr>
-            <a:lvl6pPr marL="2514600" indent="-228600" algn="l" defTabSz="914400" rtl="0" eaLnBrk="1" latinLnBrk="0" hangingPunct="1">
-              <a:lnSpc>
-                <a:spcPct val="90000"/>
-              </a:lnSpc>
-              <a:spcBef>
-                <a:spcPts val="500"/>
-              </a:spcBef>
-              <a:buFont typeface="Arial" panose="020B0604020202020204" pitchFamily="34" charset="0"/>
-              <a:buChar char="•"/>
-              <a:defRPr sz="1800" kern="1200">
-                <a:solidFill>
-                  <a:schemeClr val="tx1"/>
-                </a:solidFill>
-                <a:latin typeface="+mn-lt"/>
-                <a:ea typeface="+mn-ea"/>
-                <a:cs typeface="+mn-cs"/>
-              </a:defRPr>
-            </a:lvl6pPr>
-            <a:lvl7pPr marL="2971800" indent="-228600" algn="l" defTabSz="914400" rtl="0" eaLnBrk="1" latinLnBrk="0" hangingPunct="1">
-              <a:lnSpc>
-                <a:spcPct val="90000"/>
-              </a:lnSpc>
-              <a:spcBef>
-                <a:spcPts val="500"/>
-              </a:spcBef>
-              <a:buFont typeface="Arial" panose="020B0604020202020204" pitchFamily="34" charset="0"/>
-              <a:buChar char="•"/>
-              <a:defRPr sz="1800" kern="1200">
-                <a:solidFill>
-                  <a:schemeClr val="tx1"/>
-                </a:solidFill>
-                <a:latin typeface="+mn-lt"/>
-                <a:ea typeface="+mn-ea"/>
-                <a:cs typeface="+mn-cs"/>
-              </a:defRPr>
-            </a:lvl7pPr>
-            <a:lvl8pPr marL="3429000" indent="-228600" algn="l" defTabSz="914400" rtl="0" eaLnBrk="1" latinLnBrk="0" hangingPunct="1">
-              <a:lnSpc>
-                <a:spcPct val="90000"/>
-              </a:lnSpc>
-              <a:spcBef>
-                <a:spcPts val="500"/>
-              </a:spcBef>
-              <a:buFont typeface="Arial" panose="020B0604020202020204" pitchFamily="34" charset="0"/>
-              <a:buChar char="•"/>
-              <a:defRPr sz="1800" kern="1200">
-                <a:solidFill>
-                  <a:schemeClr val="tx1"/>
-                </a:solidFill>
-                <a:latin typeface="+mn-lt"/>
-                <a:ea typeface="+mn-ea"/>
-                <a:cs typeface="+mn-cs"/>
-              </a:defRPr>
-            </a:lvl8pPr>
-            <a:lvl9pPr marL="3886200" indent="-228600" algn="l" defTabSz="914400" rtl="0" eaLnBrk="1" latinLnBrk="0" hangingPunct="1">
-              <a:lnSpc>
-                <a:spcPct val="90000"/>
-              </a:lnSpc>
-              <a:spcBef>
-                <a:spcPts val="500"/>
-              </a:spcBef>
-              <a:buFont typeface="Arial" panose="020B0604020202020204" pitchFamily="34" charset="0"/>
-              <a:buChar char="•"/>
-              <a:defRPr sz="1800" kern="1200">
-                <a:solidFill>
-                  <a:schemeClr val="tx1"/>
-                </a:solidFill>
-                <a:latin typeface="+mn-lt"/>
-                <a:ea typeface="+mn-ea"/>
-                <a:cs typeface="+mn-cs"/>
-              </a:defRPr>
-            </a:lvl9pPr>
-          </a:lstStyle>
-          <a:p>
-            <a:pPr marL="0" indent="0">
-              <a:buNone/>
-            </a:pPr>
-            <a:r>
-              <a:rPr lang="ru-RU" dirty="0" smtClean="0">
-                <a:latin typeface="+mj-lt"/>
-              </a:rPr>
-              <a:t> </a:t>
-            </a:r>
-            <a:r>
-              <a:rPr lang="ru-RU" sz="2400" b="1" dirty="0" smtClean="0">
-                <a:solidFill>
-                  <a:schemeClr val="tx1">
-                    <a:lumMod val="65000"/>
-                    <a:lumOff val="35000"/>
-                  </a:schemeClr>
-                </a:solidFill>
-                <a:effectLst>
-                  <a:outerShdw blurRad="38100" dist="38100" dir="2700000" algn="tl">
-                    <a:srgbClr val="000000">
-                      <a:alpha val="43137"/>
-                    </a:srgbClr>
-                  </a:outerShdw>
-                </a:effectLst>
-              </a:rPr>
-              <a:t>Давыдова Екатерина Геннадьевна</a:t>
-            </a:r>
-            <a:endParaRPr lang="ru-RU" sz="2400" b="1" dirty="0">
-              <a:solidFill>
-                <a:schemeClr val="tx1">
-                  <a:lumMod val="65000"/>
-                  <a:lumOff val="35000"/>
-                </a:schemeClr>
-              </a:solidFill>
-              <a:effectLst>
-                <a:outerShdw blurRad="38100" dist="38100" dir="2700000" algn="tl">
-                  <a:srgbClr val="000000">
-                    <a:alpha val="43137"/>
-                  </a:srgbClr>
-                </a:outerShdw>
-              </a:effectLst>
-            </a:endParaRPr>
-          </a:p>
-        </p:txBody>
-      </p:sp>
-      <p:sp>
-        <p:nvSpPr>
-          <p:cNvPr id="5" name="Заголовок 2"/>
-          <p:cNvSpPr txBox="1">
-            <a:spLocks/>
-          </p:cNvSpPr>
-          <p:nvPr/>
-        </p:nvSpPr>
-        <p:spPr>
-          <a:xfrm>
-            <a:off x="2212198" y="1802691"/>
-            <a:ext cx="8030840" cy="1723024"/>
-          </a:xfrm>
-          <a:prstGeom prst="rect">
-            <a:avLst/>
-          </a:prstGeom>
-        </p:spPr>
-        <p:txBody>
-          <a:bodyPr vert="horz" lIns="91440" tIns="45720" rIns="91440" bIns="45720" rtlCol="0" anchor="ctr">
-            <a:noAutofit/>
-          </a:bodyPr>
-          <a:lstStyle>
-            <a:lvl1pPr algn="l" defTabSz="914400" rtl="0" eaLnBrk="1" latinLnBrk="0" hangingPunct="1">
-              <a:lnSpc>
-                <a:spcPct val="90000"/>
-              </a:lnSpc>
-              <a:spcBef>
-                <a:spcPct val="0"/>
-              </a:spcBef>
-              <a:buNone/>
-              <a:defRPr sz="4400" kern="1200">
-                <a:solidFill>
-                  <a:schemeClr val="tx1"/>
-                </a:solidFill>
-                <a:latin typeface="+mj-lt"/>
-                <a:ea typeface="+mj-ea"/>
-                <a:cs typeface="+mj-cs"/>
-              </a:defRPr>
-            </a:lvl1pPr>
-          </a:lstStyle>
-          <a:p>
-            <a:pPr algn="ctr"/>
-            <a:r>
-              <a:rPr lang="ru-RU" sz="4800" b="1" dirty="0" smtClean="0">
-                <a:solidFill>
-                  <a:schemeClr val="bg1">
-                    <a:lumMod val="50000"/>
-                  </a:schemeClr>
-                </a:solidFill>
-                <a:effectLst>
-                  <a:outerShdw blurRad="38100" dist="38100" dir="2700000" algn="tl">
-                    <a:srgbClr val="000000">
-                      <a:alpha val="43137"/>
-                    </a:srgbClr>
-                  </a:outerShdw>
-                </a:effectLst>
-                <a:latin typeface="+mn-lt"/>
-              </a:rPr>
-              <a:t>Обзоры приложений </a:t>
-            </a:r>
-            <a:r>
-              <a:rPr lang="en-US" sz="4800" b="1" dirty="0" smtClean="0">
-                <a:solidFill>
-                  <a:schemeClr val="bg1">
-                    <a:lumMod val="50000"/>
-                  </a:schemeClr>
-                </a:solidFill>
-                <a:effectLst>
-                  <a:outerShdw blurRad="38100" dist="38100" dir="2700000" algn="tl">
-                    <a:srgbClr val="000000">
-                      <a:alpha val="43137"/>
-                    </a:srgbClr>
-                  </a:outerShdw>
-                </a:effectLst>
-                <a:latin typeface="Corbel" panose="020B0503020204020204" pitchFamily="34" charset="0"/>
-              </a:rPr>
-              <a:t>Google Play Store</a:t>
-            </a:r>
-            <a:endParaRPr lang="ru-RU" sz="4800" b="1" dirty="0">
-              <a:solidFill>
-                <a:schemeClr val="bg1">
-                  <a:lumMod val="50000"/>
-                </a:schemeClr>
-              </a:solidFill>
-              <a:effectLst>
-                <a:outerShdw blurRad="38100" dist="38100" dir="2700000" algn="tl">
-                  <a:srgbClr val="000000">
-                    <a:alpha val="43137"/>
-                  </a:srgbClr>
-                </a:outerShdw>
-              </a:effectLst>
-              <a:latin typeface="Corbel" panose="020B0503020204020204" pitchFamily="34" charset="0"/>
-            </a:endParaRPr>
-          </a:p>
-        </p:txBody>
-      </p:sp>
-      <p:sp>
-        <p:nvSpPr>
-          <p:cNvPr id="6" name="Текст 1"/>
-          <p:cNvSpPr txBox="1">
-            <a:spLocks/>
-          </p:cNvSpPr>
-          <p:nvPr/>
-        </p:nvSpPr>
-        <p:spPr>
-          <a:xfrm>
-            <a:off x="4933782" y="6105682"/>
-            <a:ext cx="2120953" cy="474959"/>
-          </a:xfrm>
-          <a:prstGeom prst="rect">
-            <a:avLst/>
-          </a:prstGeom>
-        </p:spPr>
-        <p:txBody>
-          <a:bodyPr vert="horz" lIns="91440" tIns="45720" rIns="91440" bIns="45720" rtlCol="0">
-            <a:normAutofit/>
-          </a:bodyPr>
-          <a:lstStyle>
-            <a:lvl1pPr marL="0" indent="0" algn="l" defTabSz="914400" rtl="0" eaLnBrk="1" latinLnBrk="0" hangingPunct="1">
-              <a:lnSpc>
-                <a:spcPct val="90000"/>
-              </a:lnSpc>
-              <a:spcBef>
-                <a:spcPts val="1000"/>
-              </a:spcBef>
-              <a:buFont typeface="Arial" panose="020B0604020202020204" pitchFamily="34" charset="0"/>
-              <a:buNone/>
-              <a:defRPr sz="2400" kern="1200">
-                <a:solidFill>
-                  <a:schemeClr val="tx1">
-                    <a:lumMod val="75000"/>
-                    <a:lumOff val="25000"/>
-                  </a:schemeClr>
-                </a:solidFill>
-                <a:latin typeface="+mn-lt"/>
-                <a:ea typeface="+mn-ea"/>
-                <a:cs typeface="+mn-cs"/>
-              </a:defRPr>
-            </a:lvl1pPr>
-            <a:lvl2pPr marL="457200" indent="0" algn="l" defTabSz="914400" rtl="0" eaLnBrk="1" latinLnBrk="0" hangingPunct="1">
-              <a:lnSpc>
-                <a:spcPct val="90000"/>
-              </a:lnSpc>
-              <a:spcBef>
-                <a:spcPts val="500"/>
-              </a:spcBef>
-              <a:buFont typeface="Arial" panose="020B0604020202020204" pitchFamily="34" charset="0"/>
-              <a:buNone/>
-              <a:defRPr sz="2000" kern="1200">
-                <a:solidFill>
-                  <a:schemeClr val="tx1">
-                    <a:tint val="75000"/>
-                  </a:schemeClr>
-                </a:solidFill>
-                <a:latin typeface="+mn-lt"/>
-                <a:ea typeface="+mn-ea"/>
-                <a:cs typeface="+mn-cs"/>
-              </a:defRPr>
-            </a:lvl2pPr>
-            <a:lvl3pPr marL="914400" indent="0" algn="l" defTabSz="914400" rtl="0" eaLnBrk="1" latinLnBrk="0" hangingPunct="1">
-              <a:lnSpc>
-                <a:spcPct val="90000"/>
-              </a:lnSpc>
-              <a:spcBef>
-                <a:spcPts val="500"/>
-              </a:spcBef>
-              <a:buFont typeface="Arial" panose="020B0604020202020204" pitchFamily="34" charset="0"/>
-              <a:buNone/>
-              <a:defRPr sz="1800" kern="1200">
-                <a:solidFill>
-                  <a:schemeClr val="tx1">
-                    <a:tint val="75000"/>
-                  </a:schemeClr>
-                </a:solidFill>
-                <a:latin typeface="+mn-lt"/>
-                <a:ea typeface="+mn-ea"/>
-                <a:cs typeface="+mn-cs"/>
-              </a:defRPr>
-            </a:lvl3pPr>
-            <a:lvl4pPr marL="1371600" indent="0" algn="l" defTabSz="914400" rtl="0" eaLnBrk="1" latinLnBrk="0" hangingPunct="1">
-              <a:lnSpc>
-                <a:spcPct val="90000"/>
-              </a:lnSpc>
-              <a:spcBef>
-                <a:spcPts val="500"/>
-              </a:spcBef>
-              <a:buFont typeface="Arial" panose="020B0604020202020204" pitchFamily="34" charset="0"/>
-              <a:buNone/>
-              <a:defRPr sz="1600" kern="1200">
-                <a:solidFill>
-                  <a:schemeClr val="tx1">
-                    <a:tint val="75000"/>
-                  </a:schemeClr>
-                </a:solidFill>
-                <a:latin typeface="+mn-lt"/>
-                <a:ea typeface="+mn-ea"/>
-                <a:cs typeface="+mn-cs"/>
-              </a:defRPr>
-            </a:lvl4pPr>
-            <a:lvl5pPr marL="1828800" indent="0" algn="l" defTabSz="914400" rtl="0" eaLnBrk="1" latinLnBrk="0" hangingPunct="1">
-              <a:lnSpc>
-                <a:spcPct val="90000"/>
-              </a:lnSpc>
-              <a:spcBef>
-                <a:spcPts val="500"/>
-              </a:spcBef>
-              <a:buFont typeface="Arial" panose="020B0604020202020204" pitchFamily="34" charset="0"/>
-              <a:buNone/>
-              <a:defRPr sz="1600" kern="1200">
-                <a:solidFill>
-                  <a:schemeClr val="tx1">
-                    <a:tint val="75000"/>
-                  </a:schemeClr>
-                </a:solidFill>
-                <a:latin typeface="+mn-lt"/>
-                <a:ea typeface="+mn-ea"/>
-                <a:cs typeface="+mn-cs"/>
-              </a:defRPr>
-            </a:lvl5pPr>
-            <a:lvl6pPr marL="2286000" indent="0" algn="l" defTabSz="914400" rtl="0" eaLnBrk="1" latinLnBrk="0" hangingPunct="1">
-              <a:lnSpc>
-                <a:spcPct val="90000"/>
-              </a:lnSpc>
-              <a:spcBef>
-                <a:spcPts val="500"/>
-              </a:spcBef>
-              <a:buFont typeface="Arial" panose="020B0604020202020204" pitchFamily="34" charset="0"/>
-              <a:buNone/>
-              <a:defRPr sz="1600" kern="1200">
-                <a:solidFill>
-                  <a:schemeClr val="tx1">
-                    <a:tint val="75000"/>
-                  </a:schemeClr>
-                </a:solidFill>
-                <a:latin typeface="+mn-lt"/>
-                <a:ea typeface="+mn-ea"/>
-                <a:cs typeface="+mn-cs"/>
-              </a:defRPr>
-            </a:lvl6pPr>
-            <a:lvl7pPr marL="2743200" indent="0" algn="l" defTabSz="914400" rtl="0" eaLnBrk="1" latinLnBrk="0" hangingPunct="1">
-              <a:lnSpc>
-                <a:spcPct val="90000"/>
-              </a:lnSpc>
-              <a:spcBef>
-                <a:spcPts val="500"/>
-              </a:spcBef>
-              <a:buFont typeface="Arial" panose="020B0604020202020204" pitchFamily="34" charset="0"/>
-              <a:buNone/>
-              <a:defRPr sz="1600" kern="1200">
-                <a:solidFill>
-                  <a:schemeClr val="tx1">
-                    <a:tint val="75000"/>
-                  </a:schemeClr>
-                </a:solidFill>
-                <a:latin typeface="+mn-lt"/>
-                <a:ea typeface="+mn-ea"/>
-                <a:cs typeface="+mn-cs"/>
-              </a:defRPr>
-            </a:lvl7pPr>
-            <a:lvl8pPr marL="3200400" indent="0" algn="l" defTabSz="914400" rtl="0" eaLnBrk="1" latinLnBrk="0" hangingPunct="1">
-              <a:lnSpc>
-                <a:spcPct val="90000"/>
-              </a:lnSpc>
-              <a:spcBef>
-                <a:spcPts val="500"/>
-              </a:spcBef>
-              <a:buFont typeface="Arial" panose="020B0604020202020204" pitchFamily="34" charset="0"/>
-              <a:buNone/>
-              <a:defRPr sz="1600" kern="1200">
-                <a:solidFill>
-                  <a:schemeClr val="tx1">
-                    <a:tint val="75000"/>
-                  </a:schemeClr>
-                </a:solidFill>
-                <a:latin typeface="+mn-lt"/>
-                <a:ea typeface="+mn-ea"/>
-                <a:cs typeface="+mn-cs"/>
-              </a:defRPr>
-            </a:lvl8pPr>
-            <a:lvl9pPr marL="3657600" indent="0" algn="l" defTabSz="914400" rtl="0" eaLnBrk="1" latinLnBrk="0" hangingPunct="1">
-              <a:lnSpc>
-                <a:spcPct val="90000"/>
-              </a:lnSpc>
-              <a:spcBef>
-                <a:spcPts val="500"/>
-              </a:spcBef>
-              <a:buFont typeface="Arial" panose="020B0604020202020204" pitchFamily="34" charset="0"/>
-              <a:buNone/>
-              <a:defRPr sz="1600" kern="1200">
-                <a:solidFill>
-                  <a:schemeClr val="tx1">
-                    <a:tint val="75000"/>
-                  </a:schemeClr>
-                </a:solidFill>
-                <a:latin typeface="+mn-lt"/>
-                <a:ea typeface="+mn-ea"/>
-                <a:cs typeface="+mn-cs"/>
-              </a:defRPr>
-            </a:lvl9pPr>
-          </a:lstStyle>
-          <a:p>
-            <a:r>
-              <a:rPr lang="ru-RU" sz="1800" b="1" dirty="0">
-                <a:solidFill>
-                  <a:schemeClr val="tx1">
-                    <a:lumMod val="65000"/>
-                    <a:lumOff val="35000"/>
-                  </a:schemeClr>
-                </a:solidFill>
-                <a:effectLst>
-                  <a:outerShdw blurRad="38100" dist="38100" dir="2700000" algn="tl">
-                    <a:srgbClr val="000000">
-                      <a:alpha val="43137"/>
-                    </a:srgbClr>
-                  </a:outerShdw>
-                </a:effectLst>
-              </a:rPr>
-              <a:t>о</a:t>
-            </a:r>
-            <a:r>
-              <a:rPr lang="ru-RU" sz="1800" b="1" dirty="0" smtClean="0">
-                <a:solidFill>
-                  <a:schemeClr val="tx1">
-                    <a:lumMod val="65000"/>
-                    <a:lumOff val="35000"/>
-                  </a:schemeClr>
-                </a:solidFill>
-                <a:effectLst>
-                  <a:outerShdw blurRad="38100" dist="38100" dir="2700000" algn="tl">
-                    <a:srgbClr val="000000">
-                      <a:alpha val="43137"/>
-                    </a:srgbClr>
-                  </a:outerShdw>
-                </a:effectLst>
-              </a:rPr>
-              <a:t>ктябрь 2021 года</a:t>
-            </a:r>
-            <a:endParaRPr lang="ru-RU" sz="1800" b="1" dirty="0">
-              <a:solidFill>
-                <a:schemeClr val="tx1">
-                  <a:lumMod val="65000"/>
-                  <a:lumOff val="35000"/>
-                </a:schemeClr>
-              </a:solidFill>
-              <a:effectLst>
-                <a:outerShdw blurRad="38100" dist="38100" dir="2700000" algn="tl">
-                  <a:srgbClr val="000000">
-                    <a:alpha val="43137"/>
-                  </a:srgbClr>
-                </a:outerShdw>
-              </a:effectLst>
-            </a:endParaRPr>
-          </a:p>
-        </p:txBody>
-      </p:sp>
-    </p:spTree>
-    <p:extLst>
-      <p:ext uri="{BB962C8B-B14F-4D97-AF65-F5344CB8AC3E}">
-        <p14:creationId xmlns:p14="http://schemas.microsoft.com/office/powerpoint/2010/main" val="1398363467"/>
-      </p:ext>
-    </p:extLst>
-  </p:cSld>
-  <p:clrMapOvr>
-    <a:masterClrMapping/>
-  </p:clrMapOvr>
-</p:sld>
-</file>
-
-<file path=ppt/slides/slide3.xml><?xml version="1.0" encoding="utf-8"?>
-<p:sld xmlns:a="http://schemas.openxmlformats.org/drawingml/2006/main" xmlns:r="http://schemas.openxmlformats.org/officeDocument/2006/relationships" xmlns:p="http://schemas.openxmlformats.org/presentationml/2006/main">
-  <p:cSld>
-    <p:spTree>
-      <p:nvGrpSpPr>
-        <p:cNvPr id="1" name=""/>
-        <p:cNvGrpSpPr/>
-        <p:nvPr/>
-      </p:nvGrpSpPr>
-      <p:grpSpPr>
-        <a:xfrm>
-          <a:off x="0" y="0"/>
-          <a:ext cx="0" cy="0"/>
-          <a:chOff x="0" y="0"/>
-          <a:chExt cx="0" cy="0"/>
-        </a:xfrm>
-      </p:grpSpPr>
-      <p:sp>
-        <p:nvSpPr>
           <p:cNvPr id="4" name="Блок-схема: процесс 3"/>
           <p:cNvSpPr/>
           <p:nvPr/>
         </p:nvSpPr>
         <p:spPr>
           <a:xfrm flipV="1">
-            <a:off x="395654" y="756137"/>
+            <a:off x="395654" y="603541"/>
             <a:ext cx="11649808" cy="45719"/>
           </a:xfrm>
           <a:prstGeom prst="flowChartProcess">
@@ -4045,7 +3321,7 @@
                 <a:srgbClr val="00B0F0"/>
               </a:gs>
               <a:gs pos="28000">
-                <a:srgbClr val="F0EA00"/>
+                <a:srgbClr val="FFFF00"/>
               </a:gs>
               <a:gs pos="0">
                 <a:srgbClr val="FF2F2F"/>
@@ -4106,8 +3382,8 @@
         </p:nvSpPr>
         <p:spPr>
           <a:xfrm>
-            <a:off x="395654" y="294472"/>
-            <a:ext cx="2215661" cy="461665"/>
+            <a:off x="395654" y="187595"/>
+            <a:ext cx="6301237" cy="461665"/>
           </a:xfrm>
           <a:prstGeom prst="rect">
             <a:avLst/>
@@ -4134,7 +3410,7 @@
                   </a:outerShdw>
                 </a:effectLst>
               </a:rPr>
-              <a:t>О себе</a:t>
+              <a:t>Анализ отзывов приложений </a:t>
             </a:r>
             <a:endParaRPr lang="ru-RU" sz="2400" dirty="0">
               <a:ln w="0"/>
@@ -4152,16 +3428,160 @@
           </a:p>
         </p:txBody>
       </p:sp>
-      <p:sp>
-        <p:nvSpPr>
-          <p:cNvPr id="6" name="Прямоугольник 5"/>
+      <p:pic>
+        <p:nvPicPr>
+          <p:cNvPr id="3074" name="Picture 2"/>
+          <p:cNvPicPr>
+            <a:picLocks noChangeAspect="1" noChangeArrowheads="1"/>
+          </p:cNvPicPr>
+          <p:nvPr/>
+        </p:nvPicPr>
+        <p:blipFill>
+          <a:blip r:embed="rId2">
+            <a:extLst>
+              <a:ext uri="{BEBA8EAE-BF5A-486C-A8C5-ECC9F3942E4B}">
+                <a14:imgProps xmlns:a14="http://schemas.microsoft.com/office/drawing/2010/main">
+                  <a14:imgLayer r:embed="rId3">
+                    <a14:imgEffect>
+                      <a14:sharpenSoften amount="25000"/>
+                    </a14:imgEffect>
+                  </a14:imgLayer>
+                </a14:imgProps>
+              </a:ext>
+              <a:ext uri="{28A0092B-C50C-407E-A947-70E740481C1C}">
+                <a14:useLocalDpi xmlns:a14="http://schemas.microsoft.com/office/drawing/2010/main" val="0"/>
+              </a:ext>
+            </a:extLst>
+          </a:blip>
+          <a:srcRect/>
+          <a:stretch>
+            <a:fillRect/>
+          </a:stretch>
+        </p:blipFill>
+        <p:spPr bwMode="auto">
+          <a:xfrm>
+            <a:off x="156176" y="945859"/>
+            <a:ext cx="6003716" cy="4291159"/>
+          </a:xfrm>
+          <a:prstGeom prst="rect">
+            <a:avLst/>
+          </a:prstGeom>
+          <a:noFill/>
+          <a:ln>
+            <a:noFill/>
+          </a:ln>
+          <a:effectLst/>
+          <a:extLst>
+            <a:ext uri="{909E8E84-426E-40DD-AFC4-6F175D3DCCD1}">
+              <a14:hiddenFill xmlns:a14="http://schemas.microsoft.com/office/drawing/2010/main">
+                <a:solidFill>
+                  <a:schemeClr val="accent1"/>
+                </a:solidFill>
+              </a14:hiddenFill>
+            </a:ext>
+            <a:ext uri="{91240B29-F687-4F45-9708-019B960494DF}">
+              <a14:hiddenLine xmlns:a14="http://schemas.microsoft.com/office/drawing/2010/main" w="9525">
+                <a:solidFill>
+                  <a:schemeClr val="tx1"/>
+                </a:solidFill>
+                <a:miter lim="800000"/>
+                <a:headEnd/>
+                <a:tailEnd/>
+              </a14:hiddenLine>
+            </a:ext>
+            <a:ext uri="{AF507438-7753-43E0-B8FC-AC1667EBCBE1}">
+              <a14:hiddenEffects xmlns:a14="http://schemas.microsoft.com/office/drawing/2010/main">
+                <a:effectLst>
+                  <a:outerShdw dist="35921" dir="2700000" algn="ctr" rotWithShape="0">
+                    <a:schemeClr val="bg2"/>
+                  </a:outerShdw>
+                </a:effectLst>
+              </a14:hiddenEffects>
+            </a:ext>
+          </a:extLst>
+        </p:spPr>
+      </p:pic>
+      <p:pic>
+        <p:nvPicPr>
+          <p:cNvPr id="3075" name="Picture 3"/>
+          <p:cNvPicPr>
+            <a:picLocks noChangeAspect="1" noChangeArrowheads="1"/>
+          </p:cNvPicPr>
+          <p:nvPr/>
+        </p:nvPicPr>
+        <p:blipFill rotWithShape="1">
+          <a:blip r:embed="rId4">
+            <a:extLst>
+              <a:ext uri="{BEBA8EAE-BF5A-486C-A8C5-ECC9F3942E4B}">
+                <a14:imgProps xmlns:a14="http://schemas.microsoft.com/office/drawing/2010/main">
+                  <a14:imgLayer r:embed="rId5">
+                    <a14:imgEffect>
+                      <a14:sharpenSoften amount="25000"/>
+                    </a14:imgEffect>
+                  </a14:imgLayer>
+                </a14:imgProps>
+              </a:ext>
+              <a:ext uri="{28A0092B-C50C-407E-A947-70E740481C1C}">
+                <a14:useLocalDpi xmlns:a14="http://schemas.microsoft.com/office/drawing/2010/main" val="0"/>
+              </a:ext>
+            </a:extLst>
+          </a:blip>
+          <a:srcRect t="2241" b="3712"/>
+          <a:stretch/>
+        </p:blipFill>
+        <p:spPr bwMode="auto">
+          <a:xfrm>
+            <a:off x="5485182" y="1131847"/>
+            <a:ext cx="6643457" cy="5693889"/>
+          </a:xfrm>
+          <a:prstGeom prst="rect">
+            <a:avLst/>
+          </a:prstGeom>
+          <a:noFill/>
+          <a:ln>
+            <a:noFill/>
+          </a:ln>
+          <a:effectLst/>
+          <a:extLst>
+            <a:ext uri="{909E8E84-426E-40DD-AFC4-6F175D3DCCD1}">
+              <a14:hiddenFill xmlns:a14="http://schemas.microsoft.com/office/drawing/2010/main">
+                <a:solidFill>
+                  <a:schemeClr val="accent1"/>
+                </a:solidFill>
+              </a14:hiddenFill>
+            </a:ext>
+            <a:ext uri="{91240B29-F687-4F45-9708-019B960494DF}">
+              <a14:hiddenLine xmlns:a14="http://schemas.microsoft.com/office/drawing/2010/main" w="9525">
+                <a:solidFill>
+                  <a:schemeClr val="tx1"/>
+                </a:solidFill>
+                <a:miter lim="800000"/>
+                <a:headEnd/>
+                <a:tailEnd/>
+              </a14:hiddenLine>
+            </a:ext>
+            <a:ext uri="{AF507438-7753-43E0-B8FC-AC1667EBCBE1}">
+              <a14:hiddenEffects xmlns:a14="http://schemas.microsoft.com/office/drawing/2010/main">
+                <a:effectLst>
+                  <a:outerShdw dist="35921" dir="2700000" algn="ctr" rotWithShape="0">
+                    <a:schemeClr val="bg2"/>
+                  </a:outerShdw>
+                </a:effectLst>
+              </a14:hiddenEffects>
+            </a:ext>
+          </a:extLst>
+        </p:spPr>
+      </p:pic>
+      <p:sp>
+        <p:nvSpPr>
+          <p:cNvPr id="2" name="Прямоугольник 1"/>
           <p:cNvSpPr/>
           <p:nvPr/>
         </p:nvSpPr>
         <p:spPr>
           <a:xfrm>
-            <a:off x="395654" y="1094709"/>
-            <a:ext cx="10002380" cy="5724644"/>
+            <a:off x="7424358" y="668860"/>
+            <a:ext cx="3679071" cy="276999"/>
           </a:xfrm>
           <a:prstGeom prst="rect">
             <a:avLst/>
@@ -4173,1220 +3593,59 @@
           </a:bodyPr>
           <a:lstStyle/>
           <a:p>
-            <a:pPr marL="285750" indent="-285750">
-              <a:buClr>
-                <a:srgbClr val="009AD0"/>
-              </a:buClr>
-              <a:buFont typeface="Wingdings" panose="05000000000000000000" pitchFamily="2" charset="2"/>
-              <a:buChar char="Ø"/>
-            </a:pPr>
-            <a:r>
-              <a:rPr lang="ru-RU" i="1" dirty="0" smtClean="0">
-                <a:solidFill>
-                  <a:schemeClr val="tx1">
-                    <a:lumMod val="65000"/>
-                    <a:lumOff val="35000"/>
-                  </a:schemeClr>
-                </a:solidFill>
-              </a:rPr>
-              <a:t>Давыдова Екатерина Геннадьевна</a:t>
-            </a:r>
-          </a:p>
-          <a:p>
-            <a:pPr marL="285750" indent="-285750">
-              <a:buClr>
-                <a:srgbClr val="009AD0"/>
-              </a:buClr>
-              <a:buFont typeface="Wingdings" panose="05000000000000000000" pitchFamily="2" charset="2"/>
-              <a:buChar char="Ø"/>
-            </a:pPr>
-            <a:r>
-              <a:rPr lang="ru-RU" i="1" dirty="0" smtClean="0">
-                <a:solidFill>
-                  <a:schemeClr val="tx1">
-                    <a:lumMod val="65000"/>
-                    <a:lumOff val="35000"/>
-                  </a:schemeClr>
-                </a:solidFill>
-              </a:rPr>
-              <a:t>Улан-Удэ, готова к переезду</a:t>
-            </a:r>
-          </a:p>
-          <a:p>
-            <a:pPr marL="285750" indent="-285750">
-              <a:buClr>
-                <a:srgbClr val="009AD0"/>
-              </a:buClr>
-              <a:buFont typeface="Wingdings" panose="05000000000000000000" pitchFamily="2" charset="2"/>
-              <a:buChar char="Ø"/>
-            </a:pPr>
-            <a:r>
-              <a:rPr lang="ru-RU" i="1" dirty="0" smtClean="0">
-                <a:solidFill>
-                  <a:schemeClr val="tx1">
-                    <a:lumMod val="65000"/>
-                    <a:lumOff val="35000"/>
-                  </a:schemeClr>
-                </a:solidFill>
-              </a:rPr>
-              <a:t>Экономическое образование</a:t>
-            </a:r>
-          </a:p>
-          <a:p>
-            <a:pPr marL="285750" indent="-285750">
-              <a:buClr>
-                <a:srgbClr val="009AD0"/>
-              </a:buClr>
-              <a:buFont typeface="Wingdings" panose="05000000000000000000" pitchFamily="2" charset="2"/>
-              <a:buChar char="Ø"/>
-            </a:pPr>
-            <a:r>
-              <a:rPr lang="ru-RU" i="1" dirty="0" smtClean="0">
-                <a:solidFill>
-                  <a:schemeClr val="tx1">
-                    <a:lumMod val="65000"/>
-                    <a:lumOff val="35000"/>
-                  </a:schemeClr>
-                </a:solidFill>
-              </a:rPr>
-              <a:t>Опыт в Сбере </a:t>
-            </a:r>
-            <a:r>
-              <a:rPr lang="ru-RU" i="1" dirty="0">
-                <a:solidFill>
-                  <a:schemeClr val="tx1">
-                    <a:lumMod val="65000"/>
-                    <a:lumOff val="35000"/>
-                  </a:schemeClr>
-                </a:solidFill>
-              </a:rPr>
-              <a:t>:</a:t>
-            </a:r>
-            <a:endParaRPr lang="ru-RU" i="1" dirty="0" smtClean="0">
-              <a:solidFill>
-                <a:schemeClr val="tx1">
-                  <a:lumMod val="65000"/>
-                  <a:lumOff val="35000"/>
-                </a:schemeClr>
-              </a:solidFill>
-            </a:endParaRPr>
-          </a:p>
-          <a:p>
-            <a:r>
-              <a:rPr lang="ru-RU" sz="1000" b="1" i="1" dirty="0">
-                <a:solidFill>
-                  <a:schemeClr val="tx1">
-                    <a:lumMod val="65000"/>
-                    <a:lumOff val="35000"/>
-                  </a:schemeClr>
-                </a:solidFill>
-              </a:rPr>
-              <a:t>Финансовый отдел, старший </a:t>
-            </a:r>
-            <a:r>
-              <a:rPr lang="ru-RU" sz="1000" b="1" i="1" dirty="0" smtClean="0">
-                <a:solidFill>
-                  <a:schemeClr val="tx1">
-                    <a:lumMod val="65000"/>
-                    <a:lumOff val="35000"/>
-                  </a:schemeClr>
-                </a:solidFill>
-              </a:rPr>
-              <a:t>экономист,</a:t>
-            </a:r>
-            <a:r>
-              <a:rPr lang="ru-RU" sz="1000" b="1" i="1" dirty="0"/>
-              <a:t> </a:t>
-            </a:r>
-            <a:r>
-              <a:rPr lang="ru-RU" sz="1000" b="1" i="1" dirty="0">
-                <a:solidFill>
-                  <a:schemeClr val="tx1">
-                    <a:lumMod val="65000"/>
-                    <a:lumOff val="35000"/>
-                  </a:schemeClr>
-                </a:solidFill>
-              </a:rPr>
-              <a:t>д</a:t>
-            </a:r>
-            <a:r>
-              <a:rPr lang="ru-RU" sz="1000" b="1" i="1" dirty="0" smtClean="0">
-                <a:solidFill>
-                  <a:schemeClr val="tx1">
-                    <a:lumMod val="65000"/>
-                    <a:lumOff val="35000"/>
-                  </a:schemeClr>
-                </a:solidFill>
-              </a:rPr>
-              <a:t>олжностные </a:t>
-            </a:r>
-            <a:r>
-              <a:rPr lang="ru-RU" sz="1000" b="1" i="1" dirty="0">
-                <a:solidFill>
-                  <a:schemeClr val="tx1">
-                    <a:lumMod val="65000"/>
-                    <a:lumOff val="35000"/>
-                  </a:schemeClr>
-                </a:solidFill>
-              </a:rPr>
-              <a:t>обязанности: </a:t>
-            </a:r>
-          </a:p>
-          <a:p>
-            <a:pPr lvl="0"/>
-            <a:r>
-              <a:rPr lang="ru-RU" sz="1000" i="1" dirty="0" smtClean="0">
-                <a:solidFill>
-                  <a:schemeClr val="tx1">
-                    <a:lumMod val="65000"/>
-                    <a:lumOff val="35000"/>
-                  </a:schemeClr>
-                </a:solidFill>
-              </a:rPr>
-              <a:t>-Формирование </a:t>
-            </a:r>
-            <a:r>
-              <a:rPr lang="ru-RU" sz="1000" i="1" dirty="0">
-                <a:solidFill>
-                  <a:schemeClr val="tx1">
-                    <a:lumMod val="65000"/>
-                    <a:lumOff val="35000"/>
-                  </a:schemeClr>
-                </a:solidFill>
-              </a:rPr>
-              <a:t>еженедельной информации по выполнению контрольных показателей бизнес плана на планерные заседания территориального банка и </a:t>
-            </a:r>
-            <a:r>
-              <a:rPr lang="ru-RU" sz="1000" i="1" dirty="0" smtClean="0">
-                <a:solidFill>
-                  <a:schemeClr val="tx1">
-                    <a:lumMod val="65000"/>
-                    <a:lumOff val="35000"/>
-                  </a:schemeClr>
-                </a:solidFill>
-              </a:rPr>
-              <a:t>ГОСБ;</a:t>
-            </a:r>
-            <a:endParaRPr lang="ru-RU" sz="1000" i="1" dirty="0">
-              <a:solidFill>
-                <a:schemeClr val="tx1">
-                  <a:lumMod val="65000"/>
-                  <a:lumOff val="35000"/>
-                </a:schemeClr>
-              </a:solidFill>
-            </a:endParaRPr>
-          </a:p>
-          <a:p>
-            <a:pPr lvl="0"/>
-            <a:r>
-              <a:rPr lang="ru-RU" sz="1000" i="1" dirty="0" smtClean="0">
-                <a:solidFill>
-                  <a:schemeClr val="tx1">
-                    <a:lumMod val="65000"/>
-                    <a:lumOff val="35000"/>
-                  </a:schemeClr>
-                </a:solidFill>
-              </a:rPr>
-              <a:t>-Формирование </a:t>
-            </a:r>
-            <a:r>
-              <a:rPr lang="ru-RU" sz="1000" i="1" dirty="0">
-                <a:solidFill>
-                  <a:schemeClr val="tx1">
-                    <a:lumMod val="65000"/>
-                    <a:lumOff val="35000"/>
-                  </a:schemeClr>
-                </a:solidFill>
-              </a:rPr>
-              <a:t>материалов на Совет Отделения по итогам работы и </a:t>
-            </a:r>
-            <a:r>
-              <a:rPr lang="en-US" sz="1000" i="1" dirty="0">
-                <a:solidFill>
-                  <a:schemeClr val="tx1">
-                    <a:lumMod val="65000"/>
-                    <a:lumOff val="35000"/>
-                  </a:schemeClr>
-                </a:solidFill>
-              </a:rPr>
-              <a:t>PD</a:t>
-            </a:r>
-            <a:r>
-              <a:rPr lang="ru-RU" sz="1000" i="1" dirty="0">
-                <a:solidFill>
-                  <a:schemeClr val="tx1">
-                    <a:lumMod val="65000"/>
-                    <a:lumOff val="35000"/>
-                  </a:schemeClr>
-                </a:solidFill>
-              </a:rPr>
-              <a:t>;</a:t>
-            </a:r>
-          </a:p>
-          <a:p>
-            <a:r>
-              <a:rPr lang="ru-RU" sz="1000" i="1" dirty="0" smtClean="0">
-                <a:solidFill>
-                  <a:schemeClr val="tx1">
-                    <a:lumMod val="65000"/>
-                    <a:lumOff val="35000"/>
-                  </a:schemeClr>
-                </a:solidFill>
-              </a:rPr>
-              <a:t>-Анализ </a:t>
-            </a:r>
-            <a:r>
-              <a:rPr lang="ru-RU" sz="1000" i="1" dirty="0">
-                <a:solidFill>
-                  <a:schemeClr val="tx1">
-                    <a:lumMod val="65000"/>
-                    <a:lumOff val="35000"/>
-                  </a:schemeClr>
-                </a:solidFill>
-              </a:rPr>
-              <a:t>и прогноз развития рынка банковских услуг, конкурентной среды по Республике </a:t>
-            </a:r>
-            <a:r>
-              <a:rPr lang="ru-RU" sz="1000" i="1" dirty="0" smtClean="0">
-                <a:solidFill>
-                  <a:schemeClr val="tx1">
-                    <a:lumMod val="65000"/>
-                    <a:lumOff val="35000"/>
-                  </a:schemeClr>
-                </a:solidFill>
-              </a:rPr>
-              <a:t>Бурятия;</a:t>
-            </a:r>
-          </a:p>
-          <a:p>
-            <a:r>
-              <a:rPr lang="ru-RU" sz="1000" i="1" dirty="0" smtClean="0">
-                <a:solidFill>
-                  <a:schemeClr val="tx1">
-                    <a:lumMod val="65000"/>
-                    <a:lumOff val="35000"/>
-                  </a:schemeClr>
-                </a:solidFill>
-              </a:rPr>
-              <a:t>-Анализ </a:t>
-            </a:r>
-            <a:r>
-              <a:rPr lang="ru-RU" sz="1000" i="1" dirty="0">
-                <a:solidFill>
-                  <a:schemeClr val="tx1">
-                    <a:lumMod val="65000"/>
-                    <a:lumOff val="35000"/>
-                  </a:schemeClr>
-                </a:solidFill>
-              </a:rPr>
-              <a:t>изменения рыночных позиций по районам Республики </a:t>
-            </a:r>
-            <a:r>
-              <a:rPr lang="ru-RU" sz="1000" i="1" dirty="0" smtClean="0">
-                <a:solidFill>
-                  <a:schemeClr val="tx1">
-                    <a:lumMod val="65000"/>
-                    <a:lumOff val="35000"/>
-                  </a:schemeClr>
-                </a:solidFill>
-              </a:rPr>
-              <a:t>Бурятия;</a:t>
-            </a:r>
-          </a:p>
-          <a:p>
-            <a:r>
-              <a:rPr lang="ru-RU" sz="1000" i="1" dirty="0" smtClean="0">
-                <a:solidFill>
-                  <a:schemeClr val="tx1">
-                    <a:lumMod val="65000"/>
-                    <a:lumOff val="35000"/>
-                  </a:schemeClr>
-                </a:solidFill>
-              </a:rPr>
-              <a:t>- Участие в разработке бизнес плана ГОСБ.</a:t>
-            </a:r>
-            <a:endParaRPr lang="ru-RU" sz="1000" i="1" dirty="0">
-              <a:solidFill>
-                <a:schemeClr val="tx1">
-                  <a:lumMod val="65000"/>
-                  <a:lumOff val="35000"/>
-                </a:schemeClr>
-              </a:solidFill>
-            </a:endParaRPr>
-          </a:p>
-          <a:p>
-            <a:pPr>
-              <a:buClr>
-                <a:srgbClr val="009AD0"/>
-              </a:buClr>
-            </a:pPr>
-            <a:r>
-              <a:rPr lang="ru-RU" sz="1000" b="1" i="1" dirty="0" smtClean="0">
-                <a:solidFill>
-                  <a:schemeClr val="tx1">
-                    <a:lumMod val="65000"/>
-                    <a:lumOff val="35000"/>
-                  </a:schemeClr>
-                </a:solidFill>
-              </a:rPr>
-              <a:t>Управление </a:t>
-            </a:r>
-            <a:r>
-              <a:rPr lang="ru-RU" sz="1000" b="1" i="1" dirty="0">
-                <a:solidFill>
-                  <a:schemeClr val="tx1">
-                    <a:lumMod val="65000"/>
-                    <a:lumOff val="35000"/>
-                  </a:schemeClr>
-                </a:solidFill>
-              </a:rPr>
-              <a:t>продаж и обслуживания сети </a:t>
-            </a:r>
-            <a:r>
-              <a:rPr lang="ru-RU" sz="1000" b="1" i="1" dirty="0" smtClean="0">
-                <a:solidFill>
-                  <a:schemeClr val="tx1">
-                    <a:lumMod val="65000"/>
-                    <a:lumOff val="35000"/>
-                  </a:schemeClr>
-                </a:solidFill>
-              </a:rPr>
-              <a:t>ВСП, аналитик,</a:t>
-            </a:r>
-            <a:r>
-              <a:rPr lang="ru-RU" sz="1000" b="1" i="1" dirty="0">
-                <a:solidFill>
-                  <a:schemeClr val="tx1">
-                    <a:lumMod val="65000"/>
-                    <a:lumOff val="35000"/>
-                  </a:schemeClr>
-                </a:solidFill>
-              </a:rPr>
-              <a:t> должностные обязанности: </a:t>
-            </a:r>
-          </a:p>
-          <a:p>
-            <a:pPr>
-              <a:buClr>
-                <a:srgbClr val="009AD0"/>
-              </a:buClr>
-            </a:pPr>
-            <a:r>
-              <a:rPr lang="ru-RU" sz="1000" i="1" dirty="0">
-                <a:solidFill>
-                  <a:schemeClr val="tx1">
-                    <a:lumMod val="65000"/>
-                    <a:lumOff val="35000"/>
-                  </a:schemeClr>
-                </a:solidFill>
-              </a:rPr>
-              <a:t>-</a:t>
-            </a:r>
-            <a:r>
-              <a:rPr lang="ru-RU" sz="1000" i="1" dirty="0" smtClean="0">
-                <a:solidFill>
-                  <a:schemeClr val="tx1">
-                    <a:lumMod val="65000"/>
-                    <a:lumOff val="35000"/>
-                  </a:schemeClr>
-                </a:solidFill>
-              </a:rPr>
-              <a:t>Сбор</a:t>
-            </a:r>
-            <a:r>
-              <a:rPr lang="ru-RU" sz="1000" i="1" dirty="0">
-                <a:solidFill>
-                  <a:schemeClr val="tx1">
-                    <a:lumMod val="65000"/>
-                    <a:lumOff val="35000"/>
-                  </a:schemeClr>
-                </a:solidFill>
-              </a:rPr>
-              <a:t>, анализ и визуализацию статистических данных, составление прогнозов в рамках деятельности </a:t>
-            </a:r>
-          </a:p>
-          <a:p>
-            <a:pPr>
-              <a:buClr>
-                <a:srgbClr val="009AD0"/>
-              </a:buClr>
-            </a:pPr>
-            <a:r>
-              <a:rPr lang="ru-RU" sz="1000" i="1" dirty="0">
-                <a:solidFill>
-                  <a:schemeClr val="tx1">
-                    <a:lumMod val="65000"/>
-                    <a:lumOff val="35000"/>
-                  </a:schemeClr>
-                </a:solidFill>
-              </a:rPr>
-              <a:t>подразделения;</a:t>
-            </a:r>
-          </a:p>
-          <a:p>
-            <a:pPr>
-              <a:buClr>
-                <a:srgbClr val="009AD0"/>
-              </a:buClr>
-            </a:pPr>
-            <a:r>
-              <a:rPr lang="ru-RU" sz="1000" i="1" dirty="0">
-                <a:solidFill>
-                  <a:schemeClr val="tx1">
-                    <a:lumMod val="65000"/>
-                    <a:lumOff val="35000"/>
-                  </a:schemeClr>
-                </a:solidFill>
-              </a:rPr>
-              <a:t>-</a:t>
-            </a:r>
-            <a:r>
-              <a:rPr lang="ru-RU" sz="1000" i="1" dirty="0" smtClean="0">
-                <a:solidFill>
-                  <a:schemeClr val="tx1">
-                    <a:lumMod val="65000"/>
-                    <a:lumOff val="35000"/>
-                  </a:schemeClr>
-                </a:solidFill>
-              </a:rPr>
-              <a:t>Контроль </a:t>
-            </a:r>
-            <a:r>
-              <a:rPr lang="ru-RU" sz="1000" i="1" dirty="0">
-                <a:solidFill>
-                  <a:schemeClr val="tx1">
-                    <a:lumMod val="65000"/>
-                    <a:lumOff val="35000"/>
-                  </a:schemeClr>
-                </a:solidFill>
-              </a:rPr>
-              <a:t>выполнения установленных показателей бизнес-плана, приоритетных проектов и показателей </a:t>
-            </a:r>
-          </a:p>
-          <a:p>
-            <a:pPr>
-              <a:buClr>
-                <a:srgbClr val="009AD0"/>
-              </a:buClr>
-            </a:pPr>
-            <a:r>
-              <a:rPr lang="ru-RU" sz="1000" i="1" dirty="0">
-                <a:solidFill>
-                  <a:schemeClr val="tx1">
-                    <a:lumMod val="65000"/>
-                    <a:lumOff val="35000"/>
-                  </a:schemeClr>
-                </a:solidFill>
-              </a:rPr>
-              <a:t>мониторинга на уровне Бурятского Отделения №8601;</a:t>
-            </a:r>
-          </a:p>
-          <a:p>
-            <a:pPr>
-              <a:buClr>
-                <a:srgbClr val="009AD0"/>
-              </a:buClr>
-            </a:pPr>
-            <a:r>
-              <a:rPr lang="ru-RU" sz="1000" i="1" dirty="0">
-                <a:solidFill>
-                  <a:schemeClr val="tx1">
-                    <a:lumMod val="65000"/>
-                    <a:lumOff val="35000"/>
-                  </a:schemeClr>
-                </a:solidFill>
-              </a:rPr>
-              <a:t>-</a:t>
-            </a:r>
-            <a:r>
-              <a:rPr lang="ru-RU" sz="1000" i="1" dirty="0" smtClean="0">
-                <a:solidFill>
-                  <a:schemeClr val="tx1">
-                    <a:lumMod val="65000"/>
-                    <a:lumOff val="35000"/>
-                  </a:schemeClr>
-                </a:solidFill>
-              </a:rPr>
-              <a:t>Мониторинг </a:t>
-            </a:r>
-            <a:r>
-              <a:rPr lang="ru-RU" sz="1000" i="1" dirty="0">
-                <a:solidFill>
-                  <a:schemeClr val="tx1">
-                    <a:lumMod val="65000"/>
-                    <a:lumOff val="35000"/>
-                  </a:schemeClr>
-                </a:solidFill>
-              </a:rPr>
-              <a:t>выполнение поставленных задач Управления</a:t>
-            </a:r>
-            <a:r>
-              <a:rPr lang="ru-RU" sz="1000" i="1" dirty="0" smtClean="0">
-                <a:solidFill>
-                  <a:schemeClr val="tx1">
-                    <a:lumMod val="65000"/>
-                    <a:lumOff val="35000"/>
-                  </a:schemeClr>
-                </a:solidFill>
-              </a:rPr>
-              <a:t>;</a:t>
-            </a:r>
-            <a:endParaRPr lang="ru-RU" sz="1000" i="1" dirty="0">
-              <a:solidFill>
-                <a:schemeClr val="tx1">
-                  <a:lumMod val="65000"/>
-                  <a:lumOff val="35000"/>
-                </a:schemeClr>
-              </a:solidFill>
-            </a:endParaRPr>
-          </a:p>
-          <a:p>
-            <a:pPr>
-              <a:buClr>
-                <a:srgbClr val="009AD0"/>
-              </a:buClr>
-            </a:pPr>
-            <a:r>
-              <a:rPr lang="ru-RU" sz="1000" b="1" i="1" dirty="0" smtClean="0">
-                <a:solidFill>
-                  <a:schemeClr val="tx1">
-                    <a:lumMod val="65000"/>
-                    <a:lumOff val="35000"/>
-                  </a:schemeClr>
-                </a:solidFill>
-              </a:rPr>
-              <a:t>ПСС, менеджер </a:t>
-            </a:r>
-            <a:r>
-              <a:rPr lang="ru-RU" sz="1000" b="1" i="1" dirty="0">
-                <a:solidFill>
-                  <a:schemeClr val="tx1">
-                    <a:lumMod val="65000"/>
-                    <a:lumOff val="35000"/>
-                  </a:schemeClr>
-                </a:solidFill>
-              </a:rPr>
-              <a:t>программы по реализации </a:t>
-            </a:r>
-            <a:r>
-              <a:rPr lang="ru-RU" sz="1000" b="1" i="1" dirty="0" smtClean="0">
-                <a:solidFill>
-                  <a:schemeClr val="tx1">
-                    <a:lumMod val="65000"/>
-                    <a:lumOff val="35000"/>
-                  </a:schemeClr>
-                </a:solidFill>
-              </a:rPr>
-              <a:t>ПСС, должностные </a:t>
-            </a:r>
-            <a:r>
-              <a:rPr lang="ru-RU" sz="1000" b="1" i="1" dirty="0">
-                <a:solidFill>
-                  <a:schemeClr val="tx1">
-                    <a:lumMod val="65000"/>
-                    <a:lumOff val="35000"/>
-                  </a:schemeClr>
-                </a:solidFill>
-              </a:rPr>
-              <a:t>обязанности:</a:t>
-            </a:r>
-          </a:p>
-          <a:p>
-            <a:pPr>
-              <a:buClr>
-                <a:srgbClr val="009AD0"/>
-              </a:buClr>
-            </a:pPr>
-            <a:r>
-              <a:rPr lang="ru-RU" sz="1000" i="1" dirty="0">
-                <a:solidFill>
-                  <a:schemeClr val="tx1">
-                    <a:lumMod val="65000"/>
-                    <a:lumOff val="35000"/>
-                  </a:schemeClr>
-                </a:solidFill>
-              </a:rPr>
-              <a:t>-</a:t>
-            </a:r>
-            <a:r>
-              <a:rPr lang="ru-RU" sz="1000" i="1" dirty="0" smtClean="0">
-                <a:solidFill>
-                  <a:schemeClr val="tx1">
-                    <a:lumMod val="65000"/>
-                    <a:lumOff val="35000"/>
-                  </a:schemeClr>
-                </a:solidFill>
-              </a:rPr>
-              <a:t>Анализ </a:t>
-            </a:r>
-            <a:r>
-              <a:rPr lang="ru-RU" sz="1000" i="1" dirty="0">
-                <a:solidFill>
-                  <a:schemeClr val="tx1">
-                    <a:lumMod val="65000"/>
-                    <a:lumOff val="35000"/>
-                  </a:schemeClr>
-                </a:solidFill>
-              </a:rPr>
-              <a:t>качества эффективности результатов развёртывания ПСС в Отделении и подчинённых ГОСБ;</a:t>
-            </a:r>
-          </a:p>
-          <a:p>
-            <a:pPr>
-              <a:buClr>
-                <a:srgbClr val="009AD0"/>
-              </a:buClr>
-            </a:pPr>
-            <a:r>
-              <a:rPr lang="ru-RU" sz="1000" i="1" dirty="0">
-                <a:solidFill>
-                  <a:schemeClr val="tx1">
-                    <a:lumMod val="65000"/>
-                    <a:lumOff val="35000"/>
-                  </a:schemeClr>
-                </a:solidFill>
-              </a:rPr>
-              <a:t>-</a:t>
-            </a:r>
-            <a:r>
-              <a:rPr lang="ru-RU" sz="1000" i="1" dirty="0" smtClean="0">
-                <a:solidFill>
-                  <a:schemeClr val="tx1">
-                    <a:lumMod val="65000"/>
-                    <a:lumOff val="35000"/>
-                  </a:schemeClr>
-                </a:solidFill>
-              </a:rPr>
-              <a:t>Наставничество </a:t>
-            </a:r>
-            <a:r>
-              <a:rPr lang="ru-RU" sz="1000" i="1" dirty="0">
-                <a:solidFill>
-                  <a:schemeClr val="tx1">
-                    <a:lumMod val="65000"/>
-                    <a:lumOff val="35000"/>
-                  </a:schemeClr>
-                </a:solidFill>
-              </a:rPr>
-              <a:t>по проектам DMAIC/PDCA;</a:t>
-            </a:r>
-          </a:p>
-          <a:p>
-            <a:pPr>
-              <a:buClr>
-                <a:srgbClr val="009AD0"/>
-              </a:buClr>
-            </a:pPr>
-            <a:r>
-              <a:rPr lang="ru-RU" sz="1000" i="1" dirty="0">
-                <a:solidFill>
-                  <a:schemeClr val="tx1">
-                    <a:lumMod val="65000"/>
-                    <a:lumOff val="35000"/>
-                  </a:schemeClr>
-                </a:solidFill>
-              </a:rPr>
-              <a:t>-</a:t>
-            </a:r>
-            <a:r>
-              <a:rPr lang="ru-RU" sz="1000" i="1" dirty="0" smtClean="0">
-                <a:solidFill>
-                  <a:schemeClr val="tx1">
-                    <a:lumMod val="65000"/>
-                    <a:lumOff val="35000"/>
-                  </a:schemeClr>
-                </a:solidFill>
-              </a:rPr>
-              <a:t>Формирование </a:t>
-            </a:r>
-            <a:r>
-              <a:rPr lang="ru-RU" sz="1000" i="1" dirty="0">
-                <a:solidFill>
-                  <a:schemeClr val="tx1">
-                    <a:lumMod val="65000"/>
-                    <a:lumOff val="35000"/>
-                  </a:schemeClr>
-                </a:solidFill>
-              </a:rPr>
-              <a:t>зрелой организации, встречи с кураторами, организация работы по ИД, КП, </a:t>
-            </a:r>
-            <a:r>
-              <a:rPr lang="ru-RU" sz="1000" i="1" dirty="0" err="1">
-                <a:solidFill>
-                  <a:schemeClr val="tx1">
-                    <a:lumMod val="65000"/>
-                    <a:lumOff val="35000"/>
-                  </a:schemeClr>
-                </a:solidFill>
-              </a:rPr>
-              <a:t>Гемба</a:t>
-            </a:r>
-            <a:r>
-              <a:rPr lang="ru-RU" sz="1000" i="1" dirty="0">
-                <a:solidFill>
-                  <a:schemeClr val="tx1">
-                    <a:lumMod val="65000"/>
-                    <a:lumOff val="35000"/>
-                  </a:schemeClr>
-                </a:solidFill>
-              </a:rPr>
-              <a:t>;</a:t>
-            </a:r>
-          </a:p>
-          <a:p>
-            <a:pPr>
-              <a:buClr>
-                <a:srgbClr val="009AD0"/>
-              </a:buClr>
-            </a:pPr>
-            <a:r>
-              <a:rPr lang="ru-RU" sz="1000" b="1" i="1" dirty="0" smtClean="0">
-                <a:solidFill>
-                  <a:schemeClr val="tx1">
-                    <a:lumMod val="65000"/>
-                    <a:lumOff val="35000"/>
-                  </a:schemeClr>
-                </a:solidFill>
-              </a:rPr>
-              <a:t>Управление </a:t>
-            </a:r>
-            <a:r>
-              <a:rPr lang="ru-RU" sz="1000" b="1" i="1" dirty="0">
-                <a:solidFill>
-                  <a:schemeClr val="tx1">
-                    <a:lumMod val="65000"/>
-                    <a:lumOff val="35000"/>
-                  </a:schemeClr>
-                </a:solidFill>
-              </a:rPr>
-              <a:t>по работе с партнерами и ипотечного </a:t>
-            </a:r>
-            <a:r>
-              <a:rPr lang="ru-RU" sz="1000" b="1" i="1" dirty="0" smtClean="0">
-                <a:solidFill>
-                  <a:schemeClr val="tx1">
-                    <a:lumMod val="65000"/>
-                    <a:lumOff val="35000"/>
-                  </a:schemeClr>
-                </a:solidFill>
-              </a:rPr>
-              <a:t>кредитования, аналитик, должностные </a:t>
-            </a:r>
-            <a:r>
-              <a:rPr lang="ru-RU" sz="1000" b="1" i="1" dirty="0">
-                <a:solidFill>
-                  <a:schemeClr val="tx1">
-                    <a:lumMod val="65000"/>
-                    <a:lumOff val="35000"/>
-                  </a:schemeClr>
-                </a:solidFill>
-              </a:rPr>
-              <a:t>обязанности</a:t>
-            </a:r>
-            <a:r>
-              <a:rPr lang="ru-RU" sz="1000" i="1" dirty="0">
-                <a:solidFill>
-                  <a:schemeClr val="tx1">
-                    <a:lumMod val="65000"/>
-                    <a:lumOff val="35000"/>
-                  </a:schemeClr>
-                </a:solidFill>
-              </a:rPr>
-              <a:t>:</a:t>
-            </a:r>
-          </a:p>
-          <a:p>
-            <a:pPr>
-              <a:buClr>
-                <a:srgbClr val="009AD0"/>
-              </a:buClr>
-            </a:pPr>
-            <a:r>
-              <a:rPr lang="ru-RU" sz="1000" i="1" dirty="0">
-                <a:solidFill>
-                  <a:schemeClr val="tx1">
-                    <a:lumMod val="65000"/>
-                    <a:lumOff val="35000"/>
-                  </a:schemeClr>
-                </a:solidFill>
-              </a:rPr>
-              <a:t>-</a:t>
-            </a:r>
-            <a:r>
-              <a:rPr lang="ru-RU" sz="1000" i="1" dirty="0" smtClean="0">
-                <a:solidFill>
-                  <a:schemeClr val="tx1">
-                    <a:lumMod val="65000"/>
-                    <a:lumOff val="35000"/>
-                  </a:schemeClr>
-                </a:solidFill>
-              </a:rPr>
-              <a:t>Подготовка </a:t>
-            </a:r>
-            <a:r>
-              <a:rPr lang="ru-RU" sz="1000" i="1" dirty="0">
-                <a:solidFill>
-                  <a:schemeClr val="tx1">
-                    <a:lumMod val="65000"/>
-                    <a:lumOff val="35000"/>
-                  </a:schemeClr>
-                </a:solidFill>
-              </a:rPr>
-              <a:t>аналитических материалов для бизнес-планирования </a:t>
-            </a:r>
-            <a:r>
-              <a:rPr lang="ru-RU" sz="1000" i="1" dirty="0" err="1">
-                <a:solidFill>
-                  <a:schemeClr val="tx1">
-                    <a:lumMod val="65000"/>
-                    <a:lumOff val="35000"/>
-                  </a:schemeClr>
-                </a:solidFill>
-              </a:rPr>
-              <a:t>ПРПиИК</a:t>
-            </a:r>
-            <a:r>
-              <a:rPr lang="ru-RU" sz="1000" i="1" dirty="0">
-                <a:solidFill>
-                  <a:schemeClr val="tx1">
-                    <a:lumMod val="65000"/>
-                    <a:lumOff val="35000"/>
-                  </a:schemeClr>
-                </a:solidFill>
-              </a:rPr>
-              <a:t> ГОСБ;</a:t>
-            </a:r>
-          </a:p>
-          <a:p>
-            <a:pPr>
-              <a:buClr>
-                <a:srgbClr val="009AD0"/>
-              </a:buClr>
-            </a:pPr>
-            <a:r>
-              <a:rPr lang="ru-RU" sz="1000" i="1" dirty="0">
-                <a:solidFill>
-                  <a:schemeClr val="tx1">
-                    <a:lumMod val="65000"/>
-                    <a:lumOff val="35000"/>
-                  </a:schemeClr>
-                </a:solidFill>
-              </a:rPr>
-              <a:t>-</a:t>
-            </a:r>
-            <a:r>
-              <a:rPr lang="ru-RU" sz="1000" i="1" dirty="0" smtClean="0">
-                <a:solidFill>
-                  <a:schemeClr val="tx1">
-                    <a:lumMod val="65000"/>
-                    <a:lumOff val="35000"/>
-                  </a:schemeClr>
-                </a:solidFill>
-              </a:rPr>
-              <a:t>Участие </a:t>
-            </a:r>
-            <a:r>
-              <a:rPr lang="ru-RU" sz="1000" i="1" dirty="0">
-                <a:solidFill>
-                  <a:schemeClr val="tx1">
-                    <a:lumMod val="65000"/>
-                    <a:lumOff val="35000"/>
-                  </a:schemeClr>
-                </a:solidFill>
-              </a:rPr>
-              <a:t>в разработке и контроле выполнения плана мероприятий направленного на выполнение целевых </a:t>
-            </a:r>
-          </a:p>
-          <a:p>
-            <a:pPr>
-              <a:buClr>
-                <a:srgbClr val="009AD0"/>
-              </a:buClr>
-            </a:pPr>
-            <a:r>
-              <a:rPr lang="ru-RU" sz="1000" i="1" dirty="0">
-                <a:solidFill>
-                  <a:schemeClr val="tx1">
-                    <a:lumMod val="65000"/>
-                    <a:lumOff val="35000"/>
-                  </a:schemeClr>
-                </a:solidFill>
-              </a:rPr>
-              <a:t>показателей бизнес-плана </a:t>
-            </a:r>
-            <a:r>
-              <a:rPr lang="ru-RU" sz="1000" i="1" dirty="0" err="1">
-                <a:solidFill>
-                  <a:schemeClr val="tx1">
-                    <a:lumMod val="65000"/>
-                    <a:lumOff val="35000"/>
-                  </a:schemeClr>
-                </a:solidFill>
-              </a:rPr>
-              <a:t>ПРПиИК</a:t>
-            </a:r>
-            <a:r>
-              <a:rPr lang="ru-RU" sz="1000" i="1" dirty="0">
-                <a:solidFill>
-                  <a:schemeClr val="tx1">
-                    <a:lumMod val="65000"/>
-                    <a:lumOff val="35000"/>
-                  </a:schemeClr>
-                </a:solidFill>
-              </a:rPr>
-              <a:t> ГОСБ по направлению партнеры жилищного кредитования, ипотечного </a:t>
-            </a:r>
-          </a:p>
-          <a:p>
-            <a:pPr>
-              <a:buClr>
-                <a:srgbClr val="009AD0"/>
-              </a:buClr>
-            </a:pPr>
-            <a:r>
-              <a:rPr lang="ru-RU" sz="1000" i="1" dirty="0">
-                <a:solidFill>
-                  <a:schemeClr val="tx1">
-                    <a:lumMod val="65000"/>
-                    <a:lumOff val="35000"/>
-                  </a:schemeClr>
-                </a:solidFill>
-              </a:rPr>
-              <a:t>кредитования, государственных, социальных и пенсионных программ;</a:t>
-            </a:r>
-          </a:p>
-          <a:p>
-            <a:pPr>
-              <a:buClr>
-                <a:srgbClr val="009AD0"/>
-              </a:buClr>
-            </a:pPr>
-            <a:r>
-              <a:rPr lang="ru-RU" sz="1000" i="1" dirty="0">
-                <a:solidFill>
-                  <a:schemeClr val="tx1">
-                    <a:lumMod val="65000"/>
-                    <a:lumOff val="35000"/>
-                  </a:schemeClr>
-                </a:solidFill>
-              </a:rPr>
-              <a:t>-</a:t>
-            </a:r>
-            <a:r>
-              <a:rPr lang="ru-RU" sz="1000" i="1" dirty="0" smtClean="0">
-                <a:solidFill>
-                  <a:schemeClr val="tx1">
-                    <a:lumMod val="65000"/>
-                    <a:lumOff val="35000"/>
-                  </a:schemeClr>
-                </a:solidFill>
-              </a:rPr>
-              <a:t>Участие </a:t>
-            </a:r>
-            <a:r>
-              <a:rPr lang="ru-RU" sz="1000" i="1" dirty="0">
-                <a:solidFill>
-                  <a:schemeClr val="tx1">
-                    <a:lumMod val="65000"/>
-                    <a:lumOff val="35000"/>
-                  </a:schemeClr>
-                </a:solidFill>
-              </a:rPr>
-              <a:t>в разработке предложений по совершенствованию бизнес-процессов и стандартов в разных </a:t>
-            </a:r>
-          </a:p>
-          <a:p>
-            <a:pPr>
-              <a:buClr>
-                <a:srgbClr val="009AD0"/>
-              </a:buClr>
-            </a:pPr>
-            <a:r>
-              <a:rPr lang="ru-RU" sz="1000" i="1" dirty="0">
-                <a:solidFill>
-                  <a:schemeClr val="tx1">
-                    <a:lumMod val="65000"/>
-                    <a:lumOff val="35000"/>
-                  </a:schemeClr>
-                </a:solidFill>
-              </a:rPr>
-              <a:t>областях деятельности РБ по направлению канала «партнеры» в целях повышения эффективности процессов, </a:t>
-            </a:r>
-          </a:p>
-          <a:p>
-            <a:pPr>
-              <a:buClr>
-                <a:srgbClr val="009AD0"/>
-              </a:buClr>
-            </a:pPr>
-            <a:r>
-              <a:rPr lang="ru-RU" sz="1000" i="1" dirty="0">
-                <a:solidFill>
-                  <a:schemeClr val="tx1">
-                    <a:lumMod val="65000"/>
-                    <a:lumOff val="35000"/>
-                  </a:schemeClr>
-                </a:solidFill>
-              </a:rPr>
-              <a:t>сокращения издержек, повышения качества обслуживания</a:t>
-            </a:r>
-            <a:r>
-              <a:rPr lang="ru-RU" sz="1000" i="1" dirty="0" smtClean="0">
-                <a:solidFill>
-                  <a:schemeClr val="tx1">
-                    <a:lumMod val="65000"/>
-                    <a:lumOff val="35000"/>
-                  </a:schemeClr>
-                </a:solidFill>
-              </a:rPr>
-              <a:t>.</a:t>
-            </a:r>
-            <a:endParaRPr lang="ru-RU" sz="1000" i="1" dirty="0">
-              <a:solidFill>
-                <a:schemeClr val="tx1">
-                  <a:lumMod val="65000"/>
-                  <a:lumOff val="35000"/>
-                </a:schemeClr>
-              </a:solidFill>
-            </a:endParaRPr>
-          </a:p>
-          <a:p>
-            <a:pPr marL="285750" indent="-285750">
-              <a:buClr>
-                <a:srgbClr val="009AD0"/>
-              </a:buClr>
-              <a:buFont typeface="Wingdings" panose="05000000000000000000" pitchFamily="2" charset="2"/>
-              <a:buChar char="Ø"/>
-            </a:pPr>
-            <a:r>
-              <a:rPr lang="ru-RU" i="1" dirty="0" smtClean="0">
-                <a:solidFill>
-                  <a:schemeClr val="tx1">
-                    <a:lumMod val="65000"/>
-                    <a:lumOff val="35000"/>
-                  </a:schemeClr>
-                </a:solidFill>
-              </a:rPr>
-              <a:t>Контакты  </a:t>
-            </a:r>
-          </a:p>
-          <a:p>
-            <a:r>
-              <a:rPr lang="ru-RU" sz="1200" i="1" dirty="0" smtClean="0">
-                <a:solidFill>
-                  <a:schemeClr val="tx1">
-                    <a:lumMod val="65000"/>
-                    <a:lumOff val="35000"/>
-                  </a:schemeClr>
-                </a:solidFill>
-              </a:rPr>
-              <a:t>внутренняя почта: </a:t>
-            </a:r>
-            <a:r>
-              <a:rPr lang="en-US" sz="1200" i="1" dirty="0" smtClean="0">
-                <a:solidFill>
-                  <a:schemeClr val="tx1">
-                    <a:lumMod val="65000"/>
-                    <a:lumOff val="35000"/>
-                  </a:schemeClr>
-                </a:solidFill>
-                <a:hlinkClick r:id="rId2"/>
-              </a:rPr>
-              <a:t>Davydova.Ek.Ge1@omega.sbrf.ru</a:t>
-            </a:r>
-            <a:endParaRPr lang="ru-RU" sz="1200" i="1" dirty="0" smtClean="0">
-              <a:solidFill>
-                <a:schemeClr val="tx1">
-                  <a:lumMod val="65000"/>
-                  <a:lumOff val="35000"/>
-                </a:schemeClr>
-              </a:solidFill>
-            </a:endParaRPr>
-          </a:p>
-          <a:p>
-            <a:r>
-              <a:rPr lang="ru-RU" sz="1200" i="1" dirty="0" smtClean="0">
-                <a:solidFill>
-                  <a:schemeClr val="tx1">
-                    <a:lumMod val="65000"/>
-                    <a:lumOff val="35000"/>
-                  </a:schemeClr>
-                </a:solidFill>
-              </a:rPr>
-              <a:t>внутренний телефон:</a:t>
-            </a:r>
-            <a:r>
-              <a:rPr lang="en-US" sz="1200" i="1" dirty="0" smtClean="0">
-                <a:solidFill>
-                  <a:schemeClr val="tx1">
-                    <a:lumMod val="65000"/>
-                    <a:lumOff val="35000"/>
-                  </a:schemeClr>
-                </a:solidFill>
-              </a:rPr>
-              <a:t> </a:t>
-            </a:r>
-            <a:r>
-              <a:rPr lang="ru-RU" sz="1200" i="1" dirty="0" smtClean="0">
-                <a:solidFill>
-                  <a:schemeClr val="tx1">
-                    <a:lumMod val="65000"/>
-                    <a:lumOff val="35000"/>
-                  </a:schemeClr>
-                </a:solidFill>
-              </a:rPr>
-              <a:t>8-50295039</a:t>
-            </a:r>
-          </a:p>
-          <a:p>
-            <a:r>
-              <a:rPr lang="ru-RU" sz="1200" i="1" dirty="0" smtClean="0">
-                <a:solidFill>
-                  <a:schemeClr val="tx1">
-                    <a:lumMod val="65000"/>
-                    <a:lumOff val="35000"/>
-                  </a:schemeClr>
-                </a:solidFill>
-              </a:rPr>
-              <a:t>мобильный телефон:</a:t>
-            </a:r>
-            <a:r>
-              <a:rPr lang="en-US" sz="1200" i="1" dirty="0" smtClean="0">
-                <a:solidFill>
-                  <a:schemeClr val="tx1">
-                    <a:lumMod val="65000"/>
-                    <a:lumOff val="35000"/>
-                  </a:schemeClr>
-                </a:solidFill>
-              </a:rPr>
-              <a:t> </a:t>
-            </a:r>
-            <a:r>
-              <a:rPr lang="ru-RU" sz="1200" i="1" dirty="0" smtClean="0">
-                <a:solidFill>
-                  <a:schemeClr val="tx1">
-                    <a:lumMod val="65000"/>
-                    <a:lumOff val="35000"/>
-                  </a:schemeClr>
-                </a:solidFill>
-              </a:rPr>
-              <a:t>89834348999</a:t>
-            </a:r>
-            <a:endParaRPr lang="ru-RU" sz="1200" i="1" dirty="0">
-              <a:solidFill>
-                <a:schemeClr val="tx1">
-                  <a:lumMod val="65000"/>
-                  <a:lumOff val="35000"/>
-                </a:schemeClr>
-              </a:solidFill>
-            </a:endParaRPr>
+            <a:r>
+              <a:rPr lang="ru-RU" sz="1200" b="1" dirty="0" smtClean="0"/>
+              <a:t>Категории приложений </a:t>
+            </a:r>
+            <a:r>
+              <a:rPr lang="ru-RU" sz="1200" b="1" dirty="0"/>
+              <a:t>без </a:t>
+            </a:r>
+            <a:r>
+              <a:rPr lang="ru-RU" sz="1200" b="1" dirty="0" smtClean="0"/>
+              <a:t>отзывов/ с отзывами</a:t>
+            </a:r>
+            <a:endParaRPr lang="ru-RU" sz="1200" b="1" dirty="0"/>
+          </a:p>
+        </p:txBody>
+      </p:sp>
+      <p:sp>
+        <p:nvSpPr>
+          <p:cNvPr id="8" name="Прямоугольник 7"/>
+          <p:cNvSpPr/>
+          <p:nvPr/>
+        </p:nvSpPr>
+        <p:spPr>
+          <a:xfrm>
+            <a:off x="7102967" y="908711"/>
+            <a:ext cx="3866605" cy="246221"/>
+          </a:xfrm>
+          <a:prstGeom prst="rect">
+            <a:avLst/>
+          </a:prstGeom>
+        </p:spPr>
+        <p:txBody>
+          <a:bodyPr wrap="square">
+            <a:spAutoFit/>
+          </a:bodyPr>
+          <a:lstStyle/>
+          <a:p>
+            <a:r>
+              <a:rPr lang="ru-RU" sz="1000" b="1" dirty="0"/>
+              <a:t>отсутствие </a:t>
+            </a:r>
+            <a:r>
+              <a:rPr lang="ru-RU" sz="1000" b="1" dirty="0" smtClean="0"/>
+              <a:t>отзывов                                                наличие отзывов</a:t>
+            </a:r>
+            <a:endParaRPr lang="ru-RU" sz="1000" b="1" dirty="0"/>
           </a:p>
         </p:txBody>
       </p:sp>
     </p:spTree>
     <p:extLst>
       <p:ext uri="{BB962C8B-B14F-4D97-AF65-F5344CB8AC3E}">
-        <p14:creationId xmlns:p14="http://schemas.microsoft.com/office/powerpoint/2010/main" val="2199893216"/>
+        <p14:creationId xmlns:p14="http://schemas.microsoft.com/office/powerpoint/2010/main" val="3879406623"/>
       </p:ext>
     </p:extLst>
   </p:cSld>
@@ -5396,7 +3655,237 @@
 </p:sld>
 </file>
 
-<file path=ppt/slides/slide4.xml><?xml version="1.0" encoding="utf-8"?>
+<file path=ppt/slides/slide11.xml><?xml version="1.0" encoding="utf-8"?>
+<p:sld xmlns:a="http://schemas.openxmlformats.org/drawingml/2006/main" xmlns:r="http://schemas.openxmlformats.org/officeDocument/2006/relationships" xmlns:p="http://schemas.openxmlformats.org/presentationml/2006/main">
+  <p:cSld>
+    <p:spTree>
+      <p:nvGrpSpPr>
+        <p:cNvPr id="1" name=""/>
+        <p:cNvGrpSpPr/>
+        <p:nvPr/>
+      </p:nvGrpSpPr>
+      <p:grpSpPr>
+        <a:xfrm>
+          <a:off x="0" y="0"/>
+          <a:ext cx="0" cy="0"/>
+          <a:chOff x="0" y="0"/>
+          <a:chExt cx="0" cy="0"/>
+        </a:xfrm>
+      </p:grpSpPr>
+      <p:sp>
+        <p:nvSpPr>
+          <p:cNvPr id="4" name="Блок-схема: процесс 3"/>
+          <p:cNvSpPr/>
+          <p:nvPr/>
+        </p:nvSpPr>
+        <p:spPr>
+          <a:xfrm flipV="1">
+            <a:off x="395654" y="620996"/>
+            <a:ext cx="11649808" cy="45719"/>
+          </a:xfrm>
+          <a:prstGeom prst="flowChartProcess">
+            <a:avLst/>
+          </a:prstGeom>
+          <a:gradFill flip="none" rotWithShape="1">
+            <a:gsLst>
+              <a:gs pos="71000">
+                <a:srgbClr val="00B0F0"/>
+              </a:gs>
+              <a:gs pos="28000">
+                <a:srgbClr val="FFFF00"/>
+              </a:gs>
+              <a:gs pos="0">
+                <a:srgbClr val="FF2F2F"/>
+              </a:gs>
+              <a:gs pos="36000">
+                <a:srgbClr val="FFFF00"/>
+              </a:gs>
+              <a:gs pos="100000">
+                <a:srgbClr val="00B0F0"/>
+              </a:gs>
+            </a:gsLst>
+            <a:path path="circle">
+              <a:fillToRect l="100000" t="100000"/>
+            </a:path>
+            <a:tileRect r="-100000" b="-100000"/>
+          </a:gradFill>
+          <a:ln>
+            <a:noFill/>
+          </a:ln>
+          <a:effectLst>
+            <a:outerShdw blurRad="50800" dist="38100" dir="5400000" algn="t" rotWithShape="0">
+              <a:prstClr val="black">
+                <a:alpha val="40000"/>
+              </a:prstClr>
+            </a:outerShdw>
+          </a:effectLst>
+        </p:spPr>
+        <p:style>
+          <a:lnRef idx="2">
+            <a:schemeClr val="accent1">
+              <a:shade val="50000"/>
+            </a:schemeClr>
+          </a:lnRef>
+          <a:fillRef idx="1">
+            <a:schemeClr val="accent1"/>
+          </a:fillRef>
+          <a:effectRef idx="0">
+            <a:schemeClr val="accent1"/>
+          </a:effectRef>
+          <a:fontRef idx="minor">
+            <a:schemeClr val="lt1"/>
+          </a:fontRef>
+        </p:style>
+        <p:txBody>
+          <a:bodyPr rtlCol="0" anchor="ctr"/>
+          <a:lstStyle/>
+          <a:p>
+            <a:pPr algn="ctr"/>
+            <a:endParaRPr lang="ru-RU"/>
+          </a:p>
+        </p:txBody>
+      </p:sp>
+      <p:sp>
+        <p:nvSpPr>
+          <p:cNvPr id="5" name="TextBox 4"/>
+          <p:cNvSpPr txBox="1"/>
+          <p:nvPr/>
+        </p:nvSpPr>
+        <p:spPr>
+          <a:xfrm>
+            <a:off x="395653" y="197058"/>
+            <a:ext cx="8190997" cy="461665"/>
+          </a:xfrm>
+          <a:prstGeom prst="rect">
+            <a:avLst/>
+          </a:prstGeom>
+          <a:noFill/>
+        </p:spPr>
+        <p:txBody>
+          <a:bodyPr wrap="square" rtlCol="0">
+            <a:spAutoFit/>
+          </a:bodyPr>
+          <a:lstStyle/>
+          <a:p>
+            <a:r>
+              <a:rPr lang="ru-RU" sz="2400" dirty="0" smtClean="0">
+                <a:ln w="0"/>
+                <a:solidFill>
+                  <a:schemeClr val="accent1"/>
+                </a:solidFill>
+                <a:effectLst>
+                  <a:outerShdw blurRad="38100" dist="25400" dir="5400000" algn="ctr" rotWithShape="0">
+                    <a:srgbClr val="6E747A">
+                      <a:alpha val="43000"/>
+                    </a:srgbClr>
+                  </a:outerShdw>
+                </a:effectLst>
+              </a:rPr>
+              <a:t>Анализ эмоциональной окраски отзывов </a:t>
+            </a:r>
+            <a:endParaRPr lang="ru-RU" sz="2400" dirty="0">
+              <a:ln w="0"/>
+              <a:solidFill>
+                <a:schemeClr val="accent1"/>
+              </a:solidFill>
+              <a:effectLst>
+                <a:outerShdw blurRad="38100" dist="25400" dir="5400000" algn="ctr" rotWithShape="0">
+                  <a:srgbClr val="6E747A">
+                    <a:alpha val="43000"/>
+                  </a:srgbClr>
+                </a:outerShdw>
+              </a:effectLst>
+            </a:endParaRPr>
+          </a:p>
+        </p:txBody>
+      </p:sp>
+      <p:pic>
+        <p:nvPicPr>
+          <p:cNvPr id="4098" name="Picture 2"/>
+          <p:cNvPicPr>
+            <a:picLocks noChangeAspect="1" noChangeArrowheads="1"/>
+          </p:cNvPicPr>
+          <p:nvPr/>
+        </p:nvPicPr>
+        <p:blipFill>
+          <a:blip r:embed="rId2">
+            <a:extLst>
+              <a:ext uri="{BEBA8EAE-BF5A-486C-A8C5-ECC9F3942E4B}">
+                <a14:imgProps xmlns:a14="http://schemas.microsoft.com/office/drawing/2010/main">
+                  <a14:imgLayer r:embed="rId3">
+                    <a14:imgEffect>
+                      <a14:sharpenSoften amount="25000"/>
+                    </a14:imgEffect>
+                  </a14:imgLayer>
+                </a14:imgProps>
+              </a:ext>
+              <a:ext uri="{28A0092B-C50C-407E-A947-70E740481C1C}">
+                <a14:useLocalDpi xmlns:a14="http://schemas.microsoft.com/office/drawing/2010/main" val="0"/>
+              </a:ext>
+            </a:extLst>
+          </a:blip>
+          <a:srcRect/>
+          <a:stretch>
+            <a:fillRect/>
+          </a:stretch>
+        </p:blipFill>
+        <p:spPr bwMode="auto">
+          <a:xfrm>
+            <a:off x="890649" y="972766"/>
+            <a:ext cx="10582453" cy="5356782"/>
+          </a:xfrm>
+          <a:prstGeom prst="rect">
+            <a:avLst/>
+          </a:prstGeom>
+          <a:noFill/>
+          <a:ln>
+            <a:noFill/>
+          </a:ln>
+          <a:effectLst/>
+          <a:extLst>
+            <a:ext uri="{909E8E84-426E-40DD-AFC4-6F175D3DCCD1}">
+              <a14:hiddenFill xmlns:a14="http://schemas.microsoft.com/office/drawing/2010/main">
+                <a:solidFill>
+                  <a:schemeClr val="accent1"/>
+                </a:solidFill>
+              </a14:hiddenFill>
+            </a:ext>
+            <a:ext uri="{91240B29-F687-4F45-9708-019B960494DF}">
+              <a14:hiddenLine xmlns:a14="http://schemas.microsoft.com/office/drawing/2010/main" w="9525">
+                <a:solidFill>
+                  <a:schemeClr val="tx1"/>
+                </a:solidFill>
+                <a:miter lim="800000"/>
+                <a:headEnd/>
+                <a:tailEnd/>
+              </a14:hiddenLine>
+            </a:ext>
+            <a:ext uri="{AF507438-7753-43E0-B8FC-AC1667EBCBE1}">
+              <a14:hiddenEffects xmlns:a14="http://schemas.microsoft.com/office/drawing/2010/main">
+                <a:effectLst>
+                  <a:outerShdw dist="35921" dir="2700000" algn="ctr" rotWithShape="0">
+                    <a:schemeClr val="bg2"/>
+                  </a:outerShdw>
+                </a:effectLst>
+              </a14:hiddenEffects>
+            </a:ext>
+          </a:extLst>
+        </p:spPr>
+      </p:pic>
+    </p:spTree>
+    <p:extLst>
+      <p:ext uri="{BB962C8B-B14F-4D97-AF65-F5344CB8AC3E}">
+        <p14:creationId xmlns:p14="http://schemas.microsoft.com/office/powerpoint/2010/main" val="1183830277"/>
+      </p:ext>
+    </p:extLst>
+  </p:cSld>
+  <p:clrMapOvr>
+    <a:masterClrMapping/>
+  </p:clrMapOvr>
+</p:sld>
+</file>
+
+<file path=ppt/slides/slide12.xml><?xml version="1.0" encoding="utf-8"?>
 <p:sld xmlns:a="http://schemas.openxmlformats.org/drawingml/2006/main" xmlns:r="http://schemas.openxmlformats.org/officeDocument/2006/relationships" xmlns:p="http://schemas.openxmlformats.org/presentationml/2006/main">
   <p:cSld>
     <p:spTree>
@@ -5522,7 +4011,7 @@
                   </a:outerShdw>
                 </a:effectLst>
               </a:rPr>
-              <a:t>Описание проекта</a:t>
+              <a:t>Используемые технологии</a:t>
             </a:r>
             <a:endParaRPr lang="ru-RU" sz="2400" dirty="0">
               <a:ln w="0"/>
@@ -5542,7 +4031,7 @@
       </p:sp>
       <p:sp>
         <p:nvSpPr>
-          <p:cNvPr id="7" name="Объект 2"/>
+          <p:cNvPr id="6" name="Объект 2"/>
           <p:cNvSpPr>
             <a:spLocks noGrp="1"/>
           </p:cNvSpPr>
@@ -5552,12 +4041,14 @@
         </p:nvSpPr>
         <p:spPr>
           <a:xfrm>
-            <a:off x="369277" y="1087071"/>
+            <a:off x="395654" y="885293"/>
             <a:ext cx="10515600" cy="4351338"/>
           </a:xfrm>
         </p:spPr>
         <p:txBody>
-          <a:bodyPr/>
+          <a:bodyPr>
+            <a:normAutofit/>
+          </a:bodyPr>
           <a:lstStyle/>
           <a:p>
             <a:pPr marL="285750" indent="-285750">
@@ -5568,7 +4059,7 @@
               <a:buChar char="Ø"/>
             </a:pPr>
             <a:r>
-              <a:rPr lang="ru-RU" sz="1800" i="1" dirty="0" smtClean="0">
+              <a:rPr lang="ru-RU" sz="2400" i="1" dirty="0" smtClean="0">
                 <a:solidFill>
                   <a:schemeClr val="tx1">
                     <a:lumMod val="65000"/>
@@ -5576,10 +4067,10 @@
                   </a:schemeClr>
                 </a:solidFill>
               </a:rPr>
-              <a:t>Цель проекта: проведение анализа</a:t>
-            </a:r>
-            <a:r>
-              <a:rPr lang="en-US" sz="1800" i="1" dirty="0" smtClean="0">
+              <a:t>Формирование данных (</a:t>
+            </a:r>
+            <a:r>
+              <a:rPr lang="en-US" sz="2400" i="1" dirty="0" smtClean="0">
                 <a:solidFill>
                   <a:schemeClr val="tx1">
                     <a:lumMod val="65000"/>
@@ -5587,10 +4078,10 @@
                   </a:schemeClr>
                 </a:solidFill>
               </a:rPr>
-              <a:t> </a:t>
-            </a:r>
-            <a:r>
-              <a:rPr lang="ru-RU" sz="1800" i="1" dirty="0" smtClean="0">
+              <a:t>numpy </a:t>
+            </a:r>
+            <a:r>
+              <a:rPr lang="ru-RU" sz="2400" i="1" dirty="0" smtClean="0">
                 <a:solidFill>
                   <a:schemeClr val="tx1">
                     <a:lumMod val="65000"/>
@@ -5598,10 +4089,10 @@
                   </a:schemeClr>
                 </a:solidFill>
               </a:rPr>
-              <a:t>приложений </a:t>
-            </a:r>
-            <a:r>
-              <a:rPr lang="ru-RU" sz="1800" i="1" dirty="0">
+              <a:t>, </a:t>
+            </a:r>
+            <a:r>
+              <a:rPr lang="en-US" sz="2400" i="1" dirty="0" smtClean="0">
                 <a:solidFill>
                   <a:schemeClr val="tx1">
                     <a:lumMod val="65000"/>
@@ -5609,10 +4100,10 @@
                   </a:schemeClr>
                 </a:solidFill>
               </a:rPr>
-              <a:t>Google Play </a:t>
-            </a:r>
-            <a:r>
-              <a:rPr lang="ru-RU" sz="1800" i="1" dirty="0" smtClean="0">
+              <a:t>pandas</a:t>
+            </a:r>
+            <a:r>
+              <a:rPr lang="ru-RU" sz="2400" i="1" dirty="0" smtClean="0">
                 <a:solidFill>
                   <a:schemeClr val="tx1">
                     <a:lumMod val="65000"/>
@@ -5620,9 +4111,153 @@
                   </a:schemeClr>
                 </a:solidFill>
               </a:rPr>
-              <a:t>Store по популярности, стоимости, наличия отзывов и эмоциональной окраске.</a:t>
-            </a:r>
-            <a:endParaRPr lang="ru-RU" sz="1800" i="1" dirty="0">
+              <a:t>)</a:t>
+            </a:r>
+          </a:p>
+          <a:p>
+            <a:pPr marL="285750" indent="-285750">
+              <a:buClr>
+                <a:srgbClr val="009AD0"/>
+              </a:buClr>
+              <a:buFont typeface="Wingdings" panose="05000000000000000000" pitchFamily="2" charset="2"/>
+              <a:buChar char="Ø"/>
+            </a:pPr>
+            <a:r>
+              <a:rPr lang="ru-RU" sz="2400" i="1" dirty="0" smtClean="0">
+                <a:solidFill>
+                  <a:schemeClr val="tx1">
+                    <a:lumMod val="65000"/>
+                    <a:lumOff val="35000"/>
+                  </a:schemeClr>
+                </a:solidFill>
+              </a:rPr>
+              <a:t>Визуализация данных (</a:t>
+            </a:r>
+            <a:r>
+              <a:rPr lang="en-US" sz="2400" i="1" dirty="0" smtClean="0">
+                <a:solidFill>
+                  <a:schemeClr val="tx1">
+                    <a:lumMod val="65000"/>
+                    <a:lumOff val="35000"/>
+                  </a:schemeClr>
+                </a:solidFill>
+              </a:rPr>
+              <a:t>matplotlib</a:t>
+            </a:r>
+            <a:r>
+              <a:rPr lang="ru-RU" sz="2400" i="1" dirty="0" smtClean="0">
+                <a:solidFill>
+                  <a:schemeClr val="tx1">
+                    <a:lumMod val="65000"/>
+                    <a:lumOff val="35000"/>
+                  </a:schemeClr>
+                </a:solidFill>
+              </a:rPr>
+              <a:t> , </a:t>
+            </a:r>
+            <a:r>
+              <a:rPr lang="en-US" sz="2400" i="1" dirty="0" smtClean="0">
+                <a:solidFill>
+                  <a:schemeClr val="tx1">
+                    <a:lumMod val="65000"/>
+                    <a:lumOff val="35000"/>
+                  </a:schemeClr>
+                </a:solidFill>
+              </a:rPr>
+              <a:t>seaborn</a:t>
+            </a:r>
+            <a:r>
+              <a:rPr lang="ru-RU" sz="2400" i="1" dirty="0" smtClean="0">
+                <a:solidFill>
+                  <a:schemeClr val="tx1">
+                    <a:lumMod val="65000"/>
+                    <a:lumOff val="35000"/>
+                  </a:schemeClr>
+                </a:solidFill>
+              </a:rPr>
+              <a:t>,</a:t>
+            </a:r>
+            <a:r>
+              <a:rPr lang="en-US" sz="2400" i="1" dirty="0">
+                <a:solidFill>
+                  <a:schemeClr val="tx1">
+                    <a:lumMod val="65000"/>
+                    <a:lumOff val="35000"/>
+                  </a:schemeClr>
+                </a:solidFill>
+              </a:rPr>
+              <a:t> WordCloud</a:t>
+            </a:r>
+            <a:r>
+              <a:rPr lang="ru-RU" sz="2400" i="1" dirty="0" smtClean="0">
+                <a:solidFill>
+                  <a:schemeClr val="tx1">
+                    <a:lumMod val="65000"/>
+                    <a:lumOff val="35000"/>
+                  </a:schemeClr>
+                </a:solidFill>
+              </a:rPr>
+              <a:t>)</a:t>
+            </a:r>
+          </a:p>
+          <a:p>
+            <a:pPr marL="285750" indent="-285750">
+              <a:buClr>
+                <a:srgbClr val="009AD0"/>
+              </a:buClr>
+              <a:buFont typeface="Wingdings" panose="05000000000000000000" pitchFamily="2" charset="2"/>
+              <a:buChar char="Ø"/>
+            </a:pPr>
+            <a:r>
+              <a:rPr lang="en-US" sz="2400" i="1" dirty="0" smtClean="0">
+                <a:solidFill>
+                  <a:schemeClr val="tx1">
+                    <a:lumMod val="65000"/>
+                    <a:lumOff val="35000"/>
+                  </a:schemeClr>
+                </a:solidFill>
+              </a:rPr>
+              <a:t>Sentiment Analysis</a:t>
+            </a:r>
+            <a:r>
+              <a:rPr lang="ru-RU" sz="2400" i="1" dirty="0" smtClean="0">
+                <a:solidFill>
+                  <a:schemeClr val="tx1">
+                    <a:lumMod val="65000"/>
+                    <a:lumOff val="35000"/>
+                  </a:schemeClr>
+                </a:solidFill>
+              </a:rPr>
+              <a:t> (</a:t>
+            </a:r>
+            <a:r>
+              <a:rPr lang="en-US" sz="2400" i="1" dirty="0" smtClean="0">
+                <a:solidFill>
+                  <a:schemeClr val="tx1">
+                    <a:lumMod val="65000"/>
+                    <a:lumOff val="35000"/>
+                  </a:schemeClr>
+                </a:solidFill>
+              </a:rPr>
+              <a:t>nltk</a:t>
+            </a:r>
+            <a:r>
+              <a:rPr lang="ru-RU" sz="2400" i="1" dirty="0" smtClean="0">
+                <a:solidFill>
+                  <a:schemeClr val="tx1">
+                    <a:lumMod val="65000"/>
+                    <a:lumOff val="35000"/>
+                  </a:schemeClr>
+                </a:solidFill>
+              </a:rPr>
+              <a:t>)</a:t>
+            </a:r>
+          </a:p>
+          <a:p>
+            <a:pPr marL="0" indent="0">
+              <a:buNone/>
+            </a:pPr>
+            <a:endParaRPr lang="ru-RU" i="1" dirty="0" smtClean="0">
               <a:solidFill>
                 <a:schemeClr val="tx1">
                   <a:lumMod val="65000"/>
@@ -5631,44 +4266,12 @@
               </a:solidFill>
             </a:endParaRPr>
           </a:p>
-          <a:p>
-            <a:pPr marL="285750" indent="-285750">
-              <a:buClr>
-                <a:srgbClr val="009AD0"/>
-              </a:buClr>
-              <a:buFont typeface="Wingdings" panose="05000000000000000000" pitchFamily="2" charset="2"/>
-              <a:buChar char="Ø"/>
-            </a:pPr>
-            <a:r>
-              <a:rPr lang="ru-RU" sz="1800" i="1" dirty="0">
-                <a:solidFill>
-                  <a:schemeClr val="tx1">
-                    <a:lumMod val="65000"/>
-                    <a:lumOff val="35000"/>
-                  </a:schemeClr>
-                </a:solidFill>
-              </a:rPr>
-              <a:t>Ссылка на репозиторий с кодом</a:t>
-            </a:r>
-          </a:p>
-          <a:p>
-            <a:pPr marL="0" indent="0">
-              <a:buNone/>
-            </a:pPr>
-            <a:r>
-              <a:rPr lang="en-US" sz="1200" dirty="0">
-                <a:hlinkClick r:id="rId2"/>
-              </a:rPr>
-              <a:t>https://github.com/KatenokDav/data-analyst-python-course/tree/main/final%20school%20project%20DA</a:t>
-            </a:r>
-            <a:endParaRPr lang="ru-RU" sz="1200" dirty="0"/>
-          </a:p>
         </p:txBody>
       </p:sp>
     </p:spTree>
     <p:extLst>
       <p:ext uri="{BB962C8B-B14F-4D97-AF65-F5344CB8AC3E}">
-        <p14:creationId xmlns:p14="http://schemas.microsoft.com/office/powerpoint/2010/main" val="4114055005"/>
+        <p14:creationId xmlns:p14="http://schemas.microsoft.com/office/powerpoint/2010/main" val="1209697344"/>
       </p:ext>
     </p:extLst>
   </p:cSld>
@@ -5678,7 +4281,7 @@
 </p:sld>
 </file>
 
-<file path=ppt/slides/slide5.xml><?xml version="1.0" encoding="utf-8"?>
+<file path=ppt/slides/slide13.xml><?xml version="1.0" encoding="utf-8"?>
 <p:sld xmlns:a="http://schemas.openxmlformats.org/drawingml/2006/main" xmlns:r="http://schemas.openxmlformats.org/officeDocument/2006/relationships" xmlns:p="http://schemas.openxmlformats.org/presentationml/2006/main">
   <p:cSld>
     <p:spTree>
@@ -5697,13 +4300,1370 @@
       </p:grpSpPr>
       <p:sp>
         <p:nvSpPr>
+          <p:cNvPr id="5" name="Заголовок 2"/>
+          <p:cNvSpPr txBox="1">
+            <a:spLocks/>
+          </p:cNvSpPr>
+          <p:nvPr/>
+        </p:nvSpPr>
+        <p:spPr>
+          <a:xfrm>
+            <a:off x="2300121" y="2215929"/>
+            <a:ext cx="8030840" cy="1723024"/>
+          </a:xfrm>
+          <a:prstGeom prst="rect">
+            <a:avLst/>
+          </a:prstGeom>
+          <a:solidFill>
+            <a:schemeClr val="bg1"/>
+          </a:solidFill>
+        </p:spPr>
+        <p:txBody>
+          <a:bodyPr vert="horz" lIns="91440" tIns="45720" rIns="91440" bIns="45720" rtlCol="0" anchor="ctr">
+            <a:noAutofit/>
+          </a:bodyPr>
+          <a:lstStyle>
+            <a:lvl1pPr algn="l" defTabSz="914400" rtl="0" eaLnBrk="1" latinLnBrk="0" hangingPunct="1">
+              <a:lnSpc>
+                <a:spcPct val="90000"/>
+              </a:lnSpc>
+              <a:spcBef>
+                <a:spcPct val="0"/>
+              </a:spcBef>
+              <a:buNone/>
+              <a:defRPr sz="4400" kern="1200">
+                <a:solidFill>
+                  <a:schemeClr val="tx1"/>
+                </a:solidFill>
+                <a:latin typeface="+mj-lt"/>
+                <a:ea typeface="+mj-ea"/>
+                <a:cs typeface="+mj-cs"/>
+              </a:defRPr>
+            </a:lvl1pPr>
+          </a:lstStyle>
+          <a:p>
+            <a:pPr algn="ctr"/>
+            <a:r>
+              <a:rPr lang="ru-RU" sz="4800" b="1" dirty="0" smtClean="0">
+                <a:solidFill>
+                  <a:schemeClr val="bg1">
+                    <a:lumMod val="50000"/>
+                  </a:schemeClr>
+                </a:solidFill>
+                <a:effectLst>
+                  <a:outerShdw blurRad="50800" dist="38100" dir="5400000" algn="t" rotWithShape="0">
+                    <a:prstClr val="black">
+                      <a:alpha val="40000"/>
+                    </a:prstClr>
+                  </a:outerShdw>
+                </a:effectLst>
+                <a:latin typeface="+mn-lt"/>
+              </a:rPr>
+              <a:t>Спасибо за внимание!</a:t>
+            </a:r>
+            <a:endParaRPr lang="ru-RU" sz="4800" b="1" dirty="0">
+              <a:solidFill>
+                <a:schemeClr val="bg1">
+                  <a:lumMod val="50000"/>
+                </a:schemeClr>
+              </a:solidFill>
+              <a:effectLst>
+                <a:outerShdw blurRad="50800" dist="38100" dir="5400000" algn="t" rotWithShape="0">
+                  <a:prstClr val="black">
+                    <a:alpha val="40000"/>
+                  </a:prstClr>
+                </a:outerShdw>
+              </a:effectLst>
+              <a:latin typeface="Corbel" panose="020B0503020204020204" pitchFamily="34" charset="0"/>
+            </a:endParaRPr>
+          </a:p>
+        </p:txBody>
+      </p:sp>
+    </p:spTree>
+    <p:extLst>
+      <p:ext uri="{BB962C8B-B14F-4D97-AF65-F5344CB8AC3E}">
+        <p14:creationId xmlns:p14="http://schemas.microsoft.com/office/powerpoint/2010/main" val="57592746"/>
+      </p:ext>
+    </p:extLst>
+  </p:cSld>
+  <p:clrMapOvr>
+    <a:masterClrMapping/>
+  </p:clrMapOvr>
+</p:sld>
+</file>
+
+<file path=ppt/slides/slide2.xml><?xml version="1.0" encoding="utf-8"?>
+<p:sld xmlns:a="http://schemas.openxmlformats.org/drawingml/2006/main" xmlns:r="http://schemas.openxmlformats.org/officeDocument/2006/relationships" xmlns:p="http://schemas.openxmlformats.org/presentationml/2006/main">
+  <p:cSld>
+    <p:spTree>
+      <p:nvGrpSpPr>
+        <p:cNvPr id="1" name=""/>
+        <p:cNvGrpSpPr/>
+        <p:nvPr/>
+      </p:nvGrpSpPr>
+      <p:grpSpPr>
+        <a:xfrm>
+          <a:off x="0" y="0"/>
+          <a:ext cx="0" cy="0"/>
+          <a:chOff x="0" y="0"/>
+          <a:chExt cx="0" cy="0"/>
+        </a:xfrm>
+      </p:grpSpPr>
+      <p:sp>
+        <p:nvSpPr>
+          <p:cNvPr id="4" name="Текст 1"/>
+          <p:cNvSpPr txBox="1">
+            <a:spLocks/>
+          </p:cNvSpPr>
+          <p:nvPr/>
+        </p:nvSpPr>
+        <p:spPr>
+          <a:xfrm>
+            <a:off x="3492644" y="3812933"/>
+            <a:ext cx="5781456" cy="652189"/>
+          </a:xfrm>
+          <a:prstGeom prst="rect">
+            <a:avLst/>
+          </a:prstGeom>
+        </p:spPr>
+        <p:txBody>
+          <a:bodyPr vert="horz" lIns="91440" tIns="45720" rIns="91440" bIns="45720" rtlCol="0">
+            <a:normAutofit/>
+          </a:bodyPr>
+          <a:lstStyle>
+            <a:lvl1pPr marL="228600" indent="-228600" algn="l" defTabSz="914400" rtl="0" eaLnBrk="1" latinLnBrk="0" hangingPunct="1">
+              <a:lnSpc>
+                <a:spcPct val="90000"/>
+              </a:lnSpc>
+              <a:spcBef>
+                <a:spcPts val="1000"/>
+              </a:spcBef>
+              <a:buFont typeface="Arial" panose="020B0604020202020204" pitchFamily="34" charset="0"/>
+              <a:buChar char="•"/>
+              <a:defRPr sz="2800" kern="1200">
+                <a:solidFill>
+                  <a:schemeClr val="tx1"/>
+                </a:solidFill>
+                <a:latin typeface="+mn-lt"/>
+                <a:ea typeface="+mn-ea"/>
+                <a:cs typeface="+mn-cs"/>
+              </a:defRPr>
+            </a:lvl1pPr>
+            <a:lvl2pPr marL="685800" indent="-228600" algn="l" defTabSz="914400" rtl="0" eaLnBrk="1" latinLnBrk="0" hangingPunct="1">
+              <a:lnSpc>
+                <a:spcPct val="90000"/>
+              </a:lnSpc>
+              <a:spcBef>
+                <a:spcPts val="500"/>
+              </a:spcBef>
+              <a:buFont typeface="Arial" panose="020B0604020202020204" pitchFamily="34" charset="0"/>
+              <a:buChar char="•"/>
+              <a:defRPr sz="2400" kern="1200">
+                <a:solidFill>
+                  <a:schemeClr val="tx1"/>
+                </a:solidFill>
+                <a:latin typeface="+mn-lt"/>
+                <a:ea typeface="+mn-ea"/>
+                <a:cs typeface="+mn-cs"/>
+              </a:defRPr>
+            </a:lvl2pPr>
+            <a:lvl3pPr marL="1143000" indent="-228600" algn="l" defTabSz="914400" rtl="0" eaLnBrk="1" latinLnBrk="0" hangingPunct="1">
+              <a:lnSpc>
+                <a:spcPct val="90000"/>
+              </a:lnSpc>
+              <a:spcBef>
+                <a:spcPts val="500"/>
+              </a:spcBef>
+              <a:buFont typeface="Arial" panose="020B0604020202020204" pitchFamily="34" charset="0"/>
+              <a:buChar char="•"/>
+              <a:defRPr sz="2000" kern="1200">
+                <a:solidFill>
+                  <a:schemeClr val="tx1"/>
+                </a:solidFill>
+                <a:latin typeface="+mn-lt"/>
+                <a:ea typeface="+mn-ea"/>
+                <a:cs typeface="+mn-cs"/>
+              </a:defRPr>
+            </a:lvl3pPr>
+            <a:lvl4pPr marL="1600200" indent="-228600" algn="l" defTabSz="914400" rtl="0" eaLnBrk="1" latinLnBrk="0" hangingPunct="1">
+              <a:lnSpc>
+                <a:spcPct val="90000"/>
+              </a:lnSpc>
+              <a:spcBef>
+                <a:spcPts val="500"/>
+              </a:spcBef>
+              <a:buFont typeface="Arial" panose="020B0604020202020204" pitchFamily="34" charset="0"/>
+              <a:buChar char="•"/>
+              <a:defRPr sz="1800" kern="1200">
+                <a:solidFill>
+                  <a:schemeClr val="tx1"/>
+                </a:solidFill>
+                <a:latin typeface="+mn-lt"/>
+                <a:ea typeface="+mn-ea"/>
+                <a:cs typeface="+mn-cs"/>
+              </a:defRPr>
+            </a:lvl4pPr>
+            <a:lvl5pPr marL="2057400" indent="-228600" algn="l" defTabSz="914400" rtl="0" eaLnBrk="1" latinLnBrk="0" hangingPunct="1">
+              <a:lnSpc>
+                <a:spcPct val="90000"/>
+              </a:lnSpc>
+              <a:spcBef>
+                <a:spcPts val="500"/>
+              </a:spcBef>
+              <a:buFont typeface="Arial" panose="020B0604020202020204" pitchFamily="34" charset="0"/>
+              <a:buChar char="•"/>
+              <a:defRPr sz="1800" kern="1200">
+                <a:solidFill>
+                  <a:schemeClr val="tx1"/>
+                </a:solidFill>
+                <a:latin typeface="+mn-lt"/>
+                <a:ea typeface="+mn-ea"/>
+                <a:cs typeface="+mn-cs"/>
+              </a:defRPr>
+            </a:lvl5pPr>
+            <a:lvl6pPr marL="2514600" indent="-228600" algn="l" defTabSz="914400" rtl="0" eaLnBrk="1" latinLnBrk="0" hangingPunct="1">
+              <a:lnSpc>
+                <a:spcPct val="90000"/>
+              </a:lnSpc>
+              <a:spcBef>
+                <a:spcPts val="500"/>
+              </a:spcBef>
+              <a:buFont typeface="Arial" panose="020B0604020202020204" pitchFamily="34" charset="0"/>
+              <a:buChar char="•"/>
+              <a:defRPr sz="1800" kern="1200">
+                <a:solidFill>
+                  <a:schemeClr val="tx1"/>
+                </a:solidFill>
+                <a:latin typeface="+mn-lt"/>
+                <a:ea typeface="+mn-ea"/>
+                <a:cs typeface="+mn-cs"/>
+              </a:defRPr>
+            </a:lvl6pPr>
+            <a:lvl7pPr marL="2971800" indent="-228600" algn="l" defTabSz="914400" rtl="0" eaLnBrk="1" latinLnBrk="0" hangingPunct="1">
+              <a:lnSpc>
+                <a:spcPct val="90000"/>
+              </a:lnSpc>
+              <a:spcBef>
+                <a:spcPts val="500"/>
+              </a:spcBef>
+              <a:buFont typeface="Arial" panose="020B0604020202020204" pitchFamily="34" charset="0"/>
+              <a:buChar char="•"/>
+              <a:defRPr sz="1800" kern="1200">
+                <a:solidFill>
+                  <a:schemeClr val="tx1"/>
+                </a:solidFill>
+                <a:latin typeface="+mn-lt"/>
+                <a:ea typeface="+mn-ea"/>
+                <a:cs typeface="+mn-cs"/>
+              </a:defRPr>
+            </a:lvl7pPr>
+            <a:lvl8pPr marL="3429000" indent="-228600" algn="l" defTabSz="914400" rtl="0" eaLnBrk="1" latinLnBrk="0" hangingPunct="1">
+              <a:lnSpc>
+                <a:spcPct val="90000"/>
+              </a:lnSpc>
+              <a:spcBef>
+                <a:spcPts val="500"/>
+              </a:spcBef>
+              <a:buFont typeface="Arial" panose="020B0604020202020204" pitchFamily="34" charset="0"/>
+              <a:buChar char="•"/>
+              <a:defRPr sz="1800" kern="1200">
+                <a:solidFill>
+                  <a:schemeClr val="tx1"/>
+                </a:solidFill>
+                <a:latin typeface="+mn-lt"/>
+                <a:ea typeface="+mn-ea"/>
+                <a:cs typeface="+mn-cs"/>
+              </a:defRPr>
+            </a:lvl8pPr>
+            <a:lvl9pPr marL="3886200" indent="-228600" algn="l" defTabSz="914400" rtl="0" eaLnBrk="1" latinLnBrk="0" hangingPunct="1">
+              <a:lnSpc>
+                <a:spcPct val="90000"/>
+              </a:lnSpc>
+              <a:spcBef>
+                <a:spcPts val="500"/>
+              </a:spcBef>
+              <a:buFont typeface="Arial" panose="020B0604020202020204" pitchFamily="34" charset="0"/>
+              <a:buChar char="•"/>
+              <a:defRPr sz="1800" kern="1200">
+                <a:solidFill>
+                  <a:schemeClr val="tx1"/>
+                </a:solidFill>
+                <a:latin typeface="+mn-lt"/>
+                <a:ea typeface="+mn-ea"/>
+                <a:cs typeface="+mn-cs"/>
+              </a:defRPr>
+            </a:lvl9pPr>
+          </a:lstStyle>
+          <a:p>
+            <a:pPr marL="0" indent="0">
+              <a:buNone/>
+            </a:pPr>
+            <a:r>
+              <a:rPr lang="ru-RU" dirty="0" smtClean="0">
+                <a:latin typeface="+mj-lt"/>
+              </a:rPr>
+              <a:t> </a:t>
+            </a:r>
+            <a:r>
+              <a:rPr lang="ru-RU" sz="2400" b="1" dirty="0" smtClean="0">
+                <a:solidFill>
+                  <a:schemeClr val="tx1">
+                    <a:lumMod val="65000"/>
+                    <a:lumOff val="35000"/>
+                  </a:schemeClr>
+                </a:solidFill>
+                <a:effectLst>
+                  <a:outerShdw blurRad="38100" dist="38100" dir="2700000" algn="tl">
+                    <a:srgbClr val="000000">
+                      <a:alpha val="43137"/>
+                    </a:srgbClr>
+                  </a:outerShdw>
+                </a:effectLst>
+              </a:rPr>
+              <a:t>Давыдова Екатерина Геннадьевна</a:t>
+            </a:r>
+            <a:endParaRPr lang="ru-RU" sz="2400" b="1" dirty="0">
+              <a:solidFill>
+                <a:schemeClr val="tx1">
+                  <a:lumMod val="65000"/>
+                  <a:lumOff val="35000"/>
+                </a:schemeClr>
+              </a:solidFill>
+              <a:effectLst>
+                <a:outerShdw blurRad="38100" dist="38100" dir="2700000" algn="tl">
+                  <a:srgbClr val="000000">
+                    <a:alpha val="43137"/>
+                  </a:srgbClr>
+                </a:outerShdw>
+              </a:effectLst>
+            </a:endParaRPr>
+          </a:p>
+        </p:txBody>
+      </p:sp>
+      <p:sp>
+        <p:nvSpPr>
+          <p:cNvPr id="5" name="Заголовок 2"/>
+          <p:cNvSpPr txBox="1">
+            <a:spLocks/>
+          </p:cNvSpPr>
+          <p:nvPr/>
+        </p:nvSpPr>
+        <p:spPr>
+          <a:xfrm>
+            <a:off x="2212198" y="1802691"/>
+            <a:ext cx="8030840" cy="1723024"/>
+          </a:xfrm>
+          <a:prstGeom prst="rect">
+            <a:avLst/>
+          </a:prstGeom>
+        </p:spPr>
+        <p:txBody>
+          <a:bodyPr vert="horz" lIns="91440" tIns="45720" rIns="91440" bIns="45720" rtlCol="0" anchor="ctr">
+            <a:noAutofit/>
+          </a:bodyPr>
+          <a:lstStyle>
+            <a:lvl1pPr algn="l" defTabSz="914400" rtl="0" eaLnBrk="1" latinLnBrk="0" hangingPunct="1">
+              <a:lnSpc>
+                <a:spcPct val="90000"/>
+              </a:lnSpc>
+              <a:spcBef>
+                <a:spcPct val="0"/>
+              </a:spcBef>
+              <a:buNone/>
+              <a:defRPr sz="4400" kern="1200">
+                <a:solidFill>
+                  <a:schemeClr val="tx1"/>
+                </a:solidFill>
+                <a:latin typeface="+mj-lt"/>
+                <a:ea typeface="+mj-ea"/>
+                <a:cs typeface="+mj-cs"/>
+              </a:defRPr>
+            </a:lvl1pPr>
+          </a:lstStyle>
+          <a:p>
+            <a:pPr algn="ctr"/>
+            <a:r>
+              <a:rPr lang="ru-RU" sz="4800" b="1" dirty="0" smtClean="0">
+                <a:solidFill>
+                  <a:schemeClr val="bg1">
+                    <a:lumMod val="50000"/>
+                  </a:schemeClr>
+                </a:solidFill>
+                <a:effectLst>
+                  <a:outerShdw blurRad="38100" dist="38100" dir="2700000" algn="tl">
+                    <a:srgbClr val="000000">
+                      <a:alpha val="43137"/>
+                    </a:srgbClr>
+                  </a:outerShdw>
+                </a:effectLst>
+                <a:latin typeface="+mn-lt"/>
+              </a:rPr>
+              <a:t>Обзоры приложений </a:t>
+            </a:r>
+            <a:r>
+              <a:rPr lang="en-US" sz="4800" b="1" dirty="0" smtClean="0">
+                <a:solidFill>
+                  <a:schemeClr val="bg1">
+                    <a:lumMod val="50000"/>
+                  </a:schemeClr>
+                </a:solidFill>
+                <a:effectLst>
+                  <a:outerShdw blurRad="38100" dist="38100" dir="2700000" algn="tl">
+                    <a:srgbClr val="000000">
+                      <a:alpha val="43137"/>
+                    </a:srgbClr>
+                  </a:outerShdw>
+                </a:effectLst>
+                <a:latin typeface="Corbel" panose="020B0503020204020204" pitchFamily="34" charset="0"/>
+              </a:rPr>
+              <a:t>Google Play Store</a:t>
+            </a:r>
+            <a:endParaRPr lang="ru-RU" sz="4800" b="1" dirty="0">
+              <a:solidFill>
+                <a:schemeClr val="bg1">
+                  <a:lumMod val="50000"/>
+                </a:schemeClr>
+              </a:solidFill>
+              <a:effectLst>
+                <a:outerShdw blurRad="38100" dist="38100" dir="2700000" algn="tl">
+                  <a:srgbClr val="000000">
+                    <a:alpha val="43137"/>
+                  </a:srgbClr>
+                </a:outerShdw>
+              </a:effectLst>
+              <a:latin typeface="Corbel" panose="020B0503020204020204" pitchFamily="34" charset="0"/>
+            </a:endParaRPr>
+          </a:p>
+        </p:txBody>
+      </p:sp>
+      <p:sp>
+        <p:nvSpPr>
+          <p:cNvPr id="6" name="Текст 1"/>
+          <p:cNvSpPr txBox="1">
+            <a:spLocks/>
+          </p:cNvSpPr>
+          <p:nvPr/>
+        </p:nvSpPr>
+        <p:spPr>
+          <a:xfrm>
+            <a:off x="4933782" y="6105682"/>
+            <a:ext cx="2120953" cy="474959"/>
+          </a:xfrm>
+          <a:prstGeom prst="rect">
+            <a:avLst/>
+          </a:prstGeom>
+        </p:spPr>
+        <p:txBody>
+          <a:bodyPr vert="horz" lIns="91440" tIns="45720" rIns="91440" bIns="45720" rtlCol="0">
+            <a:normAutofit/>
+          </a:bodyPr>
+          <a:lstStyle>
+            <a:lvl1pPr marL="0" indent="0" algn="l" defTabSz="914400" rtl="0" eaLnBrk="1" latinLnBrk="0" hangingPunct="1">
+              <a:lnSpc>
+                <a:spcPct val="90000"/>
+              </a:lnSpc>
+              <a:spcBef>
+                <a:spcPts val="1000"/>
+              </a:spcBef>
+              <a:buFont typeface="Arial" panose="020B0604020202020204" pitchFamily="34" charset="0"/>
+              <a:buNone/>
+              <a:defRPr sz="2400" kern="1200">
+                <a:solidFill>
+                  <a:schemeClr val="tx1">
+                    <a:lumMod val="75000"/>
+                    <a:lumOff val="25000"/>
+                  </a:schemeClr>
+                </a:solidFill>
+                <a:latin typeface="+mn-lt"/>
+                <a:ea typeface="+mn-ea"/>
+                <a:cs typeface="+mn-cs"/>
+              </a:defRPr>
+            </a:lvl1pPr>
+            <a:lvl2pPr marL="457200" indent="0" algn="l" defTabSz="914400" rtl="0" eaLnBrk="1" latinLnBrk="0" hangingPunct="1">
+              <a:lnSpc>
+                <a:spcPct val="90000"/>
+              </a:lnSpc>
+              <a:spcBef>
+                <a:spcPts val="500"/>
+              </a:spcBef>
+              <a:buFont typeface="Arial" panose="020B0604020202020204" pitchFamily="34" charset="0"/>
+              <a:buNone/>
+              <a:defRPr sz="2000" kern="1200">
+                <a:solidFill>
+                  <a:schemeClr val="tx1">
+                    <a:tint val="75000"/>
+                  </a:schemeClr>
+                </a:solidFill>
+                <a:latin typeface="+mn-lt"/>
+                <a:ea typeface="+mn-ea"/>
+                <a:cs typeface="+mn-cs"/>
+              </a:defRPr>
+            </a:lvl2pPr>
+            <a:lvl3pPr marL="914400" indent="0" algn="l" defTabSz="914400" rtl="0" eaLnBrk="1" latinLnBrk="0" hangingPunct="1">
+              <a:lnSpc>
+                <a:spcPct val="90000"/>
+              </a:lnSpc>
+              <a:spcBef>
+                <a:spcPts val="500"/>
+              </a:spcBef>
+              <a:buFont typeface="Arial" panose="020B0604020202020204" pitchFamily="34" charset="0"/>
+              <a:buNone/>
+              <a:defRPr sz="1800" kern="1200">
+                <a:solidFill>
+                  <a:schemeClr val="tx1">
+                    <a:tint val="75000"/>
+                  </a:schemeClr>
+                </a:solidFill>
+                <a:latin typeface="+mn-lt"/>
+                <a:ea typeface="+mn-ea"/>
+                <a:cs typeface="+mn-cs"/>
+              </a:defRPr>
+            </a:lvl3pPr>
+            <a:lvl4pPr marL="1371600" indent="0" algn="l" defTabSz="914400" rtl="0" eaLnBrk="1" latinLnBrk="0" hangingPunct="1">
+              <a:lnSpc>
+                <a:spcPct val="90000"/>
+              </a:lnSpc>
+              <a:spcBef>
+                <a:spcPts val="500"/>
+              </a:spcBef>
+              <a:buFont typeface="Arial" panose="020B0604020202020204" pitchFamily="34" charset="0"/>
+              <a:buNone/>
+              <a:defRPr sz="1600" kern="1200">
+                <a:solidFill>
+                  <a:schemeClr val="tx1">
+                    <a:tint val="75000"/>
+                  </a:schemeClr>
+                </a:solidFill>
+                <a:latin typeface="+mn-lt"/>
+                <a:ea typeface="+mn-ea"/>
+                <a:cs typeface="+mn-cs"/>
+              </a:defRPr>
+            </a:lvl4pPr>
+            <a:lvl5pPr marL="1828800" indent="0" algn="l" defTabSz="914400" rtl="0" eaLnBrk="1" latinLnBrk="0" hangingPunct="1">
+              <a:lnSpc>
+                <a:spcPct val="90000"/>
+              </a:lnSpc>
+              <a:spcBef>
+                <a:spcPts val="500"/>
+              </a:spcBef>
+              <a:buFont typeface="Arial" panose="020B0604020202020204" pitchFamily="34" charset="0"/>
+              <a:buNone/>
+              <a:defRPr sz="1600" kern="1200">
+                <a:solidFill>
+                  <a:schemeClr val="tx1">
+                    <a:tint val="75000"/>
+                  </a:schemeClr>
+                </a:solidFill>
+                <a:latin typeface="+mn-lt"/>
+                <a:ea typeface="+mn-ea"/>
+                <a:cs typeface="+mn-cs"/>
+              </a:defRPr>
+            </a:lvl5pPr>
+            <a:lvl6pPr marL="2286000" indent="0" algn="l" defTabSz="914400" rtl="0" eaLnBrk="1" latinLnBrk="0" hangingPunct="1">
+              <a:lnSpc>
+                <a:spcPct val="90000"/>
+              </a:lnSpc>
+              <a:spcBef>
+                <a:spcPts val="500"/>
+              </a:spcBef>
+              <a:buFont typeface="Arial" panose="020B0604020202020204" pitchFamily="34" charset="0"/>
+              <a:buNone/>
+              <a:defRPr sz="1600" kern="1200">
+                <a:solidFill>
+                  <a:schemeClr val="tx1">
+                    <a:tint val="75000"/>
+                  </a:schemeClr>
+                </a:solidFill>
+                <a:latin typeface="+mn-lt"/>
+                <a:ea typeface="+mn-ea"/>
+                <a:cs typeface="+mn-cs"/>
+              </a:defRPr>
+            </a:lvl6pPr>
+            <a:lvl7pPr marL="2743200" indent="0" algn="l" defTabSz="914400" rtl="0" eaLnBrk="1" latinLnBrk="0" hangingPunct="1">
+              <a:lnSpc>
+                <a:spcPct val="90000"/>
+              </a:lnSpc>
+              <a:spcBef>
+                <a:spcPts val="500"/>
+              </a:spcBef>
+              <a:buFont typeface="Arial" panose="020B0604020202020204" pitchFamily="34" charset="0"/>
+              <a:buNone/>
+              <a:defRPr sz="1600" kern="1200">
+                <a:solidFill>
+                  <a:schemeClr val="tx1">
+                    <a:tint val="75000"/>
+                  </a:schemeClr>
+                </a:solidFill>
+                <a:latin typeface="+mn-lt"/>
+                <a:ea typeface="+mn-ea"/>
+                <a:cs typeface="+mn-cs"/>
+              </a:defRPr>
+            </a:lvl7pPr>
+            <a:lvl8pPr marL="3200400" indent="0" algn="l" defTabSz="914400" rtl="0" eaLnBrk="1" latinLnBrk="0" hangingPunct="1">
+              <a:lnSpc>
+                <a:spcPct val="90000"/>
+              </a:lnSpc>
+              <a:spcBef>
+                <a:spcPts val="500"/>
+              </a:spcBef>
+              <a:buFont typeface="Arial" panose="020B0604020202020204" pitchFamily="34" charset="0"/>
+              <a:buNone/>
+              <a:defRPr sz="1600" kern="1200">
+                <a:solidFill>
+                  <a:schemeClr val="tx1">
+                    <a:tint val="75000"/>
+                  </a:schemeClr>
+                </a:solidFill>
+                <a:latin typeface="+mn-lt"/>
+                <a:ea typeface="+mn-ea"/>
+                <a:cs typeface="+mn-cs"/>
+              </a:defRPr>
+            </a:lvl8pPr>
+            <a:lvl9pPr marL="3657600" indent="0" algn="l" defTabSz="914400" rtl="0" eaLnBrk="1" latinLnBrk="0" hangingPunct="1">
+              <a:lnSpc>
+                <a:spcPct val="90000"/>
+              </a:lnSpc>
+              <a:spcBef>
+                <a:spcPts val="500"/>
+              </a:spcBef>
+              <a:buFont typeface="Arial" panose="020B0604020202020204" pitchFamily="34" charset="0"/>
+              <a:buNone/>
+              <a:defRPr sz="1600" kern="1200">
+                <a:solidFill>
+                  <a:schemeClr val="tx1">
+                    <a:tint val="75000"/>
+                  </a:schemeClr>
+                </a:solidFill>
+                <a:latin typeface="+mn-lt"/>
+                <a:ea typeface="+mn-ea"/>
+                <a:cs typeface="+mn-cs"/>
+              </a:defRPr>
+            </a:lvl9pPr>
+          </a:lstStyle>
+          <a:p>
+            <a:r>
+              <a:rPr lang="ru-RU" sz="1800" b="1" dirty="0">
+                <a:solidFill>
+                  <a:schemeClr val="tx1">
+                    <a:lumMod val="65000"/>
+                    <a:lumOff val="35000"/>
+                  </a:schemeClr>
+                </a:solidFill>
+                <a:effectLst>
+                  <a:outerShdw blurRad="38100" dist="38100" dir="2700000" algn="tl">
+                    <a:srgbClr val="000000">
+                      <a:alpha val="43137"/>
+                    </a:srgbClr>
+                  </a:outerShdw>
+                </a:effectLst>
+              </a:rPr>
+              <a:t>о</a:t>
+            </a:r>
+            <a:r>
+              <a:rPr lang="ru-RU" sz="1800" b="1" dirty="0" smtClean="0">
+                <a:solidFill>
+                  <a:schemeClr val="tx1">
+                    <a:lumMod val="65000"/>
+                    <a:lumOff val="35000"/>
+                  </a:schemeClr>
+                </a:solidFill>
+                <a:effectLst>
+                  <a:outerShdw blurRad="38100" dist="38100" dir="2700000" algn="tl">
+                    <a:srgbClr val="000000">
+                      <a:alpha val="43137"/>
+                    </a:srgbClr>
+                  </a:outerShdw>
+                </a:effectLst>
+              </a:rPr>
+              <a:t>ктябрь 2021 года</a:t>
+            </a:r>
+            <a:endParaRPr lang="ru-RU" sz="1800" b="1" dirty="0">
+              <a:solidFill>
+                <a:schemeClr val="tx1">
+                  <a:lumMod val="65000"/>
+                  <a:lumOff val="35000"/>
+                </a:schemeClr>
+              </a:solidFill>
+              <a:effectLst>
+                <a:outerShdw blurRad="38100" dist="38100" dir="2700000" algn="tl">
+                  <a:srgbClr val="000000">
+                    <a:alpha val="43137"/>
+                  </a:srgbClr>
+                </a:outerShdw>
+              </a:effectLst>
+            </a:endParaRPr>
+          </a:p>
+        </p:txBody>
+      </p:sp>
+    </p:spTree>
+    <p:extLst>
+      <p:ext uri="{BB962C8B-B14F-4D97-AF65-F5344CB8AC3E}">
+        <p14:creationId xmlns:p14="http://schemas.microsoft.com/office/powerpoint/2010/main" val="1398363467"/>
+      </p:ext>
+    </p:extLst>
+  </p:cSld>
+  <p:clrMapOvr>
+    <a:masterClrMapping/>
+  </p:clrMapOvr>
+</p:sld>
+</file>
+
+<file path=ppt/slides/slide3.xml><?xml version="1.0" encoding="utf-8"?>
+<p:sld xmlns:a="http://schemas.openxmlformats.org/drawingml/2006/main" xmlns:r="http://schemas.openxmlformats.org/officeDocument/2006/relationships" xmlns:p="http://schemas.openxmlformats.org/presentationml/2006/main">
+  <p:cSld>
+    <p:spTree>
+      <p:nvGrpSpPr>
+        <p:cNvPr id="1" name=""/>
+        <p:cNvGrpSpPr/>
+        <p:nvPr/>
+      </p:nvGrpSpPr>
+      <p:grpSpPr>
+        <a:xfrm>
+          <a:off x="0" y="0"/>
+          <a:ext cx="0" cy="0"/>
+          <a:chOff x="0" y="0"/>
+          <a:chExt cx="0" cy="0"/>
+        </a:xfrm>
+      </p:grpSpPr>
+      <p:sp>
+        <p:nvSpPr>
           <p:cNvPr id="4" name="Блок-схема: процесс 3"/>
           <p:cNvSpPr/>
           <p:nvPr/>
         </p:nvSpPr>
         <p:spPr>
           <a:xfrm flipV="1">
-            <a:off x="395654" y="756137"/>
+            <a:off x="395654" y="614524"/>
+            <a:ext cx="11649808" cy="45719"/>
+          </a:xfrm>
+          <a:prstGeom prst="flowChartProcess">
+            <a:avLst/>
+          </a:prstGeom>
+          <a:gradFill flip="none" rotWithShape="1">
+            <a:gsLst>
+              <a:gs pos="71000">
+                <a:srgbClr val="00B0F0"/>
+              </a:gs>
+              <a:gs pos="28000">
+                <a:srgbClr val="F0EA00"/>
+              </a:gs>
+              <a:gs pos="0">
+                <a:srgbClr val="FF2F2F"/>
+              </a:gs>
+              <a:gs pos="36000">
+                <a:srgbClr val="FFFF00"/>
+              </a:gs>
+              <a:gs pos="100000">
+                <a:srgbClr val="00B0F0"/>
+              </a:gs>
+            </a:gsLst>
+            <a:path path="circle">
+              <a:fillToRect l="100000" t="100000"/>
+            </a:path>
+            <a:tileRect r="-100000" b="-100000"/>
+          </a:gradFill>
+          <a:ln>
+            <a:noFill/>
+          </a:ln>
+          <a:effectLst>
+            <a:outerShdw blurRad="50800" dist="38100" dir="5400000" algn="t" rotWithShape="0">
+              <a:prstClr val="black">
+                <a:alpha val="40000"/>
+              </a:prstClr>
+            </a:outerShdw>
+          </a:effectLst>
+        </p:spPr>
+        <p:style>
+          <a:lnRef idx="2">
+            <a:schemeClr val="accent1">
+              <a:shade val="50000"/>
+            </a:schemeClr>
+          </a:lnRef>
+          <a:fillRef idx="1">
+            <a:schemeClr val="accent1"/>
+          </a:fillRef>
+          <a:effectRef idx="0">
+            <a:schemeClr val="accent1"/>
+          </a:effectRef>
+          <a:fontRef idx="minor">
+            <a:schemeClr val="lt1"/>
+          </a:fontRef>
+        </p:style>
+        <p:txBody>
+          <a:bodyPr rtlCol="0" anchor="ctr"/>
+          <a:lstStyle/>
+          <a:p>
+            <a:pPr algn="ctr"/>
+            <a:endParaRPr lang="ru-RU"/>
+          </a:p>
+        </p:txBody>
+      </p:sp>
+      <p:sp>
+        <p:nvSpPr>
+          <p:cNvPr id="5" name="TextBox 4"/>
+          <p:cNvSpPr txBox="1"/>
+          <p:nvPr/>
+        </p:nvSpPr>
+        <p:spPr>
+          <a:xfrm>
+            <a:off x="395654" y="175719"/>
+            <a:ext cx="2215661" cy="461665"/>
+          </a:xfrm>
+          <a:prstGeom prst="rect">
+            <a:avLst/>
+          </a:prstGeom>
+          <a:noFill/>
+        </p:spPr>
+        <p:txBody>
+          <a:bodyPr wrap="square" rtlCol="0">
+            <a:spAutoFit/>
+          </a:bodyPr>
+          <a:lstStyle/>
+          <a:p>
+            <a:r>
+              <a:rPr lang="ru-RU" sz="2400" dirty="0" smtClean="0">
+                <a:ln w="0"/>
+                <a:solidFill>
+                  <a:schemeClr val="accent1"/>
+                </a:solidFill>
+                <a:effectLst>
+                  <a:outerShdw blurRad="38100" dist="25400" dir="5400000" algn="ctr" rotWithShape="0">
+                    <a:srgbClr val="6E747A">
+                      <a:alpha val="43000"/>
+                    </a:srgbClr>
+                  </a:outerShdw>
+                </a:effectLst>
+              </a:rPr>
+              <a:t>О себе</a:t>
+            </a:r>
+            <a:endParaRPr lang="ru-RU" sz="2400" dirty="0">
+              <a:ln w="0"/>
+              <a:solidFill>
+                <a:schemeClr val="accent1"/>
+              </a:solidFill>
+              <a:effectLst>
+                <a:outerShdw blurRad="38100" dist="25400" dir="5400000" algn="ctr" rotWithShape="0">
+                  <a:srgbClr val="6E747A">
+                    <a:alpha val="43000"/>
+                  </a:srgbClr>
+                </a:outerShdw>
+              </a:effectLst>
+            </a:endParaRPr>
+          </a:p>
+        </p:txBody>
+      </p:sp>
+      <p:sp>
+        <p:nvSpPr>
+          <p:cNvPr id="6" name="Прямоугольник 5"/>
+          <p:cNvSpPr/>
+          <p:nvPr/>
+        </p:nvSpPr>
+        <p:spPr>
+          <a:xfrm>
+            <a:off x="395654" y="711122"/>
+            <a:ext cx="11649808" cy="5078313"/>
+          </a:xfrm>
+          <a:prstGeom prst="rect">
+            <a:avLst/>
+          </a:prstGeom>
+        </p:spPr>
+        <p:txBody>
+          <a:bodyPr wrap="square">
+            <a:spAutoFit/>
+          </a:bodyPr>
+          <a:lstStyle/>
+          <a:p>
+            <a:pPr marL="285750" indent="-285750">
+              <a:buClr>
+                <a:srgbClr val="009AD0"/>
+              </a:buClr>
+              <a:buFont typeface="Wingdings" panose="05000000000000000000" pitchFamily="2" charset="2"/>
+              <a:buChar char="Ø"/>
+            </a:pPr>
+            <a:r>
+              <a:rPr lang="ru-RU" sz="2400" i="1" dirty="0" smtClean="0">
+                <a:solidFill>
+                  <a:schemeClr val="tx1">
+                    <a:lumMod val="65000"/>
+                    <a:lumOff val="35000"/>
+                  </a:schemeClr>
+                </a:solidFill>
+              </a:rPr>
+              <a:t>Давыдова Екатерина Геннадьевна</a:t>
+            </a:r>
+          </a:p>
+          <a:p>
+            <a:pPr marL="285750" indent="-285750">
+              <a:buClr>
+                <a:srgbClr val="009AD0"/>
+              </a:buClr>
+              <a:buFont typeface="Wingdings" panose="05000000000000000000" pitchFamily="2" charset="2"/>
+              <a:buChar char="Ø"/>
+            </a:pPr>
+            <a:r>
+              <a:rPr lang="ru-RU" sz="2400" i="1" dirty="0" smtClean="0">
+                <a:solidFill>
+                  <a:schemeClr val="tx1">
+                    <a:lumMod val="65000"/>
+                    <a:lumOff val="35000"/>
+                  </a:schemeClr>
+                </a:solidFill>
+              </a:rPr>
+              <a:t>Улан-Удэ, готова к переезду</a:t>
+            </a:r>
+          </a:p>
+          <a:p>
+            <a:pPr marL="285750" indent="-285750">
+              <a:buClr>
+                <a:srgbClr val="009AD0"/>
+              </a:buClr>
+              <a:buFont typeface="Wingdings" panose="05000000000000000000" pitchFamily="2" charset="2"/>
+              <a:buChar char="Ø"/>
+            </a:pPr>
+            <a:r>
+              <a:rPr lang="ru-RU" sz="2400" i="1" dirty="0" smtClean="0">
+                <a:solidFill>
+                  <a:schemeClr val="tx1">
+                    <a:lumMod val="65000"/>
+                    <a:lumOff val="35000"/>
+                  </a:schemeClr>
+                </a:solidFill>
+              </a:rPr>
+              <a:t>Экономическое образование</a:t>
+            </a:r>
+          </a:p>
+          <a:p>
+            <a:pPr marL="285750" indent="-285750">
+              <a:buClr>
+                <a:srgbClr val="009AD0"/>
+              </a:buClr>
+              <a:buFont typeface="Wingdings" panose="05000000000000000000" pitchFamily="2" charset="2"/>
+              <a:buChar char="Ø"/>
+            </a:pPr>
+            <a:r>
+              <a:rPr lang="ru-RU" sz="2400" i="1" dirty="0" smtClean="0">
+                <a:solidFill>
+                  <a:schemeClr val="tx1">
+                    <a:lumMod val="65000"/>
+                    <a:lumOff val="35000"/>
+                  </a:schemeClr>
+                </a:solidFill>
+              </a:rPr>
+              <a:t>Опыт в </a:t>
+            </a:r>
+            <a:r>
+              <a:rPr lang="ru-RU" sz="2400" i="1" dirty="0" err="1" smtClean="0">
+                <a:solidFill>
+                  <a:schemeClr val="tx1">
+                    <a:lumMod val="65000"/>
+                    <a:lumOff val="35000"/>
+                  </a:schemeClr>
+                </a:solidFill>
+              </a:rPr>
+              <a:t>Сбере</a:t>
+            </a:r>
+            <a:r>
+              <a:rPr lang="ru-RU" sz="2400" i="1" dirty="0" smtClean="0">
+                <a:solidFill>
+                  <a:schemeClr val="tx1">
+                    <a:lumMod val="65000"/>
+                    <a:lumOff val="35000"/>
+                  </a:schemeClr>
+                </a:solidFill>
+              </a:rPr>
+              <a:t> : 10 лет</a:t>
+            </a:r>
+          </a:p>
+          <a:p>
+            <a:pPr>
+              <a:buClr>
+                <a:srgbClr val="009AD0"/>
+              </a:buClr>
+            </a:pPr>
+            <a:r>
+              <a:rPr lang="ru-RU" i="1" dirty="0" smtClean="0">
+                <a:solidFill>
+                  <a:schemeClr val="tx1">
+                    <a:lumMod val="65000"/>
+                    <a:lumOff val="35000"/>
+                  </a:schemeClr>
+                </a:solidFill>
+              </a:rPr>
+              <a:t>Большая часть работы связана с экономическо-аналитической деятельностью(занимаемые должности экономист и аналитик) </a:t>
+            </a:r>
+          </a:p>
+          <a:p>
+            <a:r>
+              <a:rPr lang="ru-RU" b="1" i="1" dirty="0" smtClean="0">
+                <a:solidFill>
+                  <a:schemeClr val="tx1">
+                    <a:lumMod val="65000"/>
+                    <a:lumOff val="35000"/>
+                  </a:schemeClr>
+                </a:solidFill>
+              </a:rPr>
+              <a:t>Должностные обязанности :</a:t>
+            </a:r>
+            <a:r>
+              <a:rPr lang="ru-RU" i="1" dirty="0" smtClean="0">
+                <a:solidFill>
+                  <a:schemeClr val="tx1">
+                    <a:lumMod val="65000"/>
+                    <a:lumOff val="35000"/>
+                  </a:schemeClr>
+                </a:solidFill>
+              </a:rPr>
+              <a:t>Формирование информации </a:t>
+            </a:r>
+            <a:r>
+              <a:rPr lang="ru-RU" i="1" dirty="0">
+                <a:solidFill>
+                  <a:schemeClr val="tx1">
+                    <a:lumMod val="65000"/>
+                    <a:lumOff val="35000"/>
+                  </a:schemeClr>
+                </a:solidFill>
+              </a:rPr>
+              <a:t>по выполнению контрольных показателей бизнес плана на планерные заседания территориального банка и </a:t>
+            </a:r>
+            <a:r>
+              <a:rPr lang="ru-RU" i="1" dirty="0" smtClean="0">
+                <a:solidFill>
+                  <a:schemeClr val="tx1">
+                    <a:lumMod val="65000"/>
+                    <a:lumOff val="35000"/>
+                  </a:schemeClr>
+                </a:solidFill>
+              </a:rPr>
+              <a:t>ГОСБ;</a:t>
+            </a:r>
+            <a:endParaRPr lang="ru-RU" i="1" dirty="0">
+              <a:solidFill>
+                <a:schemeClr val="tx1">
+                  <a:lumMod val="65000"/>
+                  <a:lumOff val="35000"/>
+                </a:schemeClr>
+              </a:solidFill>
+            </a:endParaRPr>
+          </a:p>
+          <a:p>
+            <a:pPr lvl="0"/>
+            <a:r>
+              <a:rPr lang="ru-RU" i="1" dirty="0" smtClean="0">
+                <a:solidFill>
+                  <a:schemeClr val="tx1">
+                    <a:lumMod val="65000"/>
+                    <a:lumOff val="35000"/>
+                  </a:schemeClr>
+                </a:solidFill>
+              </a:rPr>
+              <a:t>-Формирование </a:t>
+            </a:r>
+            <a:r>
+              <a:rPr lang="ru-RU" i="1" dirty="0">
+                <a:solidFill>
+                  <a:schemeClr val="tx1">
+                    <a:lumMod val="65000"/>
+                    <a:lumOff val="35000"/>
+                  </a:schemeClr>
+                </a:solidFill>
+              </a:rPr>
+              <a:t>материалов на Совет Отделения по итогам работы и </a:t>
+            </a:r>
+            <a:r>
+              <a:rPr lang="en-US" i="1" dirty="0">
+                <a:solidFill>
+                  <a:schemeClr val="tx1">
+                    <a:lumMod val="65000"/>
+                    <a:lumOff val="35000"/>
+                  </a:schemeClr>
+                </a:solidFill>
+              </a:rPr>
+              <a:t>PD</a:t>
+            </a:r>
+            <a:r>
+              <a:rPr lang="ru-RU" i="1" dirty="0">
+                <a:solidFill>
+                  <a:schemeClr val="tx1">
+                    <a:lumMod val="65000"/>
+                    <a:lumOff val="35000"/>
+                  </a:schemeClr>
+                </a:solidFill>
+              </a:rPr>
+              <a:t>;</a:t>
+            </a:r>
+          </a:p>
+          <a:p>
+            <a:r>
+              <a:rPr lang="ru-RU" i="1" dirty="0" smtClean="0">
+                <a:solidFill>
+                  <a:schemeClr val="tx1">
+                    <a:lumMod val="65000"/>
+                    <a:lumOff val="35000"/>
+                  </a:schemeClr>
+                </a:solidFill>
+              </a:rPr>
+              <a:t>-Анализ </a:t>
+            </a:r>
+            <a:r>
+              <a:rPr lang="ru-RU" i="1" dirty="0">
+                <a:solidFill>
+                  <a:schemeClr val="tx1">
+                    <a:lumMod val="65000"/>
+                    <a:lumOff val="35000"/>
+                  </a:schemeClr>
+                </a:solidFill>
+              </a:rPr>
+              <a:t>и прогноз развития рынка банковских услуг, конкурентной среды по Республике </a:t>
+            </a:r>
+            <a:r>
+              <a:rPr lang="ru-RU" i="1" dirty="0" smtClean="0">
+                <a:solidFill>
+                  <a:schemeClr val="tx1">
+                    <a:lumMod val="65000"/>
+                    <a:lumOff val="35000"/>
+                  </a:schemeClr>
+                </a:solidFill>
+              </a:rPr>
+              <a:t>Бурятия;</a:t>
+            </a:r>
+          </a:p>
+          <a:p>
+            <a:r>
+              <a:rPr lang="ru-RU" i="1" dirty="0" smtClean="0">
+                <a:solidFill>
+                  <a:schemeClr val="tx1">
+                    <a:lumMod val="65000"/>
+                    <a:lumOff val="35000"/>
+                  </a:schemeClr>
+                </a:solidFill>
+              </a:rPr>
+              <a:t>-Анализ </a:t>
+            </a:r>
+            <a:r>
+              <a:rPr lang="ru-RU" i="1" dirty="0">
+                <a:solidFill>
+                  <a:schemeClr val="tx1">
+                    <a:lumMod val="65000"/>
+                    <a:lumOff val="35000"/>
+                  </a:schemeClr>
+                </a:solidFill>
+              </a:rPr>
+              <a:t>изменения рыночных позиций по районам Республики </a:t>
+            </a:r>
+            <a:r>
+              <a:rPr lang="ru-RU" i="1" dirty="0" smtClean="0">
+                <a:solidFill>
+                  <a:schemeClr val="tx1">
+                    <a:lumMod val="65000"/>
+                    <a:lumOff val="35000"/>
+                  </a:schemeClr>
+                </a:solidFill>
+              </a:rPr>
+              <a:t>Бурятия;</a:t>
+            </a:r>
+          </a:p>
+          <a:p>
+            <a:r>
+              <a:rPr lang="ru-RU" i="1" dirty="0" smtClean="0">
+                <a:solidFill>
+                  <a:schemeClr val="tx1">
+                    <a:lumMod val="65000"/>
+                    <a:lumOff val="35000"/>
+                  </a:schemeClr>
+                </a:solidFill>
+              </a:rPr>
+              <a:t>- Участие в разработке бизнес плана ГОСБ.</a:t>
+            </a:r>
+            <a:endParaRPr lang="ru-RU" i="1" dirty="0">
+              <a:solidFill>
+                <a:schemeClr val="tx1">
+                  <a:lumMod val="65000"/>
+                  <a:lumOff val="35000"/>
+                </a:schemeClr>
+              </a:solidFill>
+            </a:endParaRPr>
+          </a:p>
+          <a:p>
+            <a:pPr marL="285750" indent="-285750">
+              <a:buClr>
+                <a:srgbClr val="009AD0"/>
+              </a:buClr>
+              <a:buFont typeface="Wingdings" panose="05000000000000000000" pitchFamily="2" charset="2"/>
+              <a:buChar char="Ø"/>
+            </a:pPr>
+            <a:r>
+              <a:rPr lang="ru-RU" sz="2400" i="1" dirty="0" smtClean="0">
+                <a:solidFill>
+                  <a:schemeClr val="tx1">
+                    <a:lumMod val="65000"/>
+                    <a:lumOff val="35000"/>
+                  </a:schemeClr>
+                </a:solidFill>
+              </a:rPr>
+              <a:t>Контакты  </a:t>
+            </a:r>
+            <a:endParaRPr lang="ru-RU" sz="2400" i="1" dirty="0">
+              <a:solidFill>
+                <a:schemeClr val="tx1">
+                  <a:lumMod val="65000"/>
+                  <a:lumOff val="35000"/>
+                </a:schemeClr>
+              </a:solidFill>
+            </a:endParaRPr>
+          </a:p>
+          <a:p>
+            <a:r>
+              <a:rPr lang="ru-RU" sz="1600" i="1" dirty="0" smtClean="0">
+                <a:solidFill>
+                  <a:schemeClr val="tx1">
+                    <a:lumMod val="65000"/>
+                    <a:lumOff val="35000"/>
+                  </a:schemeClr>
+                </a:solidFill>
+              </a:rPr>
+              <a:t>внутренняя почта: </a:t>
+            </a:r>
+            <a:r>
+              <a:rPr lang="en-US" sz="1600" i="1" dirty="0" smtClean="0">
+                <a:solidFill>
+                  <a:schemeClr val="tx1">
+                    <a:lumMod val="65000"/>
+                    <a:lumOff val="35000"/>
+                  </a:schemeClr>
+                </a:solidFill>
+                <a:hlinkClick r:id="rId2"/>
+              </a:rPr>
+              <a:t>Davydova.Ek.Ge1@omega.sbrf.ru</a:t>
+            </a:r>
+            <a:endParaRPr lang="ru-RU" sz="1600" i="1" dirty="0" smtClean="0">
+              <a:solidFill>
+                <a:schemeClr val="tx1">
+                  <a:lumMod val="65000"/>
+                  <a:lumOff val="35000"/>
+                </a:schemeClr>
+              </a:solidFill>
+            </a:endParaRPr>
+          </a:p>
+          <a:p>
+            <a:r>
+              <a:rPr lang="ru-RU" sz="1600" i="1" dirty="0" smtClean="0">
+                <a:solidFill>
+                  <a:schemeClr val="tx1">
+                    <a:lumMod val="65000"/>
+                    <a:lumOff val="35000"/>
+                  </a:schemeClr>
+                </a:solidFill>
+              </a:rPr>
+              <a:t>внутренний телефон:</a:t>
+            </a:r>
+            <a:r>
+              <a:rPr lang="en-US" sz="1600" i="1" dirty="0" smtClean="0">
+                <a:solidFill>
+                  <a:schemeClr val="tx1">
+                    <a:lumMod val="65000"/>
+                    <a:lumOff val="35000"/>
+                  </a:schemeClr>
+                </a:solidFill>
+              </a:rPr>
+              <a:t> </a:t>
+            </a:r>
+            <a:r>
+              <a:rPr lang="ru-RU" sz="1600" i="1" dirty="0" smtClean="0">
+                <a:solidFill>
+                  <a:schemeClr val="tx1">
+                    <a:lumMod val="65000"/>
+                    <a:lumOff val="35000"/>
+                  </a:schemeClr>
+                </a:solidFill>
+              </a:rPr>
+              <a:t>8-50295039</a:t>
+            </a:r>
+          </a:p>
+          <a:p>
+            <a:r>
+              <a:rPr lang="ru-RU" sz="1600" i="1" dirty="0" smtClean="0">
+                <a:solidFill>
+                  <a:schemeClr val="tx1">
+                    <a:lumMod val="65000"/>
+                    <a:lumOff val="35000"/>
+                  </a:schemeClr>
+                </a:solidFill>
+              </a:rPr>
+              <a:t>мобильный телефон:</a:t>
+            </a:r>
+            <a:r>
+              <a:rPr lang="en-US" sz="1600" i="1" dirty="0" smtClean="0">
+                <a:solidFill>
+                  <a:schemeClr val="tx1">
+                    <a:lumMod val="65000"/>
+                    <a:lumOff val="35000"/>
+                  </a:schemeClr>
+                </a:solidFill>
+              </a:rPr>
+              <a:t> </a:t>
+            </a:r>
+            <a:r>
+              <a:rPr lang="ru-RU" sz="1600" i="1" dirty="0" smtClean="0">
+                <a:solidFill>
+                  <a:schemeClr val="tx1">
+                    <a:lumMod val="65000"/>
+                    <a:lumOff val="35000"/>
+                  </a:schemeClr>
+                </a:solidFill>
+              </a:rPr>
+              <a:t>89834348999</a:t>
+            </a:r>
+            <a:endParaRPr lang="ru-RU" sz="1600" i="1" dirty="0">
+              <a:solidFill>
+                <a:schemeClr val="tx1">
+                  <a:lumMod val="65000"/>
+                  <a:lumOff val="35000"/>
+                </a:schemeClr>
+              </a:solidFill>
+            </a:endParaRPr>
+          </a:p>
+        </p:txBody>
+      </p:sp>
+    </p:spTree>
+    <p:extLst>
+      <p:ext uri="{BB962C8B-B14F-4D97-AF65-F5344CB8AC3E}">
+        <p14:creationId xmlns:p14="http://schemas.microsoft.com/office/powerpoint/2010/main" val="2199893216"/>
+      </p:ext>
+    </p:extLst>
+  </p:cSld>
+  <p:clrMapOvr>
+    <a:masterClrMapping/>
+  </p:clrMapOvr>
+</p:sld>
+</file>
+
+<file path=ppt/slides/slide4.xml><?xml version="1.0" encoding="utf-8"?>
+<p:sld xmlns:a="http://schemas.openxmlformats.org/drawingml/2006/main" xmlns:r="http://schemas.openxmlformats.org/officeDocument/2006/relationships" xmlns:p="http://schemas.openxmlformats.org/presentationml/2006/main">
+  <p:cSld>
+    <p:spTree>
+      <p:nvGrpSpPr>
+        <p:cNvPr id="1" name=""/>
+        <p:cNvGrpSpPr/>
+        <p:nvPr/>
+      </p:nvGrpSpPr>
+      <p:grpSpPr>
+        <a:xfrm>
+          <a:off x="0" y="0"/>
+          <a:ext cx="0" cy="0"/>
+          <a:chOff x="0" y="0"/>
+          <a:chExt cx="0" cy="0"/>
+        </a:xfrm>
+      </p:grpSpPr>
+      <p:sp>
+        <p:nvSpPr>
+          <p:cNvPr id="4" name="Блок-схема: процесс 3"/>
+          <p:cNvSpPr/>
+          <p:nvPr/>
+        </p:nvSpPr>
+        <p:spPr>
+          <a:xfrm flipV="1">
+            <a:off x="395654" y="614524"/>
             <a:ext cx="11649808" cy="45719"/>
           </a:xfrm>
           <a:prstGeom prst="flowChartProcess">
@@ -5776,8 +5736,8 @@
         </p:nvSpPr>
         <p:spPr>
           <a:xfrm>
-            <a:off x="395653" y="294472"/>
-            <a:ext cx="7537855" cy="461665"/>
+            <a:off x="395654" y="175719"/>
+            <a:ext cx="4009292" cy="461665"/>
           </a:xfrm>
           <a:prstGeom prst="rect">
             <a:avLst/>
@@ -5791,7 +5751,7 @@
           <a:lstStyle/>
           <a:p>
             <a:r>
-              <a:rPr lang="ru-RU" sz="2400" dirty="0">
+              <a:rPr lang="ru-RU" sz="2400" dirty="0" smtClean="0">
                 <a:ln w="0"/>
                 <a:solidFill>
                   <a:schemeClr val="accent1"/>
@@ -5804,23 +5764,7 @@
                   </a:outerShdw>
                 </a:effectLst>
               </a:rPr>
-              <a:t>Модель </a:t>
-            </a:r>
-            <a:r>
-              <a:rPr lang="ru-RU" sz="2400" dirty="0" smtClean="0">
-                <a:ln w="0"/>
-                <a:solidFill>
-                  <a:schemeClr val="accent1"/>
-                </a:solidFill>
-                <a:effectLst>
-                  <a:outerShdw blurRad="38100" dist="25400" dir="5400000" algn="ctr" rotWithShape="0">
-                    <a:srgbClr val="6E747A">
-                      <a:alpha val="43000"/>
-                    </a:srgbClr>
-                  </a:outerShdw>
-                </a:effectLst>
-              </a:rPr>
-              <a:t>данных. Анализ популярных приложений</a:t>
+              <a:t>Описание проекта</a:t>
             </a:r>
             <a:endParaRPr lang="ru-RU" sz="2400" dirty="0">
               <a:ln w="0"/>
@@ -5838,496 +5782,89 @@
           </a:p>
         </p:txBody>
       </p:sp>
-      <p:pic>
-        <p:nvPicPr>
-          <p:cNvPr id="1026" name="Picture 2"/>
-          <p:cNvPicPr>
-            <a:picLocks noChangeAspect="1" noChangeArrowheads="1"/>
-          </p:cNvPicPr>
-          <p:nvPr/>
-        </p:nvPicPr>
-        <p:blipFill>
-          <a:blip r:embed="rId2">
-            <a:extLst>
-              <a:ext uri="{BEBA8EAE-BF5A-486C-A8C5-ECC9F3942E4B}">
-                <a14:imgProps xmlns:a14="http://schemas.microsoft.com/office/drawing/2010/main">
-                  <a14:imgLayer r:embed="rId3">
-                    <a14:imgEffect>
-                      <a14:sharpenSoften amount="25000"/>
-                    </a14:imgEffect>
-                  </a14:imgLayer>
-                </a14:imgProps>
-              </a:ext>
-              <a:ext uri="{28A0092B-C50C-407E-A947-70E740481C1C}">
-                <a14:useLocalDpi xmlns:a14="http://schemas.microsoft.com/office/drawing/2010/main" val="0"/>
-              </a:ext>
-            </a:extLst>
-          </a:blip>
-          <a:srcRect/>
-          <a:stretch>
-            <a:fillRect/>
-          </a:stretch>
-        </p:blipFill>
-        <p:spPr bwMode="auto">
-          <a:xfrm>
-            <a:off x="395653" y="1160937"/>
-            <a:ext cx="5299753" cy="4919980"/>
-          </a:xfrm>
-          <a:prstGeom prst="rect">
-            <a:avLst/>
-          </a:prstGeom>
-          <a:noFill/>
-          <a:ln>
-            <a:noFill/>
-          </a:ln>
-          <a:effectLst/>
-          <a:extLst>
-            <a:ext uri="{909E8E84-426E-40DD-AFC4-6F175D3DCCD1}">
-              <a14:hiddenFill xmlns:a14="http://schemas.microsoft.com/office/drawing/2010/main">
-                <a:solidFill>
-                  <a:schemeClr val="accent1"/>
-                </a:solidFill>
-              </a14:hiddenFill>
-            </a:ext>
-            <a:ext uri="{91240B29-F687-4F45-9708-019B960494DF}">
-              <a14:hiddenLine xmlns:a14="http://schemas.microsoft.com/office/drawing/2010/main" w="9525">
-                <a:solidFill>
-                  <a:schemeClr val="tx1"/>
-                </a:solidFill>
-                <a:miter lim="800000"/>
-                <a:headEnd/>
-                <a:tailEnd/>
-              </a14:hiddenLine>
-            </a:ext>
-            <a:ext uri="{AF507438-7753-43E0-B8FC-AC1667EBCBE1}">
-              <a14:hiddenEffects xmlns:a14="http://schemas.microsoft.com/office/drawing/2010/main">
-                <a:effectLst>
-                  <a:outerShdw dist="35921" dir="2700000" algn="ctr" rotWithShape="0">
-                    <a:schemeClr val="bg2"/>
-                  </a:outerShdw>
-                </a:effectLst>
-              </a14:hiddenEffects>
-            </a:ext>
-          </a:extLst>
-        </p:spPr>
-      </p:pic>
-      <p:sp>
-        <p:nvSpPr>
-          <p:cNvPr id="2" name="AutoShape 5" descr="data:image/png;base64,iVBORw0KGgoAAAANSUhEUgAAA3cAAANyCAYAAADB/jKlAAAAOXRFWHRTb2Z0d2FyZQBNYXRwbG90bGliIHZlcnNpb24zLjMuMiwgaHR0cHM6Ly9tYXRwbG90bGliLm9yZy8vihELAAAACXBIWXMAAAsTAAALEwEAmpwYAAA7h0lEQVR4nO3dfbytdV3n//dHEFPxBvWIyo2Q0g1Tig6jltON4zQDlqJTFlTKOCrySFKbrKisbLIy0+znxIioJKZpmpZYpJllk4/EAIdUNBIB5QhyoymSJiKf3x/XtXWx2eectQ/nsA/f/Xw+Hudx9rpu1vp+195nnfXa17XWqu4OAAAAt2232+gBAAAAcMuJOwAAgAGIOwAAgAGIOwAAgAGIOwAAgAGIOwBgU6iq22/0GAB2J3EH3ERVHV5Vj6mqvarq2Kq630aPCTZCVf1oVR1YVXerqqdv9HhYv/lx7OSq+seq+nSSrVX1DRs9LoDdRdzBgKrq0qr6UlVdV1VXVtXvV9W+S+5+dZLnJbkmyZOTfHa3DRT2bF9O8r4kFybZZ4PHws45Jcn3JXlCd9+nu/fv7n/b6EEtqqpfq6oPVdUNVfX8jR4PcNtWPsQcxlNVlyZ5Wnf/VVUdkOSdSf6su0/e2JEB3Dqq6tAkZyd5YHd/YaPHsy1VdXySq5KcmOT/dffzN3ZEwG2ZI3cwuO7+VJK/SPJtSTKfYvbqqrqiqj5VVS+oqr3mdf+9qt67sm9V/WxVdVX956r6jvlI4HVV9ZWqun7h8sHb23e+/Pyqet3C+r3n9YfMl1+z6jqvq6q7rZ7PfDtfXbXdjVX1vfP6O1TV71bV5fOf362qO8zrvnfednHfr87XeYeq+mxVffvCbd17PgK6Zb58yDzmxX2fNq+7U1W9ab6O6+a5vGbhdrdW1S9U1TXzkdUfW7id11TVCxYuP7CqeuHye1ZuZ9V98YKF2/iRqrq4qu46Xz66qj69MvZV+62ex8r39Pk7Od6z5uvbe9U2K9/PL1XV1oV131lV51TV5+e/v3NefruqektVvWxh266qB85fP7uq3ldVd5wv32/e/uqquqSqnrWw3zI/b9ucw+J9Po/rQ4tzWHV/nlJVL1m17O1V9Zz564Oq6q3zOD9TVb83j33lvr9+vv9XLn9XVe1XVX827/Mv89cHLlz/TX4mavo3eunC5W+dt/lcVV1QVY/bxvfms1X1qlXfu9X/xha/B0s/fszLttbX/22u63uysN3Tquo989ffOf9MHjRffvA8x29Z41vzH5JckeTM+Wdt9f1wt6p67Xwff6KqnldVt1tYv/rx4sb6+uPZHarqxVX1yZrOjjh15edyXv8DVXX+PLa/r6oHrTG+JEl3n9Hdf5FkhwE634ddVU9YWPYT87LFn4ftjf0183jfVVVfqKq/rar7r7qd91bVv837/tvq7+uqbbuqnlXT4881VfXbK/djVT2gqv56/rm/pqpeX1V3X9j3/8730edq+rd8lx3dB8D2iTsY3Pwk6DFJ/t+86IwkNyR5YJKHJPkvSdYKh/2SPCvJ55Kku9/X3ft2975JXp/kRSuXu/uT29t3HRavc9/u/vw2tnvf4nZJLl9Y94tJHpHkiCQPTvKwTKeZrrh81b7vm+f35SRvTPLjC9sel+Svuvvq+fLKY+bd5n3/bmHbJyf55iSHzutetGrM90lyryQHJDk+yWlV9c3bvTfWobv/aJ7Ly6rqnkleneno7dXb2e3uC/fDH+3MeOcn7ms9cb1dkt+ar/vohe3vkeTPk7wsyT2T/E6SP6+qe3b3jZnu/yOr6n+uup0nJPmJJI/t7i/NTx7fnuQf5zE+Oslzquq/bme+a9rOHFYcn2S/7aw/I8lxC09o7zWP5w1z+PxZkk8kOWQe6xu7+/KF+/43kvzRws/l32W6/34/yf2THJzkS0l+b8n53D7TffOXSe6d5CeTvH7V9+9F820fnuT7kxy1sO52Sf5+YXyr57rDx4/dpbv/Pskrkpwxx9QfJHled//TGpvfKdNjwLuSbMnN74f/neRuSb4xyfdk+jf8lIX9b5fkUwv3w+Lj3G8l+aZMjzMPzPR9/eUkqaqHJjk9yTMy/Yy/IlNg3uEWTf7r/ik3vc//e5KPrdpme2NPkh9L8muZ/o2fn+kxfVEleca874lLjOkJSY5M8tAkxyT5HwvX85tJ7pfkW5MclOT5C/udNI/hoCR3necC3ALiDsb1p1X1uSTvTfK3SX6jqvbP9ET7Od39r919VZKXJjl2jf1/MdMTlG0F1vbckn1vqR9L8r+6+6o5bH41yZOW3PeMJD+68Nv7J2V68rhinyQ3dvdX19i35j97bef6f6m7v9zdf5spcH54yXEt65lJ/lOS9yR5e3f/2S28vu2Ot6oqU8T+8hr77pPk+jWWf3+Sj3X3H3T3Dd39hkxPVh+bJN39pSSPS/LzVfWD8z4PT/LaJI/r7mvmZf8hyZbu/l/dfX13X5zklVn7Z3mbdjCH1PTmG7+U6Ynwmrr7HzL9rD96XnRskvd095WZfrlwvyQ/M/+b+7fu3uZRkIXr/Ex3v6W7vzifUvjrmQJkGY9Ism+SF873zV9nCszj1th2r0w/t59ZWLbm926djx+70/MzRdk/ZPrFzinb2fbKrHE/zNH9I0l+vru/0N2XJnlJbvpYsa37oZI8PclPdfdn5+/Pb+Tr98PTk7yiu9/f3V/t7jMyvX7zETs74VXOS7J/TW/285B5jpev2mZb//5W/Hl3/9/5l1q/mOQ7Vo6Gzu64g/1X+635vvhkkt/N/LPW3Rd197vmx5GrM/0y52s/x939we6+IdPP4A1JPrSO2wTWIO5gXI/v7rt39/27+yfmJ833T3L7JFesnAqT6bfK917csaoOzvRE/rfXe6M72PeHF273mjXW7wr3y3SUZMUn5mU71N3vT/KvSb5nPs3rgUnOXNjkHkn+ZRu7n5HknCRXV9Xnkzx31fp/6e5/3c64nrtw33xgjet/2bz+iqo6vdZ4x7/u/lySN2c6Bfclq9ev047Gm0zf588k+es19t/WfbX6+7Ny3QcsXH5okmszPUlMpiNWF2cK1xX3T3K/hVO6PpfkF5Lsvzi+JX7etjeHJHl2ptesXriN9SvOyNeP+v54vv5LgYOSfGJ+Aru0mk7zfcV8uuC1Sf5vkrvPUbLiZQvz+9OF5fdLctl8JHTF6vv4ufN+l2U64nvOwrptfe+Wefx4xKrvyc1+ZnbwPVn5d3BlTaey3nP1Bt39lSSvyfxz3tt+84AvZ9v3w70yBdDqx4rF+2hb98OWTEcFz1uYyzvm5cl0P/30qvvhoCz5OLSk12Q6yvj0JK9aY/32HquS6fueJOnu6zK9cdbi+O6T6c21lnXZwtdfe6yo6dT2N9Z0Cu+1SV6X6b7/mqr64DzWOyb553XcJrAGcQeby2WZnvDcaw6/u3f3Xbv7363a7gWZTtvamTch2N6+b1q53az6D34XujzTk6sVB+fmv9XenpUn6U9K8sd903fW+6Zs48lHd38x01GBD2c6FevFqzbZr6ruvJ1xvXjhvnnoGjfxrHndtyX591nj9KWqOiLT6VBvyHTa4y2xo/HePtPRrJ/bxv7buq9Wf39WrvtTydeOlJ2S5IRMR1aS6RTfH07yK1V1n3nZZUkuWfg5vnt336W7H7NwvTv6edvRHO6R6bSxX93G+kWvS3JMVT040+lnf7owzoNr4TVtS/rpTKf5Pry775rku+fltbDNsxbm9/iF5ZcnOWjhCHSycB/PXjzvd5dMkfMzC+u29b1b5vHj7MXvSW7+b29H35OVcX1jpoD6mdUb1PQmUb+S6bTVl2zndMdPZtv3wzVJvpKbP1Ys3kfbuh+uyXSa7L9bmOvdFk5hvSzJr6/62bzTfJR6V3ldkh9N8qhMR9VX2+Zj1exrR+lqeifle2T+Xs3/xu6T5IPrGM/iUb/Fx4rfTNJJHjT/HP94bvoznO5+UKafw8syHQkGbgFxB5tId1+R6XU4L6mqu9b0RhEPqKrF070emOk0uFfsxE3ckn13lTckeV5VbZlf+/TLmZ4ILesPMr1+5McznQqY5GuvXXx2bnqEJAvr75YpqJ6+naM0v1pV+1TVdyX5gUxH2dbrXzM9wb7J4/ccRa/LdPTqKUkOqKqf2InrX3a8T8r0uqybPAGs6U0yTsx0WuBapx+eleSbavoMub2r6kcyve5r5RTSX8oUCO+eX1+VTK+xvDDJqfn60bx/SHJtVf1cVd2xps8z+7aq+g/rmN+ac1jwnCSv7u5P7+iKuntrpqNff5DkLfOR8pVxXpHkhVV156r6hqp65BJju0umgPjc/DrFX1linxUrR6B/tqpuP7+m8LGZXlO62lczPfleedOgR2YKxbet3nDJx49d5d+SfDE3/zmvTEetXp3kqZnu222dMrvN+2E+tfpNSX69qu5S0xuK/M/MjxVVdXimX5T86eornY8EvjLJS6vq3vP2B9TXX+/5yiQnVtXDa3Lnqvr+2sabhcxj+4Z5rnvPPyPbO7175Sj972c6cnmTx5vtjX3BY6rqP1bVPpnuv/d398rRt2cl+ev5tNtl/UxNbwK08ji58hreuyS5LtPP8QFZiPWq2remdzRNkr0z/bLlSwFuEXEHm8+TM/2m/iOZToX54yT3XVi/f6Y3KPjKTlz3Ldl3V3lBknMz/db5Q5lOcbzZO/Bty/wk/QOZnvAuvmHKOzO9lm1bv1n+7SRvnV9/tZZPZ7q/L8/05gUn9tpvArEtL6rp3RovTnJRpid2i34zydbufvn8OpofT/KCqjpsHbexnvHulynEVntqprg8Zj6aeRPd/ZlMofjTmU6H/NkkP9Dd18xPSp+a6Un2Wn4zyRFVddT85Pyxmd7Q4pJMR1Nelem1WMva1hxW7JWbH4HdnjOSfHsWXqe5MM4HZjqStDVfPyK5Pb+b6TS1azK9nf87lh1Ed1+f6XWLR8/7/58kT171/fvZqrou0/f5dkl+a77/z0jy3PkU5bXs6PHjlnrW/HP+ySTfkJvf/8/K9DjzS/PpmE9J8pT5FxA3MUfP4zK9odQ1mY4IP2nhfvjJTPF3caZfRPxhktPnI9Z/mel1c2/axjh/LtO/w7Pn0w3/KtOR1nT3uZlOl/y9TPfRRdn+G4W8MlPUHJfp9W9fyhKvE+7uF3X3TU7JXHLsyTTXX8l0Oua/z/Ra5VTVLyT5+STfVfM7bWb6pcp3zOtS0zttnrrq+t6W6bWA52c6kvjqefmvZjoT4fPz8rcu7HO3TG8084VM/4bvkMTH9cAt5HPuAFapqtMzvavm83a48XLX971JXtfdB+5g0z3CbW28e4qq+u5MR34OWfU6L9hj1PTxKVvXenyr6eNQLu3u16xa/h+T/Ode4zP4avrYlsO6+6LdMV5gfdb7GgCAodX0mVv/LdPbvMNSavr4gWcneZWw4zbs2kxHM1f78rwO2MOJO4BZVf1akp9K8pvdfclGj4fbhqr61kynAv9jbvo5aXCb0t2/s43l5+Sm76gK7KGclgkAADAAb6gCAAAwgNvUaZn3ute9+pBDDtnoYQAAAGyI884775ru3rLWuttU3B1yyCE599xzN3oYAAAAG6KqPrGtdU7LBAAAGIC4AwAAGIC4AwAAGIC4AwAAGIC4AwAAGIC4AwAAGIC4AwAAGIC4AwAAGIC4AwAAGIC4AwAAGIC4AwAAGIC4AwAAGIC4AwAAGIC4AwAAGIC4AwAAGIC4AwAAGIC4AwAAGIC4AwAAGIC4AwAAGIC4AwAAGIC4AwAAGIC4AwAAGIC4AwAAGIC4AwAAGIC4AwAAGIC4AwAAGIC4AwAAGIC4AwAAGIC4AwAAGIC4AwAAGIC4AwAAGIC4AwAAGIC4AwAAGIC4AwAAGMBScVdVR1XVhVV1UVWdvMb6H6uqD85//r6qHryjfavqHlX1rqr62Pz3frtmSgAAAJvPDuOuqvZKckqSo5McnuS4qjp81WaXJPme7n5Qkl9LctoS+56c5N3dfViSd8+XAQAA2AnLHLl7WJKLuvvi7r4+yRuTHLO4QXf/fXf/y3zx7CQHLrHvMUnOmL8+I8njd3oWAAAAm9zeS2xzQJLLFi5vTfLw7Wz/1CR/scS++3f3FUnS3VdU1b3XurKqOiHJCUly8MEHLzFcAGCjHfr2N2/I7V7y2CduyO1utvkCe6ZljtzVGst6zQ2rHpUp7n5uvftuS3ef1t1HdveRW7ZsWc+uAAAAm8Yycbc1yUELlw9McvnqjarqQUleleSY7v7MEvteWVX3nfe9b5Kr1jd0AAAAViwTd+ckOayqDq2qfZIcm+TMxQ2q6uAkb03ypO7+5yX3PTPJ8fPXxyd5285PAwAAYHPb4WvuuvuGqjopyTuT7JXk9O6+oKpOnNefmuSXk9wzyf+pqiS5YT6Vcs1956t+YZI3VdVTk3wyiZPGAQAAdtIyb6iS7j4ryVmrlp268PXTkjxt2X3n5Z9J8uj1DBYAAIC1LfUh5gAAAOzZxB0AAMAAxB0AAMAAxB0AAMAAxB0AAMAAxB0AAMAAxB0AAMAAxB0AAMAAxB0AAMAAxB0AAMAAxB0AAMAAxB0AAMAAxB0AAMAAxB0AAMAAxB0AAMAAxB0AAMAAxB0AAMAAxB0AAMAAxB0AAMAAxB0AAMAAxB0AAMAAxB0AAMAAxB0AAMAAxB0AAMAAxB0AAMAAxB0AAMAAxB0AAMAAxB0AAMAAxB0AAMAAxB0AAMAAxB0AAMAAxB0AAMAAxB0AAMAAxB0AAMAAxB0AAMAAxB0AAMAAxB0AAMAAxB0AAMAAxB0AAMAAxB0AAMAAxB0AAMAAxB0AAMAAxB0AAMAAxB0AAMAAxB0AAMAAxB0AAMAAxB0AAMAAxB0AAMAAxB0AAMAAxB0AAMAAxB0AAMAAxB0AAMAAxB0AAMAAxB0AAMAAxB0AAMAAxB0AAMAAxB0AAMAAxB0AAMAAxB0AAMAAxB0AAMAAxB0AAMAAxB0AAMAAxB0AAMAAxB0AAMAAxB0AAMAAxB0AAMAAxB0AAMAAxB0AAMAAxB0AAMAAxB0AAMAAxB0AAMAAxB0AAMAAxB0AAMAAxB0AAMAAxB0AAMAAxB0AAMAAxB0AAMAAxB0AAMAAxB0AAMAAxB0AAMAAxB0AAMAAxB0AAMAAxB0AAMAAxB0AAMAAxB0AAMAAxB0AAMAAxB0AAMAAxB0AAMAAloq7qjqqqi6sqouq6uQ11n9LVb2vqr5cVc9dWP7NVXX+wp9rq+o587rnV9WnFtY9ZpfNCgAAYJPZe0cbVNVeSU5J8n1JtiY5p6rO7O6PLGz22STPSvL4xX27+8IkRyxcz6eS/MnCJi/t7hffgvEDAACQ5Y7cPSzJRd19cXdfn+SNSY5Z3KC7r+ruc5J8ZTvX8+gkH+/uT+z0aAEAAFjTMnF3QJLLFi5vnZet17FJ3rBq2UlV9cGqOr2q9ltrp6o6oarOrapzr7766p24WQAAgPEtE3e1xrJez41U1T5JHpfkzQuLX57kAZlO27wiyUvW2re7T+vuI7v7yC1btqznZgEAADaNZeJua5KDFi4fmOTydd7O0Uk+0N1Xrizo7iu7+6vdfWOSV2Y6/RMAAICdsEzcnZPksKo6dD4Cd2ySM9d5O8dl1SmZVXXfhYtPSPLhdV4nAAAAsx2+W2Z331BVJyV5Z5K9kpze3RdU1Ynz+lOr6j5Jzk1y1yQ3zh93cHh3X1tVd8r0TpvPWHXVL6qqIzKd4nnpGusBAABY0g7jLkm6+6wkZ61adurC15/OdLrmWvt+Mck911j+pHWNFAAAgG1a6kPMAQAA2LOJOwAAgAGIOwAAgAGIOwAAgAGIOwAAgAGIOwAAgAGIOwAAgAGIOwAAgAGIOwAAgAGIOwAAgAGIOwAAgAGIOwAAgAGIOwAAgAGIOwAAgAGIOwAAgAGIOwAAgAGIOwAAgAGIOwAAgAGIOwAAgAGIOwAAgAGIOwAAgAGIOwAAgAGIOwAAgAGIOwAAgAGIOwAAgAGIOwAAgAGIOwAAgAGIOwAAgAGIOwAAgAGIOwAAgAGIOwAAgAGIOwAAgAGIOwAAgAGIOwAAgAGIOwAAgAGIOwAAgAGIOwAAgAGIOwAAgAGIOwAAgAGIOwAAgAGIOwAAgAGIOwAAgAGIOwAAgAGIOwAAgAGIOwAAgAGIOwAAgAGIOwAAgAGIOwAAgAGIOwAAgAGIOwAAgAGIOwAAgAGIOwAAgAGIOwAAgAGIOwAAgAGIOwAAgAGIOwAAgAGIOwAAgAGIOwAAgAGIOwAAgAGIOwAAgAGIOwAAgAGIOwAAgAGIOwAAgAGIOwAAgAGIOwAAgAGIOwAAgAGIOwAAgAGIOwAAgAGIOwAAgAGIOwAAgAGIOwAAgAGIOwAAgAGIOwAAgAGIOwAAgAGIOwAAgAGIOwAAgAGIOwAAgAGIOwAAgAGIOwAAgAGIOwAAgAGIOwAAgAGIOwAAgAGIOwAAgAGIOwAAgAGIOwAAgAGIOwAAgAGIOwAAgAGIOwAAgAEsFXdVdVRVXVhVF1XVyWus/5aqel9Vfbmqnrtq3aVV9aGqOr+qzl1Yfo+qeldVfWz+e79bPh0AAIDNaYdxV1V7JTklydFJDk9yXFUdvmqzzyZ5VpIXb+NqHtXdR3T3kQvLTk7y7u4+LMm758sAAADshGWO3D0syUXdfXF3X5/kjUmOWdygu6/q7nOSfGUdt31MkjPmr89I8vh17AsAAMCCZeLugCSXLVzeOi9bVif5y6o6r6pOWFi+f3dfkSTz3/dea+eqOqGqzq2qc6+++up13CwAAMDmsUzc1RrLeh238cjufmim0zqfWVXfvY59092ndfeR3X3kli1b1rMrAADAprFM3G1NctDC5QOTXL7sDXT35fPfVyX5k0yneSbJlVV13ySZ/75q2esEAADgppaJu3OSHFZVh1bVPkmOTXLmMldeVXeuqrusfJ3kvyT58Lz6zCTHz18fn+Rt6xk4AAAAX7f3jjbo7huq6qQk70yyV5LTu/uCqjpxXn9qVd0nyblJ7prkxqp6TqZ31rxXkj+pqpXb+sPufsd81S9M8qaqemqSTyZ54i6dGQAAwCayw7hLku4+K8lZq5aduvD1pzOdrrnatUkevI3r/EySRy89UgAAALZpqQ8xBwAAYM8m7gAAAAYg7gAAAAYg7gAAAAYg7gAAAAYg7gAAAAYg7gAAAAYg7gAAAAYg7gAAAAYg7gAAAAYg7gAAAAYg7gAAAAYg7gAAAAYg7gAAAAYg7gAAAAYg7gAAAAYg7gAAAAYg7gAAAAYg7gAAAAYg7gAAAAYg7gAAAAYg7gAAAAYg7gAAAAYg7gAAAAYg7gAAAAYg7gAAAAYg7gAAAAYg7gAAAAYg7gAAAAYg7gAAAAYg7gAAAAYg7gAAAAYg7gAAAAYg7gAAAAYg7gAAAAYg7gAAAAYg7gAAAAYg7gAAAAYg7gAAAAYg7gAAAAYg7gAAAAYg7gAAAAYg7gAAAAYg7gAAAAYg7gAAAAYg7gAAAAYg7gAAAAYg7gAAAAYg7gAAAAYg7gAAAAYg7gAAAAYg7gAAAAYg7gAAAAYg7gAAAAYg7gAAAAYg7gAAAAYg7gAAAAYg7gAAAAYg7gAAAAYg7gAAAAYg7gAAAAYg7gAAAAYg7gAAAAYg7gAAAAYg7gAAAAYg7gAAAAYg7gAAAAYg7gAAAAYg7gAAAAYg7gAAAAYg7gAAAAYg7gAAAAYg7gAAAAYg7gAAAAYg7gAAAAYg7gAAAAYg7gAAAAYg7gAAAAaw90YPAIDN69C3v3lDbveSxz5xQ24XRuHfLuyZHLkDAAAYgLgDAAAYgLgDAAAYgLgDAAAYgLgDAAAYgLgDAAAYgLgDAAAYgLgDAAAYgLgDAAAYwFJxV1VHVdWFVXVRVZ28xvpvqar3VdWXq+q5C8sPqqq/qaqPVtUFVfXshXXPr6pPVdX585/H7JopAQAAbD5772iDqtorySlJvi/J1iTnVNWZ3f2Rhc0+m+RZSR6/avcbkvx0d3+gqu6S5LyqetfCvi/t7hff0kkAAABsdsscuXtYkou6++Luvj7JG5Mcs7hBd1/V3eck+cqq5Vd09wfmr7+Q5KNJDtglIwcAAOBrlom7A5JctnB5a3Yi0KrqkCQPSfL+hcUnVdUHq+r0qtpvG/udUFXnVtW5V1999XpvFgAAYFNYJu5qjWW9nhupqn2TvCXJc7r72nnxy5M8IMkRSa5I8pK19u3u07r7yO4+csuWLeu5WQAAgE1jmbjbmuSghcsHJrl82RuoqttnCrvXd/dbV5Z395Xd/dXuvjHJKzOd/gkAAMBOWCbuzklyWFUdWlX7JDk2yZnLXHlVVZJXJ/lod//OqnX3Xbj4hCQfXm7IAAAArLbDd8vs7huq6qQk70yyV5LTu/uCqjpxXn9qVd0nyblJ7prkxqp6TpLDkzwoyZOSfKiqzp+v8he6+6wkL6qqIzKd4nlpkmfswnkBAABsKjuMuySZY+ysVctOXfj605lO11ztvVn7NXvp7ictP0wAAAC2Z6kPMQcAAGDPJu4AAAAGIO4AAAAGIO4AAAAGIO4AAAAGIO4AAAAGIO4AAAAGIO4AAAAGIO4AAAAGIO4AAAAGIO4AAAAGIO4AAAAGIO4AAAAGIO4AAAAGIO4AAAAGIO4AAAAGIO4AAAAGIO4AAAAGIO4AAAAGIO4AAAAGIO4AAAAGIO4AAAAGIO4AAAAGIO4AAAAGIO4AAAAGIO4AAAAGIO4AAAAGIO4AAAAGIO4AAAAGIO4AAAAGIO4AAAAGIO4AAAAGIO4AAAAGIO4AAAAGIO4AAAAGIO4AAAAGIO4AAAAGIO4AAAAGIO4AAAAGIO4AAAAGIO4AAAAGIO4AAAAGIO4AAAAGIO4AAAAGIO4AAAAGIO4AAAAGIO4AAAAGIO4AAAAGIO4AAAAGIO4AAAAGIO4AAAAGIO4AAAAGIO4AAAAGIO4AAAAGIO4AAAAGIO4AAAAGIO4AAAAGIO4AAAAGIO4AAAAGIO4AAAAGIO4AAAAGIO4AAAAGIO4AAAAGIO4AAAAGIO4AAAAGIO4AAAAGIO4AAAAGIO4AAAAGIO4AAAAGIO4AAAAGIO4AAAAGIO4AAAAGIO4AAAAGIO4AAAAGIO4AAAAGIO4AAAAGIO4AAAAGIO4AAAAGIO4AAAAGIO4AAAAGIO4AAAAGIO4AAAAGIO4AAAAGIO4AAAAGIO4AAAAGIO4AAAAGIO4AAAAGIO4AAAAGsFTcVdVRVXVhVV1UVSevsf5bqup9VfXlqnruMvtW1T2q6l1V9bH57/1u+XQAAAA2px3GXVXtleSUJEcnOTzJcVV1+KrNPpvkWUlevI59T07y7u4+LMm758sAAADshGWO3D0syUXdfXF3X5/kjUmOWdygu6/q7nOSfGUd+x6T5Iz56zOSPH7npgAAAMAycXdAkssWLm+dly1je/vu391XJMn8972XvE4AAABW2XuJbWqNZb3k9d+SfacrqDohyQlJcvDBB69nVwAAuMUOffubb/XbvOSxT7zVb5PbvmWO3G1NctDC5QOTXL7k9W9v3yur6r5JMv991VpX0N2ndfeR3X3kli1blrxZAACAzWWZuDsnyWFVdWhV7ZPk2CRnLnn929v3zCTHz18fn+Rtyw8bAACARTs8LbO7b6iqk5K8M8leSU7v7guq6sR5/alVdZ8k5ya5a5Ibq+o5SQ7v7mvX2ne+6hcmeVNVPTXJJ5M49gwAALCTlnnNXbr7rCRnrVp26sLXn850yuVS+87LP5Pk0esZLAAAAGtb6kPMAQAA2LOJOwAAgAGIOwAAgAGIOwAAgAGIOwAAgAGIOwAAgAGIOwAAgAGIOwAAgAGIOwAAgAGIOwAAgAGIOwAAgAGIOwAAgAGIOwAAgAGIOwAAgAGIOwAAgAGIOwAAgAGIOwAAgAGIOwAAgAGIOwAAgAGIOwAAgAGIOwAAgAGIOwAAgAGIOwAAgAGIOwAAgAGIOwAAgAGIOwAAgAGIOwAAgAGIOwAAgAGIOwAAgAGIOwAAgAGIOwAAgAGIOwAAgAGIOwAAgAGIOwAAgAGIOwAAgAGIOwAAgAGIOwAAgAGIOwAAgAGIOwAAgAGIOwAAgAGIOwAAgAGIOwAAgAGIOwAAgAGIOwAAgAGIOwAAgAGIOwAAgAGIOwAAgAGIOwAAgAGIOwAAgAGIOwAAgAHsvdEDAIDN4NC3v3lDbveSxz5xQ24XgFufI3cAAAADEHcAAAADEHcAAAADEHcAAAADEHcAAAADEHcAAAADEHcAAAADEHcAAAADEHcAAAADEHcAAAADEHcAAAADEHcAAAADEHcAAAADEHcAAAADEHcAAAADEHcAAAADEHcAAAADEHcAAAADEHcAAAADEHcAAAADEHcAAAADEHcAAAADEHcAAAADEHcAAAADEHcAAAADEHcAAAADEHcAAAADEHcAAAADEHcAAAADEHcAAAADEHcAAAADEHcAAAADEHcAAAADEHcAAAADEHcAAAADEHcAAAADEHcAAAADWCruquqoqrqwqi6qqpPXWF9V9bJ5/Qer6qHz8m+uqvMX/lxbVc+Z1z2/qj61sO4xu3RmAAAAm8jeO9qgqvZKckqS70uyNck5VXVmd39kYbOjkxw2/3l4kpcneXh3X5jkiIXr+VSSP1nY76Xd/eJdMA8AAIBNbZkjdw9LclF3X9zd1yd5Y5JjVm1zTJLX9uTsJHevqvuu2ubRST7e3Z+4xaMGAADgJpaJuwOSXLZweeu8bL3bHJvkDauWnTSfxnl6Ve23xFgAAABYwzJxV2ss6/VsU1X7JHlckjcvrH95kgdkOm3ziiQvWfPGq06oqnOr6tyrr756ieECAABsPsvE3dYkBy1cPjDJ5evc5ugkH+juK1cWdPeV3f3V7r4xySsznf55M919Wncf2d1HbtmyZYnhAgAAbD7LxN05SQ6rqkPnI3DHJjlz1TZnJnny/K6Zj0jy+e6+YmH9cVl1Suaq1+Q9IcmH1z16AAAAkizxbpndfUNVnZTknUn2SnJ6d19QVSfO609NclaSxyS5KMkXkzxlZf+qulOmd9p8xqqrflFVHZHp9M1L11gPAADAknYYd0nS3WdlCrjFZacufN1JnrmNfb+Y5J5rLH/SukYKAADANi31IeYAAADs2cQdAADAAMQdAADAAMQdAADAAMQdAADAAMQdAADAAMQdAADAAMQdAADAAMQdAADAAMQdAADAAMQdAADAAMQdAADAAMQdAADAAMQdAADAAMQdAADAAMQdAADAAMQdAADAAMQdAADAAMQdAADAAMQdAADAAMQdAADAAMQdAADAAMQdAADAAMQdAADAAMQdAADAAMQdAADAAMQdAADAAMQdAADAAMQdAADAAMQdAADAAMQdAADAAMQdAADAAMQdAADAAMQdAADAAMQdAADAAMQdAADAAMQdAADAAMQdAADAAMQdAADAAMQdAADAAMQdAADAAMQdAADAAMQdAADAAMQdAADAAMQdAADAAMQdAADAAMQdAADAAMQdAADAAMQdAADAAMQdAADAAMQdAADAAMQdAADAAMQdAADAAMQdAADAAMQdAADAAMQdAADAAMQdAADAAMQdAADAAMQdAADAAMQdAADAAMQdAADAAMQdAADAAMQdAADAAMQdAADAAMQdAADAAMQdAADAAMQdAADAAMQdAADAAMQdAADAAMQdAADAAMQdAADAAMQdAADAAMQdAADAAMQdAADAAMQdAADAAMQdAADAAMQdAADAAMQdAADAAMQdAADAAMQdAADAAMQdAADAAMQdAADAAMQdAADAAMQdAADAAMQdAADAAMQdAADAAMQdAADAAMQdAADAAMQdAADAAJaKu6o6qqourKqLqurkNdZXVb1sXv/BqnrowrpLq+pDVXV+VZ27sPweVfWuqvrY/Pd+u2ZKAAAAm88O466q9kpySpKjkxye5LiqOnzVZkcnOWz+c0KSl69a/6juPqK7j1xYdnKSd3f3YUnePV8GAABgJyxz5O5hSS7q7ou7+/okb0xyzKptjkny2p6cneTuVXXfHVzvMUnOmL8+I8njlx82AAAAi5aJuwOSXLZweeu8bNltOslfVtV5VXXCwjb7d/cVSTL/fe+1bryqTqiqc6vq3KuvvnqJ4QIAAGw+y8RdrbGs17HNI7v7oZlO3XxmVX33OsaX7j6tu4/s7iO3bNmynl0BAAA2jWXibmuSgxYuH5jk8mW36e6Vv69K8ieZTvNMkitXTt2c/75qvYMHAABgskzcnZPksKo6tKr2SXJskjNXbXNmkifP75r5iCSf7+4rqurOVXWXJKmqOyf5L0k+vLDP8fPXxyd52y2cCwAAwKa194426O4bquqkJO9MsleS07v7gqo6cV5/apKzkjwmyUVJvpjkKfPu+yf5k6paua0/7O53zOtemORNVfXUJJ9M8sRdNisAAIBNZodxlyTdfVamgFtcdurC153kmWvsd3GSB2/jOj+T5NHrGSwAAABrW+pDzAEAANiziTsAAIABiDsAAIABiDsAAIABiDsAAIABiDsAAIABiDsAAIABiDsAAIABiDsAAIABiDsAAIABiDsAAIABiDsAAIABiDsAAIABiDsAAIABiDsAAIABiDsAAIABiDsAAIABiDsAAIABiDsAAIABiDsAAIABiDsAAIAB7L3RAwAAAPYMh779zRtyu5c89okbcrujceQOAABgAOIOAABgAOIOAABgAOIOAABgAOIOAABgAOIOAABgAOIOAABgAOIOAABgAOIOAABgAOIOAABgAOIOAABgAOIOAABgAOIOAABgAOIOAABgAOIOAABgAOIOAABgAOIOAABgAOIOAABgAOIOAABgAOIOAABgAOIOAABgAOIOAABgAOIOAABgAOIOAABgAOIOAABgAOIOAABgAOIOAABgAOIOAABgAOIOAABgAOIOAABgAOIOAABgAOIOAABgAOIOAABgAOIOAABgAOIOAABgAOIOAABgAOIOAABgAOIOAABgAOIOAABgAOIOAABgAOIOAABgAOIOAABgAOIOAABgAOIOAABgAOIOAABgAOIOAABgAOIOAABgAOIOAABgAOIOAABgAOIOAABgAOIOAABgAOIOAABgAOIOAABgAOIOAABgAOIOAABgAHtv9AAAtufQt795Q273ksc+cUNuFwBgZzlyBwAAMABxBwAAMABxBwAAMABxBwAAMABxBwAAMABxBwAAMABxBwAAMABxBwAAMABxBwAAMABxBwAAMICl4q6qjqqqC6vqoqo6eY31VVUvm9d/sKoeOi8/qKr+pqo+WlUXVNWzF/Z5flV9qqrOn/88ZtdNCwAAYHPZe0cbVNVeSU5J8n1JtiY5p6rO7O6PLGx2dJLD5j8PT/Ly+e8bkvx0d3+gqu6S5LyqetfCvi/t7hfvuukAAABsTsscuXtYkou6++Luvj7JG5Mcs2qbY5K8tidnJ7l7Vd23u6/o7g8kSXd/IclHkxywC8cPAABAlou7A5JctnB5a24eaDvcpqoOSfKQJO9fWHzSfBrn6VW131o3XlUnVNW5VXXu1VdfvcRwAQAANp9l4q7WWNbr2aaq9k3yliTP6e5r58UvT/KAJEckuSLJS9a68e4+rbuP7O4jt2zZssRwAQAANp9l4m5rkoMWLh+Y5PJlt6mq22cKu9d391tXNujuK7v7q919Y5JXZjr9EwAAgJ2wTNydk+Swqjq0qvZJcmySM1dtc2aSJ8/vmvmIJJ/v7iuqqpK8OslHu/t3FneoqvsuXHxCkg/v9CwAAAA2uR2+W2Z331BVJyV5Z5K9kpze3RdU1Ynz+lOTnJXkMUkuSvLFJE+Zd39kkicl+VBVnT8v+4XuPivJi6rqiEynb16a5Bm7aE4AAACbzg7jLknmGDtr1bJTF77uJM9cY7/3Zu3X46W7n7SukQIAALBNS32IOQAAAHs2cQcAADAAcQcAADAAcQcAADAAcQcAADAAcQcAADAAcQcAADAAcQcAADAAcQcAADAAcQcAADAAcQcAADAAcQcAADAAcQcAADAAcQcAADAAcQcAADAAcQcAADAAcQcAADAAcQcAADAAcQcAADAAcQcAADAAcQcAADAAcQcAADAAcQcAADAAcQcAADAAcQcAADAAcQcAADAAcQcAADAAcQcAADAAcQcAADAAcQcAADAAcQcAADAAcQcAADAAcQcAADAAcQcAADAAcQcAADCAvTd6ALeWQ9/+5g253Use+8QNud3NNN/NNNdk8813s/H9BYBbz2j/7zpyBwAAMABxBwAAMABxBwAAMABxBwAAMABxBwAAMABxBwAAMABxBwAAMABxBwAAMABxBwAAMABxBwAAMABxBwAAMABxBwAAMABxBwAAMABxBwAAMABxBwAAMABxBwAAMABxBwAAMABxBwAAMABxBwAAMABxBwAAMABxBwAAMABxBwAAMABxBwAAMABxBwAAMABxBwAAMABxBwAAMABxBwAAMABxBwAAMABxBwAAMABxBwAAMABxBwAAMABxBwAAMABxBwAAMABxBwAAMABxBwAAMABxBwAAMABxBwAAMABxBwAAMABxBwAAMABxBwAAMABxBwAAMABxBwAAMABxBwAAMABxBwAAMABxBwAAMABxBwAAMABxBwAAMABxBwAAMABxBwAAMABxBwAAMABxBwAAMABxBwAAMICl4q6qjqqqC6vqoqo6eY31VVUvm9d/sKoeuqN9q+oeVfWuqvrY/Pd+u2ZKAAAAm88O466q9kpySpKjkxye5LiqOnzVZkcnOWz+c0KSly+x78lJ3t3dhyV593wZAACAnbDMkbuHJbmouy/u7uuTvDHJMau2OSbJa3tydpK7V9V9d7DvMUnOmL8+I8njb9lUAAAANq+9l9jmgCSXLVzemuThS2xzwA723b+7r0iS7r6iqu691o1X1QmZjgYmyXVVdeESY97V7pXkmp3ZsXbxQG4lm2m+m2muifkuzXxvEzbTfDfTXBPzXZr57vE201wT813aLZzv/be1Ypm4W+u2e8ltltl3u7r7tCSnrWefXa2qzu3uIzdyDLemzTTfzTTXxHxHZ77j2kxzTcx3dJtpvptpron57gmWOS1za5KDFi4fmOTyJbfZ3r5XzqduZv77quWHDQAAwKJl4u6cJIdV1aFVtU+SY5OcuWqbM5M8eX7XzEck+fx8yuX29j0zyfHz18cnedstnAsAAMCmtcPTMrv7hqo6Kck7k+yV5PTuvqCqTpzXn5rkrCSPSXJRki8mecr29p2v+oVJ3lRVT03yySRP3KUz27U29LTQDbCZ5ruZ5pqY7+jMd1ybaa6J+Y5uM813M801Md8NV93regkcAAAAe6ClPsQcAACAPZu4AwAAGIC4AwAAGIC4AwAAGIC4W0JV3WOjx3Brq6p9N3oMt4bN9L2tqgdW1Q9W1eEbPZbdpar2Xvh636o6cvTvcVVtqaqHVNW3j/7vtqr2r6qHzvPdf6PHsxFG/x5vRqM/Rq1WVY/b6DHcmjbT93fk5xlVdfeNHsOyxN0qVfXIqvpoVV1QVQ+vqnclObeqLquq79jo8d2KPrLRA9jVqup5C18fXlX/nOS8qrq0qh6+gUPbLarqb6rqXvPXT8r0kSVHJ/mjqvrJDR3cblBV/z3JlVX1z1V1dJIPJvmtJP9YVcdt6OB2g/ln+K+SvC/J+5O8KsmHquo1VXW3jR3drlVVR1TV2Unek+RFSX47yd9W1dlV9dANHdytb8TH5m+fv5eXVdVpVbXfwrp/2Mix7Wqb7TlGVf23VX9+MMlpK5c3eny7mucZQz/PuKaq/qqqnrqnh56PQlhl/o/kqUn2TfL2JI/v7vfOTyD+d3c/ckMHuAtV1f/c1qokv9jdQ/22qao+0N0Pnb/+8yS/191/UVUPS/K73f2dGzvCXauqPtzd3zZ/fU6So7r7M1V1pyRnd/eDNnaEu1ZVfSjJo5LcJck/JnlId398PsLzrgHne3aS47v7wvln+JndfXxVPT3Jf+3uH9rgIe4yVXV+kmd09/tXLX9Ekld094M3ZGC7ySZ8bH5vkhckOTvJ0zJ9Vu7j5n+//6+7H7KhA9yFNtNzjCSpqhuSvCPJVZl+fpPkh5L8cZLu7v+xUWPbHTzPGPd5xvwc4+eTHJfkqCTvTfKGJG/r7i9t5NhWc+Tu5m7f3R/q7vclubq735sk3f2BJHfc2KHtcr+RZL9MT4YX/+yb8X827tfdf5Ek3f0PGe97myRfqaoD5q+vS/Kv89dfTrLXxgxpt/pqd1/T3Zckua67P54k3X3lBo9rd7ljd1+YfO1n+Nvnr1+ZZLRTYu68OuySpLvPTnLnDRjP7rbZHpv37e53dPfnuvvFSU5K8o453kf7DfRmeo6RJN+RaV7nJPkf3f2UJNd091NGC7s1eJ4xlq909591948lOTDJ65P8cJKtVfWHGzu0m9p7x5tsOov/cf78qnX73JoDuRV8IMmfdvd5q1dU1dM2YDy72zdW1ZmZfnt4YFXdqbu/OK+7/QaOa3f5qSR/WVVvSXJBkr+uqnck+a4kv7+hI9s9PllVv5npSfA/VdVLkrw1yX9OcsWGjmz3+HhV/VKSdyf5b0nOT5Kqun3Ge2z/i/m34K9Nctm87KAkT850VGA0m+2xuarqbt39+STp7r+ZT997S5KhjlJmcz3HSHefU1Xfl+QnM/0f9HMZL9gXeZ4x7vOMlSPPmY/UvSnJm+aXQTx+owa1FqdlrjK/0PevFv4xrix/QJIf7O4XbczIdr2q+uYkn+nua9ZYt/9oRzyq6ntWLTqvu6+bT9v7oe4+ZSPGtTvNDzo/muSbMj3h35rpFIJ/2tCB7QZVddckz8z0xOH3kvzXTKd3fSLJC7p7qMCbz/n/hUxH6f4xyQu7+wvz9/xb56Naw5hfR3lMkgMy/Se7NcmZ3X3Whg5sN9iEj80/muTi1T+zVXVwkl/q7qdvzMh2vc30HGO1qrpfkt9NcmR3f+MGD2e38Dxj3OcZVfXc+cyCPZ64AwAAGMCI5+7vNlV1wkaP4daymeaamO/ozHdcm2muifmObDPNNTHf0W2m+e5pcxV361M73mQYm2muifmOznzHtZnmmpjvyDbTXBPzHd1mmu8eNVenZa6hqr4l0+s63t/d1y0sP6q7h3rx/vz2vD2/6PnwTG/v+k8jvo4lMd+Y71A223wXVdVru/vJGz2OW4v5jmszzTUx39FtpvnuqXMd7R3VbrGqelamN2X4aJJXV9Wzu/tt8+rfyEDvzFZVv5Lpwyb3rumDVB+e6UOCT66qh3T3r2/k+HY18zXfjRzfrraZ5ju/+9xNFiV51PymMunux93qg9qNzHfc+W6muSbmG/MdZr63pbk6crdKTR9S+B3zuxsdkumDNv+gu/+/Gu/DVD+U5Igkd0jy6SQHdve1VXXHTEcth/nwycR8Y77mextVVR9I8pEkr8r0bqiV6cNjj02S7v7bjRvdrme+4853M801Md+Y7zDzvS3N1Wvubm6vlVMxu/vSJN+b5Oiq+p3sYefU7gI3dPdX57dk/nh3X5t87fM7btzYoe0W5hvzHchmmu+RSc5L8otJPt/d70nype7+2z3pP9RdyHzHne9mmmtivu+J+Y7iNjNXp2Xe3Ker6ojuPj9J5iN4P5Dk9CTfvqEj2/Wur69/wOa/X1k4f2bJaE8OE/NNYr4D2TTz7e4bk7y0qt48/31lBv7/y3zHne9mmmtivuY7jtvSXPfIQW2wJye5YXFBd9+Q5MlV9YqNGdJu893d/eXkaz+0K26f5PiNGdJuZb4T8x3DZptvuntrkidW1fcnuXajx7O7me+4NtNcE/Pd6PHsbptpvreFuXrNHQAAwAC85g4AAGAA4g4AAGAA4g6AYVXVV6vq/Kr6cFW9uarutIPtv6Gq3l5V51bVi26tcQLAruA1dwAMq6qu6+59569fn+S87v6dDR4WAOwWjtwBsFn8XZIHJklV/XhV/cN8VO8VVbXXvPy6lY2r6u+q6s+q6o7zdudX1fVV9aH56yOr6jVV9UPz9k+rqq6qe1XVIVX14YXr+qGqes389Wuq6pKF6/zOW/NOAGBcPgoBgOFV1d5Jjk7yjqr61iQ/kuSR3f2Vqvo/SX4syWsXtv/+JHfL9GG1X0pyxLz80iSP6u5r5ssr239DkhOTXLXkkH6mu//4ls8MAL7OkTsARnbHqjo/yblJPpnk1UkenemD38+Z1z06yTeu7FBTsf1ikt9Yx+08M8kZSb60sOwBK0fnkvz2zk8BAJbjyB0AI/tSdx+xuGCOtzO6++e3sc9xSd6T5NNL3sZd532+M8lPLyz/+Mptz6du/sDSowaAneDIHQCbzbuT/FBV3TtJquoeVXX/ed3tkvxUkvW8U+ZPJXlZd1+/a4cJAOsj7gDYVLr7I0mel+Qvq+qDSd6V5L7z6jsm+ePu/tw6rrKSvG6XDhIAdoKPQgAAABiAI3cAAAADEHcAAAADEHcAAAADEHcAAAADEHcAAAADEHcAAAADEHcAAAAD+P8BNxfVZ5Sn3A0AAAAASUVORK5CYII="/>
+      <p:sp>
+        <p:nvSpPr>
+          <p:cNvPr id="7" name="Объект 2"/>
           <p:cNvSpPr>
-            <a:spLocks noChangeAspect="1" noChangeArrowheads="1"/>
+            <a:spLocks noGrp="1"/>
           </p:cNvSpPr>
-          <p:nvPr/>
-        </p:nvSpPr>
-        <p:spPr bwMode="auto">
-          <a:xfrm>
-            <a:off x="155575" y="-144463"/>
-            <a:ext cx="304800" cy="304801"/>
-          </a:xfrm>
-          <a:prstGeom prst="rect">
-            <a:avLst/>
-          </a:prstGeom>
-          <a:noFill/>
-          <a:extLst>
-            <a:ext uri="{909E8E84-426E-40DD-AFC4-6F175D3DCCD1}">
-              <a14:hiddenFill xmlns:a14="http://schemas.microsoft.com/office/drawing/2010/main">
-                <a:solidFill>
-                  <a:srgbClr val="FFFFFF"/>
-                </a:solidFill>
-              </a14:hiddenFill>
-            </a:ext>
-          </a:extLst>
-        </p:spPr>
-        <p:txBody>
-          <a:bodyPr vert="horz" wrap="square" lIns="91440" tIns="45720" rIns="91440" bIns="45720" numCol="1" anchor="t" anchorCtr="0" compatLnSpc="1">
-            <a:prstTxWarp prst="textNoShape">
-              <a:avLst/>
-            </a:prstTxWarp>
-          </a:bodyPr>
-          <a:lstStyle/>
-          <a:p>
-            <a:endParaRPr lang="ru-RU"/>
-          </a:p>
-        </p:txBody>
-      </p:sp>
-      <p:sp>
-        <p:nvSpPr>
-          <p:cNvPr id="3" name="AutoShape 7" descr="data:image/png;base64,iVBORw0KGgoAAAANSUhEUgAAA3cAAANyCAYAAADB/jKlAAAAOXRFWHRTb2Z0d2FyZQBNYXRwbG90bGliIHZlcnNpb24zLjMuMiwgaHR0cHM6Ly9tYXRwbG90bGliLm9yZy8vihELAAAACXBIWXMAAAsTAAALEwEAmpwYAAA7h0lEQVR4nO3dfbytdV3n//dHEFPxBvWIyo2Q0g1Tig6jltON4zQDlqJTFlTKOCrySFKbrKisbLIy0+znxIioJKZpmpZYpJllk4/EAIdUNBIB5QhyoymSJiKf3x/XtXWx2eectQ/nsA/f/Xw+Hudx9rpu1vp+195nnfXa17XWqu4OAAAAt2232+gBAAAAcMuJOwAAgAGIOwAAgAGIOwAAgAGIOwAAgAGIOwBgU6iq22/0GAB2J3EH3ERVHV5Vj6mqvarq2Kq630aPCTZCVf1oVR1YVXerqqdv9HhYv/lx7OSq+seq+nSSrVX1DRs9LoDdRdzBgKrq0qr6UlVdV1VXVtXvV9W+S+5+dZLnJbkmyZOTfHa3DRT2bF9O8r4kFybZZ4PHws45Jcn3JXlCd9+nu/fv7n/b6EEtqqpfq6oPVdUNVfX8jR4PcNtWPsQcxlNVlyZ5Wnf/VVUdkOSdSf6su0/e2JEB3Dqq6tAkZyd5YHd/YaPHsy1VdXySq5KcmOT/dffzN3ZEwG2ZI3cwuO7+VJK/SPJtSTKfYvbqqrqiqj5VVS+oqr3mdf+9qt67sm9V/WxVdVX956r6jvlI4HVV9ZWqun7h8sHb23e+/Pyqet3C+r3n9YfMl1+z6jqvq6q7rZ7PfDtfXbXdjVX1vfP6O1TV71bV5fOf362qO8zrvnfednHfr87XeYeq+mxVffvCbd17PgK6Zb58yDzmxX2fNq+7U1W9ab6O6+a5vGbhdrdW1S9U1TXzkdUfW7id11TVCxYuP7CqeuHye1ZuZ9V98YKF2/iRqrq4qu46Xz66qj69MvZV+62ex8r39Pk7Od6z5uvbe9U2K9/PL1XV1oV131lV51TV5+e/v3NefruqektVvWxh266qB85fP7uq3ldVd5wv32/e/uqquqSqnrWw3zI/b9ucw+J9Po/rQ4tzWHV/nlJVL1m17O1V9Zz564Oq6q3zOD9TVb83j33lvr9+vv9XLn9XVe1XVX827/Mv89cHLlz/TX4mavo3eunC5W+dt/lcVV1QVY/bxvfms1X1qlXfu9X/xha/B0s/fszLttbX/22u63uysN3Tquo989ffOf9MHjRffvA8x29Z41vzH5JckeTM+Wdt9f1wt6p67Xwff6KqnldVt1tYv/rx4sb6+uPZHarqxVX1yZrOjjh15edyXv8DVXX+PLa/r6oHrTG+JEl3n9Hdf5FkhwE634ddVU9YWPYT87LFn4ftjf0183jfVVVfqKq/rar7r7qd91bVv837/tvq7+uqbbuqnlXT4881VfXbK/djVT2gqv56/rm/pqpeX1V3X9j3/8730edq+rd8lx3dB8D2iTsY3Pwk6DFJ/t+86IwkNyR5YJKHJPkvSdYKh/2SPCvJ55Kku9/X3ft2975JXp/kRSuXu/uT29t3HRavc9/u/vw2tnvf4nZJLl9Y94tJHpHkiCQPTvKwTKeZrrh81b7vm+f35SRvTPLjC9sel+Svuvvq+fLKY+bd5n3/bmHbJyf55iSHzutetGrM90lyryQHJDk+yWlV9c3bvTfWobv/aJ7Ly6rqnkleneno7dXb2e3uC/fDH+3MeOcn7ms9cb1dkt+ar/vohe3vkeTPk7wsyT2T/E6SP6+qe3b3jZnu/yOr6n+uup0nJPmJJI/t7i/NTx7fnuQf5zE+Oslzquq/bme+a9rOHFYcn2S/7aw/I8lxC09o7zWP5w1z+PxZkk8kOWQe6xu7+/KF+/43kvzRws/l32W6/34/yf2THJzkS0l+b8n53D7TffOXSe6d5CeTvH7V9+9F820fnuT7kxy1sO52Sf5+YXyr57rDx4/dpbv/Pskrkpwxx9QfJHled//TGpvfKdNjwLuSbMnN74f/neRuSb4xyfdk+jf8lIX9b5fkUwv3w+Lj3G8l+aZMjzMPzPR9/eUkqaqHJjk9yTMy/Yy/IlNg3uEWTf7r/ik3vc//e5KPrdpme2NPkh9L8muZ/o2fn+kxfVEleca874lLjOkJSY5M8tAkxyT5HwvX85tJ7pfkW5MclOT5C/udNI/hoCR3necC3ALiDsb1p1X1uSTvTfK3SX6jqvbP9ET7Od39r919VZKXJjl2jf1/MdMTlG0F1vbckn1vqR9L8r+6+6o5bH41yZOW3PeMJD+68Nv7J2V68rhinyQ3dvdX19i35j97bef6f6m7v9zdf5spcH54yXEt65lJ/lOS9yR5e3f/2S28vu2Ot6oqU8T+8hr77pPk+jWWf3+Sj3X3H3T3Dd39hkxPVh+bJN39pSSPS/LzVfWD8z4PT/LaJI/r7mvmZf8hyZbu/l/dfX13X5zklVn7Z3mbdjCH1PTmG7+U6Ynwmrr7HzL9rD96XnRskvd095WZfrlwvyQ/M/+b+7fu3uZRkIXr/Ex3v6W7vzifUvjrmQJkGY9Ism+SF873zV9nCszj1th2r0w/t59ZWLbm926djx+70/MzRdk/ZPrFzinb2fbKrHE/zNH9I0l+vru/0N2XJnlJbvpYsa37oZI8PclPdfdn5+/Pb+Tr98PTk7yiu9/f3V/t7jMyvX7zETs74VXOS7J/TW/285B5jpev2mZb//5W/Hl3/9/5l1q/mOQ7Vo6Gzu64g/1X+635vvhkkt/N/LPW3Rd197vmx5GrM/0y52s/x939we6+IdPP4A1JPrSO2wTWIO5gXI/v7rt39/27+yfmJ833T3L7JFesnAqT6bfK917csaoOzvRE/rfXe6M72PeHF273mjXW7wr3y3SUZMUn5mU71N3vT/KvSb5nPs3rgUnOXNjkHkn+ZRu7n5HknCRXV9Xnkzx31fp/6e5/3c64nrtw33xgjet/2bz+iqo6vdZ4x7/u/lySN2c6Bfclq9ev047Gm0zf588k+es19t/WfbX6+7Ny3QcsXH5okmszPUlMpiNWF2cK1xX3T3K/hVO6PpfkF5Lsvzi+JX7etjeHJHl2ptesXriN9SvOyNeP+v54vv5LgYOSfGJ+Aru0mk7zfcV8uuC1Sf5vkrvPUbLiZQvz+9OF5fdLctl8JHTF6vv4ufN+l2U64nvOwrptfe+Wefx4xKrvyc1+ZnbwPVn5d3BlTaey3nP1Bt39lSSvyfxz3tt+84AvZ9v3w70yBdDqx4rF+2hb98OWTEcFz1uYyzvm5cl0P/30qvvhoCz5OLSk12Q6yvj0JK9aY/32HquS6fueJOnu6zK9cdbi+O6T6c21lnXZwtdfe6yo6dT2N9Z0Cu+1SV6X6b7/mqr64DzWOyb553XcJrAGcQeby2WZnvDcaw6/u3f3Xbv7363a7gWZTtvamTch2N6+b1q53az6D34XujzTk6sVB+fmv9XenpUn6U9K8sd903fW+6Zs48lHd38x01GBD2c6FevFqzbZr6ruvJ1xvXjhvnnoGjfxrHndtyX591nj9KWqOiLT6VBvyHTa4y2xo/HePtPRrJ/bxv7buq9Wf39WrvtTydeOlJ2S5IRMR1aS6RTfH07yK1V1n3nZZUkuWfg5vnt336W7H7NwvTv6edvRHO6R6bSxX93G+kWvS3JMVT040+lnf7owzoNr4TVtS/rpTKf5Pry775rku+fltbDNsxbm9/iF5ZcnOWjhCHSycB/PXjzvd5dMkfMzC+u29b1b5vHj7MXvSW7+b29H35OVcX1jpoD6mdUb1PQmUb+S6bTVl2zndMdPZtv3wzVJvpKbP1Ys3kfbuh+uyXSa7L9bmOvdFk5hvSzJr6/62bzTfJR6V3ldkh9N8qhMR9VX2+Zj1exrR+lqeifle2T+Xs3/xu6T5IPrGM/iUb/Fx4rfTNJJHjT/HP94bvoznO5+UKafw8syHQkGbgFxB5tId1+R6XU4L6mqu9b0RhEPqKrF070emOk0uFfsxE3ckn13lTckeV5VbZlf+/TLmZ4ILesPMr1+5McznQqY5GuvXXx2bnqEJAvr75YpqJ6+naM0v1pV+1TVdyX5gUxH2dbrXzM9wb7J4/ccRa/LdPTqKUkOqKqf2InrX3a8T8r0uqybPAGs6U0yTsx0WuBapx+eleSbavoMub2r6kcyve5r5RTSX8oUCO+eX1+VTK+xvDDJqfn60bx/SHJtVf1cVd2xps8z+7aq+g/rmN+ac1jwnCSv7u5P7+iKuntrpqNff5DkLfOR8pVxXpHkhVV156r6hqp65BJju0umgPjc/DrFX1linxUrR6B/tqpuP7+m8LGZXlO62lczPfleedOgR2YKxbet3nDJx49d5d+SfDE3/zmvTEetXp3kqZnu222dMrvN+2E+tfpNSX69qu5S0xuK/M/MjxVVdXimX5T86eornY8EvjLJS6vq3vP2B9TXX+/5yiQnVtXDa3Lnqvr+2sabhcxj+4Z5rnvPPyPbO7175Sj972c6cnmTx5vtjX3BY6rqP1bVPpnuv/d398rRt2cl+ev5tNtl/UxNbwK08ji58hreuyS5LtPP8QFZiPWq2remdzRNkr0z/bLlSwFuEXEHm8+TM/2m/iOZToX54yT3XVi/f6Y3KPjKTlz3Ldl3V3lBknMz/db5Q5lOcbzZO/Bty/wk/QOZnvAuvmHKOzO9lm1bv1n+7SRvnV9/tZZPZ7q/L8/05gUn9tpvArEtL6rp3RovTnJRpid2i34zydbufvn8OpofT/KCqjpsHbexnvHulynEVntqprg8Zj6aeRPd/ZlMofjTmU6H/NkkP9Dd18xPSp+a6Un2Wn4zyRFVddT85Pyxmd7Q4pJMR1Nelem1WMva1hxW7JWbH4HdnjOSfHsWXqe5MM4HZjqStDVfPyK5Pb+b6TS1azK9nf87lh1Ed1+f6XWLR8/7/58kT171/fvZqrou0/f5dkl+a77/z0jy3PkU5bXs6PHjlnrW/HP+ySTfkJvf/8/K9DjzS/PpmE9J8pT5FxA3MUfP4zK9odQ1mY4IP2nhfvjJTPF3caZfRPxhktPnI9Z/mel1c2/axjh/LtO/w7Pn0w3/KtOR1nT3uZlOl/y9TPfRRdn+G4W8MlPUHJfp9W9fyhKvE+7uF3X3TU7JXHLsyTTXX8l0Oua/z/Ra5VTVLyT5+STfVfM7bWb6pcp3zOtS0zttnrrq+t6W6bWA52c6kvjqefmvZjoT4fPz8rcu7HO3TG8084VM/4bvkMTH9cAt5HPuAFapqtMzvavm83a48XLX971JXtfdB+5g0z3CbW28e4qq+u5MR34OWfU6L9hj1PTxKVvXenyr6eNQLu3u16xa/h+T/Ode4zP4avrYlsO6+6LdMV5gfdb7GgCAodX0mVv/LdPbvMNSavr4gWcneZWw4zbs2kxHM1f78rwO2MOJO4BZVf1akp9K8pvdfclGj4fbhqr61kynAv9jbvo5aXCb0t2/s43l5+Sm76gK7KGclgkAADAAb6gCAAAwgNvUaZn3ute9+pBDDtnoYQAAAGyI884775ru3rLWuttU3B1yyCE599xzN3oYAAAAG6KqPrGtdU7LBAAAGIC4AwAAGIC4AwAAGIC4AwAAGIC4AwAAGIC4AwAAGIC4AwAAGIC4AwAAGIC4AwAAGIC4AwAAGIC4AwAAGIC4AwAAGIC4AwAAGIC4AwAAGIC4AwAAGIC4AwAAGIC4AwAAGIC4AwAAGIC4AwAAGIC4AwAAGIC4AwAAGIC4AwAAGIC4AwAAGIC4AwAAGIC4AwAAGIC4AwAAGIC4AwAAGIC4AwAAGIC4AwAAGIC4AwAAGIC4AwAAGIC4AwAAGIC4AwAAGIC4AwAAGMBScVdVR1XVhVV1UVWdvMb6H6uqD85//r6qHryjfavqHlX1rqr62Pz3frtmSgAAAJvPDuOuqvZKckqSo5McnuS4qjp81WaXJPme7n5Qkl9LctoS+56c5N3dfViSd8+XAQAA2AnLHLl7WJKLuvvi7r4+yRuTHLO4QXf/fXf/y3zx7CQHLrHvMUnOmL8+I8njd3oWAAAAm9zeS2xzQJLLFi5vTfLw7Wz/1CR/scS++3f3FUnS3VdU1b3XurKqOiHJCUly8MEHLzFcAGCjHfr2N2/I7V7y2CduyO1utvkCe6ZljtzVGst6zQ2rHpUp7n5uvftuS3ef1t1HdveRW7ZsWc+uAAAAm8Yycbc1yUELlw9McvnqjarqQUleleSY7v7MEvteWVX3nfe9b5Kr1jd0AAAAViwTd+ckOayqDq2qfZIcm+TMxQ2q6uAkb03ypO7+5yX3PTPJ8fPXxyd5285PAwAAYHPb4WvuuvuGqjopyTuT7JXk9O6+oKpOnNefmuSXk9wzyf+pqiS5YT6Vcs1956t+YZI3VdVTk3wyiZPGAQAAdtIyb6iS7j4ryVmrlp268PXTkjxt2X3n5Z9J8uj1DBYAAIC1LfUh5gAAAOzZxB0AAMAAxB0AAMAAxB0AAMAAxB0AAMAAxB0AAMAAxB0AAMAAxB0AAMAAxB0AAMAAxB0AAMAAxB0AAMAAxB0AAMAAxB0AAMAAxB0AAMAAxB0AAMAAxB0AAMAAxB0AAMAAxB0AAMAAxB0AAMAAxB0AAMAAxB0AAMAAxB0AAMAAxB0AAMAAxB0AAMAAxB0AAMAAxB0AAMAAxB0AAMAAxB0AAMAAxB0AAMAAxB0AAMAAxB0AAMAAxB0AAMAAxB0AAMAAxB0AAMAAxB0AAMAAxB0AAMAAxB0AAMAAxB0AAMAAxB0AAMAAxB0AAMAAxB0AAMAAxB0AAMAAxB0AAMAAxB0AAMAAxB0AAMAAxB0AAMAAxB0AAMAAxB0AAMAAxB0AAMAAxB0AAMAAxB0AAMAAxB0AAMAAxB0AAMAAxB0AAMAAxB0AAMAAxB0AAMAAxB0AAMAAxB0AAMAAxB0AAMAAxB0AAMAAxB0AAMAAxB0AAMAAxB0AAMAAxB0AAMAAxB0AAMAAxB0AAMAAxB0AAMAAxB0AAMAAxB0AAMAAxB0AAMAAxB0AAMAAxB0AAMAAxB0AAMAAxB0AAMAAxB0AAMAAxB0AAMAAxB0AAMAAxB0AAMAAxB0AAMAAxB0AAMAAxB0AAMAAxB0AAMAAxB0AAMAAxB0AAMAAxB0AAMAAxB0AAMAAxB0AAMAAxB0AAMAAloq7qjqqqi6sqouq6uQ11n9LVb2vqr5cVc9dWP7NVXX+wp9rq+o587rnV9WnFtY9ZpfNCgAAYJPZe0cbVNVeSU5J8n1JtiY5p6rO7O6PLGz22STPSvL4xX27+8IkRyxcz6eS/MnCJi/t7hffgvEDAACQ5Y7cPSzJRd19cXdfn+SNSY5Z3KC7r+ruc5J8ZTvX8+gkH+/uT+z0aAEAAFjTMnF3QJLLFi5vnZet17FJ3rBq2UlV9cGqOr2q9ltrp6o6oarOrapzr7766p24WQAAgPEtE3e1xrJez41U1T5JHpfkzQuLX57kAZlO27wiyUvW2re7T+vuI7v7yC1btqznZgEAADaNZeJua5KDFi4fmOTydd7O0Uk+0N1Xrizo7iu7+6vdfWOSV2Y6/RMAAICdsEzcnZPksKo6dD4Cd2ySM9d5O8dl1SmZVXXfhYtPSPLhdV4nAAAAsx2+W2Z331BVJyV5Z5K9kpze3RdU1Ynz+lOr6j5Jzk1y1yQ3zh93cHh3X1tVd8r0TpvPWHXVL6qqIzKd4nnpGusBAABY0g7jLkm6+6wkZ61adurC15/OdLrmWvt+Mck911j+pHWNFAAAgG1a6kPMAQAA2LOJOwAAgAGIOwAAgAGIOwAAgAGIOwAAgAGIOwAAgAGIOwAAgAGIOwAAgAGIOwAAgAGIOwAAgAGIOwAAgAGIOwAAgAGIOwAAgAGIOwAAgAGIOwAAgAGIOwAAgAGIOwAAgAGIOwAAgAGIOwAAgAGIOwAAgAGIOwAAgAGIOwAAgAGIOwAAgAGIOwAAgAGIOwAAgAGIOwAAgAGIOwAAgAGIOwAAgAGIOwAAgAGIOwAAgAGIOwAAgAGIOwAAgAGIOwAAgAGIOwAAgAGIOwAAgAGIOwAAgAGIOwAAgAGIOwAAgAGIOwAAgAGIOwAAgAGIOwAAgAGIOwAAgAGIOwAAgAGIOwAAgAGIOwAAgAGIOwAAgAGIOwAAgAGIOwAAgAGIOwAAgAGIOwAAgAGIOwAAgAGIOwAAgAGIOwAAgAGIOwAAgAGIOwAAgAGIOwAAgAGIOwAAgAGIOwAAgAGIOwAAgAGIOwAAgAGIOwAAgAGIOwAAgAGIOwAAgAGIOwAAgAGIOwAAgAGIOwAAgAGIOwAAgAGIOwAAgAGIOwAAgAGIOwAAgAGIOwAAgAGIOwAAgAGIOwAAgAGIOwAAgAGIOwAAgAGIOwAAgAGIOwAAgAGIOwAAgAGIOwAAgAGIOwAAgAGIOwAAgAGIOwAAgAGIOwAAgAGIOwAAgAGIOwAAgAGIOwAAgAGIOwAAgAGIOwAAgAEsFXdVdVRVXVhVF1XVyWus/5aqel9Vfbmqnrtq3aVV9aGqOr+qzl1Yfo+qeldVfWz+e79bPh0AAIDNaYdxV1V7JTklydFJDk9yXFUdvmqzzyZ5VpIXb+NqHtXdR3T3kQvLTk7y7u4+LMm758sAAADshGWO3D0syUXdfXF3X5/kjUmOWdygu6/q7nOSfGUdt31MkjPmr89I8vh17AsAAMCCZeLugCSXLVzeOi9bVif5y6o6r6pOWFi+f3dfkSTz3/dea+eqOqGqzq2qc6+++up13CwAAMDmsUzc1RrLeh238cjufmim0zqfWVXfvY59092ndfeR3X3kli1b1rMrAADAprFM3G1NctDC5QOTXL7sDXT35fPfVyX5k0yneSbJlVV13ySZ/75q2esEAADgppaJu3OSHFZVh1bVPkmOTXLmMldeVXeuqrusfJ3kvyT58Lz6zCTHz18fn+Rt6xk4AAAAX7f3jjbo7huq6qQk70yyV5LTu/uCqjpxXn9qVd0nyblJ7prkxqp6TqZ31rxXkj+pqpXb+sPufsd81S9M8qaqemqSTyZ54i6dGQAAwCayw7hLku4+K8lZq5aduvD1pzOdrrnatUkevI3r/EySRy89UgAAALZpqQ8xBwAAYM8m7gAAAAYg7gAAAAYg7gAAAAYg7gAAAAYg7gAAAAYg7gAAAAYg7gAAAAYg7gAAAAYg7gAAAAYg7gAAAAYg7gAAAAYg7gAAAAYg7gAAAAYg7gAAAAYg7gAAAAYg7gAAAAYg7gAAAAYg7gAAAAYg7gAAAAYg7gAAAAYg7gAAAAYg7gAAAAYg7gAAAAYg7gAAAAYg7gAAAAYg7gAAAAYg7gAAAAYg7gAAAAYg7gAAAAYg7gAAAAYg7gAAAAYg7gAAAAYg7gAAAAYg7gAAAAYg7gAAAAYg7gAAAAYg7gAAAAYg7gAAAAYg7gAAAAYg7gAAAAYg7gAAAAYg7gAAAAYg7gAAAAYg7gAAAAYg7gAAAAYg7gAAAAYg7gAAAAYg7gAAAAYg7gAAAAYg7gAAAAYg7gAAAAYg7gAAAAYg7gAAAAYg7gAAAAYg7gAAAAYg7gAAAAYg7gAAAAYg7gAAAAYg7gAAAAYg7gAAAAYg7gAAAAYg7gAAAAYg7gAAAAYg7gAAAAYg7gAAAAYg7gAAAAYg7gAAAAYg7gAAAAYg7gAAAAYg7gAAAAYg7gAAAAYg7gAAAAYg7gAAAAYg7gAAAAYg7gAAAAYg7gAAAAYg7gAAAAaw90YPAIDN69C3v3lDbveSxz5xQ24XRuHfLuyZHLkDAAAYgLgDAAAYgLgDAAAYgLgDAAAYgLgDAAAYgLgDAAAYgLgDAAAYgLgDAAAYgLgDAAAYwFJxV1VHVdWFVXVRVZ28xvpvqar3VdWXq+q5C8sPqqq/qaqPVtUFVfXshXXPr6pPVdX585/H7JopAQAAbD5772iDqtorySlJvi/J1iTnVNWZ3f2Rhc0+m+RZSR6/avcbkvx0d3+gqu6S5LyqetfCvi/t7hff0kkAAABsdsscuXtYkou6++Luvj7JG5Mcs7hBd1/V3eck+cqq5Vd09wfmr7+Q5KNJDtglIwcAAOBrlom7A5JctnB5a3Yi0KrqkCQPSfL+hcUnVdUHq+r0qtpvG/udUFXnVtW5V1999XpvFgAAYFNYJu5qjWW9nhupqn2TvCXJc7r72nnxy5M8IMkRSa5I8pK19u3u07r7yO4+csuWLeu5WQAAgE1jmbjbmuSghcsHJrl82RuoqttnCrvXd/dbV5Z395Xd/dXuvjHJKzOd/gkAAMBOWCbuzklyWFUdWlX7JDk2yZnLXHlVVZJXJ/lod//OqnX3Xbj4hCQfXm7IAAAArLbDd8vs7huq6qQk70yyV5LTu/uCqjpxXn9qVd0nyblJ7prkxqp6TpLDkzwoyZOSfKiqzp+v8he6+6wkL6qqIzKd4nlpkmfswnkBAABsKjuMuySZY+ysVctOXfj605lO11ztvVn7NXvp7ictP0wAAAC2Z6kPMQcAAGDPJu4AAAAGIO4AAAAGIO4AAAAGIO4AAAAGIO4AAAAGIO4AAAAGIO4AAAAGIO4AAAAGIO4AAAAGIO4AAAAGIO4AAAAGIO4AAAAGIO4AAAAGIO4AAAAGIO4AAAAGIO4AAAAGIO4AAAAGIO4AAAAGIO4AAAAGIO4AAAAGIO4AAAAGIO4AAAAGIO4AAAAGIO4AAAAGIO4AAAAGIO4AAAAGIO4AAAAGIO4AAAAGIO4AAAAGIO4AAAAGIO4AAAAGIO4AAAAGIO4AAAAGIO4AAAAGIO4AAAAGIO4AAAAGIO4AAAAGIO4AAAAGIO4AAAAGIO4AAAAGIO4AAAAGIO4AAAAGIO4AAAAGIO4AAAAGIO4AAAAGIO4AAAAGIO4AAAAGIO4AAAAGIO4AAAAGIO4AAAAGIO4AAAAGIO4AAAAGIO4AAAAGIO4AAAAGIO4AAAAGIO4AAAAGIO4AAAAGIO4AAAAGIO4AAAAGIO4AAAAGIO4AAAAGIO4AAAAGIO4AAAAGIO4AAAAGIO4AAAAGIO4AAAAGIO4AAAAGIO4AAAAGIO4AAAAGIO4AAAAGIO4AAAAGIO4AAAAGIO4AAAAGIO4AAAAGIO4AAAAGIO4AAAAGIO4AAAAGIO4AAAAGIO4AAAAGIO4AAAAGIO4AAAAGIO4AAAAGIO4AAAAGIO4AAAAGIO4AAAAGIO4AAAAGIO4AAAAGsFTcVdVRVXVhVV1UVSevsf5bqup9VfXlqnruMvtW1T2q6l1V9bH57/1u+XQAAAA2px3GXVXtleSUJEcnOTzJcVV1+KrNPpvkWUlevI59T07y7u4+LMm758sAAADshGWO3D0syUXdfXF3X5/kjUmOWdygu6/q7nOSfGUd+x6T5Iz56zOSPH7npgAAAMAycXdAkssWLm+dly1je/vu391XJMn8972XvE4AAABW2XuJbWqNZb3k9d+SfacrqDohyQlJcvDBB69nVwAAuMUOffubb/XbvOSxT7zVb5PbvmWO3G1NctDC5QOTXL7k9W9v3yur6r5JMv991VpX0N2ndfeR3X3kli1blrxZAACAzWWZuDsnyWFVdWhV7ZPk2CRnLnn929v3zCTHz18fn+Rtyw8bAACARTs8LbO7b6iqk5K8M8leSU7v7guq6sR5/alVdZ8k5ya5a5Ibq+o5SQ7v7mvX2ne+6hcmeVNVPTXJJ5M49gwAALCTlnnNXbr7rCRnrVp26sLXn850yuVS+87LP5Pk0esZLAAAAGtb6kPMAQAA2LOJOwAAgAGIOwAAgAGIOwAAgAGIOwAAgAGIOwAAgAGIOwAAgAGIOwAAgAGIOwAAgAGIOwAAgAGIOwAAgAGIOwAAgAGIOwAAgAGIOwAAgAGIOwAAgAGIOwAAgAGIOwAAgAGIOwAAgAGIOwAAgAGIOwAAgAGIOwAAgAGIOwAAgAGIOwAAgAGIOwAAgAGIOwAAgAGIOwAAgAGIOwAAgAGIOwAAgAGIOwAAgAGIOwAAgAGIOwAAgAGIOwAAgAGIOwAAgAGIOwAAgAGIOwAAgAGIOwAAgAGIOwAAgAGIOwAAgAGIOwAAgAGIOwAAgAGIOwAAgAGIOwAAgAGIOwAAgAGIOwAAgAGIOwAAgAGIOwAAgAGIOwAAgAGIOwAAgAGIOwAAgAGIOwAAgAHsvdEDAIDN4NC3v3lDbveSxz5xQ24XgFufI3cAAAADEHcAAAADEHcAAAADEHcAAAADEHcAAAADEHcAAAADEHcAAAADEHcAAAADEHcAAAADEHcAAAADEHcAAAADEHcAAAADEHcAAAADEHcAAAADEHcAAAADEHcAAAADEHcAAAADEHcAAAADEHcAAAADEHcAAAADEHcAAAADEHcAAAADEHcAAAADEHcAAAADEHcAAAADEHcAAAADEHcAAAADEHcAAAADEHcAAAADEHcAAAADEHcAAAADEHcAAAADEHcAAAADEHcAAAADEHcAAAADEHcAAAADEHcAAAADWCruquqoqrqwqi6qqpPXWF9V9bJ5/Qer6qHz8m+uqvMX/lxbVc+Z1z2/qj61sO4xu3RmAAAAm8jeO9qgqvZKckqS70uyNck5VXVmd39kYbOjkxw2/3l4kpcneXh3X5jkiIXr+VSSP1nY76Xd/eJdMA8AAIBNbZkjdw9LclF3X9zd1yd5Y5JjVm1zTJLX9uTsJHevqvuu2ubRST7e3Z+4xaMGAADgJpaJuwOSXLZweeu8bL3bHJvkDauWnTSfxnl6Ve23xFgAAABYwzJxV2ss6/VsU1X7JHlckjcvrH95kgdkOm3ziiQvWfPGq06oqnOr6tyrr756ieECAABsPsvE3dYkBy1cPjDJ5evc5ugkH+juK1cWdPeV3f3V7r4xySsznf55M919Wncf2d1HbtmyZYnhAgAAbD7LxN05SQ6rqkPnI3DHJjlz1TZnJnny/K6Zj0jy+e6+YmH9cVl1Suaq1+Q9IcmH1z16AAAAkizxbpndfUNVnZTknUn2SnJ6d19QVSfO609NclaSxyS5KMkXkzxlZf+qulOmd9p8xqqrflFVHZHp9M1L11gPAADAknYYd0nS3WdlCrjFZacufN1JnrmNfb+Y5J5rLH/SukYKAADANi31IeYAAADs2cQdAADAAMQdAADAAMQdAADAAMQdAADAAMQdAADAAMQdAADAAMQdAADAAMQdAADAAMQdAADAAMQdAADAAMQdAADAAMQdAADAAMQdAADAAMQdAADAAMQdAADAAMQdAADAAMQdAADAAMQdAADAAMQdAADAAMQdAADAAMQdAADAAMQdAADAAMQdAADAAMQdAADAAMQdAADAAMQdAADAAMQdAADAAMQdAADAAMQdAADAAMQdAADAAMQdAADAAMQdAADAAMQdAADAAMQdAADAAMQdAADAAMQdAADAAMQdAADAAMQdAADAAMQdAADAAMQdAADAAMQdAADAAMQdAADAAMQdAADAAMQdAADAAMQdAADAAMQdAADAAMQdAADAAMQdAADAAMQdAADAAMQdAADAAMQdAADAAMQdAADAAMQdAADAAMQdAADAAMQdAADAAMQdAADAAMQdAADAAMQdAADAAMQdAADAAMQdAADAAMQdAADAAMQdAADAAMQdAADAAMQdAADAAMQdAADAAMQdAADAAMQdAADAAMQdAADAAMQdAADAAMQdAADAAMQdAADAAMQdAADAAMQdAADAAMQdAADAAMQdAADAAMQdAADAAMQdAADAAMQdAADAAMQdAADAAMQdAADAAMQdAADAAMQdAADAAMQdAADAAMQdAADAAMQdAADAAMQdAADAAMQdAADAAMQdAADAAJaKu6o6qqourKqLqurkNdZXVb1sXv/BqnrowrpLq+pDVXV+VZ27sPweVfWuqvrY/Pd+u2ZKAAAAm88O466q9kpySpKjkxye5LiqOnzVZkcnOWz+c0KSl69a/6juPqK7j1xYdnKSd3f3YUnePV8GAABgJyxz5O5hSS7q7ou7+/okb0xyzKptjkny2p6cneTuVXXfHVzvMUnOmL8+I8njlx82AAAAi5aJuwOSXLZweeu8bNltOslfVtV5VXXCwjb7d/cVSTL/fe+1bryqTqiqc6vq3KuvvnqJ4QIAAGw+y8RdrbGs17HNI7v7oZlO3XxmVX33OsaX7j6tu4/s7iO3bNmynl0BAAA2jWXibmuSgxYuH5jk8mW36e6Vv69K8ieZTvNMkitXTt2c/75qvYMHAABgskzcnZPksKo6tKr2SXJskjNXbXNmkifP75r5iCSf7+4rqurOVXWXJKmqOyf5L0k+vLDP8fPXxyd52y2cCwAAwKa194426O4bquqkJO9MsleS07v7gqo6cV5/apKzkjwmyUVJvpjkKfPu+yf5k6paua0/7O53zOtemORNVfXUJJ9M8sRdNisAAIBNZodxlyTdfVamgFtcdurC153kmWvsd3GSB2/jOj+T5NHrGSwAAABrW+pDzAEAANiziTsAAIABiDsAAIABiDsAAIABiDsAAIABiDsAAIABiDsAAIABiDsAAIABiDsAAIABiDsAAIABiDsAAIABiDsAAIABiDsAAIABiDsAAIABiDsAAIABiDsAAIABiDsAAIABiDsAAIABiDsAAIABiDsAAIABiDsAAIAB7L3RAwAAAPYMh779zRtyu5c89okbcrujceQOAABgAOIOAABgAOIOAABgAOIOAABgAOIOAABgAOIOAABgAOIOAABgAOIOAABgAOIOAABgAOIOAABgAOIOAABgAOIOAABgAOIOAABgAOIOAABgAOIOAABgAOIOAABgAOIOAABgAOIOAABgAOIOAABgAOIOAABgAOIOAABgAOIOAABgAOIOAABgAOIOAABgAOIOAABgAOIOAABgAOIOAABgAOIOAABgAOIOAABgAOIOAABgAOIOAABgAOIOAABgAOIOAABgAOIOAABgAOIOAABgAOIOAABgAOIOAABgAOIOAABgAOIOAABgAOIOAABgAOIOAABgAOIOAABgAOIOAABgAOIOAABgAOIOAABgAOIOAABgAOIOAABgAOIOAABgAOIOAABgAOIOAABgAOIOAABgAOIOAABgAOIOAABgAOIOAABgAOIOAABgAHtv9AAAtufQt795Q273ksc+cUNuFwBgZzlyBwAAMABxBwAAMABxBwAAMABxBwAAMABxBwAAMABxBwAAMABxBwAAMABxBwAAMABxBwAAMABxBwAAMICl4q6qjqqqC6vqoqo6eY31VVUvm9d/sKoeOi8/qKr+pqo+WlUXVNWzF/Z5flV9qqrOn/88ZtdNCwAAYHPZe0cbVNVeSU5J8n1JtiY5p6rO7O6PLGx2dJLD5j8PT/Ly+e8bkvx0d3+gqu6S5LyqetfCvi/t7hfvuukAAABsTsscuXtYkou6++Luvj7JG5Mcs2qbY5K8tidnJ7l7Vd23u6/o7g8kSXd/IclHkxywC8cPAABAlou7A5JctnB5a24eaDvcpqoOSfKQJO9fWHzSfBrn6VW131o3XlUnVNW5VXXu1VdfvcRwAQAANp9l4q7WWNbr2aaq9k3yliTP6e5r58UvT/KAJEckuSLJS9a68e4+rbuP7O4jt2zZssRwAQAANp9l4m5rkoMWLh+Y5PJlt6mq22cKu9d391tXNujuK7v7q919Y5JXZjr9EwAAgJ2wTNydk+Swqjq0qvZJcmySM1dtc2aSJ8/vmvmIJJ/v7iuqqpK8OslHu/t3FneoqvsuXHxCkg/v9CwAAAA2uR2+W2Z331BVJyV5Z5K9kpze3RdU1Ynz+lOTnJXkMUkuSvLFJE+Zd39kkicl+VBVnT8v+4XuPivJi6rqiEynb16a5Bm7aE4AAACbzg7jLknmGDtr1bJTF77uJM9cY7/3Zu3X46W7n7SukQIAALBNS32IOQAAAHs2cQcAADAAcQcAADAAcQcAADAAcQcAADAAcQcAADAAcQcAADAAcQcAADAAcQcAADAAcQcAADAAcQcAADAAcQcAADAAcQcAADAAcQcAADAAcQcAADAAcQcAADAAcQcAADAAcQcAADAAcQcAADAAcQcAADAAcQcAADAAcQcAADAAcQcAADAAcQcAADAAcQcAADAAcQcAADAAcQcAADAAcQcAADAAcQcAADAAcQcAADAAcQcAADAAcQcAADAAcQcAADAAcQcAADAAcQcAADCAvTd6ALeWQ9/+5g253Use+8QNud3NNN/NNNdk8813s/H9BYBbz2j/7zpyBwAAMABxBwAAMABxBwAAMABxBwAAMABxBwAAMABxBwAAMABxBwAAMABxBwAAMABxBwAAMABxBwAAMABxBwAAMABxBwAAMABxBwAAMABxBwAAMABxBwAAMABxBwAAMABxBwAAMABxBwAAMABxBwAAMABxBwAAMABxBwAAMABxBwAAMABxBwAAMABxBwAAMABxBwAAMABxBwAAMABxBwAAMABxBwAAMABxBwAAMABxBwAAMABxBwAAMABxBwAAMABxBwAAMABxBwAAMABxBwAAMABxBwAAMABxBwAAMABxBwAAMABxBwAAMABxBwAAMABxBwAAMABxBwAAMABxBwAAMABxBwAAMABxBwAAMABxBwAAMABxBwAAMABxBwAAMABxBwAAMABxBwAAMABxBwAAMABxBwAAMICl4q6qjqqqC6vqoqo6eY31VVUvm9d/sKoeuqN9q+oeVfWuqvrY/Pd+u2ZKAAAAm88O466q9kpySpKjkxye5LiqOnzVZkcnOWz+c0KSly+x78lJ3t3dhyV593wZAACAnbDMkbuHJbmouy/u7uuTvDHJMau2OSbJa3tydpK7V9V9d7DvMUnOmL8+I8njb9lUAAAANq+9l9jmgCSXLVzemuThS2xzwA723b+7r0iS7r6iqu691o1X1QmZjgYmyXVVdeESY97V7pXkmp3ZsXbxQG4lm2m+m2muifkuzXxvEzbTfDfTXBPzXZr57vE201wT813aLZzv/be1Ypm4W+u2e8ltltl3u7r7tCSnrWefXa2qzu3uIzdyDLemzTTfzTTXxHxHZ77j2kxzTcx3dJtpvptpron57gmWOS1za5KDFi4fmOTyJbfZ3r5XzqduZv77quWHDQAAwKJl4u6cJIdV1aFVtU+SY5OcuWqbM5M8eX7XzEck+fx8yuX29j0zyfHz18cnedstnAsAAMCmtcPTMrv7hqo6Kck7k+yV5PTuvqCqTpzXn5rkrCSPSXJRki8mecr29p2v+oVJ3lRVT03yySRP3KUz27U29LTQDbCZ5ruZ5pqY7+jMd1ybaa6J+Y5uM813M801Md8NV93regkcAAAAe6ClPsQcAACAPZu4AwAAGIC4AwAAGIC4AwAAGIC4W0JV3WOjx3Brq6p9N3oMt4bN9L2tqgdW1Q9W1eEbPZbdpar2Xvh636o6cvTvcVVtqaqHVNW3j/7vtqr2r6qHzvPdf6PHsxFG/x5vRqM/Rq1WVY/b6DHcmjbT93fk5xlVdfeNHsOyxN0qVfXIqvpoVV1QVQ+vqnclObeqLquq79jo8d2KPrLRA9jVqup5C18fXlX/nOS8qrq0qh6+gUPbLarqb6rqXvPXT8r0kSVHJ/mjqvrJDR3cblBV/z3JlVX1z1V1dJIPJvmtJP9YVcdt6OB2g/ln+K+SvC/J+5O8KsmHquo1VXW3jR3drlVVR1TV2Unek+RFSX47yd9W1dlV9dANHdytb8TH5m+fv5eXVdVpVbXfwrp/2Mix7Wqb7TlGVf23VX9+MMlpK5c3eny7mucZQz/PuKaq/qqqnrqnh56PQlhl/o/kqUn2TfL2JI/v7vfOTyD+d3c/ckMHuAtV1f/c1qokv9jdQ/22qao+0N0Pnb/+8yS/191/UVUPS/K73f2dGzvCXauqPtzd3zZ/fU6So7r7M1V1pyRnd/eDNnaEu1ZVfSjJo5LcJck/JnlId398PsLzrgHne3aS47v7wvln+JndfXxVPT3Jf+3uH9rgIe4yVXV+kmd09/tXLX9Ekld094M3ZGC7ySZ8bH5vkhckOTvJ0zJ9Vu7j5n+//6+7H7KhA9yFNtNzjCSpqhuSvCPJVZl+fpPkh5L8cZLu7v+xUWPbHTzPGPd5xvwc4+eTHJfkqCTvTfKGJG/r7i9t5NhWc+Tu5m7f3R/q7vclubq735sk3f2BJHfc2KHtcr+RZL9MT4YX/+yb8X827tfdf5Ek3f0PGe97myRfqaoD5q+vS/Kv89dfTrLXxgxpt/pqd1/T3Zckua67P54k3X3lBo9rd7ljd1+YfO1n+Nvnr1+ZZLRTYu68OuySpLvPTnLnDRjP7rbZHpv37e53dPfnuvvFSU5K8o453kf7DfRmeo6RJN+RaV7nJPkf3f2UJNd091NGC7s1eJ4xlq909591948lOTDJ65P8cJKtVfWHGzu0m9p7x5tsOov/cf78qnX73JoDuRV8IMmfdvd5q1dU1dM2YDy72zdW1ZmZfnt4YFXdqbu/OK+7/QaOa3f5qSR/WVVvSXJBkr+uqnck+a4kv7+hI9s9PllVv5npSfA/VdVLkrw1yX9OcsWGjmz3+HhV/VKSdyf5b0nOT5Kqun3Ge2z/i/m34K9Nctm87KAkT850VGA0m+2xuarqbt39+STp7r+ZT997S5KhjlJmcz3HSHefU1Xfl+QnM/0f9HMZL9gXeZ4x7vOMlSPPmY/UvSnJm+aXQTx+owa1FqdlrjK/0PevFv4xrix/QJIf7O4XbczIdr2q+uYkn+nua9ZYt/9oRzyq6ntWLTqvu6+bT9v7oe4+ZSPGtTvNDzo/muSbMj3h35rpFIJ/2tCB7QZVddckz8z0xOH3kvzXTKd3fSLJC7p7qMCbz/n/hUxH6f4xyQu7+wvz9/xb56Naw5hfR3lMkgMy/Se7NcmZ3X3Whg5sN9iEj80/muTi1T+zVXVwkl/q7qdvzMh2vc30HGO1qrpfkt9NcmR3f+MGD2e38Dxj3OcZVfXc+cyCPZ64AwAAGMCI5+7vNlV1wkaP4daymeaamO/ozHdcm2muifmObDPNNTHf0W2m+e5pcxV361M73mQYm2muifmOznzHtZnmmpjvyDbTXBPzHd1mmu8eNVenZa6hqr4l0+s63t/d1y0sP6q7h3rx/vz2vD2/6PnwTG/v+k8jvo4lMd+Y71A223wXVdVru/vJGz2OW4v5jmszzTUx39FtpvnuqXMd7R3VbrGqelamN2X4aJJXV9Wzu/tt8+rfyEDvzFZVv5Lpwyb3rumDVB+e6UOCT66qh3T3r2/k+HY18zXfjRzfrraZ5ju/+9xNFiV51PymMunux93qg9qNzHfc+W6muSbmG/MdZr63pbk6crdKTR9S+B3zuxsdkumDNv+gu/+/Gu/DVD+U5Igkd0jy6SQHdve1VXXHTEcth/nwycR8Y77mextVVR9I8pEkr8r0bqiV6cNjj02S7v7bjRvdrme+4853M801Md+Y7zDzvS3N1Wvubm6vlVMxu/vSJN+b5Oiq+p3sYefU7gI3dPdX57dk/nh3X5t87fM7btzYoe0W5hvzHchmmu+RSc5L8otJPt/d70nype7+2z3pP9RdyHzHne9mmmtivu+J+Y7iNjNXp2Xe3Ker6ojuPj9J5iN4P5Dk9CTfvqEj2/Wur69/wOa/X1k4f2bJaE8OE/NNYr4D2TTz7e4bk7y0qt48/31lBv7/y3zHne9mmmtivuY7jtvSXPfIQW2wJye5YXFBd9+Q5MlV9YqNGdJu893d/eXkaz+0K26f5PiNGdJuZb4T8x3DZptvuntrkidW1fcnuXajx7O7me+4NtNcE/Pd6PHsbptpvreFuXrNHQAAwAC85g4AAGAA4g4AAGAA4g6AYVXVV6vq/Kr6cFW9uarutIPtv6Gq3l5V51bVi26tcQLAruA1dwAMq6qu6+59569fn+S87v6dDR4WAOwWjtwBsFn8XZIHJklV/XhV/cN8VO8VVbXXvPy6lY2r6u+q6s+q6o7zdudX1fVV9aH56yOr6jVV9UPz9k+rqq6qe1XVIVX14YXr+qGqes389Wuq6pKF6/zOW/NOAGBcPgoBgOFV1d5Jjk7yjqr61iQ/kuSR3f2Vqvo/SX4syWsXtv/+JHfL9GG1X0pyxLz80iSP6u5r5ssr239DkhOTXLXkkH6mu//4ls8MAL7OkTsARnbHqjo/yblJPpnk1UkenemD38+Z1z06yTeu7FBTsf1ikt9Yx+08M8kZSb60sOwBK0fnkvz2zk8BAJbjyB0AI/tSdx+xuGCOtzO6++e3sc9xSd6T5NNL3sZd532+M8lPLyz/+Mptz6du/sDSowaAneDIHQCbzbuT/FBV3TtJquoeVXX/ed3tkvxUkvW8U+ZPJXlZd1+/a4cJAOsj7gDYVLr7I0mel+Qvq+qDSd6V5L7z6jsm+ePu/tw6rrKSvG6XDhIAdoKPQgAAABiAI3cAAAADEHcAAAADEHcAAAADEHcAAAADEHcAAAADEHcAAAADEHcAAAAD+P8BNxfVZ5Sn3A0AAAAASUVORK5CYII="/>
-          <p:cNvSpPr>
-            <a:spLocks noChangeAspect="1" noChangeArrowheads="1"/>
-          </p:cNvSpPr>
-          <p:nvPr/>
-        </p:nvSpPr>
-        <p:spPr bwMode="auto">
-          <a:xfrm>
-            <a:off x="307975" y="7937"/>
-            <a:ext cx="304800" cy="304801"/>
-          </a:xfrm>
-          <a:prstGeom prst="rect">
-            <a:avLst/>
-          </a:prstGeom>
-          <a:noFill/>
-          <a:extLst>
-            <a:ext uri="{909E8E84-426E-40DD-AFC4-6F175D3DCCD1}">
-              <a14:hiddenFill xmlns:a14="http://schemas.microsoft.com/office/drawing/2010/main">
-                <a:solidFill>
-                  <a:srgbClr val="FFFFFF"/>
-                </a:solidFill>
-              </a14:hiddenFill>
-            </a:ext>
-          </a:extLst>
-        </p:spPr>
-        <p:txBody>
-          <a:bodyPr vert="horz" wrap="square" lIns="91440" tIns="45720" rIns="91440" bIns="45720" numCol="1" anchor="t" anchorCtr="0" compatLnSpc="1">
-            <a:prstTxWarp prst="textNoShape">
-              <a:avLst/>
-            </a:prstTxWarp>
-          </a:bodyPr>
-          <a:lstStyle/>
-          <a:p>
-            <a:endParaRPr lang="ru-RU"/>
-          </a:p>
-        </p:txBody>
-      </p:sp>
-      <p:pic>
-        <p:nvPicPr>
-          <p:cNvPr id="1032" name="Picture 8"/>
-          <p:cNvPicPr>
-            <a:picLocks noChangeAspect="1" noChangeArrowheads="1"/>
-          </p:cNvPicPr>
-          <p:nvPr/>
-        </p:nvPicPr>
-        <p:blipFill rotWithShape="1">
-          <a:blip r:embed="rId4">
-            <a:extLst>
-              <a:ext uri="{BEBA8EAE-BF5A-486C-A8C5-ECC9F3942E4B}">
-                <a14:imgProps xmlns:a14="http://schemas.microsoft.com/office/drawing/2010/main">
-                  <a14:imgLayer r:embed="rId5">
-                    <a14:imgEffect>
-                      <a14:sharpenSoften amount="25000"/>
-                    </a14:imgEffect>
-                  </a14:imgLayer>
-                </a14:imgProps>
-              </a:ext>
-              <a:ext uri="{28A0092B-C50C-407E-A947-70E740481C1C}">
-                <a14:useLocalDpi xmlns:a14="http://schemas.microsoft.com/office/drawing/2010/main" val="0"/>
-              </a:ext>
-            </a:extLst>
-          </a:blip>
-          <a:srcRect l="4979" b="1010"/>
-          <a:stretch/>
-        </p:blipFill>
-        <p:spPr bwMode="auto">
-          <a:xfrm>
-            <a:off x="6792833" y="1167568"/>
-            <a:ext cx="4780858" cy="4952464"/>
-          </a:xfrm>
-          <a:prstGeom prst="rect">
-            <a:avLst/>
-          </a:prstGeom>
-          <a:noFill/>
-          <a:ln>
-            <a:noFill/>
-          </a:ln>
-          <a:effectLst/>
-          <a:extLst>
-            <a:ext uri="{909E8E84-426E-40DD-AFC4-6F175D3DCCD1}">
-              <a14:hiddenFill xmlns:a14="http://schemas.microsoft.com/office/drawing/2010/main">
-                <a:solidFill>
-                  <a:schemeClr val="accent1"/>
-                </a:solidFill>
-              </a14:hiddenFill>
-            </a:ext>
-            <a:ext uri="{91240B29-F687-4F45-9708-019B960494DF}">
-              <a14:hiddenLine xmlns:a14="http://schemas.microsoft.com/office/drawing/2010/main" w="9525">
-                <a:solidFill>
-                  <a:schemeClr val="tx1"/>
-                </a:solidFill>
-                <a:miter lim="800000"/>
-                <a:headEnd/>
-                <a:tailEnd/>
-              </a14:hiddenLine>
-            </a:ext>
-            <a:ext uri="{AF507438-7753-43E0-B8FC-AC1667EBCBE1}">
-              <a14:hiddenEffects xmlns:a14="http://schemas.microsoft.com/office/drawing/2010/main">
-                <a:effectLst>
-                  <a:outerShdw dist="35921" dir="2700000" algn="ctr" rotWithShape="0">
-                    <a:schemeClr val="bg2"/>
-                  </a:outerShdw>
-                </a:effectLst>
-              </a14:hiddenEffects>
-            </a:ext>
-          </a:extLst>
-        </p:spPr>
-      </p:pic>
-      <p:sp>
-        <p:nvSpPr>
-          <p:cNvPr id="10" name="Объект 2"/>
-          <p:cNvSpPr txBox="1">
-            <a:spLocks/>
-          </p:cNvSpPr>
-          <p:nvPr/>
+          <p:nvPr>
+            <p:ph idx="1"/>
+          </p:nvPr>
         </p:nvSpPr>
         <p:spPr>
           <a:xfrm>
-            <a:off x="235131" y="5940678"/>
-            <a:ext cx="5933501" cy="861774"/>
+            <a:off x="309900" y="813937"/>
+            <a:ext cx="11648552" cy="5183101"/>
           </a:xfrm>
-          <a:prstGeom prst="rect">
-            <a:avLst/>
-          </a:prstGeom>
         </p:spPr>
         <p:txBody>
-          <a:bodyPr vert="horz" lIns="91440" tIns="45720" rIns="91440" bIns="45720" rtlCol="0">
-            <a:normAutofit fontScale="25000" lnSpcReduction="20000"/>
-          </a:bodyPr>
-          <a:lstStyle>
-            <a:lvl1pPr marL="228600" indent="-228600" algn="l" defTabSz="914400" rtl="0" eaLnBrk="1" latinLnBrk="0" hangingPunct="1">
-              <a:lnSpc>
-                <a:spcPct val="90000"/>
-              </a:lnSpc>
-              <a:spcBef>
-                <a:spcPts val="1000"/>
-              </a:spcBef>
-              <a:buFont typeface="Arial" panose="020B0604020202020204" pitchFamily="34" charset="0"/>
-              <a:buChar char="•"/>
-              <a:defRPr sz="2800" kern="1200">
-                <a:solidFill>
-                  <a:schemeClr val="tx1"/>
-                </a:solidFill>
-                <a:latin typeface="+mn-lt"/>
-                <a:ea typeface="+mn-ea"/>
-                <a:cs typeface="+mn-cs"/>
-              </a:defRPr>
-            </a:lvl1pPr>
-            <a:lvl2pPr marL="685800" indent="-228600" algn="l" defTabSz="914400" rtl="0" eaLnBrk="1" latinLnBrk="0" hangingPunct="1">
-              <a:lnSpc>
-                <a:spcPct val="90000"/>
-              </a:lnSpc>
-              <a:spcBef>
-                <a:spcPts val="500"/>
-              </a:spcBef>
-              <a:buFont typeface="Arial" panose="020B0604020202020204" pitchFamily="34" charset="0"/>
-              <a:buChar char="•"/>
-              <a:defRPr sz="2400" kern="1200">
-                <a:solidFill>
-                  <a:schemeClr val="tx1"/>
-                </a:solidFill>
-                <a:latin typeface="+mn-lt"/>
-                <a:ea typeface="+mn-ea"/>
-                <a:cs typeface="+mn-cs"/>
-              </a:defRPr>
-            </a:lvl2pPr>
-            <a:lvl3pPr marL="1143000" indent="-228600" algn="l" defTabSz="914400" rtl="0" eaLnBrk="1" latinLnBrk="0" hangingPunct="1">
-              <a:lnSpc>
-                <a:spcPct val="90000"/>
-              </a:lnSpc>
-              <a:spcBef>
-                <a:spcPts val="500"/>
-              </a:spcBef>
-              <a:buFont typeface="Arial" panose="020B0604020202020204" pitchFamily="34" charset="0"/>
-              <a:buChar char="•"/>
-              <a:defRPr sz="2000" kern="1200">
-                <a:solidFill>
-                  <a:schemeClr val="tx1"/>
-                </a:solidFill>
-                <a:latin typeface="+mn-lt"/>
-                <a:ea typeface="+mn-ea"/>
-                <a:cs typeface="+mn-cs"/>
-              </a:defRPr>
-            </a:lvl3pPr>
-            <a:lvl4pPr marL="1600200" indent="-228600" algn="l" defTabSz="914400" rtl="0" eaLnBrk="1" latinLnBrk="0" hangingPunct="1">
-              <a:lnSpc>
-                <a:spcPct val="90000"/>
-              </a:lnSpc>
-              <a:spcBef>
-                <a:spcPts val="500"/>
-              </a:spcBef>
-              <a:buFont typeface="Arial" panose="020B0604020202020204" pitchFamily="34" charset="0"/>
-              <a:buChar char="•"/>
-              <a:defRPr sz="1800" kern="1200">
-                <a:solidFill>
-                  <a:schemeClr val="tx1"/>
-                </a:solidFill>
-                <a:latin typeface="+mn-lt"/>
-                <a:ea typeface="+mn-ea"/>
-                <a:cs typeface="+mn-cs"/>
-              </a:defRPr>
-            </a:lvl4pPr>
-            <a:lvl5pPr marL="2057400" indent="-228600" algn="l" defTabSz="914400" rtl="0" eaLnBrk="1" latinLnBrk="0" hangingPunct="1">
-              <a:lnSpc>
-                <a:spcPct val="90000"/>
-              </a:lnSpc>
-              <a:spcBef>
-                <a:spcPts val="500"/>
-              </a:spcBef>
-              <a:buFont typeface="Arial" panose="020B0604020202020204" pitchFamily="34" charset="0"/>
-              <a:buChar char="•"/>
-              <a:defRPr sz="1800" kern="1200">
-                <a:solidFill>
-                  <a:schemeClr val="tx1"/>
-                </a:solidFill>
-                <a:latin typeface="+mn-lt"/>
-                <a:ea typeface="+mn-ea"/>
-                <a:cs typeface="+mn-cs"/>
-              </a:defRPr>
-            </a:lvl5pPr>
-            <a:lvl6pPr marL="2514600" indent="-228600" algn="l" defTabSz="914400" rtl="0" eaLnBrk="1" latinLnBrk="0" hangingPunct="1">
-              <a:lnSpc>
-                <a:spcPct val="90000"/>
-              </a:lnSpc>
-              <a:spcBef>
-                <a:spcPts val="500"/>
-              </a:spcBef>
-              <a:buFont typeface="Arial" panose="020B0604020202020204" pitchFamily="34" charset="0"/>
-              <a:buChar char="•"/>
-              <a:defRPr sz="1800" kern="1200">
-                <a:solidFill>
-                  <a:schemeClr val="tx1"/>
-                </a:solidFill>
-                <a:latin typeface="+mn-lt"/>
-                <a:ea typeface="+mn-ea"/>
-                <a:cs typeface="+mn-cs"/>
-              </a:defRPr>
-            </a:lvl6pPr>
-            <a:lvl7pPr marL="2971800" indent="-228600" algn="l" defTabSz="914400" rtl="0" eaLnBrk="1" latinLnBrk="0" hangingPunct="1">
-              <a:lnSpc>
-                <a:spcPct val="90000"/>
-              </a:lnSpc>
-              <a:spcBef>
-                <a:spcPts val="500"/>
-              </a:spcBef>
-              <a:buFont typeface="Arial" panose="020B0604020202020204" pitchFamily="34" charset="0"/>
-              <a:buChar char="•"/>
-              <a:defRPr sz="1800" kern="1200">
-                <a:solidFill>
-                  <a:schemeClr val="tx1"/>
-                </a:solidFill>
-                <a:latin typeface="+mn-lt"/>
-                <a:ea typeface="+mn-ea"/>
-                <a:cs typeface="+mn-cs"/>
-              </a:defRPr>
-            </a:lvl7pPr>
-            <a:lvl8pPr marL="3429000" indent="-228600" algn="l" defTabSz="914400" rtl="0" eaLnBrk="1" latinLnBrk="0" hangingPunct="1">
-              <a:lnSpc>
-                <a:spcPct val="90000"/>
-              </a:lnSpc>
-              <a:spcBef>
-                <a:spcPts val="500"/>
-              </a:spcBef>
-              <a:buFont typeface="Arial" panose="020B0604020202020204" pitchFamily="34" charset="0"/>
-              <a:buChar char="•"/>
-              <a:defRPr sz="1800" kern="1200">
-                <a:solidFill>
-                  <a:schemeClr val="tx1"/>
-                </a:solidFill>
-                <a:latin typeface="+mn-lt"/>
-                <a:ea typeface="+mn-ea"/>
-                <a:cs typeface="+mn-cs"/>
-              </a:defRPr>
-            </a:lvl8pPr>
-            <a:lvl9pPr marL="3886200" indent="-228600" algn="l" defTabSz="914400" rtl="0" eaLnBrk="1" latinLnBrk="0" hangingPunct="1">
-              <a:lnSpc>
-                <a:spcPct val="90000"/>
-              </a:lnSpc>
-              <a:spcBef>
-                <a:spcPts val="500"/>
-              </a:spcBef>
-              <a:buFont typeface="Arial" panose="020B0604020202020204" pitchFamily="34" charset="0"/>
-              <a:buChar char="•"/>
-              <a:defRPr sz="1800" kern="1200">
-                <a:solidFill>
-                  <a:schemeClr val="tx1"/>
-                </a:solidFill>
-                <a:latin typeface="+mn-lt"/>
-                <a:ea typeface="+mn-ea"/>
-                <a:cs typeface="+mn-cs"/>
-              </a:defRPr>
-            </a:lvl9pPr>
-          </a:lstStyle>
-          <a:p>
-            <a:pPr marL="0" indent="0">
-              <a:lnSpc>
-                <a:spcPct val="120000"/>
-              </a:lnSpc>
-              <a:buNone/>
+          <a:bodyPr/>
+          <a:lstStyle/>
+          <a:p>
+            <a:pPr marL="285750" indent="-285750">
+              <a:buClr>
+                <a:srgbClr val="009AD0"/>
+              </a:buClr>
+              <a:buFont typeface="Wingdings" panose="05000000000000000000" pitchFamily="2" charset="2"/>
+              <a:buChar char="Ø"/>
             </a:pPr>
             <a:r>
-              <a:rPr lang="ru-RU" sz="3200" b="1" dirty="0" smtClean="0"/>
-              <a:t>Вывод:</a:t>
-            </a:r>
-            <a:endParaRPr lang="en-US" sz="3200" b="1" dirty="0"/>
-          </a:p>
-          <a:p>
-            <a:pPr marL="0" indent="0">
-              <a:lnSpc>
-                <a:spcPct val="120000"/>
-              </a:lnSpc>
-              <a:buNone/>
-            </a:pPr>
-            <a:r>
-              <a:rPr lang="ru-RU" sz="3200" b="1" dirty="0"/>
-              <a:t>На данном графике вы видите список самых популярных приложений по </a:t>
-            </a:r>
-            <a:r>
-              <a:rPr lang="ru-RU" sz="3200" b="1" dirty="0" smtClean="0"/>
-              <a:t>категориям</a:t>
-            </a:r>
-            <a:r>
-              <a:rPr lang="en-US" sz="3200" b="1" dirty="0"/>
-              <a:t>.</a:t>
-            </a:r>
-            <a:r>
-              <a:rPr lang="ru-RU" sz="3200" b="1" dirty="0" smtClean="0"/>
-              <a:t>Первое </a:t>
-            </a:r>
-            <a:r>
-              <a:rPr lang="ru-RU" sz="3200" b="1" dirty="0"/>
-              <a:t>место занимает приложение Google Play services </a:t>
-            </a:r>
-            <a:r>
-              <a:rPr lang="ru-RU" sz="3200" b="1" dirty="0" smtClean="0"/>
-              <a:t>категории Tools (Инструменты) ,на него приходится более 12,05 млрд скачиваний. Второй по популярности YouTube категории Video Players </a:t>
-            </a:r>
-            <a:r>
-              <a:rPr lang="ru-RU" sz="3200" b="1" dirty="0"/>
-              <a:t>&amp; </a:t>
-            </a:r>
-            <a:r>
-              <a:rPr lang="ru-RU" sz="3200" b="1" dirty="0" smtClean="0"/>
-              <a:t>Editors (</a:t>
-            </a:r>
-            <a:r>
-              <a:rPr lang="ru-RU" sz="3200" b="1" dirty="0"/>
-              <a:t>Видеоплееры и редакторы) ,на него приходится более 9,77 млрд </a:t>
-            </a:r>
-            <a:r>
-              <a:rPr lang="ru-RU" sz="3200" b="1" dirty="0" smtClean="0"/>
-              <a:t>скачиваний. На </a:t>
-            </a:r>
-            <a:r>
-              <a:rPr lang="ru-RU" sz="3200" b="1" dirty="0"/>
-              <a:t>третьем </a:t>
-            </a:r>
-            <a:r>
-              <a:rPr lang="ru-RU" sz="3200" b="1" dirty="0" smtClean="0"/>
-              <a:t>месте </a:t>
-            </a:r>
-            <a:r>
-              <a:rPr lang="ru-RU" sz="3200" b="1" dirty="0"/>
-              <a:t>по популярности Google Maps - Navigate &amp; Explore категории Tools(Путешествия и окрестности) ,его скачали более 9,14 млрд </a:t>
-            </a:r>
-            <a:r>
-              <a:rPr lang="ru-RU" sz="3200" b="1" dirty="0" smtClean="0"/>
-              <a:t>скачиваний</a:t>
-            </a:r>
-            <a:endParaRPr lang="ru-RU" sz="3200" b="1" dirty="0"/>
-          </a:p>
-          <a:p>
-            <a:pPr marL="0" indent="0">
-              <a:buNone/>
-            </a:pPr>
-            <a:endParaRPr lang="ru-RU" i="1" dirty="0" smtClean="0">
+              <a:rPr lang="ru-RU" sz="2400" i="1" dirty="0" smtClean="0">
+                <a:solidFill>
+                  <a:schemeClr val="tx1">
+                    <a:lumMod val="65000"/>
+                    <a:lumOff val="35000"/>
+                  </a:schemeClr>
+                </a:solidFill>
+              </a:rPr>
+              <a:t>Цель проекта: проведение анализа</a:t>
+            </a:r>
+            <a:r>
+              <a:rPr lang="en-US" sz="2400" i="1" dirty="0" smtClean="0">
+                <a:solidFill>
+                  <a:schemeClr val="tx1">
+                    <a:lumMod val="65000"/>
+                    <a:lumOff val="35000"/>
+                  </a:schemeClr>
+                </a:solidFill>
+              </a:rPr>
+              <a:t> </a:t>
+            </a:r>
+            <a:r>
+              <a:rPr lang="ru-RU" sz="2400" i="1" dirty="0" smtClean="0">
+                <a:solidFill>
+                  <a:schemeClr val="tx1">
+                    <a:lumMod val="65000"/>
+                    <a:lumOff val="35000"/>
+                  </a:schemeClr>
+                </a:solidFill>
+              </a:rPr>
+              <a:t>приложений </a:t>
+            </a:r>
+            <a:r>
+              <a:rPr lang="ru-RU" sz="2400" i="1" dirty="0">
+                <a:solidFill>
+                  <a:schemeClr val="tx1">
+                    <a:lumMod val="65000"/>
+                    <a:lumOff val="35000"/>
+                  </a:schemeClr>
+                </a:solidFill>
+              </a:rPr>
+              <a:t>Google Play </a:t>
+            </a:r>
+            <a:r>
+              <a:rPr lang="ru-RU" sz="2400" i="1" dirty="0" smtClean="0">
+                <a:solidFill>
+                  <a:schemeClr val="tx1">
+                    <a:lumMod val="65000"/>
+                    <a:lumOff val="35000"/>
+                  </a:schemeClr>
+                </a:solidFill>
+              </a:rPr>
+              <a:t>Store по популярности, стоимости, наличия отзывов и эмоциональной окраске.</a:t>
+            </a:r>
+            <a:endParaRPr lang="ru-RU" sz="2400" i="1" dirty="0">
               <a:solidFill>
                 <a:schemeClr val="tx1">
                   <a:lumMod val="65000"/>
@@ -6337,200 +5874,43 @@
             </a:endParaRPr>
           </a:p>
           <a:p>
-            <a:endParaRPr lang="ru-RU" i="1" dirty="0" smtClean="0">
-              <a:solidFill>
-                <a:schemeClr val="tx1">
-                  <a:lumMod val="65000"/>
-                  <a:lumOff val="35000"/>
-                </a:schemeClr>
-              </a:solidFill>
-            </a:endParaRPr>
+            <a:pPr marL="285750" indent="-285750">
+              <a:buClr>
+                <a:srgbClr val="009AD0"/>
+              </a:buClr>
+              <a:buFont typeface="Wingdings" panose="05000000000000000000" pitchFamily="2" charset="2"/>
+              <a:buChar char="Ø"/>
+            </a:pPr>
+            <a:r>
+              <a:rPr lang="ru-RU" sz="2400" i="1" dirty="0">
+                <a:solidFill>
+                  <a:schemeClr val="tx1">
+                    <a:lumMod val="65000"/>
+                    <a:lumOff val="35000"/>
+                  </a:schemeClr>
+                </a:solidFill>
+              </a:rPr>
+              <a:t>Ссылка на репозиторий с кодом</a:t>
+            </a:r>
           </a:p>
           <a:p>
             <a:pPr marL="0" indent="0">
-              <a:buFont typeface="Arial" panose="020B0604020202020204" pitchFamily="34" charset="0"/>
               <a:buNone/>
             </a:pPr>
-            <a:endParaRPr lang="ru-RU" dirty="0"/>
-          </a:p>
-        </p:txBody>
-      </p:sp>
-      <p:sp>
-        <p:nvSpPr>
-          <p:cNvPr id="7" name="Прямоугольник 6"/>
-          <p:cNvSpPr/>
-          <p:nvPr/>
-        </p:nvSpPr>
-        <p:spPr>
-          <a:xfrm>
-            <a:off x="6364639" y="5946881"/>
-            <a:ext cx="5827361" cy="728405"/>
-          </a:xfrm>
-          <a:prstGeom prst="rect">
-            <a:avLst/>
-          </a:prstGeom>
-        </p:spPr>
-        <p:txBody>
-          <a:bodyPr wrap="square">
-            <a:spAutoFit/>
-          </a:bodyPr>
-          <a:lstStyle/>
-          <a:p>
-            <a:r>
-              <a:rPr lang="ru-RU" sz="800" b="1" dirty="0"/>
-              <a:t>Вывод </a:t>
-            </a:r>
-            <a:r>
-              <a:rPr lang="ru-RU" sz="800" b="1" dirty="0" smtClean="0"/>
-              <a:t>:</a:t>
-            </a:r>
-            <a:endParaRPr lang="en-US" sz="800" b="1" dirty="0" smtClean="0"/>
-          </a:p>
-          <a:p>
-            <a:pPr>
-              <a:lnSpc>
-                <a:spcPts val="960"/>
-              </a:lnSpc>
-            </a:pPr>
-            <a:endParaRPr lang="ru-RU" sz="800" b="1" dirty="0"/>
-          </a:p>
-          <a:p>
-            <a:pPr>
-              <a:lnSpc>
-                <a:spcPts val="960"/>
-              </a:lnSpc>
-            </a:pPr>
-            <a:r>
-              <a:rPr lang="ru-RU" sz="800" b="1" dirty="0"/>
-              <a:t>Если сузить список приложений, которые установили более 1 миллиарда раз, средний рейтинг этих популярных приложений составит около 4.2 , что на 47% больше чем рейтинг всех приложений в Google Play Store - 2.2.Это говорит </a:t>
-            </a:r>
-            <a:r>
-              <a:rPr lang="ru-RU" sz="800" b="1" dirty="0" smtClean="0"/>
-              <a:t>о прямо пропорциональной </a:t>
-            </a:r>
-            <a:r>
-              <a:rPr lang="ru-RU" sz="800" b="1" dirty="0"/>
-              <a:t>зависимости количества скачиваний приложений и </a:t>
-            </a:r>
-            <a:r>
-              <a:rPr lang="ru-RU" sz="800" b="1" dirty="0" smtClean="0"/>
-              <a:t>рейтинга</a:t>
-            </a:r>
-            <a:endParaRPr lang="ru-RU" b="1" dirty="0"/>
-          </a:p>
-        </p:txBody>
-      </p:sp>
-      <p:sp>
-        <p:nvSpPr>
-          <p:cNvPr id="8" name="Прямоугольник 7"/>
-          <p:cNvSpPr/>
-          <p:nvPr/>
-        </p:nvSpPr>
-        <p:spPr>
-          <a:xfrm>
-            <a:off x="9535886" y="1393371"/>
-            <a:ext cx="252548" cy="4687546"/>
-          </a:xfrm>
-          <a:prstGeom prst="rect">
-            <a:avLst/>
-          </a:prstGeom>
-          <a:noFill/>
-          <a:ln w="19050">
-            <a:solidFill>
-              <a:srgbClr val="E19A0D"/>
-            </a:solidFill>
-          </a:ln>
-        </p:spPr>
-        <p:style>
-          <a:lnRef idx="2">
-            <a:schemeClr val="accent1">
-              <a:shade val="50000"/>
-            </a:schemeClr>
-          </a:lnRef>
-          <a:fillRef idx="1">
-            <a:schemeClr val="accent1"/>
-          </a:fillRef>
-          <a:effectRef idx="0">
-            <a:schemeClr val="accent1"/>
-          </a:effectRef>
-          <a:fontRef idx="minor">
-            <a:schemeClr val="lt1"/>
-          </a:fontRef>
-        </p:style>
-        <p:txBody>
-          <a:bodyPr rtlCol="0" anchor="ctr"/>
-          <a:lstStyle/>
-          <a:p>
-            <a:pPr algn="ctr"/>
-            <a:endParaRPr lang="ru-RU"/>
-          </a:p>
-        </p:txBody>
-      </p:sp>
-      <p:sp>
-        <p:nvSpPr>
-          <p:cNvPr id="11" name="Прямоугольник 10"/>
-          <p:cNvSpPr/>
-          <p:nvPr/>
-        </p:nvSpPr>
-        <p:spPr>
-          <a:xfrm>
-            <a:off x="307974" y="801856"/>
-            <a:ext cx="11737487" cy="369332"/>
-          </a:xfrm>
-          <a:prstGeom prst="rect">
-            <a:avLst/>
-          </a:prstGeom>
-        </p:spPr>
-        <p:txBody>
-          <a:bodyPr wrap="square">
-            <a:spAutoFit/>
-          </a:bodyPr>
-          <a:lstStyle/>
-          <a:p>
-            <a:pPr algn="just"/>
-            <a:r>
-              <a:rPr lang="ru-RU" sz="900" b="1" dirty="0"/>
-              <a:t>Проведенный анализ Google Play Store на 15.06.2021 показал ,что магазин включает в себя около 2 млн 312 </a:t>
-            </a:r>
-            <a:r>
-              <a:rPr lang="ru-RU" sz="900" b="1" dirty="0" smtClean="0"/>
-              <a:t>тыс. </a:t>
-            </a:r>
-            <a:r>
-              <a:rPr lang="ru-RU" sz="900" b="1" dirty="0"/>
-              <a:t>различных </a:t>
-            </a:r>
-            <a:r>
-              <a:rPr lang="ru-RU" sz="900" b="1" dirty="0" smtClean="0"/>
-              <a:t>приложений. Данные </a:t>
-            </a:r>
-            <a:r>
-              <a:rPr lang="ru-RU" sz="900" b="1" dirty="0"/>
-              <a:t>приложения </a:t>
-            </a:r>
-            <a:r>
-              <a:rPr lang="ru-RU" sz="900" b="1" dirty="0" smtClean="0"/>
-              <a:t>делятся </a:t>
-            </a:r>
-            <a:r>
-              <a:rPr lang="ru-RU" sz="900" b="1" dirty="0"/>
-              <a:t>на 48 категорий , которые включают в себя такие сферы </a:t>
-            </a:r>
-            <a:r>
-              <a:rPr lang="ru-RU" sz="900" b="1" dirty="0" smtClean="0"/>
-              <a:t>как бизнес, музыку, видео, игры, спорт, образование </a:t>
-            </a:r>
-            <a:r>
-              <a:rPr lang="ru-RU" sz="900" b="1" dirty="0"/>
-              <a:t>итд.</a:t>
-            </a:r>
+            <a:r>
+              <a:rPr lang="en-US" sz="1600" dirty="0">
+                <a:hlinkClick r:id="rId2"/>
+              </a:rPr>
+              <a:t>https://github.com/KatenokDav/data-analyst-python-course/tree/main/final%20school%20project%20DA</a:t>
+            </a:r>
+            <a:endParaRPr lang="ru-RU" sz="1600" dirty="0"/>
           </a:p>
         </p:txBody>
       </p:sp>
     </p:spTree>
     <p:extLst>
       <p:ext uri="{BB962C8B-B14F-4D97-AF65-F5344CB8AC3E}">
-        <p14:creationId xmlns:p14="http://schemas.microsoft.com/office/powerpoint/2010/main" val="3841304096"/>
+        <p14:creationId xmlns:p14="http://schemas.microsoft.com/office/powerpoint/2010/main" val="4114055005"/>
       </p:ext>
     </p:extLst>
   </p:cSld>
@@ -6540,7 +5920,7 @@
 </p:sld>
 </file>
 
-<file path=ppt/slides/slide6.xml><?xml version="1.0" encoding="utf-8"?>
+<file path=ppt/slides/slide5.xml><?xml version="1.0" encoding="utf-8"?>
 <p:sld xmlns:a="http://schemas.openxmlformats.org/drawingml/2006/main" xmlns:r="http://schemas.openxmlformats.org/officeDocument/2006/relationships" xmlns:p="http://schemas.openxmlformats.org/presentationml/2006/main">
   <p:cSld>
     <p:spTree>
@@ -6565,7 +5945,7 @@
         </p:nvSpPr>
         <p:spPr>
           <a:xfrm flipV="1">
-            <a:off x="395654" y="756137"/>
+            <a:off x="395654" y="614524"/>
             <a:ext cx="11649808" cy="45719"/>
           </a:xfrm>
           <a:prstGeom prst="flowChartProcess">
@@ -6638,8 +6018,8 @@
         </p:nvSpPr>
         <p:spPr>
           <a:xfrm>
-            <a:off x="395654" y="294472"/>
-            <a:ext cx="7127148" cy="461665"/>
+            <a:off x="395654" y="175719"/>
+            <a:ext cx="4009292" cy="461665"/>
           </a:xfrm>
           <a:prstGeom prst="rect">
             <a:avLst/>
@@ -6666,7 +6046,7 @@
                   </a:outerShdw>
                 </a:effectLst>
               </a:rPr>
-              <a:t>Модель данных. Анализ стоимости приложений</a:t>
+              <a:t>Этапы реализации проекта</a:t>
             </a:r>
             <a:endParaRPr lang="ru-RU" sz="2400" dirty="0">
               <a:ln w="0"/>
@@ -6684,392 +6064,254 @@
           </a:p>
         </p:txBody>
       </p:sp>
-      <p:pic>
-        <p:nvPicPr>
-          <p:cNvPr id="2050" name="Picture 2"/>
-          <p:cNvPicPr>
-            <a:picLocks noChangeAspect="1" noChangeArrowheads="1"/>
-          </p:cNvPicPr>
-          <p:nvPr/>
-        </p:nvPicPr>
-        <p:blipFill>
-          <a:blip r:embed="rId2">
-            <a:extLst>
-              <a:ext uri="{BEBA8EAE-BF5A-486C-A8C5-ECC9F3942E4B}">
-                <a14:imgProps xmlns:a14="http://schemas.microsoft.com/office/drawing/2010/main">
-                  <a14:imgLayer r:embed="rId3">
-                    <a14:imgEffect>
-                      <a14:sharpenSoften amount="25000"/>
-                    </a14:imgEffect>
-                  </a14:imgLayer>
-                </a14:imgProps>
-              </a:ext>
-              <a:ext uri="{28A0092B-C50C-407E-A947-70E740481C1C}">
-                <a14:useLocalDpi xmlns:a14="http://schemas.microsoft.com/office/drawing/2010/main" val="0"/>
-              </a:ext>
-            </a:extLst>
-          </a:blip>
-          <a:srcRect/>
-          <a:stretch>
-            <a:fillRect/>
-          </a:stretch>
-        </p:blipFill>
-        <p:spPr bwMode="auto">
-          <a:xfrm>
-            <a:off x="248264" y="801856"/>
-            <a:ext cx="4012663" cy="2973347"/>
-          </a:xfrm>
-          <a:prstGeom prst="rect">
-            <a:avLst/>
-          </a:prstGeom>
-          <a:noFill/>
-          <a:ln>
-            <a:noFill/>
-          </a:ln>
-          <a:effectLst/>
-          <a:extLst>
-            <a:ext uri="{909E8E84-426E-40DD-AFC4-6F175D3DCCD1}">
-              <a14:hiddenFill xmlns:a14="http://schemas.microsoft.com/office/drawing/2010/main">
-                <a:solidFill>
-                  <a:schemeClr val="accent1"/>
-                </a:solidFill>
-              </a14:hiddenFill>
-            </a:ext>
-            <a:ext uri="{91240B29-F687-4F45-9708-019B960494DF}">
-              <a14:hiddenLine xmlns:a14="http://schemas.microsoft.com/office/drawing/2010/main" w="9525">
-                <a:solidFill>
-                  <a:schemeClr val="tx1"/>
-                </a:solidFill>
-                <a:miter lim="800000"/>
-                <a:headEnd/>
-                <a:tailEnd/>
-              </a14:hiddenLine>
-            </a:ext>
-            <a:ext uri="{AF507438-7753-43E0-B8FC-AC1667EBCBE1}">
-              <a14:hiddenEffects xmlns:a14="http://schemas.microsoft.com/office/drawing/2010/main">
-                <a:effectLst>
-                  <a:outerShdw dist="35921" dir="2700000" algn="ctr" rotWithShape="0">
-                    <a:schemeClr val="bg2"/>
-                  </a:outerShdw>
-                </a:effectLst>
-              </a14:hiddenEffects>
-            </a:ext>
-          </a:extLst>
-        </p:spPr>
-      </p:pic>
-      <p:pic>
-        <p:nvPicPr>
-          <p:cNvPr id="2053" name="Picture 5"/>
-          <p:cNvPicPr>
-            <a:picLocks noChangeAspect="1" noChangeArrowheads="1"/>
-          </p:cNvPicPr>
-          <p:nvPr/>
-        </p:nvPicPr>
-        <p:blipFill>
-          <a:blip r:embed="rId4">
-            <a:extLst>
-              <a:ext uri="{BEBA8EAE-BF5A-486C-A8C5-ECC9F3942E4B}">
-                <a14:imgProps xmlns:a14="http://schemas.microsoft.com/office/drawing/2010/main">
-                  <a14:imgLayer r:embed="rId5">
-                    <a14:imgEffect>
-                      <a14:sharpenSoften amount="25000"/>
-                    </a14:imgEffect>
-                  </a14:imgLayer>
-                </a14:imgProps>
-              </a:ext>
-              <a:ext uri="{28A0092B-C50C-407E-A947-70E740481C1C}">
-                <a14:useLocalDpi xmlns:a14="http://schemas.microsoft.com/office/drawing/2010/main" val="0"/>
-              </a:ext>
-            </a:extLst>
-          </a:blip>
-          <a:srcRect/>
-          <a:stretch>
-            <a:fillRect/>
-          </a:stretch>
-        </p:blipFill>
-        <p:spPr bwMode="auto">
-          <a:xfrm>
-            <a:off x="0" y="3712105"/>
-            <a:ext cx="4693920" cy="3145895"/>
-          </a:xfrm>
-          <a:prstGeom prst="rect">
-            <a:avLst/>
-          </a:prstGeom>
-          <a:noFill/>
-          <a:ln w="9525">
-            <a:noFill/>
-            <a:miter lim="800000"/>
-            <a:headEnd/>
-            <a:tailEnd/>
-          </a:ln>
-          <a:effectLst/>
-          <a:extLst>
-            <a:ext uri="{909E8E84-426E-40DD-AFC4-6F175D3DCCD1}">
-              <a14:hiddenFill xmlns:a14="http://schemas.microsoft.com/office/drawing/2010/main">
-                <a:solidFill>
-                  <a:schemeClr val="accent1"/>
-                </a:solidFill>
-              </a14:hiddenFill>
-            </a:ext>
-            <a:ext uri="{AF507438-7753-43E0-B8FC-AC1667EBCBE1}">
-              <a14:hiddenEffects xmlns:a14="http://schemas.microsoft.com/office/drawing/2010/main">
-                <a:effectLst>
-                  <a:outerShdw dist="35921" dir="2700000" algn="ctr" rotWithShape="0">
-                    <a:schemeClr val="bg2"/>
-                  </a:outerShdw>
-                </a:effectLst>
-              </a14:hiddenEffects>
-            </a:ext>
-          </a:extLst>
-        </p:spPr>
-      </p:pic>
-      <p:sp>
-        <p:nvSpPr>
-          <p:cNvPr id="3" name="Прямоугольник 2"/>
-          <p:cNvSpPr/>
-          <p:nvPr/>
+      <p:sp>
+        <p:nvSpPr>
+          <p:cNvPr id="7" name="Объект 2"/>
+          <p:cNvSpPr>
+            <a:spLocks noGrp="1"/>
+          </p:cNvSpPr>
+          <p:nvPr>
+            <p:ph idx="1"/>
+          </p:nvPr>
         </p:nvSpPr>
         <p:spPr>
           <a:xfrm>
-            <a:off x="4946383" y="4632787"/>
-            <a:ext cx="7165800" cy="1546577"/>
+            <a:off x="271724" y="614525"/>
+            <a:ext cx="11648552" cy="1843667"/>
           </a:xfrm>
-          <a:prstGeom prst="rect">
-            <a:avLst/>
-          </a:prstGeom>
         </p:spPr>
         <p:txBody>
-          <a:bodyPr wrap="square">
-            <a:spAutoFit/>
+          <a:bodyPr>
+            <a:normAutofit fontScale="85000" lnSpcReduction="20000"/>
           </a:bodyPr>
           <a:lstStyle/>
           <a:p>
-            <a:r>
-              <a:rPr lang="ru-RU" sz="1050" b="1" dirty="0"/>
-              <a:t>Вывод :</a:t>
-            </a:r>
-          </a:p>
-          <a:p>
-            <a:r>
-              <a:rPr lang="ru-RU" sz="1050" b="1" dirty="0"/>
-              <a:t>Приложения в Google Play Store делятся на платные и бесплатные . Доля бесплатных приложений составляет - 98,05%,платных -1,95%.</a:t>
-            </a:r>
-          </a:p>
-          <a:p>
-            <a:r>
-              <a:rPr lang="ru-RU" sz="1050" b="1" dirty="0"/>
-              <a:t>Самое дорогое приложение в Google Play Store называется MESH Connect</a:t>
-            </a:r>
-            <a:r>
-              <a:rPr lang="ru-RU" sz="1050" b="1" dirty="0" smtClean="0"/>
-              <a:t>, категории </a:t>
-            </a:r>
-            <a:r>
-              <a:rPr lang="ru-RU" sz="1050" b="1" dirty="0"/>
-              <a:t>Productivity (Продуктивность) его стоимость составляет </a:t>
-            </a:r>
-            <a:r>
-              <a:rPr lang="ru-RU" sz="1050" b="1" dirty="0" smtClean="0"/>
-              <a:t> 400 </a:t>
-            </a:r>
-            <a:r>
-              <a:rPr lang="ru-RU" sz="1050" b="1" dirty="0"/>
-              <a:t>долларов</a:t>
-            </a:r>
-            <a:r>
-              <a:rPr lang="ru-RU" sz="1050" b="1" dirty="0" smtClean="0"/>
-              <a:t>. </a:t>
-            </a:r>
-            <a:r>
-              <a:rPr lang="ru-RU" sz="1050" b="1" dirty="0"/>
-              <a:t>За ним следуют 22 приложения с ценой </a:t>
-            </a:r>
-            <a:r>
-              <a:rPr lang="ru-RU" sz="1050" b="1" dirty="0" smtClean="0"/>
-              <a:t> 399.99 </a:t>
-            </a:r>
-            <a:r>
-              <a:rPr lang="ru-RU" sz="1050" b="1" dirty="0"/>
-              <a:t>долларов</a:t>
-            </a:r>
-            <a:r>
-              <a:rPr lang="ru-RU" sz="1050" b="1" dirty="0" smtClean="0"/>
-              <a:t>.</a:t>
-            </a:r>
-          </a:p>
-          <a:p>
-            <a:r>
-              <a:rPr lang="ru-RU" sz="1050" b="1" dirty="0" smtClean="0"/>
-              <a:t>Приложение </a:t>
-            </a:r>
-            <a:r>
-              <a:rPr lang="ru-RU" sz="1050" b="1" dirty="0"/>
-              <a:t>с самой низкой ценой стоит 0.19 долларов</a:t>
-            </a:r>
-            <a:r>
-              <a:rPr lang="ru-RU" sz="1050" b="1" dirty="0" smtClean="0"/>
-              <a:t>. Средняя </a:t>
-            </a:r>
-            <a:r>
-              <a:rPr lang="ru-RU" sz="1050" b="1" dirty="0"/>
-              <a:t>цена приложений составляет 5,32 доллара.</a:t>
-            </a:r>
-          </a:p>
-          <a:p>
-            <a:r>
-              <a:rPr lang="ru-RU" sz="1050" b="1" dirty="0"/>
-              <a:t>Самый высокий рейтинг имеют приложения стоимость которых составляет от 0 до 50 долларов</a:t>
-            </a:r>
-            <a:r>
-              <a:rPr lang="ru-RU" sz="1050" b="1" dirty="0" smtClean="0"/>
-              <a:t>. Так </a:t>
-            </a:r>
-            <a:r>
-              <a:rPr lang="ru-RU" sz="1050" b="1" dirty="0"/>
-              <a:t>же хочется отметить ,что большая часть самых дорогие приложения имеют рейтинг от 3,5 до 5 ,что говорит о том что покупатели данных приложений остались довольными покупкой</a:t>
-            </a:r>
-          </a:p>
-        </p:txBody>
-      </p:sp>
-      <p:pic>
-        <p:nvPicPr>
-          <p:cNvPr id="2052" name="Picture 4"/>
-          <p:cNvPicPr>
-            <a:picLocks noChangeAspect="1" noChangeArrowheads="1"/>
-          </p:cNvPicPr>
-          <p:nvPr/>
-        </p:nvPicPr>
-        <p:blipFill rotWithShape="1">
-          <a:blip r:embed="rId6">
-            <a:extLst>
-              <a:ext uri="{BEBA8EAE-BF5A-486C-A8C5-ECC9F3942E4B}">
-                <a14:imgProps xmlns:a14="http://schemas.microsoft.com/office/drawing/2010/main">
-                  <a14:imgLayer r:embed="rId7">
-                    <a14:imgEffect>
-                      <a14:sharpenSoften amount="25000"/>
-                    </a14:imgEffect>
-                  </a14:imgLayer>
-                </a14:imgProps>
-              </a:ext>
-              <a:ext uri="{28A0092B-C50C-407E-A947-70E740481C1C}">
-                <a14:useLocalDpi xmlns:a14="http://schemas.microsoft.com/office/drawing/2010/main" val="0"/>
-              </a:ext>
-            </a:extLst>
-          </a:blip>
-          <a:srcRect r="2303"/>
-          <a:stretch/>
-        </p:blipFill>
-        <p:spPr bwMode="auto">
-          <a:xfrm>
-            <a:off x="8136769" y="821528"/>
-            <a:ext cx="3973033" cy="3635733"/>
-          </a:xfrm>
-          <a:prstGeom prst="rect">
-            <a:avLst/>
-          </a:prstGeom>
-          <a:noFill/>
-          <a:ln>
-            <a:noFill/>
-          </a:ln>
-          <a:effectLst/>
-          <a:extLst>
-            <a:ext uri="{909E8E84-426E-40DD-AFC4-6F175D3DCCD1}">
-              <a14:hiddenFill xmlns:a14="http://schemas.microsoft.com/office/drawing/2010/main">
-                <a:solidFill>
-                  <a:schemeClr val="accent1"/>
-                </a:solidFill>
-              </a14:hiddenFill>
-            </a:ext>
-            <a:ext uri="{91240B29-F687-4F45-9708-019B960494DF}">
-              <a14:hiddenLine xmlns:a14="http://schemas.microsoft.com/office/drawing/2010/main" w="9525">
-                <a:solidFill>
-                  <a:schemeClr val="tx1"/>
-                </a:solidFill>
-                <a:miter lim="800000"/>
-                <a:headEnd/>
-                <a:tailEnd/>
-              </a14:hiddenLine>
-            </a:ext>
-            <a:ext uri="{AF507438-7753-43E0-B8FC-AC1667EBCBE1}">
-              <a14:hiddenEffects xmlns:a14="http://schemas.microsoft.com/office/drawing/2010/main">
-                <a:effectLst>
-                  <a:outerShdw dist="35921" dir="2700000" algn="ctr" rotWithShape="0">
-                    <a:schemeClr val="bg2"/>
-                  </a:outerShdw>
-                </a:effectLst>
-              </a14:hiddenEffects>
-            </a:ext>
-          </a:extLst>
-        </p:spPr>
-      </p:pic>
-      <p:pic>
-        <p:nvPicPr>
-          <p:cNvPr id="2" name="Picture 2"/>
-          <p:cNvPicPr>
-            <a:picLocks noChangeAspect="1" noChangeArrowheads="1"/>
-          </p:cNvPicPr>
-          <p:nvPr/>
-        </p:nvPicPr>
-        <p:blipFill>
-          <a:blip r:embed="rId8">
-            <a:extLst>
-              <a:ext uri="{28A0092B-C50C-407E-A947-70E740481C1C}">
-                <a14:useLocalDpi xmlns:a14="http://schemas.microsoft.com/office/drawing/2010/main" val="0"/>
-              </a:ext>
-            </a:extLst>
-          </a:blip>
-          <a:srcRect/>
-          <a:stretch>
-            <a:fillRect/>
-          </a:stretch>
-        </p:blipFill>
-        <p:spPr bwMode="auto">
-          <a:xfrm>
-            <a:off x="3625694" y="833756"/>
-            <a:ext cx="4678208" cy="3635732"/>
-          </a:xfrm>
-          <a:prstGeom prst="rect">
-            <a:avLst/>
-          </a:prstGeom>
-          <a:noFill/>
-          <a:ln>
-            <a:noFill/>
-          </a:ln>
-          <a:effectLst/>
-          <a:extLst>
-            <a:ext uri="{909E8E84-426E-40DD-AFC4-6F175D3DCCD1}">
-              <a14:hiddenFill xmlns:a14="http://schemas.microsoft.com/office/drawing/2010/main">
-                <a:solidFill>
-                  <a:schemeClr val="accent1"/>
-                </a:solidFill>
-              </a14:hiddenFill>
-            </a:ext>
-            <a:ext uri="{91240B29-F687-4F45-9708-019B960494DF}">
-              <a14:hiddenLine xmlns:a14="http://schemas.microsoft.com/office/drawing/2010/main" w="9525">
-                <a:solidFill>
-                  <a:schemeClr val="tx1"/>
-                </a:solidFill>
-                <a:miter lim="800000"/>
-                <a:headEnd/>
-                <a:tailEnd/>
-              </a14:hiddenLine>
-            </a:ext>
-            <a:ext uri="{AF507438-7753-43E0-B8FC-AC1667EBCBE1}">
-              <a14:hiddenEffects xmlns:a14="http://schemas.microsoft.com/office/drawing/2010/main">
-                <a:effectLst>
-                  <a:outerShdw dist="35921" dir="2700000" algn="ctr" rotWithShape="0">
-                    <a:schemeClr val="bg2"/>
-                  </a:outerShdw>
-                </a:effectLst>
-              </a14:hiddenEffects>
-            </a:ext>
-          </a:extLst>
-        </p:spPr>
-      </p:pic>
+            <a:pPr marL="0" indent="0">
+              <a:buNone/>
+            </a:pPr>
+            <a:endParaRPr lang="ru-RU" sz="1800" i="1" dirty="0" smtClean="0">
+              <a:solidFill>
+                <a:schemeClr val="tx1">
+                  <a:lumMod val="65000"/>
+                  <a:lumOff val="35000"/>
+                </a:schemeClr>
+              </a:solidFill>
+            </a:endParaRPr>
+          </a:p>
+          <a:p>
+            <a:pPr marL="285750" indent="-285750">
+              <a:buClr>
+                <a:srgbClr val="009AD0"/>
+              </a:buClr>
+              <a:buFont typeface="Wingdings" panose="05000000000000000000" pitchFamily="2" charset="2"/>
+              <a:buChar char="Ø"/>
+            </a:pPr>
+            <a:r>
+              <a:rPr lang="ru-RU" i="1" dirty="0" smtClean="0">
+                <a:solidFill>
+                  <a:schemeClr val="tx1">
+                    <a:lumMod val="65000"/>
+                    <a:lumOff val="35000"/>
+                  </a:schemeClr>
+                </a:solidFill>
+              </a:rPr>
+              <a:t>Обработка </a:t>
+            </a:r>
+            <a:r>
+              <a:rPr lang="ru-RU" i="1" dirty="0">
+                <a:solidFill>
+                  <a:schemeClr val="tx1">
+                    <a:lumMod val="65000"/>
+                    <a:lumOff val="35000"/>
+                  </a:schemeClr>
+                </a:solidFill>
+              </a:rPr>
+              <a:t>имеющихся данных: </a:t>
+            </a:r>
+            <a:r>
+              <a:rPr lang="ru-RU" i="1" dirty="0" smtClean="0">
+                <a:solidFill>
+                  <a:schemeClr val="tx1">
+                    <a:lumMod val="65000"/>
+                    <a:lumOff val="35000"/>
+                  </a:schemeClr>
+                </a:solidFill>
+              </a:rPr>
+              <a:t>ознакомление, чистка,  форматирование</a:t>
+            </a:r>
+          </a:p>
+          <a:p>
+            <a:pPr marL="285750" indent="-285750">
+              <a:buClr>
+                <a:srgbClr val="009AD0"/>
+              </a:buClr>
+              <a:buFont typeface="Wingdings" panose="05000000000000000000" pitchFamily="2" charset="2"/>
+              <a:buChar char="Ø"/>
+            </a:pPr>
+            <a:r>
+              <a:rPr lang="ru-RU" i="1" dirty="0" smtClean="0">
+                <a:solidFill>
+                  <a:schemeClr val="tx1">
+                    <a:lumMod val="65000"/>
+                    <a:lumOff val="35000"/>
+                  </a:schemeClr>
+                </a:solidFill>
+              </a:rPr>
+              <a:t>Формирование данных для анализа </a:t>
+            </a:r>
+          </a:p>
+          <a:p>
+            <a:pPr marL="285750" indent="-285750">
+              <a:buClr>
+                <a:srgbClr val="009AD0"/>
+              </a:buClr>
+              <a:buFont typeface="Wingdings" panose="05000000000000000000" pitchFamily="2" charset="2"/>
+              <a:buChar char="Ø"/>
+            </a:pPr>
+            <a:r>
+              <a:rPr lang="ru-RU" i="1" dirty="0" smtClean="0">
+                <a:solidFill>
+                  <a:schemeClr val="tx1">
+                    <a:lumMod val="65000"/>
+                    <a:lumOff val="35000"/>
+                  </a:schemeClr>
+                </a:solidFill>
+              </a:rPr>
+              <a:t>Анализ данных, построение графиков, написание выводов</a:t>
+            </a:r>
+          </a:p>
+          <a:p>
+            <a:pPr marL="285750" indent="-285750">
+              <a:buClr>
+                <a:srgbClr val="009AD0"/>
+              </a:buClr>
+              <a:buFont typeface="Wingdings" panose="05000000000000000000" pitchFamily="2" charset="2"/>
+              <a:buChar char="Ø"/>
+            </a:pPr>
+            <a:r>
+              <a:rPr lang="ru-RU" i="1" dirty="0" smtClean="0">
+                <a:solidFill>
+                  <a:schemeClr val="tx1">
+                    <a:lumMod val="65000"/>
+                    <a:lumOff val="35000"/>
+                  </a:schemeClr>
+                </a:solidFill>
+              </a:rPr>
+              <a:t>Проведение </a:t>
+            </a:r>
+            <a:r>
+              <a:rPr lang="en-US" i="1" dirty="0">
+                <a:solidFill>
+                  <a:schemeClr val="tx1">
+                    <a:lumMod val="65000"/>
+                    <a:lumOff val="35000"/>
+                  </a:schemeClr>
+                </a:solidFill>
+              </a:rPr>
+              <a:t>Sentiment </a:t>
+            </a:r>
+            <a:r>
+              <a:rPr lang="en-US" i="1" dirty="0" smtClean="0">
+                <a:solidFill>
+                  <a:schemeClr val="tx1">
+                    <a:lumMod val="65000"/>
+                    <a:lumOff val="35000"/>
+                  </a:schemeClr>
+                </a:solidFill>
+              </a:rPr>
+              <a:t>Analysis</a:t>
+            </a:r>
+            <a:r>
+              <a:rPr lang="ru-RU" i="1" dirty="0" smtClean="0">
+                <a:solidFill>
+                  <a:schemeClr val="tx1">
+                    <a:lumMod val="65000"/>
+                    <a:lumOff val="35000"/>
+                  </a:schemeClr>
+                </a:solidFill>
+              </a:rPr>
+              <a:t> эмоциональной окраски отзывов </a:t>
+            </a:r>
+          </a:p>
+          <a:p>
+            <a:pPr marL="285750" indent="-285750">
+              <a:buClr>
+                <a:srgbClr val="009AD0"/>
+              </a:buClr>
+              <a:buFont typeface="Wingdings" panose="05000000000000000000" pitchFamily="2" charset="2"/>
+              <a:buChar char="Ø"/>
+            </a:pPr>
+            <a:endParaRPr lang="ru-RU" sz="3100" i="1" dirty="0" smtClean="0">
+              <a:solidFill>
+                <a:schemeClr val="tx1">
+                  <a:lumMod val="65000"/>
+                  <a:lumOff val="35000"/>
+                </a:schemeClr>
+              </a:solidFill>
+            </a:endParaRPr>
+          </a:p>
+          <a:p>
+            <a:pPr marL="0" indent="0">
+              <a:buClr>
+                <a:srgbClr val="009AD0"/>
+              </a:buClr>
+              <a:buNone/>
+            </a:pPr>
+            <a:endParaRPr lang="ru-RU" sz="1800" i="1" dirty="0">
+              <a:solidFill>
+                <a:schemeClr val="tx1">
+                  <a:lumMod val="65000"/>
+                  <a:lumOff val="35000"/>
+                </a:schemeClr>
+              </a:solidFill>
+            </a:endParaRPr>
+          </a:p>
+          <a:p>
+            <a:pPr marL="285750" indent="-285750">
+              <a:buClr>
+                <a:srgbClr val="009AD0"/>
+              </a:buClr>
+              <a:buFont typeface="Wingdings" panose="05000000000000000000" pitchFamily="2" charset="2"/>
+              <a:buChar char="Ø"/>
+            </a:pPr>
+            <a:endParaRPr lang="ru-RU" sz="1800" i="1" dirty="0">
+              <a:solidFill>
+                <a:schemeClr val="tx1">
+                  <a:lumMod val="65000"/>
+                  <a:lumOff val="35000"/>
+                </a:schemeClr>
+              </a:solidFill>
+            </a:endParaRPr>
+          </a:p>
+          <a:p>
+            <a:pPr marL="285750" indent="-285750">
+              <a:buClr>
+                <a:srgbClr val="009AD0"/>
+              </a:buClr>
+              <a:buFont typeface="Wingdings" panose="05000000000000000000" pitchFamily="2" charset="2"/>
+              <a:buChar char="Ø"/>
+            </a:pPr>
+            <a:endParaRPr lang="ru-RU" sz="1800" i="1" dirty="0" smtClean="0">
+              <a:solidFill>
+                <a:schemeClr val="tx1">
+                  <a:lumMod val="65000"/>
+                  <a:lumOff val="35000"/>
+                </a:schemeClr>
+              </a:solidFill>
+            </a:endParaRPr>
+          </a:p>
+          <a:p>
+            <a:pPr marL="0" indent="0">
+              <a:buNone/>
+            </a:pPr>
+            <a:endParaRPr lang="ru-RU" sz="1200" dirty="0"/>
+          </a:p>
+        </p:txBody>
+      </p:sp>
     </p:spTree>
     <p:extLst>
       <p:ext uri="{BB962C8B-B14F-4D97-AF65-F5344CB8AC3E}">
-        <p14:creationId xmlns:p14="http://schemas.microsoft.com/office/powerpoint/2010/main" val="620399142"/>
+        <p14:creationId xmlns:p14="http://schemas.microsoft.com/office/powerpoint/2010/main" val="3101402324"/>
       </p:ext>
     </p:extLst>
   </p:cSld>
@@ -7079,7 +6321,7 @@
 </p:sld>
 </file>
 
-<file path=ppt/slides/slide7.xml><?xml version="1.0" encoding="utf-8"?>
+<file path=ppt/slides/slide6.xml><?xml version="1.0" encoding="utf-8"?>
 <p:sld xmlns:a="http://schemas.openxmlformats.org/drawingml/2006/main" xmlns:r="http://schemas.openxmlformats.org/officeDocument/2006/relationships" xmlns:p="http://schemas.openxmlformats.org/presentationml/2006/main">
   <p:cSld>
     <p:spTree>
@@ -7104,7 +6346,7 @@
         </p:nvSpPr>
         <p:spPr>
           <a:xfrm flipV="1">
-            <a:off x="395654" y="756137"/>
+            <a:off x="395654" y="567915"/>
             <a:ext cx="11649808" cy="45719"/>
           </a:xfrm>
           <a:prstGeom prst="flowChartProcess">
@@ -7177,8 +6419,8 @@
         </p:nvSpPr>
         <p:spPr>
           <a:xfrm>
-            <a:off x="395653" y="294472"/>
-            <a:ext cx="6301237" cy="461665"/>
+            <a:off x="395654" y="151969"/>
+            <a:ext cx="4009292" cy="461665"/>
           </a:xfrm>
           <a:prstGeom prst="rect">
             <a:avLst/>
@@ -7205,7 +6447,7 @@
                   </a:outerShdw>
                 </a:effectLst>
               </a:rPr>
-              <a:t>Модель данных. Анализ отзывов приложений </a:t>
+              <a:t>Результаты анализа данных</a:t>
             </a:r>
             <a:endParaRPr lang="ru-RU" sz="2400" dirty="0">
               <a:ln w="0"/>
@@ -7223,318 +6465,794 @@
           </a:p>
         </p:txBody>
       </p:sp>
-      <p:pic>
-        <p:nvPicPr>
-          <p:cNvPr id="3074" name="Picture 2"/>
-          <p:cNvPicPr>
-            <a:picLocks noChangeAspect="1" noChangeArrowheads="1"/>
-          </p:cNvPicPr>
-          <p:nvPr/>
-        </p:nvPicPr>
-        <p:blipFill>
-          <a:blip r:embed="rId2">
-            <a:extLst>
-              <a:ext uri="{BEBA8EAE-BF5A-486C-A8C5-ECC9F3942E4B}">
-                <a14:imgProps xmlns:a14="http://schemas.microsoft.com/office/drawing/2010/main">
-                  <a14:imgLayer r:embed="rId3">
-                    <a14:imgEffect>
-                      <a14:sharpenSoften amount="25000"/>
-                    </a14:imgEffect>
-                  </a14:imgLayer>
-                </a14:imgProps>
-              </a:ext>
-              <a:ext uri="{28A0092B-C50C-407E-A947-70E740481C1C}">
-                <a14:useLocalDpi xmlns:a14="http://schemas.microsoft.com/office/drawing/2010/main" val="0"/>
-              </a:ext>
-            </a:extLst>
-          </a:blip>
-          <a:srcRect/>
-          <a:stretch>
-            <a:fillRect/>
-          </a:stretch>
-        </p:blipFill>
-        <p:spPr bwMode="auto">
-          <a:xfrm>
-            <a:off x="587341" y="945860"/>
-            <a:ext cx="5356560" cy="3828604"/>
-          </a:xfrm>
-          <a:prstGeom prst="rect">
-            <a:avLst/>
-          </a:prstGeom>
-          <a:noFill/>
-          <a:ln>
-            <a:noFill/>
-          </a:ln>
-          <a:effectLst/>
-          <a:extLst>
-            <a:ext uri="{909E8E84-426E-40DD-AFC4-6F175D3DCCD1}">
-              <a14:hiddenFill xmlns:a14="http://schemas.microsoft.com/office/drawing/2010/main">
-                <a:solidFill>
-                  <a:schemeClr val="accent1"/>
-                </a:solidFill>
-              </a14:hiddenFill>
-            </a:ext>
-            <a:ext uri="{91240B29-F687-4F45-9708-019B960494DF}">
-              <a14:hiddenLine xmlns:a14="http://schemas.microsoft.com/office/drawing/2010/main" w="9525">
-                <a:solidFill>
-                  <a:schemeClr val="tx1"/>
-                </a:solidFill>
-                <a:miter lim="800000"/>
-                <a:headEnd/>
-                <a:tailEnd/>
-              </a14:hiddenLine>
-            </a:ext>
-            <a:ext uri="{AF507438-7753-43E0-B8FC-AC1667EBCBE1}">
-              <a14:hiddenEffects xmlns:a14="http://schemas.microsoft.com/office/drawing/2010/main">
-                <a:effectLst>
-                  <a:outerShdw dist="35921" dir="2700000" algn="ctr" rotWithShape="0">
-                    <a:schemeClr val="bg2"/>
-                  </a:outerShdw>
-                </a:effectLst>
-              </a14:hiddenEffects>
-            </a:ext>
-          </a:extLst>
-        </p:spPr>
-      </p:pic>
-      <p:pic>
-        <p:nvPicPr>
-          <p:cNvPr id="3075" name="Picture 3"/>
-          <p:cNvPicPr>
-            <a:picLocks noChangeAspect="1" noChangeArrowheads="1"/>
-          </p:cNvPicPr>
-          <p:nvPr/>
-        </p:nvPicPr>
-        <p:blipFill rotWithShape="1">
-          <a:blip r:embed="rId4">
-            <a:extLst>
-              <a:ext uri="{BEBA8EAE-BF5A-486C-A8C5-ECC9F3942E4B}">
-                <a14:imgProps xmlns:a14="http://schemas.microsoft.com/office/drawing/2010/main">
-                  <a14:imgLayer r:embed="rId5">
-                    <a14:imgEffect>
-                      <a14:sharpenSoften amount="25000"/>
-                    </a14:imgEffect>
-                  </a14:imgLayer>
-                </a14:imgProps>
-              </a:ext>
-              <a:ext uri="{28A0092B-C50C-407E-A947-70E740481C1C}">
-                <a14:useLocalDpi xmlns:a14="http://schemas.microsoft.com/office/drawing/2010/main" val="0"/>
-              </a:ext>
-            </a:extLst>
-          </a:blip>
-          <a:srcRect t="2241" b="3712"/>
-          <a:stretch/>
-        </p:blipFill>
-        <p:spPr bwMode="auto">
-          <a:xfrm>
-            <a:off x="5564700" y="1199999"/>
-            <a:ext cx="6563939" cy="5625737"/>
-          </a:xfrm>
-          <a:prstGeom prst="rect">
-            <a:avLst/>
-          </a:prstGeom>
-          <a:noFill/>
-          <a:ln>
-            <a:noFill/>
-          </a:ln>
-          <a:effectLst/>
-          <a:extLst>
-            <a:ext uri="{909E8E84-426E-40DD-AFC4-6F175D3DCCD1}">
-              <a14:hiddenFill xmlns:a14="http://schemas.microsoft.com/office/drawing/2010/main">
-                <a:solidFill>
-                  <a:schemeClr val="accent1"/>
-                </a:solidFill>
-              </a14:hiddenFill>
-            </a:ext>
-            <a:ext uri="{91240B29-F687-4F45-9708-019B960494DF}">
-              <a14:hiddenLine xmlns:a14="http://schemas.microsoft.com/office/drawing/2010/main" w="9525">
-                <a:solidFill>
-                  <a:schemeClr val="tx1"/>
-                </a:solidFill>
-                <a:miter lim="800000"/>
-                <a:headEnd/>
-                <a:tailEnd/>
-              </a14:hiddenLine>
-            </a:ext>
-            <a:ext uri="{AF507438-7753-43E0-B8FC-AC1667EBCBE1}">
-              <a14:hiddenEffects xmlns:a14="http://schemas.microsoft.com/office/drawing/2010/main">
-                <a:effectLst>
-                  <a:outerShdw dist="35921" dir="2700000" algn="ctr" rotWithShape="0">
-                    <a:schemeClr val="bg2"/>
-                  </a:outerShdw>
-                </a:effectLst>
-              </a14:hiddenEffects>
-            </a:ext>
-          </a:extLst>
-        </p:spPr>
-      </p:pic>
-      <p:sp>
-        <p:nvSpPr>
-          <p:cNvPr id="2" name="Прямоугольник 1"/>
-          <p:cNvSpPr/>
-          <p:nvPr/>
+      <p:sp>
+        <p:nvSpPr>
+          <p:cNvPr id="7" name="Объект 2"/>
+          <p:cNvSpPr>
+            <a:spLocks noGrp="1"/>
+          </p:cNvSpPr>
+          <p:nvPr>
+            <p:ph idx="1"/>
+          </p:nvPr>
         </p:nvSpPr>
         <p:spPr>
           <a:xfrm>
-            <a:off x="7424358" y="786697"/>
-            <a:ext cx="3679071" cy="276999"/>
+            <a:off x="395654" y="724394"/>
+            <a:ext cx="11676185" cy="6008915"/>
           </a:xfrm>
-          <a:prstGeom prst="rect">
-            <a:avLst/>
-          </a:prstGeom>
         </p:spPr>
         <p:txBody>
-          <a:bodyPr wrap="square">
-            <a:spAutoFit/>
+          <a:bodyPr>
+            <a:normAutofit fontScale="62500" lnSpcReduction="20000"/>
           </a:bodyPr>
           <a:lstStyle/>
           <a:p>
-            <a:r>
-              <a:rPr lang="ru-RU" sz="1200" b="1" dirty="0" smtClean="0"/>
-              <a:t>Категории приложений </a:t>
-            </a:r>
-            <a:r>
-              <a:rPr lang="ru-RU" sz="1200" b="1" dirty="0"/>
-              <a:t>без </a:t>
-            </a:r>
-            <a:r>
-              <a:rPr lang="ru-RU" sz="1200" b="1" dirty="0" smtClean="0"/>
-              <a:t>отзывов/ с отзывами</a:t>
-            </a:r>
-            <a:endParaRPr lang="ru-RU" sz="1200" b="1" dirty="0"/>
-          </a:p>
-        </p:txBody>
-      </p:sp>
-      <p:sp>
-        <p:nvSpPr>
-          <p:cNvPr id="3" name="Прямоугольник 2"/>
-          <p:cNvSpPr/>
-          <p:nvPr/>
-        </p:nvSpPr>
-        <p:spPr>
-          <a:xfrm>
-            <a:off x="124558" y="5146178"/>
-            <a:ext cx="6006276" cy="1546577"/>
-          </a:xfrm>
-          <a:prstGeom prst="rect">
-            <a:avLst/>
-          </a:prstGeom>
-        </p:spPr>
-        <p:txBody>
-          <a:bodyPr wrap="square">
-            <a:spAutoFit/>
-          </a:bodyPr>
-          <a:lstStyle/>
-          <a:p>
-            <a:r>
-              <a:rPr lang="ru-RU" sz="1050" b="1" dirty="0"/>
-              <a:t>Вывод :</a:t>
-            </a:r>
-          </a:p>
-          <a:p>
-            <a:r>
-              <a:rPr lang="ru-RU" sz="1050" b="1" dirty="0"/>
-              <a:t>В Google Play Store приложения </a:t>
-            </a:r>
-            <a:r>
-              <a:rPr lang="ru-RU" sz="1050" b="1" dirty="0" smtClean="0"/>
-              <a:t>делятся </a:t>
-            </a:r>
-            <a:r>
-              <a:rPr lang="ru-RU" sz="1050" b="1" dirty="0"/>
-              <a:t>на имеющие </a:t>
-            </a:r>
-            <a:r>
-              <a:rPr lang="ru-RU" sz="1050" b="1" dirty="0" smtClean="0"/>
-              <a:t>отзывы- </a:t>
-            </a:r>
-            <a:r>
-              <a:rPr lang="ru-RU" sz="1050" b="1" dirty="0"/>
-              <a:t>0,04% и не имеющие </a:t>
-            </a:r>
-            <a:r>
-              <a:rPr lang="ru-RU" sz="1050" b="1" dirty="0" smtClean="0"/>
-              <a:t>отзывы-99,96</a:t>
-            </a:r>
-            <a:r>
-              <a:rPr lang="ru-RU" sz="1050" b="1" dirty="0"/>
-              <a:t>%.</a:t>
-            </a:r>
-          </a:p>
-          <a:p>
-            <a:r>
-              <a:rPr lang="ru-RU" sz="1050" b="1" dirty="0"/>
-              <a:t>На первом месте категория содержащая самое большое количество приложений без </a:t>
-            </a:r>
-            <a:r>
-              <a:rPr lang="ru-RU" sz="1050" b="1" dirty="0" smtClean="0"/>
-              <a:t>отзывов </a:t>
-            </a:r>
-            <a:r>
-              <a:rPr lang="ru-RU" sz="1050" b="1" dirty="0"/>
-              <a:t>Education (Образование) у нее - 241002 приложений без </a:t>
-            </a:r>
-            <a:r>
-              <a:rPr lang="ru-RU" sz="1050" b="1" dirty="0" smtClean="0"/>
-              <a:t>отзывов </a:t>
-            </a:r>
-            <a:r>
-              <a:rPr lang="ru-RU" sz="1050" b="1" dirty="0"/>
-              <a:t>, и только - 40 с отзывами. На втором месте Music &amp; </a:t>
-            </a:r>
-            <a:r>
-              <a:rPr lang="ru-RU" sz="1050" b="1" dirty="0" smtClean="0"/>
-              <a:t>Audio (</a:t>
-            </a:r>
-            <a:r>
-              <a:rPr lang="ru-RU" sz="1050" b="1" dirty="0"/>
-              <a:t>Музыка и Аудио)- 154866 - 12 .На третьем месте Tools (Инструменты) 143830 - 1 соответственно .</a:t>
-            </a:r>
-          </a:p>
-          <a:p>
-            <a:r>
-              <a:rPr lang="ru-RU" sz="1050" b="1" dirty="0"/>
-              <a:t>Данная статистика показывает, что клиенты Google Play Store не любят оставлять отзывы установленных приложений</a:t>
-            </a:r>
-          </a:p>
-        </p:txBody>
-      </p:sp>
-      <p:sp>
-        <p:nvSpPr>
-          <p:cNvPr id="8" name="Прямоугольник 7"/>
-          <p:cNvSpPr/>
-          <p:nvPr/>
-        </p:nvSpPr>
-        <p:spPr>
-          <a:xfrm>
-            <a:off x="7102967" y="1008737"/>
-            <a:ext cx="3866605" cy="246221"/>
-          </a:xfrm>
-          <a:prstGeom prst="rect">
-            <a:avLst/>
-          </a:prstGeom>
-        </p:spPr>
-        <p:txBody>
-          <a:bodyPr wrap="square">
-            <a:spAutoFit/>
-          </a:bodyPr>
-          <a:lstStyle/>
-          <a:p>
-            <a:r>
-              <a:rPr lang="ru-RU" sz="1000" dirty="0"/>
-              <a:t>отсутствие </a:t>
-            </a:r>
-            <a:r>
-              <a:rPr lang="ru-RU" sz="1000" dirty="0" smtClean="0"/>
-              <a:t>отзывов                                                наличие отзывов</a:t>
-            </a:r>
-            <a:endParaRPr lang="ru-RU" sz="1000" dirty="0"/>
+            <a:pPr marL="285750" indent="-285750">
+              <a:buClr>
+                <a:srgbClr val="009AD0"/>
+              </a:buClr>
+              <a:buFont typeface="Wingdings" panose="05000000000000000000" pitchFamily="2" charset="2"/>
+              <a:buChar char="Ø"/>
+            </a:pPr>
+            <a:r>
+              <a:rPr lang="ru-RU" sz="2900" i="1" dirty="0">
+                <a:solidFill>
+                  <a:schemeClr val="tx1">
+                    <a:lumMod val="75000"/>
+                    <a:lumOff val="25000"/>
+                  </a:schemeClr>
+                </a:solidFill>
+              </a:rPr>
+              <a:t>Проведенный анализ Google Play Store на 15.06.2021 показал ,что </a:t>
+            </a:r>
+            <a:r>
+              <a:rPr lang="ru-RU" sz="2900" i="1" dirty="0" smtClean="0">
+                <a:solidFill>
+                  <a:schemeClr val="tx1">
+                    <a:lumMod val="75000"/>
+                    <a:lumOff val="25000"/>
+                  </a:schemeClr>
+                </a:solidFill>
+              </a:rPr>
+              <a:t>он </a:t>
+            </a:r>
+            <a:r>
+              <a:rPr lang="ru-RU" sz="2900" i="1" dirty="0">
+                <a:solidFill>
+                  <a:schemeClr val="tx1">
+                    <a:lumMod val="75000"/>
+                    <a:lumOff val="25000"/>
+                  </a:schemeClr>
+                </a:solidFill>
+              </a:rPr>
+              <a:t>включает в себя около 2 млн 312 тыс. различных приложений. Данные </a:t>
+            </a:r>
+            <a:r>
+              <a:rPr lang="ru-RU" sz="2900" i="1" dirty="0" smtClean="0">
+                <a:solidFill>
+                  <a:schemeClr val="tx1">
+                    <a:lumMod val="75000"/>
+                    <a:lumOff val="25000"/>
+                  </a:schemeClr>
+                </a:solidFill>
+              </a:rPr>
+              <a:t> приложения </a:t>
+            </a:r>
+            <a:r>
+              <a:rPr lang="ru-RU" sz="2900" i="1" dirty="0">
+                <a:solidFill>
+                  <a:schemeClr val="tx1">
+                    <a:lumMod val="75000"/>
+                    <a:lumOff val="25000"/>
+                  </a:schemeClr>
+                </a:solidFill>
+              </a:rPr>
+              <a:t>делятся на 48 категорий , которые включают в себя такие сферы как бизнес, музыку, видео, игры, спорт, образование итд</a:t>
+            </a:r>
+            <a:r>
+              <a:rPr lang="ru-RU" sz="2900" i="1" dirty="0" smtClean="0">
+                <a:solidFill>
+                  <a:schemeClr val="tx1">
+                    <a:lumMod val="75000"/>
+                    <a:lumOff val="25000"/>
+                  </a:schemeClr>
+                </a:solidFill>
+              </a:rPr>
+              <a:t>.</a:t>
+            </a:r>
+          </a:p>
+          <a:p>
+            <a:pPr marL="285750" indent="-285750">
+              <a:buClr>
+                <a:srgbClr val="009AD0"/>
+              </a:buClr>
+              <a:buFont typeface="Wingdings" panose="05000000000000000000" pitchFamily="2" charset="2"/>
+              <a:buChar char="Ø"/>
+            </a:pPr>
+            <a:r>
+              <a:rPr lang="ru-RU" sz="2900" i="1" dirty="0" smtClean="0">
+                <a:solidFill>
+                  <a:schemeClr val="tx1">
+                    <a:lumMod val="75000"/>
+                    <a:lumOff val="25000"/>
+                  </a:schemeClr>
+                </a:solidFill>
+              </a:rPr>
+              <a:t>Первое место среди самых популярных приложений  </a:t>
+            </a:r>
+            <a:r>
+              <a:rPr lang="ru-RU" sz="2900" i="1" dirty="0">
+                <a:solidFill>
+                  <a:schemeClr val="tx1">
+                    <a:lumMod val="75000"/>
+                    <a:lumOff val="25000"/>
+                  </a:schemeClr>
+                </a:solidFill>
+              </a:rPr>
+              <a:t>занимает приложение Google Play </a:t>
+            </a:r>
+            <a:r>
+              <a:rPr lang="ru-RU" sz="2900" i="1" dirty="0" err="1">
+                <a:solidFill>
+                  <a:schemeClr val="tx1">
+                    <a:lumMod val="75000"/>
+                    <a:lumOff val="25000"/>
+                  </a:schemeClr>
+                </a:solidFill>
+              </a:rPr>
+              <a:t>services</a:t>
+            </a:r>
+            <a:r>
+              <a:rPr lang="ru-RU" sz="2900" i="1" dirty="0">
+                <a:solidFill>
+                  <a:schemeClr val="tx1">
+                    <a:lumMod val="75000"/>
+                    <a:lumOff val="25000"/>
+                  </a:schemeClr>
+                </a:solidFill>
+              </a:rPr>
+              <a:t> категории </a:t>
+            </a:r>
+            <a:r>
+              <a:rPr lang="ru-RU" sz="2900" i="1" dirty="0" err="1">
+                <a:solidFill>
+                  <a:schemeClr val="tx1">
+                    <a:lumMod val="75000"/>
+                    <a:lumOff val="25000"/>
+                  </a:schemeClr>
+                </a:solidFill>
+              </a:rPr>
+              <a:t>Tools</a:t>
+            </a:r>
+            <a:r>
+              <a:rPr lang="ru-RU" sz="2900" i="1" dirty="0">
+                <a:solidFill>
+                  <a:schemeClr val="tx1">
+                    <a:lumMod val="75000"/>
+                    <a:lumOff val="25000"/>
+                  </a:schemeClr>
+                </a:solidFill>
+              </a:rPr>
+              <a:t> (Инструменты) ,на него приходится более 12,05 млрд скачиваний. Второй по популярности </a:t>
+            </a:r>
+            <a:r>
+              <a:rPr lang="ru-RU" sz="2900" i="1" dirty="0" err="1">
+                <a:solidFill>
+                  <a:schemeClr val="tx1">
+                    <a:lumMod val="75000"/>
+                    <a:lumOff val="25000"/>
+                  </a:schemeClr>
+                </a:solidFill>
+              </a:rPr>
+              <a:t>YouTube</a:t>
+            </a:r>
+            <a:r>
+              <a:rPr lang="ru-RU" sz="2900" i="1" dirty="0">
+                <a:solidFill>
+                  <a:schemeClr val="tx1">
+                    <a:lumMod val="75000"/>
+                    <a:lumOff val="25000"/>
+                  </a:schemeClr>
+                </a:solidFill>
+              </a:rPr>
+              <a:t> категории </a:t>
+            </a:r>
+            <a:r>
+              <a:rPr lang="ru-RU" sz="2900" i="1" dirty="0" err="1">
+                <a:solidFill>
+                  <a:schemeClr val="tx1">
+                    <a:lumMod val="75000"/>
+                    <a:lumOff val="25000"/>
+                  </a:schemeClr>
+                </a:solidFill>
+              </a:rPr>
+              <a:t>Video</a:t>
+            </a:r>
+            <a:r>
+              <a:rPr lang="ru-RU" sz="2900" i="1" dirty="0">
+                <a:solidFill>
+                  <a:schemeClr val="tx1">
+                    <a:lumMod val="75000"/>
+                    <a:lumOff val="25000"/>
+                  </a:schemeClr>
+                </a:solidFill>
+              </a:rPr>
+              <a:t> </a:t>
+            </a:r>
+            <a:r>
+              <a:rPr lang="ru-RU" sz="2900" i="1" dirty="0" err="1">
+                <a:solidFill>
+                  <a:schemeClr val="tx1">
+                    <a:lumMod val="75000"/>
+                    <a:lumOff val="25000"/>
+                  </a:schemeClr>
+                </a:solidFill>
+              </a:rPr>
+              <a:t>Players</a:t>
+            </a:r>
+            <a:r>
+              <a:rPr lang="ru-RU" sz="2900" i="1" dirty="0">
+                <a:solidFill>
+                  <a:schemeClr val="tx1">
+                    <a:lumMod val="75000"/>
+                    <a:lumOff val="25000"/>
+                  </a:schemeClr>
+                </a:solidFill>
+              </a:rPr>
+              <a:t> &amp; </a:t>
+            </a:r>
+            <a:r>
+              <a:rPr lang="ru-RU" sz="2900" i="1" dirty="0" err="1">
+                <a:solidFill>
+                  <a:schemeClr val="tx1">
+                    <a:lumMod val="75000"/>
+                    <a:lumOff val="25000"/>
+                  </a:schemeClr>
+                </a:solidFill>
+              </a:rPr>
+              <a:t>Editors</a:t>
+            </a:r>
+            <a:r>
+              <a:rPr lang="ru-RU" sz="2900" i="1" dirty="0">
+                <a:solidFill>
+                  <a:schemeClr val="tx1">
+                    <a:lumMod val="75000"/>
+                    <a:lumOff val="25000"/>
+                  </a:schemeClr>
+                </a:solidFill>
+              </a:rPr>
+              <a:t> (Видеоплееры и редакторы) ,на него приходится более 9,77 млрд скачиваний. На третьем месте по популярности Google </a:t>
+            </a:r>
+            <a:r>
+              <a:rPr lang="ru-RU" sz="2900" i="1" dirty="0" err="1">
+                <a:solidFill>
+                  <a:schemeClr val="tx1">
+                    <a:lumMod val="75000"/>
+                    <a:lumOff val="25000"/>
+                  </a:schemeClr>
+                </a:solidFill>
+              </a:rPr>
+              <a:t>Maps</a:t>
+            </a:r>
+            <a:r>
+              <a:rPr lang="ru-RU" sz="2900" i="1" dirty="0">
+                <a:solidFill>
+                  <a:schemeClr val="tx1">
+                    <a:lumMod val="75000"/>
+                    <a:lumOff val="25000"/>
+                  </a:schemeClr>
+                </a:solidFill>
+              </a:rPr>
+              <a:t> - </a:t>
+            </a:r>
+            <a:r>
+              <a:rPr lang="ru-RU" sz="2900" i="1" dirty="0" err="1">
+                <a:solidFill>
+                  <a:schemeClr val="tx1">
+                    <a:lumMod val="75000"/>
+                    <a:lumOff val="25000"/>
+                  </a:schemeClr>
+                </a:solidFill>
+              </a:rPr>
+              <a:t>Navigate</a:t>
+            </a:r>
+            <a:r>
+              <a:rPr lang="ru-RU" sz="2900" i="1" dirty="0">
+                <a:solidFill>
+                  <a:schemeClr val="tx1">
+                    <a:lumMod val="75000"/>
+                    <a:lumOff val="25000"/>
+                  </a:schemeClr>
+                </a:solidFill>
+              </a:rPr>
+              <a:t> &amp; </a:t>
+            </a:r>
+            <a:r>
+              <a:rPr lang="ru-RU" sz="2900" i="1" dirty="0" err="1">
+                <a:solidFill>
+                  <a:schemeClr val="tx1">
+                    <a:lumMod val="75000"/>
+                    <a:lumOff val="25000"/>
+                  </a:schemeClr>
+                </a:solidFill>
+              </a:rPr>
+              <a:t>Explore</a:t>
+            </a:r>
+            <a:r>
+              <a:rPr lang="ru-RU" sz="2900" i="1" dirty="0">
+                <a:solidFill>
+                  <a:schemeClr val="tx1">
+                    <a:lumMod val="75000"/>
+                    <a:lumOff val="25000"/>
+                  </a:schemeClr>
+                </a:solidFill>
+              </a:rPr>
+              <a:t> категории </a:t>
+            </a:r>
+            <a:r>
+              <a:rPr lang="ru-RU" sz="2900" i="1" dirty="0" err="1">
+                <a:solidFill>
+                  <a:schemeClr val="tx1">
+                    <a:lumMod val="75000"/>
+                    <a:lumOff val="25000"/>
+                  </a:schemeClr>
+                </a:solidFill>
+              </a:rPr>
+              <a:t>Tools</a:t>
+            </a:r>
+            <a:r>
+              <a:rPr lang="ru-RU" sz="2900" i="1" dirty="0">
+                <a:solidFill>
+                  <a:schemeClr val="tx1">
+                    <a:lumMod val="75000"/>
+                    <a:lumOff val="25000"/>
+                  </a:schemeClr>
+                </a:solidFill>
+              </a:rPr>
+              <a:t>(Путешествия и окрестности) ,его скачали более 9,14 млрд </a:t>
+            </a:r>
+            <a:r>
+              <a:rPr lang="ru-RU" sz="2900" i="1" dirty="0" smtClean="0">
+                <a:solidFill>
+                  <a:schemeClr val="tx1">
+                    <a:lumMod val="75000"/>
+                    <a:lumOff val="25000"/>
+                  </a:schemeClr>
+                </a:solidFill>
+              </a:rPr>
+              <a:t>раз. Если </a:t>
+            </a:r>
+            <a:r>
+              <a:rPr lang="ru-RU" sz="2900" i="1" dirty="0">
+                <a:solidFill>
+                  <a:schemeClr val="tx1">
+                    <a:lumMod val="75000"/>
+                    <a:lumOff val="25000"/>
+                  </a:schemeClr>
+                </a:solidFill>
+              </a:rPr>
+              <a:t>сузить список </a:t>
+            </a:r>
+            <a:r>
+              <a:rPr lang="ru-RU" sz="2900" i="1" dirty="0">
+                <a:solidFill>
+                  <a:schemeClr val="tx1">
+                    <a:lumMod val="65000"/>
+                    <a:lumOff val="35000"/>
+                  </a:schemeClr>
+                </a:solidFill>
+              </a:rPr>
+              <a:t>приложений</a:t>
+            </a:r>
+            <a:r>
+              <a:rPr lang="ru-RU" sz="2900" i="1" dirty="0">
+                <a:solidFill>
+                  <a:schemeClr val="tx1">
+                    <a:lumMod val="75000"/>
+                    <a:lumOff val="25000"/>
+                  </a:schemeClr>
+                </a:solidFill>
+              </a:rPr>
+              <a:t>, которые установили более 1 миллиарда раз, средний рейтинг этих популярных приложений составит около 4.2 , что на 47% больше чем рейтинг всех приложений в Google Play Store - 2.2.Это говорит о прямо пропорциональной зависимости количества скачиваний приложений и </a:t>
+            </a:r>
+            <a:r>
+              <a:rPr lang="ru-RU" sz="2900" i="1" dirty="0" smtClean="0">
+                <a:solidFill>
+                  <a:schemeClr val="tx1">
+                    <a:lumMod val="75000"/>
+                    <a:lumOff val="25000"/>
+                  </a:schemeClr>
+                </a:solidFill>
+              </a:rPr>
+              <a:t>рейтинга.</a:t>
+            </a:r>
+          </a:p>
+          <a:p>
+            <a:pPr marL="285750" indent="-285750">
+              <a:buClr>
+                <a:srgbClr val="009AD0"/>
+              </a:buClr>
+              <a:buFont typeface="Wingdings" panose="05000000000000000000" pitchFamily="2" charset="2"/>
+              <a:buChar char="Ø"/>
+            </a:pPr>
+            <a:r>
+              <a:rPr lang="ru-RU" sz="2900" i="1" dirty="0" smtClean="0">
+                <a:solidFill>
+                  <a:schemeClr val="tx1">
+                    <a:lumMod val="75000"/>
+                    <a:lumOff val="25000"/>
+                  </a:schemeClr>
+                </a:solidFill>
+              </a:rPr>
+              <a:t>Приложения </a:t>
+            </a:r>
+            <a:r>
+              <a:rPr lang="ru-RU" sz="2900" i="1" dirty="0">
+                <a:solidFill>
+                  <a:schemeClr val="tx1">
+                    <a:lumMod val="75000"/>
+                    <a:lumOff val="25000"/>
+                  </a:schemeClr>
+                </a:solidFill>
+              </a:rPr>
+              <a:t>в Google Play Store делятся на платные и бесплатные . Доля бесплатных приложений составляет - 98,05%,платных -1,95</a:t>
+            </a:r>
+            <a:r>
+              <a:rPr lang="ru-RU" sz="2900" i="1" dirty="0" smtClean="0">
+                <a:solidFill>
+                  <a:schemeClr val="tx1">
+                    <a:lumMod val="75000"/>
+                    <a:lumOff val="25000"/>
+                  </a:schemeClr>
+                </a:solidFill>
+              </a:rPr>
+              <a:t>%.Самое </a:t>
+            </a:r>
+            <a:r>
+              <a:rPr lang="ru-RU" sz="2900" i="1" dirty="0">
+                <a:solidFill>
+                  <a:schemeClr val="tx1">
+                    <a:lumMod val="75000"/>
+                    <a:lumOff val="25000"/>
+                  </a:schemeClr>
+                </a:solidFill>
+              </a:rPr>
+              <a:t>дорогое приложение в Google Play Store называется MESH </a:t>
+            </a:r>
+            <a:r>
+              <a:rPr lang="ru-RU" sz="2900" i="1" dirty="0" err="1">
+                <a:solidFill>
+                  <a:schemeClr val="tx1">
+                    <a:lumMod val="75000"/>
+                    <a:lumOff val="25000"/>
+                  </a:schemeClr>
+                </a:solidFill>
+              </a:rPr>
+              <a:t>Connect</a:t>
+            </a:r>
+            <a:r>
+              <a:rPr lang="ru-RU" sz="2900" i="1" dirty="0">
+                <a:solidFill>
+                  <a:schemeClr val="tx1">
+                    <a:lumMod val="75000"/>
+                    <a:lumOff val="25000"/>
+                  </a:schemeClr>
+                </a:solidFill>
+              </a:rPr>
+              <a:t>, категории </a:t>
+            </a:r>
+            <a:r>
+              <a:rPr lang="ru-RU" sz="2900" i="1" dirty="0" err="1">
+                <a:solidFill>
+                  <a:schemeClr val="tx1">
+                    <a:lumMod val="75000"/>
+                    <a:lumOff val="25000"/>
+                  </a:schemeClr>
+                </a:solidFill>
+              </a:rPr>
+              <a:t>Productivity</a:t>
+            </a:r>
+            <a:r>
+              <a:rPr lang="ru-RU" sz="2900" i="1" dirty="0">
+                <a:solidFill>
+                  <a:schemeClr val="tx1">
+                    <a:lumMod val="75000"/>
+                    <a:lumOff val="25000"/>
+                  </a:schemeClr>
+                </a:solidFill>
+              </a:rPr>
+              <a:t> (Продуктивность) его стоимость составляет  400 долларов. За ним следуют 22 приложения с ценой  399.99 </a:t>
+            </a:r>
+            <a:r>
+              <a:rPr lang="ru-RU" sz="2900" i="1" dirty="0" smtClean="0">
+                <a:solidFill>
+                  <a:schemeClr val="tx1">
+                    <a:lumMod val="75000"/>
+                    <a:lumOff val="25000"/>
+                  </a:schemeClr>
+                </a:solidFill>
+              </a:rPr>
+              <a:t>долларов. Приложение </a:t>
+            </a:r>
+            <a:r>
+              <a:rPr lang="ru-RU" sz="2900" i="1" dirty="0">
+                <a:solidFill>
+                  <a:schemeClr val="tx1">
+                    <a:lumMod val="75000"/>
+                    <a:lumOff val="25000"/>
+                  </a:schemeClr>
+                </a:solidFill>
+              </a:rPr>
+              <a:t>с самой низкой ценой стоит 0.19 долларов. Средняя цена приложений составляет 5,32 </a:t>
+            </a:r>
+            <a:r>
+              <a:rPr lang="ru-RU" sz="2900" i="1" dirty="0" smtClean="0">
+                <a:solidFill>
+                  <a:schemeClr val="tx1">
+                    <a:lumMod val="75000"/>
+                    <a:lumOff val="25000"/>
+                  </a:schemeClr>
+                </a:solidFill>
+              </a:rPr>
+              <a:t>доллара. Самый </a:t>
+            </a:r>
+            <a:r>
+              <a:rPr lang="ru-RU" sz="2900" i="1" dirty="0">
+                <a:solidFill>
+                  <a:schemeClr val="tx1">
+                    <a:lumMod val="75000"/>
+                    <a:lumOff val="25000"/>
+                  </a:schemeClr>
+                </a:solidFill>
+              </a:rPr>
+              <a:t>высокий рейтинг имеют приложения стоимость которых составляет от 0 до 50 долларов. Так же хочется отметить ,что большая часть самых дорогие приложения имеют рейтинг от 3,5 до 5 ,что говорит о том что покупатели данных приложений остались довольными </a:t>
+            </a:r>
+            <a:r>
+              <a:rPr lang="ru-RU" sz="2900" i="1" dirty="0" smtClean="0">
+                <a:solidFill>
+                  <a:schemeClr val="tx1">
+                    <a:lumMod val="75000"/>
+                    <a:lumOff val="25000"/>
+                  </a:schemeClr>
+                </a:solidFill>
+              </a:rPr>
+              <a:t>покупкой</a:t>
+            </a:r>
+          </a:p>
+          <a:p>
+            <a:pPr marL="285750" indent="-285750">
+              <a:buClr>
+                <a:srgbClr val="009AD0"/>
+              </a:buClr>
+              <a:buFont typeface="Wingdings" panose="05000000000000000000" pitchFamily="2" charset="2"/>
+              <a:buChar char="Ø"/>
+            </a:pPr>
+            <a:r>
+              <a:rPr lang="ru-RU" sz="2900" i="1" dirty="0">
+                <a:solidFill>
+                  <a:schemeClr val="tx1">
+                    <a:lumMod val="75000"/>
+                    <a:lumOff val="25000"/>
+                  </a:schemeClr>
+                </a:solidFill>
+              </a:rPr>
+              <a:t>В Google Play Store приложения делятся на имеющие отзывы- 0,04% и не имеющие отзывы-99,96</a:t>
+            </a:r>
+            <a:r>
+              <a:rPr lang="ru-RU" sz="2900" i="1" dirty="0" smtClean="0">
+                <a:solidFill>
+                  <a:schemeClr val="tx1">
+                    <a:lumMod val="75000"/>
+                    <a:lumOff val="25000"/>
+                  </a:schemeClr>
+                </a:solidFill>
+              </a:rPr>
+              <a:t>%.На </a:t>
+            </a:r>
+            <a:r>
+              <a:rPr lang="ru-RU" sz="2900" i="1" dirty="0">
+                <a:solidFill>
+                  <a:schemeClr val="tx1">
+                    <a:lumMod val="75000"/>
+                    <a:lumOff val="25000"/>
+                  </a:schemeClr>
+                </a:solidFill>
+              </a:rPr>
+              <a:t>первом месте категория содержащая самое большое количество приложений без отзывов </a:t>
+            </a:r>
+            <a:r>
+              <a:rPr lang="ru-RU" sz="2900" i="1" dirty="0" err="1">
+                <a:solidFill>
+                  <a:schemeClr val="tx1">
+                    <a:lumMod val="75000"/>
+                    <a:lumOff val="25000"/>
+                  </a:schemeClr>
+                </a:solidFill>
+              </a:rPr>
+              <a:t>Education</a:t>
+            </a:r>
+            <a:r>
+              <a:rPr lang="ru-RU" sz="2900" i="1" dirty="0">
+                <a:solidFill>
+                  <a:schemeClr val="tx1">
+                    <a:lumMod val="75000"/>
+                    <a:lumOff val="25000"/>
+                  </a:schemeClr>
+                </a:solidFill>
+              </a:rPr>
+              <a:t> (Образование) у нее - 241002 приложений без отзывов , и только - 40 с отзывами. На втором месте </a:t>
+            </a:r>
+            <a:r>
+              <a:rPr lang="ru-RU" sz="2900" i="1" dirty="0" err="1">
+                <a:solidFill>
+                  <a:schemeClr val="tx1">
+                    <a:lumMod val="75000"/>
+                    <a:lumOff val="25000"/>
+                  </a:schemeClr>
+                </a:solidFill>
+              </a:rPr>
+              <a:t>Music</a:t>
+            </a:r>
+            <a:r>
+              <a:rPr lang="ru-RU" sz="2900" i="1" dirty="0">
+                <a:solidFill>
+                  <a:schemeClr val="tx1">
+                    <a:lumMod val="75000"/>
+                    <a:lumOff val="25000"/>
+                  </a:schemeClr>
+                </a:solidFill>
+              </a:rPr>
+              <a:t> &amp; </a:t>
+            </a:r>
+            <a:r>
+              <a:rPr lang="ru-RU" sz="2900" i="1" dirty="0" err="1">
+                <a:solidFill>
+                  <a:schemeClr val="tx1">
+                    <a:lumMod val="75000"/>
+                    <a:lumOff val="25000"/>
+                  </a:schemeClr>
+                </a:solidFill>
+              </a:rPr>
+              <a:t>Audio</a:t>
+            </a:r>
+            <a:r>
+              <a:rPr lang="ru-RU" sz="2900" i="1" dirty="0">
+                <a:solidFill>
+                  <a:schemeClr val="tx1">
+                    <a:lumMod val="75000"/>
+                    <a:lumOff val="25000"/>
+                  </a:schemeClr>
+                </a:solidFill>
+              </a:rPr>
+              <a:t> (Музыка и Аудио)- 154866 - 12 .На третьем месте </a:t>
+            </a:r>
+            <a:r>
+              <a:rPr lang="ru-RU" sz="2900" i="1" dirty="0" err="1">
+                <a:solidFill>
+                  <a:schemeClr val="tx1">
+                    <a:lumMod val="75000"/>
+                    <a:lumOff val="25000"/>
+                  </a:schemeClr>
+                </a:solidFill>
+              </a:rPr>
+              <a:t>Tools</a:t>
+            </a:r>
+            <a:r>
+              <a:rPr lang="ru-RU" sz="2900" i="1" dirty="0">
+                <a:solidFill>
+                  <a:schemeClr val="tx1">
+                    <a:lumMod val="75000"/>
+                    <a:lumOff val="25000"/>
+                  </a:schemeClr>
+                </a:solidFill>
+              </a:rPr>
+              <a:t> (Инструменты) 143830 - 1 соответственно </a:t>
+            </a:r>
+            <a:r>
+              <a:rPr lang="ru-RU" sz="2900" i="1" dirty="0" smtClean="0">
+                <a:solidFill>
+                  <a:schemeClr val="tx1">
+                    <a:lumMod val="75000"/>
+                    <a:lumOff val="25000"/>
+                  </a:schemeClr>
+                </a:solidFill>
+              </a:rPr>
+              <a:t>.Данная </a:t>
+            </a:r>
+            <a:r>
+              <a:rPr lang="ru-RU" sz="2900" i="1" dirty="0">
+                <a:solidFill>
+                  <a:schemeClr val="tx1">
+                    <a:lumMod val="75000"/>
+                    <a:lumOff val="25000"/>
+                  </a:schemeClr>
+                </a:solidFill>
+              </a:rPr>
+              <a:t>статистика показывает, что клиенты Google Play Store не любят оставлять отзывы установленных </a:t>
+            </a:r>
+            <a:r>
+              <a:rPr lang="ru-RU" sz="2900" i="1" dirty="0" smtClean="0">
+                <a:solidFill>
+                  <a:schemeClr val="tx1">
+                    <a:lumMod val="75000"/>
+                    <a:lumOff val="25000"/>
+                  </a:schemeClr>
+                </a:solidFill>
+              </a:rPr>
+              <a:t>приложений</a:t>
+            </a:r>
+          </a:p>
+          <a:p>
+            <a:pPr marL="285750" indent="-285750">
+              <a:buClr>
+                <a:srgbClr val="009AD0"/>
+              </a:buClr>
+              <a:buFont typeface="Wingdings" panose="05000000000000000000" pitchFamily="2" charset="2"/>
+              <a:buChar char="Ø"/>
+            </a:pPr>
+            <a:r>
+              <a:rPr lang="ru-RU" sz="2900" i="1" dirty="0" smtClean="0">
+                <a:solidFill>
+                  <a:schemeClr val="tx1">
+                    <a:lumMod val="75000"/>
+                    <a:lumOff val="25000"/>
+                  </a:schemeClr>
+                </a:solidFill>
+              </a:rPr>
+              <a:t>В </a:t>
+            </a:r>
+            <a:r>
+              <a:rPr lang="ru-RU" sz="2900" i="1" dirty="0">
+                <a:solidFill>
+                  <a:schemeClr val="tx1">
+                    <a:lumMod val="75000"/>
+                    <a:lumOff val="25000"/>
+                  </a:schemeClr>
+                </a:solidFill>
+              </a:rPr>
+              <a:t>Google Play Store отзывы делятся на позитивные ,негативные и нейтральные . Основу составляют отзывы имеющие нейтральную окраску </a:t>
+            </a:r>
+          </a:p>
+          <a:p>
+            <a:pPr marL="285750" indent="-285750">
+              <a:buClr>
+                <a:srgbClr val="009AD0"/>
+              </a:buClr>
+              <a:buFont typeface="Wingdings" panose="05000000000000000000" pitchFamily="2" charset="2"/>
+              <a:buChar char="Ø"/>
+            </a:pPr>
+            <a:endParaRPr lang="ru-RU" sz="2900" i="1" dirty="0">
+              <a:solidFill>
+                <a:schemeClr val="tx1">
+                  <a:lumMod val="75000"/>
+                  <a:lumOff val="25000"/>
+                </a:schemeClr>
+              </a:solidFill>
+            </a:endParaRPr>
+          </a:p>
+          <a:p>
+            <a:pPr marL="285750" indent="-285750">
+              <a:buClr>
+                <a:srgbClr val="009AD0"/>
+              </a:buClr>
+              <a:buFont typeface="Wingdings" panose="05000000000000000000" pitchFamily="2" charset="2"/>
+              <a:buChar char="Ø"/>
+            </a:pPr>
+            <a:endParaRPr lang="ru-RU" sz="2900" i="1" dirty="0">
+              <a:solidFill>
+                <a:schemeClr val="tx1">
+                  <a:lumMod val="75000"/>
+                  <a:lumOff val="25000"/>
+                </a:schemeClr>
+              </a:solidFill>
+            </a:endParaRPr>
           </a:p>
         </p:txBody>
       </p:sp>
     </p:spTree>
     <p:extLst>
       <p:ext uri="{BB962C8B-B14F-4D97-AF65-F5344CB8AC3E}">
-        <p14:creationId xmlns:p14="http://schemas.microsoft.com/office/powerpoint/2010/main" val="3879406623"/>
+        <p14:creationId xmlns:p14="http://schemas.microsoft.com/office/powerpoint/2010/main" val="4101664257"/>
       </p:ext>
     </p:extLst>
   </p:cSld>
@@ -7544,7 +7262,7 @@
 </p:sld>
 </file>
 
-<file path=ppt/slides/slide8.xml><?xml version="1.0" encoding="utf-8"?>
+<file path=ppt/slides/slide7.xml><?xml version="1.0" encoding="utf-8"?>
 <p:sld xmlns:a="http://schemas.openxmlformats.org/drawingml/2006/main" xmlns:r="http://schemas.openxmlformats.org/officeDocument/2006/relationships" xmlns:p="http://schemas.openxmlformats.org/presentationml/2006/main">
   <p:cSld>
     <p:spTree>
@@ -7569,7 +7287,7 @@
         </p:nvSpPr>
         <p:spPr>
           <a:xfrm flipV="1">
-            <a:off x="395654" y="756137"/>
+            <a:off x="395654" y="622003"/>
             <a:ext cx="11649808" cy="45719"/>
           </a:xfrm>
           <a:prstGeom prst="flowChartProcess">
@@ -7642,8 +7360,8 @@
         </p:nvSpPr>
         <p:spPr>
           <a:xfrm>
-            <a:off x="395653" y="294472"/>
-            <a:ext cx="8190997" cy="461665"/>
+            <a:off x="395652" y="160338"/>
+            <a:ext cx="8653345" cy="461665"/>
           </a:xfrm>
           <a:prstGeom prst="rect">
             <a:avLst/>
@@ -7670,7 +7388,7 @@
                   </a:outerShdw>
                 </a:effectLst>
               </a:rPr>
-              <a:t>Модель данных. Анализ эмоциональной окраски отзывов </a:t>
+              <a:t>Анализ популярных приложений</a:t>
             </a:r>
             <a:endParaRPr lang="ru-RU" sz="2400" dirty="0">
               <a:ln w="0"/>
@@ -7690,7 +7408,7 @@
       </p:sp>
       <p:pic>
         <p:nvPicPr>
-          <p:cNvPr id="4098" name="Picture 2"/>
+          <p:cNvPr id="1026" name="Picture 2"/>
           <p:cNvPicPr>
             <a:picLocks noChangeAspect="1" noChangeArrowheads="1"/>
           </p:cNvPicPr>
@@ -7720,8 +7438,8 @@
         </p:blipFill>
         <p:spPr bwMode="auto">
           <a:xfrm>
-            <a:off x="1223562" y="1141284"/>
-            <a:ext cx="9757840" cy="4939367"/>
+            <a:off x="8855" y="801856"/>
+            <a:ext cx="6523617" cy="6056144"/>
           </a:xfrm>
           <a:prstGeom prst="rect">
             <a:avLst/>
@@ -7763,58 +7481,203 @@
       </p:pic>
       <p:sp>
         <p:nvSpPr>
-          <p:cNvPr id="2" name="Прямоугольник 1"/>
-          <p:cNvSpPr/>
+          <p:cNvPr id="2" name="AutoShape 5" descr="data:image/png;base64,iVBORw0KGgoAAAANSUhEUgAAA3cAAANyCAYAAADB/jKlAAAAOXRFWHRTb2Z0d2FyZQBNYXRwbG90bGliIHZlcnNpb24zLjMuMiwgaHR0cHM6Ly9tYXRwbG90bGliLm9yZy8vihELAAAACXBIWXMAAAsTAAALEwEAmpwYAAA7h0lEQVR4nO3dfbytdV3n//dHEFPxBvWIyo2Q0g1Tig6jltON4zQDlqJTFlTKOCrySFKbrKisbLIy0+znxIioJKZpmpZYpJllk4/EAIdUNBIB5QhyoymSJiKf3x/XtXWx2eectQ/nsA/f/Xw+Hudx9rpu1vp+195nnfXa17XWqu4OAAAAt2232+gBAAAAcMuJOwAAgAGIOwAAgAGIOwAAgAGIOwAAgAGIOwBgU6iq22/0GAB2J3EH3ERVHV5Vj6mqvarq2Kq630aPCTZCVf1oVR1YVXerqqdv9HhYv/lx7OSq+seq+nSSrVX1DRs9LoDdRdzBgKrq0qr6UlVdV1VXVtXvV9W+S+5+dZLnJbkmyZOTfHa3DRT2bF9O8r4kFybZZ4PHws45Jcn3JXlCd9+nu/fv7n/b6EEtqqpfq6oPVdUNVfX8jR4PcNtWPsQcxlNVlyZ5Wnf/VVUdkOSdSf6su0/e2JEB3Dqq6tAkZyd5YHd/YaPHsy1VdXySq5KcmOT/dffzN3ZEwG2ZI3cwuO7+VJK/SPJtSTKfYvbqqrqiqj5VVS+oqr3mdf+9qt67sm9V/WxVdVX956r6jvlI4HVV9ZWqun7h8sHb23e+/Pyqet3C+r3n9YfMl1+z6jqvq6q7rZ7PfDtfXbXdjVX1vfP6O1TV71bV5fOf362qO8zrvnfednHfr87XeYeq+mxVffvCbd17PgK6Zb58yDzmxX2fNq+7U1W9ab6O6+a5vGbhdrdW1S9U1TXzkdUfW7id11TVCxYuP7CqeuHye1ZuZ9V98YKF2/iRqrq4qu46Xz66qj69MvZV+62ex8r39Pk7Od6z5uvbe9U2K9/PL1XV1oV131lV51TV5+e/v3NefruqektVvWxh266qB85fP7uq3ldVd5wv32/e/uqquqSqnrWw3zI/b9ucw+J9Po/rQ4tzWHV/nlJVL1m17O1V9Zz564Oq6q3zOD9TVb83j33lvr9+vv9XLn9XVe1XVX827/Mv89cHLlz/TX4mavo3eunC5W+dt/lcVV1QVY/bxvfms1X1qlXfu9X/xha/B0s/fszLttbX/22u63uysN3Tquo989ffOf9MHjRffvA8x29Z41vzH5JckeTM+Wdt9f1wt6p67Xwff6KqnldVt1tYv/rx4sb6+uPZHarqxVX1yZrOjjh15edyXv8DVXX+PLa/r6oHrTG+JEl3n9Hdf5FkhwE634ddVU9YWPYT87LFn4ftjf0183jfVVVfqKq/rar7r7qd91bVv837/tvq7+uqbbuqnlXT4881VfXbK/djVT2gqv56/rm/pqpeX1V3X9j3/8730edq+rd8lx3dB8D2iTsY3Pwk6DFJ/t+86IwkNyR5YJKHJPkvSdYKh/2SPCvJ55Kku9/X3ft2975JXp/kRSuXu/uT29t3HRavc9/u/vw2tnvf4nZJLl9Y94tJHpHkiCQPTvKwTKeZrrh81b7vm+f35SRvTPLjC9sel+Svuvvq+fLKY+bd5n3/bmHbJyf55iSHzutetGrM90lyryQHJDk+yWlV9c3bvTfWobv/aJ7Ly6rqnkleneno7dXb2e3uC/fDH+3MeOcn7ms9cb1dkt+ar/vohe3vkeTPk7wsyT2T/E6SP6+qe3b3jZnu/yOr6n+uup0nJPmJJI/t7i/NTx7fnuQf5zE+Oslzquq/bme+a9rOHFYcn2S/7aw/I8lxC09o7zWP5w1z+PxZkk8kOWQe6xu7+/KF+/43kvzRws/l32W6/34/yf2THJzkS0l+b8n53D7TffOXSe6d5CeTvH7V9+9F820fnuT7kxy1sO52Sf5+YXyr57rDx4/dpbv/Pskrkpwxx9QfJHled//TGpvfKdNjwLuSbMnN74f/neRuSb4xyfdk+jf8lIX9b5fkUwv3w+Lj3G8l+aZMjzMPzPR9/eUkqaqHJjk9yTMy/Yy/IlNg3uEWTf7r/ik3vc//e5KPrdpme2NPkh9L8muZ/o2fn+kxfVEleca874lLjOkJSY5M8tAkxyT5HwvX85tJ7pfkW5MclOT5C/udNI/hoCR3necC3ALiDsb1p1X1uSTvTfK3SX6jqvbP9ET7Od39r919VZKXJjl2jf1/MdMTlG0F1vbckn1vqR9L8r+6+6o5bH41yZOW3PeMJD+68Nv7J2V68rhinyQ3dvdX19i35j97bef6f6m7v9zdf5spcH54yXEt65lJ/lOS9yR5e3f/2S28vu2Ot6oqU8T+8hr77pPk+jWWf3+Sj3X3H3T3Dd39hkxPVh+bJN39pSSPS/LzVfWD8z4PT/LaJI/r7mvmZf8hyZbu/l/dfX13X5zklVn7Z3mbdjCH1PTmG7+U6Ynwmrr7HzL9rD96XnRskvd095WZfrlwvyQ/M/+b+7fu3uZRkIXr/Ex3v6W7vzifUvjrmQJkGY9Ism+SF873zV9nCszj1th2r0w/t59ZWLbm926djx+70/MzRdk/ZPrFzinb2fbKrHE/zNH9I0l+vru/0N2XJnlJbvpYsa37oZI8PclPdfdn5+/Pb+Tr98PTk7yiu9/f3V/t7jMyvX7zETs74VXOS7J/TW/285B5jpev2mZb//5W/Hl3/9/5l1q/mOQ7Vo6Gzu64g/1X+635vvhkkt/N/LPW3Rd197vmx5GrM/0y52s/x939we6+IdPP4A1JPrSO2wTWIO5gXI/v7rt39/27+yfmJ833T3L7JFesnAqT6bfK917csaoOzvRE/rfXe6M72PeHF273mjXW7wr3y3SUZMUn5mU71N3vT/KvSb5nPs3rgUnOXNjkHkn+ZRu7n5HknCRXV9Xnkzx31fp/6e5/3c64nrtw33xgjet/2bz+iqo6vdZ4x7/u/lySN2c6Bfclq9ev047Gm0zf588k+es19t/WfbX6+7Ny3QcsXH5okmszPUlMpiNWF2cK1xX3T3K/hVO6PpfkF5Lsvzi+JX7etjeHJHl2ptesXriN9SvOyNeP+v54vv5LgYOSfGJ+Aru0mk7zfcV8uuC1Sf5vkrvPUbLiZQvz+9OF5fdLctl8JHTF6vv4ufN+l2U64nvOwrptfe+Wefx4xKrvyc1+ZnbwPVn5d3BlTaey3nP1Bt39lSSvyfxz3tt+84AvZ9v3w70yBdDqx4rF+2hb98OWTEcFz1uYyzvm5cl0P/30qvvhoCz5OLSk12Q6yvj0JK9aY/32HquS6fueJOnu6zK9cdbi+O6T6c21lnXZwtdfe6yo6dT2N9Z0Cu+1SV6X6b7/mqr64DzWOyb553XcJrAGcQeby2WZnvDcaw6/u3f3Xbv7363a7gWZTtvamTch2N6+b1q53az6D34XujzTk6sVB+fmv9XenpUn6U9K8sd903fW+6Zs48lHd38x01GBD2c6FevFqzbZr6ruvJ1xvXjhvnnoGjfxrHndtyX591nj9KWqOiLT6VBvyHTa4y2xo/HePtPRrJ/bxv7buq9Wf39WrvtTydeOlJ2S5IRMR1aS6RTfH07yK1V1n3nZZUkuWfg5vnt336W7H7NwvTv6edvRHO6R6bSxX93G+kWvS3JMVT040+lnf7owzoNr4TVtS/rpTKf5Pry775rku+fltbDNsxbm9/iF5ZcnOWjhCHSycB/PXjzvd5dMkfMzC+u29b1b5vHj7MXvSW7+b29H35OVcX1jpoD6mdUb1PQmUb+S6bTVl2zndMdPZtv3wzVJvpKbP1Ys3kfbuh+uyXSa7L9bmOvdFk5hvSzJr6/62bzTfJR6V3ldkh9N8qhMR9VX2+Zj1exrR+lqeifle2T+Xs3/xu6T5IPrGM/iUb/Fx4rfTNJJHjT/HP94bvoznO5+UKafw8syHQkGbgFxB5tId1+R6XU4L6mqu9b0RhEPqKrF070emOk0uFfsxE3ckn13lTckeV5VbZlf+/TLmZ4ILesPMr1+5McznQqY5GuvXXx2bnqEJAvr75YpqJ6+naM0v1pV+1TVdyX5gUxH2dbrXzM9wb7J4/ccRa/LdPTqKUkOqKqf2InrX3a8T8r0uqybPAGs6U0yTsx0WuBapx+eleSbavoMub2r6kcyve5r5RTSX8oUCO+eX1+VTK+xvDDJqfn60bx/SHJtVf1cVd2xps8z+7aq+g/rmN+ac1jwnCSv7u5P7+iKuntrpqNff5DkLfOR8pVxXpHkhVV156r6hqp65BJju0umgPjc/DrFX1linxUrR6B/tqpuP7+m8LGZXlO62lczPfleedOgR2YKxbet3nDJx49d5d+SfDE3/zmvTEetXp3kqZnu222dMrvN+2E+tfpNSX69qu5S0xuK/M/MjxVVdXimX5T86eornY8EvjLJS6vq3vP2B9TXX+/5yiQnVtXDa3Lnqvr+2sabhcxj+4Z5rnvPPyPbO7175Sj972c6cnmTx5vtjX3BY6rqP1bVPpnuv/d398rRt2cl+ev5tNtl/UxNbwK08ji58hreuyS5LtPP8QFZiPWq2remdzRNkr0z/bLlSwFuEXEHm8+TM/2m/iOZToX54yT3XVi/f6Y3KPjKTlz3Ldl3V3lBknMz/db5Q5lOcbzZO/Bty/wk/QOZnvAuvmHKOzO9lm1bv1n+7SRvnV9/tZZPZ7q/L8/05gUn9tpvArEtL6rp3RovTnJRpid2i34zydbufvn8OpofT/KCqjpsHbexnvHulynEVntqprg8Zj6aeRPd/ZlMofjTmU6H/NkkP9Dd18xPSp+a6Un2Wn4zyRFVddT85Pyxmd7Q4pJMR1Nelem1WMva1hxW7JWbH4HdnjOSfHsWXqe5MM4HZjqStDVfPyK5Pb+b6TS1azK9nf87lh1Ed1+f6XWLR8/7/58kT171/fvZqrou0/f5dkl+a77/z0jy3PkU5bXs6PHjlnrW/HP+ySTfkJvf/8/K9DjzS/PpmE9J8pT5FxA3MUfP4zK9odQ1mY4IP2nhfvjJTPF3caZfRPxhktPnI9Z/mel1c2/axjh/LtO/w7Pn0w3/KtOR1nT3uZlOl/y9TPfRRdn+G4W8MlPUHJfp9W9fyhKvE+7uF3X3TU7JXHLsyTTXX8l0Oua/z/Ra5VTVLyT5+STfVfM7bWb6pcp3zOtS0zttnrrq+t6W6bWA52c6kvjqefmvZjoT4fPz8rcu7HO3TG8084VM/4bvkMTH9cAt5HPuAFapqtMzvavm83a48XLX971JXtfdB+5g0z3CbW28e4qq+u5MR34OWfU6L9hj1PTxKVvXenyr6eNQLu3u16xa/h+T/Ode4zP4avrYlsO6+6LdMV5gfdb7GgCAodX0mVv/LdPbvMNSavr4gWcneZWw4zbs2kxHM1f78rwO2MOJO4BZVf1akp9K8pvdfclGj4fbhqr61kynAv9jbvo5aXCb0t2/s43l5+Sm76gK7KGclgkAADAAb6gCAAAwgNvUaZn3ute9+pBDDtnoYQAAAGyI884775ru3rLWuttU3B1yyCE599xzN3oYAAAAG6KqPrGtdU7LBAAAGIC4AwAAGIC4AwAAGIC4AwAAGIC4AwAAGIC4AwAAGIC4AwAAGIC4AwAAGIC4AwAAGIC4AwAAGIC4AwAAGIC4AwAAGIC4AwAAGIC4AwAAGIC4AwAAGIC4AwAAGIC4AwAAGIC4AwAAGIC4AwAAGIC4AwAAGIC4AwAAGIC4AwAAGIC4AwAAGIC4AwAAGIC4AwAAGIC4AwAAGIC4AwAAGIC4AwAAGIC4AwAAGIC4AwAAGIC4AwAAGIC4AwAAGIC4AwAAGIC4AwAAGMBScVdVR1XVhVV1UVWdvMb6H6uqD85//r6qHryjfavqHlX1rqr62Pz3frtmSgAAAJvPDuOuqvZKckqSo5McnuS4qjp81WaXJPme7n5Qkl9LctoS+56c5N3dfViSd8+XAQAA2AnLHLl7WJKLuvvi7r4+yRuTHLO4QXf/fXf/y3zx7CQHLrHvMUnOmL8+I8njd3oWAAAAm9zeS2xzQJLLFi5vTfLw7Wz/1CR/scS++3f3FUnS3VdU1b3XurKqOiHJCUly8MEHLzFcAGCjHfr2N2/I7V7y2CduyO1utvkCe6ZljtzVGst6zQ2rHpUp7n5uvftuS3ef1t1HdveRW7ZsWc+uAAAAm8Yycbc1yUELlw9McvnqjarqQUleleSY7v7MEvteWVX3nfe9b5Kr1jd0AAAAViwTd+ckOayqDq2qfZIcm+TMxQ2q6uAkb03ypO7+5yX3PTPJ8fPXxyd5285PAwAAYHPb4WvuuvuGqjopyTuT7JXk9O6+oKpOnNefmuSXk9wzyf+pqiS5YT6Vcs1956t+YZI3VdVTk3wyiZPGAQAAdtIyb6iS7j4ryVmrlp268PXTkjxt2X3n5Z9J8uj1DBYAAIC1LfUh5gAAAOzZxB0AAMAAxB0AAMAAxB0AAMAAxB0AAMAAxB0AAMAAxB0AAMAAxB0AAMAAxB0AAMAAxB0AAMAAxB0AAMAAxB0AAMAAxB0AAMAAxB0AAMAAxB0AAMAAxB0AAMAAxB0AAMAAxB0AAMAAxB0AAMAAxB0AAMAAxB0AAMAAxB0AAMAAxB0AAMAAxB0AAMAAxB0AAMAAxB0AAMAAxB0AAMAAxB0AAMAAxB0AAMAAxB0AAMAAxB0AAMAAxB0AAMAAxB0AAMAAxB0AAMAAxB0AAMAAxB0AAMAAxB0AAMAAxB0AAMAAxB0AAMAAxB0AAMAAxB0AAMAAxB0AAMAAxB0AAMAAxB0AAMAAxB0AAMAAxB0AAMAAxB0AAMAAxB0AAMAAxB0AAMAAxB0AAMAAxB0AAMAAxB0AAMAAxB0AAMAAxB0AAMAAxB0AAMAAxB0AAMAAxB0AAMAAxB0AAMAAxB0AAMAAxB0AAMAAxB0AAMAAxB0AAMAAxB0AAMAAxB0AAMAAxB0AAMAAxB0AAMAAxB0AAMAAxB0AAMAAxB0AAMAAxB0AAMAAxB0AAMAAxB0AAMAAxB0AAMAAxB0AAMAAxB0AAMAAxB0AAMAAxB0AAMAAxB0AAMAAxB0AAMAAxB0AAMAAxB0AAMAAxB0AAMAAxB0AAMAAxB0AAMAAxB0AAMAAxB0AAMAAxB0AAMAAxB0AAMAAloq7qjqqqi6sqouq6uQ11n9LVb2vqr5cVc9dWP7NVXX+wp9rq+o587rnV9WnFtY9ZpfNCgAAYJPZe0cbVNVeSU5J8n1JtiY5p6rO7O6PLGz22STPSvL4xX27+8IkRyxcz6eS/MnCJi/t7hffgvEDAACQ5Y7cPSzJRd19cXdfn+SNSY5Z3KC7r+ruc5J8ZTvX8+gkH+/uT+z0aAEAAFjTMnF3QJLLFi5vnZet17FJ3rBq2UlV9cGqOr2q9ltrp6o6oarOrapzr7766p24WQAAgPEtE3e1xrJez41U1T5JHpfkzQuLX57kAZlO27wiyUvW2re7T+vuI7v7yC1btqznZgEAADaNZeJua5KDFi4fmOTydd7O0Uk+0N1Xrizo7iu7+6vdfWOSV2Y6/RMAAICdsEzcnZPksKo6dD4Cd2ySM9d5O8dl1SmZVXXfhYtPSPLhdV4nAAAAsx2+W2Z331BVJyV5Z5K9kpze3RdU1Ynz+lOr6j5Jzk1y1yQ3zh93cHh3X1tVd8r0TpvPWHXVL6qqIzKd4nnpGusBAABY0g7jLkm6+6wkZ61adurC15/OdLrmWvt+Mck911j+pHWNFAAAgG1a6kPMAQAA2LOJOwAAgAGIOwAAgAGIOwAAgAGIOwAAgAGIOwAAgAGIOwAAgAGIOwAAgAGIOwAAgAGIOwAAgAGIOwAAgAGIOwAAgAGIOwAAgAGIOwAAgAGIOwAAgAGIOwAAgAGIOwAAgAGIOwAAgAGIOwAAgAGIOwAAgAGIOwAAgAGIOwAAgAGIOwAAgAGIOwAAgAGIOwAAgAGIOwAAgAGIOwAAgAGIOwAAgAGIOwAAgAGIOwAAgAGIOwAAgAGIOwAAgAGIOwAAgAGIOwAAgAGIOwAAgAGIOwAAgAGIOwAAgAGIOwAAgAGIOwAAgAGIOwAAgAGIOwAAgAGIOwAAgAGIOwAAgAGIOwAAgAGIOwAAgAGIOwAAgAGIOwAAgAGIOwAAgAGIOwAAgAGIOwAAgAGIOwAAgAGIOwAAgAGIOwAAgAGIOwAAgAGIOwAAgAGIOwAAgAGIOwAAgAGIOwAAgAGIOwAAgAGIOwAAgAGIOwAAgAGIOwAAgAGIOwAAgAGIOwAAgAGIOwAAgAGIOwAAgAGIOwAAgAGIOwAAgAGIOwAAgAGIOwAAgAGIOwAAgAGIOwAAgAGIOwAAgAGIOwAAgAGIOwAAgAGIOwAAgAGIOwAAgAGIOwAAgAGIOwAAgAGIOwAAgAGIOwAAgAGIOwAAgAGIOwAAgAGIOwAAgAGIOwAAgAGIOwAAgAGIOwAAgAGIOwAAgAEsFXdVdVRVXVhVF1XVyWus/5aqel9Vfbmqnrtq3aVV9aGqOr+qzl1Yfo+qeldVfWz+e79bPh0AAIDNaYdxV1V7JTklydFJDk9yXFUdvmqzzyZ5VpIXb+NqHtXdR3T3kQvLTk7y7u4+LMm758sAAADshGWO3D0syUXdfXF3X5/kjUmOWdygu6/q7nOSfGUdt31MkjPmr89I8vh17AsAAMCCZeLugCSXLVzeOi9bVif5y6o6r6pOWFi+f3dfkSTz3/dea+eqOqGqzq2qc6+++up13CwAAMDmsUzc1RrLeh238cjufmim0zqfWVXfvY59092ndfeR3X3kli1b1rMrAADAprFM3G1NctDC5QOTXL7sDXT35fPfVyX5k0yneSbJlVV13ySZ/75q2esEAADgppaJu3OSHFZVh1bVPkmOTXLmMldeVXeuqrusfJ3kvyT58Lz6zCTHz18fn+Rt6xk4AAAAX7f3jjbo7huq6qQk70yyV5LTu/uCqjpxXn9qVd0nyblJ7prkxqp6TqZ31rxXkj+pqpXb+sPufsd81S9M8qaqemqSTyZ54i6dGQAAwCayw7hLku4+K8lZq5aduvD1pzOdrrnatUkevI3r/EySRy89UgAAALZpqQ8xBwAAYM8m7gAAAAYg7gAAAAYg7gAAAAYg7gAAAAYg7gAAAAYg7gAAAAYg7gAAAAYg7gAAAAYg7gAAAAYg7gAAAAYg7gAAAAYg7gAAAAYg7gAAAAYg7gAAAAYg7gAAAAYg7gAAAAYg7gAAAAYg7gAAAAYg7gAAAAYg7gAAAAYg7gAAAAYg7gAAAAYg7gAAAAYg7gAAAAYg7gAAAAYg7gAAAAYg7gAAAAYg7gAAAAYg7gAAAAYg7gAAAAYg7gAAAAYg7gAAAAYg7gAAAAYg7gAAAAYg7gAAAAYg7gAAAAYg7gAAAAYg7gAAAAYg7gAAAAYg7gAAAAYg7gAAAAYg7gAAAAYg7gAAAAYg7gAAAAYg7gAAAAYg7gAAAAYg7gAAAAYg7gAAAAYg7gAAAAYg7gAAAAYg7gAAAAYg7gAAAAYg7gAAAAYg7gAAAAYg7gAAAAYg7gAAAAYg7gAAAAYg7gAAAAYg7gAAAAYg7gAAAAYg7gAAAAYg7gAAAAYg7gAAAAYg7gAAAAYg7gAAAAYg7gAAAAYg7gAAAAYg7gAAAAYg7gAAAAYg7gAAAAYg7gAAAAYg7gAAAAYg7gAAAAYg7gAAAAYg7gAAAAYg7gAAAAYg7gAAAAaw90YPAIDN69C3v3lDbveSxz5xQ24XRuHfLuyZHLkDAAAYgLgDAAAYgLgDAAAYgLgDAAAYgLgDAAAYgLgDAAAYgLgDAAAYgLgDAAAYgLgDAAAYwFJxV1VHVdWFVXVRVZ28xvpvqar3VdWXq+q5C8sPqqq/qaqPVtUFVfXshXXPr6pPVdX585/H7JopAQAAbD5772iDqtorySlJvi/J1iTnVNWZ3f2Rhc0+m+RZSR6/avcbkvx0d3+gqu6S5LyqetfCvi/t7hff0kkAAABsdsscuXtYkou6++Luvj7JG5Mcs7hBd1/V3eck+cqq5Vd09wfmr7+Q5KNJDtglIwcAAOBrlom7A5JctnB5a3Yi0KrqkCQPSfL+hcUnVdUHq+r0qtpvG/udUFXnVtW5V1999XpvFgAAYFNYJu5qjWW9nhupqn2TvCXJc7r72nnxy5M8IMkRSa5I8pK19u3u07r7yO4+csuWLeu5WQAAgE1jmbjbmuSghcsHJrl82RuoqttnCrvXd/dbV5Z395Xd/dXuvjHJKzOd/gkAAMBOWCbuzklyWFUdWlX7JDk2yZnLXHlVVZJXJ/lod//OqnX3Xbj4hCQfXm7IAAAArLbDd8vs7huq6qQk70yyV5LTu/uCqjpxXn9qVd0nyblJ7prkxqp6TpLDkzwoyZOSfKiqzp+v8he6+6wkL6qqIzKd4nlpkmfswnkBAABsKjuMuySZY+ysVctOXfj605lO11ztvVn7NXvp7ictP0wAAAC2Z6kPMQcAAGDPJu4AAAAGIO4AAAAGIO4AAAAGIO4AAAAGIO4AAAAGIO4AAAAGIO4AAAAGIO4AAAAGIO4AAAAGIO4AAAAGIO4AAAAGIO4AAAAGIO4AAAAGIO4AAAAGIO4AAAAGIO4AAAAGIO4AAAAGIO4AAAAGIO4AAAAGIO4AAAAGIO4AAAAGIO4AAAAGIO4AAAAGIO4AAAAGIO4AAAAGIO4AAAAGIO4AAAAGIO4AAAAGIO4AAAAGIO4AAAAGIO4AAAAGIO4AAAAGIO4AAAAGIO4AAAAGIO4AAAAGIO4AAAAGIO4AAAAGIO4AAAAGIO4AAAAGIO4AAAAGIO4AAAAGIO4AAAAGIO4AAAAGIO4AAAAGIO4AAAAGIO4AAAAGIO4AAAAGIO4AAAAGIO4AAAAGIO4AAAAGIO4AAAAGIO4AAAAGIO4AAAAGIO4AAAAGIO4AAAAGIO4AAAAGIO4AAAAGIO4AAAAGIO4AAAAGIO4AAAAGIO4AAAAGIO4AAAAGIO4AAAAGIO4AAAAGIO4AAAAGIO4AAAAGIO4AAAAGIO4AAAAGIO4AAAAGIO4AAAAGIO4AAAAGIO4AAAAGIO4AAAAGIO4AAAAGIO4AAAAGIO4AAAAGIO4AAAAGIO4AAAAGIO4AAAAGIO4AAAAGIO4AAAAGIO4AAAAGIO4AAAAGIO4AAAAGIO4AAAAGIO4AAAAGIO4AAAAGsFTcVdVRVXVhVV1UVSevsf5bqup9VfXlqnruMvtW1T2q6l1V9bH57/1u+XQAAAA2px3GXVXtleSUJEcnOTzJcVV1+KrNPpvkWUlevI59T07y7u4+LMm758sAAADshGWO3D0syUXdfXF3X5/kjUmOWdygu6/q7nOSfGUd+x6T5Iz56zOSPH7npgAAAMAycXdAkssWLm+dly1je/vu391XJMn8972XvE4AAABW2XuJbWqNZb3k9d+SfacrqDohyQlJcvDBB69nVwAAuMUOffubb/XbvOSxT7zVb5PbvmWO3G1NctDC5QOTXL7k9W9v3yur6r5JMv991VpX0N2ndfeR3X3kli1blrxZAACAzWWZuDsnyWFVdWhV7ZPk2CRnLnn929v3zCTHz18fn+Rtyw8bAACARTs8LbO7b6iqk5K8M8leSU7v7guq6sR5/alVdZ8k5ya5a5Ibq+o5SQ7v7mvX2ne+6hcmeVNVPTXJJ5M49gwAALCTlnnNXbr7rCRnrVp26sLXn850yuVS+87LP5Pk0esZLAAAAGtb6kPMAQAA2LOJOwAAgAGIOwAAgAGIOwAAgAGIOwAAgAGIOwAAgAGIOwAAgAGIOwAAgAGIOwAAgAGIOwAAgAGIOwAAgAGIOwAAgAGIOwAAgAGIOwAAgAGIOwAAgAGIOwAAgAGIOwAAgAGIOwAAgAGIOwAAgAGIOwAAgAGIOwAAgAGIOwAAgAGIOwAAgAGIOwAAgAGIOwAAgAGIOwAAgAGIOwAAgAGIOwAAgAGIOwAAgAGIOwAAgAGIOwAAgAGIOwAAgAGIOwAAgAGIOwAAgAGIOwAAgAGIOwAAgAGIOwAAgAGIOwAAgAGIOwAAgAGIOwAAgAGIOwAAgAGIOwAAgAGIOwAAgAGIOwAAgAGIOwAAgAGIOwAAgAGIOwAAgAGIOwAAgAGIOwAAgAGIOwAAgAHsvdEDAIDN4NC3v3lDbveSxz5xQ24XgFufI3cAAAADEHcAAAADEHcAAAADEHcAAAADEHcAAAADEHcAAAADEHcAAAADEHcAAAADEHcAAAADEHcAAAADEHcAAAADEHcAAAADEHcAAAADEHcAAAADEHcAAAADEHcAAAADEHcAAAADEHcAAAADEHcAAAADEHcAAAADEHcAAAADEHcAAAADEHcAAAADEHcAAAADEHcAAAADEHcAAAADEHcAAAADEHcAAAADEHcAAAADEHcAAAADEHcAAAADEHcAAAADEHcAAAADEHcAAAADEHcAAAADEHcAAAADEHcAAAADWCruquqoqrqwqi6qqpPXWF9V9bJ5/Qer6qHz8m+uqvMX/lxbVc+Z1z2/qj61sO4xu3RmAAAAm8jeO9qgqvZKckqS70uyNck5VXVmd39kYbOjkxw2/3l4kpcneXh3X5jkiIXr+VSSP1nY76Xd/eJdMA8AAIBNbZkjdw9LclF3X9zd1yd5Y5JjVm1zTJLX9uTsJHevqvuu2ubRST7e3Z+4xaMGAADgJpaJuwOSXLZweeu8bL3bHJvkDauWnTSfxnl6Ve23xFgAAABYwzJxV2ss6/VsU1X7JHlckjcvrH95kgdkOm3ziiQvWfPGq06oqnOr6tyrr756ieECAABsPsvE3dYkBy1cPjDJ5evc5ugkH+juK1cWdPeV3f3V7r4xySsznf55M919Wncf2d1HbtmyZYnhAgAAbD7LxN05SQ6rqkPnI3DHJjlz1TZnJnny/K6Zj0jy+e6+YmH9cVl1Suaq1+Q9IcmH1z16AAAAkizxbpndfUNVnZTknUn2SnJ6d19QVSfO609NclaSxyS5KMkXkzxlZf+qulOmd9p8xqqrflFVHZHp9M1L11gPAADAknYYd0nS3WdlCrjFZacufN1JnrmNfb+Y5J5rLH/SukYKAADANi31IeYAAADs2cQdAADAAMQdAADAAMQdAADAAMQdAADAAMQdAADAAMQdAADAAMQdAADAAMQdAADAAMQdAADAAMQdAADAAMQdAADAAMQdAADAAMQdAADAAMQdAADAAMQdAADAAMQdAADAAMQdAADAAMQdAADAAMQdAADAAMQdAADAAMQdAADAAMQdAADAAMQdAADAAMQdAADAAMQdAADAAMQdAADAAMQdAADAAMQdAADAAMQdAADAAMQdAADAAMQdAADAAMQdAADAAMQdAADAAMQdAADAAMQdAADAAMQdAADAAMQdAADAAMQdAADAAMQdAADAAMQdAADAAMQdAADAAMQdAADAAMQdAADAAMQdAADAAMQdAADAAMQdAADAAMQdAADAAMQdAADAAMQdAADAAMQdAADAAMQdAADAAMQdAADAAMQdAADAAMQdAADAAMQdAADAAMQdAADAAMQdAADAAMQdAADAAMQdAADAAMQdAADAAMQdAADAAMQdAADAAMQdAADAAMQdAADAAMQdAADAAMQdAADAAMQdAADAAMQdAADAAMQdAADAAMQdAADAAMQdAADAAMQdAADAAMQdAADAAMQdAADAAMQdAADAAMQdAADAAMQdAADAAMQdAADAAMQdAADAAMQdAADAAMQdAADAAMQdAADAAMQdAADAAMQdAADAAMQdAADAAMQdAADAAMQdAADAAMQdAADAAJaKu6o6qqourKqLqurkNdZXVb1sXv/BqnrowrpLq+pDVXV+VZ27sPweVfWuqvrY/Pd+u2ZKAAAAm88O466q9kpySpKjkxye5LiqOnzVZkcnOWz+c0KSl69a/6juPqK7j1xYdnKSd3f3YUnePV8GAABgJyxz5O5hSS7q7ou7+/okb0xyzKptjkny2p6cneTuVXXfHVzvMUnOmL8+I8njlx82AAAAi5aJuwOSXLZweeu8bNltOslfVtV5VXXCwjb7d/cVSTL/fe+1bryqTqiqc6vq3KuvvnqJ4QIAAGw+y8RdrbGs17HNI7v7oZlO3XxmVX33OsaX7j6tu4/s7iO3bNmynl0BAAA2jWXibmuSgxYuH5jk8mW36e6Vv69K8ieZTvNMkitXTt2c/75qvYMHAABgskzcnZPksKo6tKr2SXJskjNXbXNmkifP75r5iCSf7+4rqurOVXWXJKmqOyf5L0k+vLDP8fPXxyd52y2cCwAAwKa194426O4bquqkJO9MsleS07v7gqo6cV5/apKzkjwmyUVJvpjkKfPu+yf5k6paua0/7O53zOtemORNVfXUJJ9M8sRdNisAAIBNZodxlyTdfVamgFtcdurC153kmWvsd3GSB2/jOj+T5NHrGSwAAABrW+pDzAEAANiziTsAAIABiDsAAIABiDsAAIABiDsAAIABiDsAAIABiDsAAIABiDsAAIABiDsAAIABiDsAAIABiDsAAIABiDsAAIABiDsAAIABiDsAAIABiDsAAIABiDsAAIABiDsAAIABiDsAAIABiDsAAIABiDsAAIABiDsAAIAB7L3RAwAAAPYMh779zRtyu5c89okbcrujceQOAABgAOIOAABgAOIOAABgAOIOAABgAOIOAABgAOIOAABgAOIOAABgAOIOAABgAOIOAABgAOIOAABgAOIOAABgAOIOAABgAOIOAABgAOIOAABgAOIOAABgAOIOAABgAOIOAABgAOIOAABgAOIOAABgAOIOAABgAOIOAABgAOIOAABgAOIOAABgAOIOAABgAOIOAABgAOIOAABgAOIOAABgAOIOAABgAOIOAABgAOIOAABgAOIOAABgAOIOAABgAOIOAABgAOIOAABgAOIOAABgAOIOAABgAOIOAABgAOIOAABgAOIOAABgAOIOAABgAOIOAABgAOIOAABgAOIOAABgAOIOAABgAOIOAABgAOIOAABgAOIOAABgAOIOAABgAOIOAABgAOIOAABgAOIOAABgAOIOAABgAOIOAABgAOIOAABgAOIOAABgAHtv9AAAtufQt795Q273ksc+cUNuFwBgZzlyBwAAMABxBwAAMABxBwAAMABxBwAAMABxBwAAMABxBwAAMABxBwAAMABxBwAAMABxBwAAMABxBwAAMICl4q6qjqqqC6vqoqo6eY31VVUvm9d/sKoeOi8/qKr+pqo+WlUXVNWzF/Z5flV9qqrOn/88ZtdNCwAAYHPZe0cbVNVeSU5J8n1JtiY5p6rO7O6PLGx2dJLD5j8PT/Ly+e8bkvx0d3+gqu6S5LyqetfCvi/t7hfvuukAAABsTsscuXtYkou6++Luvj7JG5Mcs2qbY5K8tidnJ7l7Vd23u6/o7g8kSXd/IclHkxywC8cPAABAlou7A5JctnB5a24eaDvcpqoOSfKQJO9fWHzSfBrn6VW131o3XlUnVNW5VXXu1VdfvcRwAQAANp9l4q7WWNbr2aaq9k3yliTP6e5r58UvT/KAJEckuSLJS9a68e4+rbuP7O4jt2zZssRwAQAANp9l4m5rkoMWLh+Y5PJlt6mq22cKu9d391tXNujuK7v7q919Y5JXZjr9EwAAgJ2wTNydk+Swqjq0qvZJcmySM1dtc2aSJ8/vmvmIJJ/v7iuqqpK8OslHu/t3FneoqvsuXHxCkg/v9CwAAAA2uR2+W2Z331BVJyV5Z5K9kpze3RdU1Ynz+lOTnJXkMUkuSvLFJE+Zd39kkicl+VBVnT8v+4XuPivJi6rqiEynb16a5Bm7aE4AAACbzg7jLknmGDtr1bJTF77uJM9cY7/3Zu3X46W7n7SukQIAALBNS32IOQAAAHs2cQcAADAAcQcAADAAcQcAADAAcQcAADAAcQcAADAAcQcAADAAcQcAADAAcQcAADAAcQcAADAAcQcAADAAcQcAADAAcQcAADAAcQcAADAAcQcAADAAcQcAADAAcQcAADAAcQcAADAAcQcAADAAcQcAADAAcQcAADAAcQcAADAAcQcAADAAcQcAADAAcQcAADAAcQcAADAAcQcAADAAcQcAADAAcQcAADAAcQcAADAAcQcAADAAcQcAADAAcQcAADAAcQcAADAAcQcAADCAvTd6ALeWQ9/+5g253Use+8QNud3NNN/NNNdk8813s/H9BYBbz2j/7zpyBwAAMABxBwAAMABxBwAAMABxBwAAMABxBwAAMABxBwAAMABxBwAAMABxBwAAMABxBwAAMABxBwAAMABxBwAAMABxBwAAMABxBwAAMABxBwAAMABxBwAAMABxBwAAMABxBwAAMABxBwAAMABxBwAAMABxBwAAMABxBwAAMABxBwAAMABxBwAAMABxBwAAMABxBwAAMABxBwAAMABxBwAAMABxBwAAMABxBwAAMABxBwAAMABxBwAAMABxBwAAMABxBwAAMABxBwAAMABxBwAAMABxBwAAMABxBwAAMABxBwAAMABxBwAAMABxBwAAMABxBwAAMABxBwAAMABxBwAAMABxBwAAMABxBwAAMABxBwAAMABxBwAAMABxBwAAMABxBwAAMABxBwAAMABxBwAAMABxBwAAMICl4q6qjqqqC6vqoqo6eY31VVUvm9d/sKoeuqN9q+oeVfWuqvrY/Pd+u2ZKAAAAm88O466q9kpySpKjkxye5LiqOnzVZkcnOWz+c0KSly+x78lJ3t3dhyV593wZAACAnbDMkbuHJbmouy/u7uuTvDHJMau2OSbJa3tydpK7V9V9d7DvMUnOmL8+I8njb9lUAAAANq+9l9jmgCSXLVzemuThS2xzwA723b+7r0iS7r6iqu691o1X1QmZjgYmyXVVdeESY97V7pXkmp3ZsXbxQG4lm2m+m2muifkuzXxvEzbTfDfTXBPzXZr57vE201wT813aLZzv/be1Ypm4W+u2e8ltltl3u7r7tCSnrWefXa2qzu3uIzdyDLemzTTfzTTXxHxHZ77j2kxzTcx3dJtpvptpron57gmWOS1za5KDFi4fmOTyJbfZ3r5XzqduZv77quWHDQAAwKJl4u6cJIdV1aFVtU+SY5OcuWqbM5M8eX7XzEck+fx8yuX29j0zyfHz18cnedstnAsAAMCmtcPTMrv7hqo6Kck7k+yV5PTuvqCqTpzXn5rkrCSPSXJRki8mecr29p2v+oVJ3lRVT03yySRP3KUz27U29LTQDbCZ5ruZ5pqY7+jMd1ybaa6J+Y5uM813M801Md8NV93regkcAAAAe6ClPsQcAACAPZu4AwAAGIC4AwAAGIC4AwAAGIC4W0JV3WOjx3Brq6p9N3oMt4bN9L2tqgdW1Q9W1eEbPZbdpar2Xvh636o6cvTvcVVtqaqHVNW3j/7vtqr2r6qHzvPdf6PHsxFG/x5vRqM/Rq1WVY/b6DHcmjbT93fk5xlVdfeNHsOyxN0qVfXIqvpoVV1QVQ+vqnclObeqLquq79jo8d2KPrLRA9jVqup5C18fXlX/nOS8qrq0qh6+gUPbLarqb6rqXvPXT8r0kSVHJ/mjqvrJDR3cblBV/z3JlVX1z1V1dJIPJvmtJP9YVcdt6OB2g/ln+K+SvC/J+5O8KsmHquo1VXW3jR3drlVVR1TV2Unek+RFSX47yd9W1dlV9dANHdytb8TH5m+fv5eXVdVpVbXfwrp/2Mix7Wqb7TlGVf23VX9+MMlpK5c3eny7mucZQz/PuKaq/qqqnrqnh56PQlhl/o/kqUn2TfL2JI/v7vfOTyD+d3c/ckMHuAtV1f/c1qokv9jdQ/22qao+0N0Pnb/+8yS/191/UVUPS/K73f2dGzvCXauqPtzd3zZ/fU6So7r7M1V1pyRnd/eDNnaEu1ZVfSjJo5LcJck/JnlId398PsLzrgHne3aS47v7wvln+JndfXxVPT3Jf+3uH9rgIe4yVXV+kmd09/tXLX9Ekld094M3ZGC7ySZ8bH5vkhckOTvJ0zJ9Vu7j5n+//6+7H7KhA9yFNtNzjCSpqhuSvCPJVZl+fpPkh5L8cZLu7v+xUWPbHTzPGPd5xvwc4+eTHJfkqCTvTfKGJG/r7i9t5NhWc+Tu5m7f3R/q7vclubq735sk3f2BJHfc2KHtcr+RZL9MT4YX/+yb8X827tfdf5Ek3f0PGe97myRfqaoD5q+vS/Kv89dfTrLXxgxpt/pqd1/T3Zckua67P54k3X3lBo9rd7ljd1+YfO1n+Nvnr1+ZZLRTYu68OuySpLvPTnLnDRjP7rbZHpv37e53dPfnuvvFSU5K8o453kf7DfRmeo6RJN+RaV7nJPkf3f2UJNd091NGC7s1eJ4xlq909591948lOTDJ65P8cJKtVfWHGzu0m9p7x5tsOov/cf78qnX73JoDuRV8IMmfdvd5q1dU1dM2YDy72zdW1ZmZfnt4YFXdqbu/OK+7/QaOa3f5qSR/WVVvSXJBkr+uqnck+a4kv7+hI9s9PllVv5npSfA/VdVLkrw1yX9OcsWGjmz3+HhV/VKSdyf5b0nOT5Kqun3Ge2z/i/m34K9Nctm87KAkT850VGA0m+2xuarqbt39+STp7r+ZT997S5KhjlJmcz3HSHefU1Xfl+QnM/0f9HMZL9gXeZ4x7vOMlSPPmY/UvSnJm+aXQTx+owa1FqdlrjK/0PevFv4xrix/QJIf7O4XbczIdr2q+uYkn+nua9ZYt/9oRzyq6ntWLTqvu6+bT9v7oe4+ZSPGtTvNDzo/muSbMj3h35rpFIJ/2tCB7QZVddckz8z0xOH3kvzXTKd3fSLJC7p7qMCbz/n/hUxH6f4xyQu7+wvz9/xb56Naw5hfR3lMkgMy/Se7NcmZ3X3Whg5sN9iEj80/muTi1T+zVXVwkl/q7qdvzMh2vc30HGO1qrpfkt9NcmR3f+MGD2e38Dxj3OcZVfXc+cyCPZ64AwAAGMCI5+7vNlV1wkaP4daymeaamO/ozHdcm2muifmObDPNNTHf0W2m+e5pcxV361M73mQYm2muifmOznzHtZnmmpjvyDbTXBPzHd1mmu8eNVenZa6hqr4l0+s63t/d1y0sP6q7h3rx/vz2vD2/6PnwTG/v+k8jvo4lMd+Y71A223wXVdVru/vJGz2OW4v5jmszzTUx39FtpvnuqXMd7R3VbrGqelamN2X4aJJXV9Wzu/tt8+rfyEDvzFZVv5Lpwyb3rumDVB+e6UOCT66qh3T3r2/k+HY18zXfjRzfrraZ5ju/+9xNFiV51PymMunux93qg9qNzHfc+W6muSbmG/MdZr63pbk6crdKTR9S+B3zuxsdkumDNv+gu/+/Gu/DVD+U5Igkd0jy6SQHdve1VXXHTEcth/nwycR8Y77mextVVR9I8pEkr8r0bqiV6cNjj02S7v7bjRvdrme+4853M801Md+Y7zDzvS3N1Wvubm6vlVMxu/vSJN+b5Oiq+p3sYefU7gI3dPdX57dk/nh3X5t87fM7btzYoe0W5hvzHchmmu+RSc5L8otJPt/d70nype7+2z3pP9RdyHzHne9mmmtivu+J+Y7iNjNXp2Xe3Ker6ojuPj9J5iN4P5Dk9CTfvqEj2/Wur69/wOa/X1k4f2bJaE8OE/NNYr4D2TTz7e4bk7y0qt48/31lBv7/y3zHne9mmmtivuY7jtvSXPfIQW2wJye5YXFBd9+Q5MlV9YqNGdJu893d/eXkaz+0K26f5PiNGdJuZb4T8x3DZptvuntrkidW1fcnuXajx7O7me+4NtNcE/Pd6PHsbptpvreFuXrNHQAAwAC85g4AAGAA4g4AAGAA4g6AYVXVV6vq/Kr6cFW9uarutIPtv6Gq3l5V51bVi26tcQLAruA1dwAMq6qu6+59569fn+S87v6dDR4WAOwWjtwBsFn8XZIHJklV/XhV/cN8VO8VVbXXvPy6lY2r6u+q6s+q6o7zdudX1fVV9aH56yOr6jVV9UPz9k+rqq6qe1XVIVX14YXr+qGqes389Wuq6pKF6/zOW/NOAGBcPgoBgOFV1d5Jjk7yjqr61iQ/kuSR3f2Vqvo/SX4syWsXtv/+JHfL9GG1X0pyxLz80iSP6u5r5ssr239DkhOTXLXkkH6mu//4ls8MAL7OkTsARnbHqjo/yblJPpnk1UkenemD38+Z1z06yTeu7FBTsf1ikt9Yx+08M8kZSb60sOwBK0fnkvz2zk8BAJbjyB0AI/tSdx+xuGCOtzO6++e3sc9xSd6T5NNL3sZd532+M8lPLyz/+Mptz6du/sDSowaAneDIHQCbzbuT/FBV3TtJquoeVXX/ed3tkvxUkvW8U+ZPJXlZd1+/a4cJAOsj7gDYVLr7I0mel+Qvq+qDSd6V5L7z6jsm+ePu/tw6rrKSvG6XDhIAdoKPQgAAABiAI3cAAAADEHcAAAADEHcAAAADEHcAAAADEHcAAAADEHcAAAADEHcAAAAD+P8BNxfVZ5Sn3A0AAAAASUVORK5CYII="/>
+          <p:cNvSpPr>
+            <a:spLocks noChangeAspect="1" noChangeArrowheads="1"/>
+          </p:cNvSpPr>
           <p:nvPr/>
         </p:nvSpPr>
-        <p:spPr>
+        <p:spPr bwMode="auto">
           <a:xfrm>
-            <a:off x="395653" y="6131538"/>
-            <a:ext cx="11229974" cy="577081"/>
+            <a:off x="155575" y="-144463"/>
+            <a:ext cx="304800" cy="304801"/>
           </a:xfrm>
           <a:prstGeom prst="rect">
             <a:avLst/>
           </a:prstGeom>
+          <a:noFill/>
+          <a:extLst>
+            <a:ext uri="{909E8E84-426E-40DD-AFC4-6F175D3DCCD1}">
+              <a14:hiddenFill xmlns:a14="http://schemas.microsoft.com/office/drawing/2010/main">
+                <a:solidFill>
+                  <a:srgbClr val="FFFFFF"/>
+                </a:solidFill>
+              </a14:hiddenFill>
+            </a:ext>
+          </a:extLst>
         </p:spPr>
         <p:txBody>
-          <a:bodyPr wrap="square">
-            <a:spAutoFit/>
+          <a:bodyPr vert="horz" wrap="square" lIns="91440" tIns="45720" rIns="91440" bIns="45720" numCol="1" anchor="t" anchorCtr="0" compatLnSpc="1">
+            <a:prstTxWarp prst="textNoShape">
+              <a:avLst/>
+            </a:prstTxWarp>
           </a:bodyPr>
           <a:lstStyle/>
           <a:p>
-            <a:r>
-              <a:rPr lang="ru-RU" sz="1050" b="1" dirty="0"/>
-              <a:t>Вывод :</a:t>
-            </a:r>
-          </a:p>
-          <a:p>
-            <a:r>
-              <a:rPr lang="ru-RU" sz="1050" b="1" dirty="0"/>
-              <a:t>В Google Play Store </a:t>
-            </a:r>
-            <a:r>
-              <a:rPr lang="ru-RU" sz="1050" b="1" dirty="0" smtClean="0"/>
-              <a:t>отзывы делятся </a:t>
-            </a:r>
-            <a:r>
-              <a:rPr lang="ru-RU" sz="1050" b="1" dirty="0"/>
-              <a:t>на позитивные ,негативные и нейтральные </a:t>
-            </a:r>
-            <a:r>
-              <a:rPr lang="ru-RU" sz="1050" b="1" dirty="0" smtClean="0"/>
-              <a:t>. Основу составляют отзывы имеющие нейтральную окраску </a:t>
-            </a:r>
-            <a:endParaRPr lang="ru-RU" sz="1050" b="1" dirty="0"/>
-          </a:p>
-          <a:p>
-            <a:endParaRPr lang="ru-RU" sz="1050" dirty="0"/>
+            <a:endParaRPr lang="ru-RU"/>
+          </a:p>
+        </p:txBody>
+      </p:sp>
+      <p:sp>
+        <p:nvSpPr>
+          <p:cNvPr id="3" name="AutoShape 7" descr="data:image/png;base64,iVBORw0KGgoAAAANSUhEUgAAA3cAAANyCAYAAADB/jKlAAAAOXRFWHRTb2Z0d2FyZQBNYXRwbG90bGliIHZlcnNpb24zLjMuMiwgaHR0cHM6Ly9tYXRwbG90bGliLm9yZy8vihELAAAACXBIWXMAAAsTAAALEwEAmpwYAAA7h0lEQVR4nO3dfbytdV3n//dHEFPxBvWIyo2Q0g1Tig6jltON4zQDlqJTFlTKOCrySFKbrKisbLIy0+znxIioJKZpmpZYpJllk4/EAIdUNBIB5QhyoymSJiKf3x/XtXWx2eectQ/nsA/f/Xw+Hudx9rpu1vp+195nnfXa17XWqu4OAAAAt2232+gBAAAAcMuJOwAAgAGIOwAAgAGIOwAAgAGIOwAAgAGIOwBgU6iq22/0GAB2J3EH3ERVHV5Vj6mqvarq2Kq630aPCTZCVf1oVR1YVXerqqdv9HhYv/lx7OSq+seq+nSSrVX1DRs9LoDdRdzBgKrq0qr6UlVdV1VXVtXvV9W+S+5+dZLnJbkmyZOTfHa3DRT2bF9O8r4kFybZZ4PHws45Jcn3JXlCd9+nu/fv7n/b6EEtqqpfq6oPVdUNVfX8jR4PcNtWPsQcxlNVlyZ5Wnf/VVUdkOSdSf6su0/e2JEB3Dqq6tAkZyd5YHd/YaPHsy1VdXySq5KcmOT/dffzN3ZEwG2ZI3cwuO7+VJK/SPJtSTKfYvbqqrqiqj5VVS+oqr3mdf+9qt67sm9V/WxVdVX956r6jvlI4HVV9ZWqun7h8sHb23e+/Pyqet3C+r3n9YfMl1+z6jqvq6q7rZ7PfDtfXbXdjVX1vfP6O1TV71bV5fOf362qO8zrvnfednHfr87XeYeq+mxVffvCbd17PgK6Zb58yDzmxX2fNq+7U1W9ab6O6+a5vGbhdrdW1S9U1TXzkdUfW7id11TVCxYuP7CqeuHye1ZuZ9V98YKF2/iRqrq4qu46Xz66qj69MvZV+62ex8r39Pk7Od6z5uvbe9U2K9/PL1XV1oV131lV51TV5+e/v3NefruqektVvWxh266qB85fP7uq3ldVd5wv32/e/uqquqSqnrWw3zI/b9ucw+J9Po/rQ4tzWHV/nlJVL1m17O1V9Zz564Oq6q3zOD9TVb83j33lvr9+vv9XLn9XVe1XVX827/Mv89cHLlz/TX4mavo3eunC5W+dt/lcVV1QVY/bxvfms1X1qlXfu9X/xha/B0s/fszLttbX/22u63uysN3Tquo989ffOf9MHjRffvA8x29Z41vzH5JckeTM+Wdt9f1wt6p67Xwff6KqnldVt1tYv/rx4sb6+uPZHarqxVX1yZrOjjh15edyXv8DVXX+PLa/r6oHrTG+JEl3n9Hdf5FkhwE634ddVU9YWPYT87LFn4ftjf0183jfVVVfqKq/rar7r7qd91bVv837/tvq7+uqbbuqnlXT4881VfXbK/djVT2gqv56/rm/pqpeX1V3X9j3/8730edq+rd8lx3dB8D2iTsY3Pwk6DFJ/t+86IwkNyR5YJKHJPkvSdYKh/2SPCvJ55Kku9/X3ft2975JXp/kRSuXu/uT29t3HRavc9/u/vw2tnvf4nZJLl9Y94tJHpHkiCQPTvKwTKeZrrh81b7vm+f35SRvTPLjC9sel+Svuvvq+fLKY+bd5n3/bmHbJyf55iSHzutetGrM90lyryQHJDk+yWlV9c3bvTfWobv/aJ7Ly6rqnkleneno7dXb2e3uC/fDH+3MeOcn7ms9cb1dkt+ar/vohe3vkeTPk7wsyT2T/E6SP6+qe3b3jZnu/yOr6n+uup0nJPmJJI/t7i/NTx7fnuQf5zE+Oslzquq/bme+a9rOHFYcn2S/7aw/I8lxC09o7zWP5w1z+PxZkk8kOWQe6xu7+/KF+/43kvzRws/l32W6/34/yf2THJzkS0l+b8n53D7TffOXSe6d5CeTvH7V9+9F820fnuT7kxy1sO52Sf5+YXyr57rDx4/dpbv/Pskrkpwxx9QfJHled//TGpvfKdNjwLuSbMnN74f/neRuSb4xyfdk+jf8lIX9b5fkUwv3w+Lj3G8l+aZMjzMPzPR9/eUkqaqHJjk9yTMy/Yy/IlNg3uEWTf7r/ik3vc//e5KPrdpme2NPkh9L8muZ/o2fn+kxfVEleca874lLjOkJSY5M8tAkxyT5HwvX85tJ7pfkW5MclOT5C/udNI/hoCR3necC3ALiDsb1p1X1uSTvTfK3SX6jqvbP9ET7Od39r919VZKXJjl2jf1/MdMTlG0F1vbckn1vqR9L8r+6+6o5bH41yZOW3PeMJD+68Nv7J2V68rhinyQ3dvdX19i35j97bef6f6m7v9zdf5spcH54yXEt65lJ/lOS9yR5e3f/2S28vu2Ot6oqU8T+8hr77pPk+jWWf3+Sj3X3H3T3Dd39hkxPVh+bJN39pSSPS/LzVfWD8z4PT/LaJI/r7mvmZf8hyZbu/l/dfX13X5zklVn7Z3mbdjCH1PTmG7+U6Ynwmrr7HzL9rD96XnRskvd095WZfrlwvyQ/M/+b+7fu3uZRkIXr/Ex3v6W7vzifUvjrmQJkGY9Ism+SF873zV9nCszj1th2r0w/t59ZWLbm926djx+70/MzRdk/ZPrFzinb2fbKrHE/zNH9I0l+vru/0N2XJnlJbvpYsa37oZI8PclPdfdn5+/Pb+Tr98PTk7yiu9/f3V/t7jMyvX7zETs74VXOS7J/TW/285B5jpev2mZb//5W/Hl3/9/5l1q/mOQ7Vo6Gzu64g/1X+635vvhkkt/N/LPW3Rd197vmx5GrM/0y52s/x939we6+IdPP4A1JPrSO2wTWIO5gXI/v7rt39/27+yfmJ833T3L7JFesnAqT6bfK917csaoOzvRE/rfXe6M72PeHF273mjXW7wr3y3SUZMUn5mU71N3vT/KvSb5nPs3rgUnOXNjkHkn+ZRu7n5HknCRXV9Xnkzx31fp/6e5/3c64nrtw33xgjet/2bz+iqo6vdZ4x7/u/lySN2c6Bfclq9ev047Gm0zf588k+es19t/WfbX6+7Ny3QcsXH5okmszPUlMpiNWF2cK1xX3T3K/hVO6PpfkF5Lsvzi+JX7etjeHJHl2ptesXriN9SvOyNeP+v54vv5LgYOSfGJ+Aru0mk7zfcV8uuC1Sf5vkrvPUbLiZQvz+9OF5fdLctl8JHTF6vv4ufN+l2U64nvOwrptfe+Wefx4xKrvyc1+ZnbwPVn5d3BlTaey3nP1Bt39lSSvyfxz3tt+84AvZ9v3w70yBdDqx4rF+2hb98OWTEcFz1uYyzvm5cl0P/30qvvhoCz5OLSk12Q6yvj0JK9aY/32HquS6fueJOnu6zK9cdbi+O6T6c21lnXZwtdfe6yo6dT2N9Z0Cu+1SV6X6b7/mqr64DzWOyb553XcJrAGcQeby2WZnvDcaw6/u3f3Xbv7363a7gWZTtvamTch2N6+b1q53az6D34XujzTk6sVB+fmv9XenpUn6U9K8sd903fW+6Zs48lHd38x01GBD2c6FevFqzbZr6ruvJ1xvXjhvnnoGjfxrHndtyX591nj9KWqOiLT6VBvyHTa4y2xo/HePtPRrJ/bxv7buq9Wf39WrvtTydeOlJ2S5IRMR1aS6RTfH07yK1V1n3nZZUkuWfg5vnt336W7H7NwvTv6edvRHO6R6bSxX93G+kWvS3JMVT040+lnf7owzoNr4TVtS/rpTKf5Pry775rku+fltbDNsxbm9/iF5ZcnOWjhCHSycB/PXjzvd5dMkfMzC+u29b1b5vHj7MXvSW7+b29H35OVcX1jpoD6mdUb1PQmUb+S6bTVl2zndMdPZtv3wzVJvpKbP1Ys3kfbuh+uyXSa7L9bmOvdFk5hvSzJr6/62bzTfJR6V3ldkh9N8qhMR9VX2+Zj1exrR+lqeifle2T+Xs3/xu6T5IPrGM/iUb/Fx4rfTNJJHjT/HP94bvoznO5+UKafw8syHQkGbgFxB5tId1+R6XU4L6mqu9b0RhEPqKrF070emOk0uFfsxE3ckn13lTckeV5VbZlf+/TLmZ4ILesPMr1+5McznQqY5GuvXXx2bnqEJAvr75YpqJ6+naM0v1pV+1TVdyX5gUxH2dbrXzM9wb7J4/ccRa/LdPTqKUkOqKqf2InrX3a8T8r0uqybPAGs6U0yTsx0WuBapx+eleSbavoMub2r6kcyve5r5RTSX8oUCO+eX1+VTK+xvDDJqfn60bx/SHJtVf1cVd2xps8z+7aq+g/rmN+ac1jwnCSv7u5P7+iKuntrpqNff5DkLfOR8pVxXpHkhVV156r6hqp65BJju0umgPjc/DrFX1linxUrR6B/tqpuP7+m8LGZXlO62lczPfleedOgR2YKxbet3nDJx49d5d+SfDE3/zmvTEetXp3kqZnu222dMrvN+2E+tfpNSX69qu5S0xuK/M/MjxVVdXimX5T86eornY8EvjLJS6vq3vP2B9TXX+/5yiQnVtXDa3Lnqvr+2sabhcxj+4Z5rnvPPyPbO7175Sj972c6cnmTx5vtjX3BY6rqP1bVPpnuv/d398rRt2cl+ev5tNtl/UxNbwK08ji58hreuyS5LtPP8QFZiPWq2remdzRNkr0z/bLlSwFuEXEHm8+TM/2m/iOZToX54yT3XVi/f6Y3KPjKTlz3Ldl3V3lBknMz/db5Q5lOcbzZO/Bty/wk/QOZnvAuvmHKOzO9lm1bv1n+7SRvnV9/tZZPZ7q/L8/05gUn9tpvArEtL6rp3RovTnJRpid2i34zydbufvn8OpofT/KCqjpsHbexnvHulynEVntqprg8Zj6aeRPd/ZlMofjTmU6H/NkkP9Dd18xPSp+a6Un2Wn4zyRFVddT85Pyxmd7Q4pJMR1Nelem1WMva1hxW7JWbH4HdnjOSfHsWXqe5MM4HZjqStDVfPyK5Pb+b6TS1azK9nf87lh1Ed1+f6XWLR8/7/58kT171/fvZqrou0/f5dkl+a77/z0jy3PkU5bXs6PHjlnrW/HP+ySTfkJvf/8/K9DjzS/PpmE9J8pT5FxA3MUfP4zK9odQ1mY4IP2nhfvjJTPF3caZfRPxhktPnI9Z/mel1c2/axjh/LtO/w7Pn0w3/KtOR1nT3uZlOl/y9TPfRRdn+G4W8MlPUHJfp9W9fyhKvE+7uF3X3TU7JXHLsyTTXX8l0Oua/z/Ra5VTVLyT5+STfVfM7bWb6pcp3zOtS0zttnrrq+t6W6bWA52c6kvjqefmvZjoT4fPz8rcu7HO3TG8084VM/4bvkMTH9cAt5HPuAFapqtMzvavm83a48XLX971JXtfdB+5g0z3CbW28e4qq+u5MR34OWfU6L9hj1PTxKVvXenyr6eNQLu3u16xa/h+T/Ode4zP4avrYlsO6+6LdMV5gfdb7GgCAodX0mVv/LdPbvMNSavr4gWcneZWw4zbs2kxHM1f78rwO2MOJO4BZVf1akp9K8pvdfclGj4fbhqr61kynAv9jbvo5aXCb0t2/s43l5+Sm76gK7KGclgkAADAAb6gCAAAwgNvUaZn3ute9+pBDDtnoYQAAAGyI884775ru3rLWuttU3B1yyCE599xzN3oYAAAAG6KqPrGtdU7LBAAAGIC4AwAAGIC4AwAAGIC4AwAAGIC4AwAAGIC4AwAAGIC4AwAAGIC4AwAAGIC4AwAAGIC4AwAAGIC4AwAAGIC4AwAAGIC4AwAAGIC4AwAAGIC4AwAAGIC4AwAAGIC4AwAAGIC4AwAAGIC4AwAAGIC4AwAAGIC4AwAAGIC4AwAAGIC4AwAAGIC4AwAAGIC4AwAAGIC4AwAAGIC4AwAAGIC4AwAAGIC4AwAAGIC4AwAAGIC4AwAAGIC4AwAAGIC4AwAAGIC4AwAAGMBScVdVR1XVhVV1UVWdvMb6H6uqD85//r6qHryjfavqHlX1rqr62Pz3frtmSgAAAJvPDuOuqvZKckqSo5McnuS4qjp81WaXJPme7n5Qkl9LctoS+56c5N3dfViSd8+XAQAA2AnLHLl7WJKLuvvi7r4+yRuTHLO4QXf/fXf/y3zx7CQHLrHvMUnOmL8+I8njd3oWAAAAm9zeS2xzQJLLFi5vTfLw7Wz/1CR/scS++3f3FUnS3VdU1b3XurKqOiHJCUly8MEHLzFcAGCjHfr2N2/I7V7y2CduyO1utvkCe6ZljtzVGst6zQ2rHpUp7n5uvftuS3ef1t1HdveRW7ZsWc+uAAAAm8Yycbc1yUELlw9McvnqjarqQUleleSY7v7MEvteWVX3nfe9b5Kr1jd0AAAAViwTd+ckOayqDq2qfZIcm+TMxQ2q6uAkb03ypO7+5yX3PTPJ8fPXxyd5285PAwAAYHPb4WvuuvuGqjopyTuT7JXk9O6+oKpOnNefmuSXk9wzyf+pqiS5YT6Vcs1956t+YZI3VdVTk3wyiZPGAQAAdtIyb6iS7j4ryVmrlp268PXTkjxt2X3n5Z9J8uj1DBYAAIC1LfUh5gAAAOzZxB0AAMAAxB0AAMAAxB0AAMAAxB0AAMAAxB0AAMAAxB0AAMAAxB0AAMAAxB0AAMAAxB0AAMAAxB0AAMAAxB0AAMAAxB0AAMAAxB0AAMAAxB0AAMAAxB0AAMAAxB0AAMAAxB0AAMAAxB0AAMAAxB0AAMAAxB0AAMAAxB0AAMAAxB0AAMAAxB0AAMAAxB0AAMAAxB0AAMAAxB0AAMAAxB0AAMAAxB0AAMAAxB0AAMAAxB0AAMAAxB0AAMAAxB0AAMAAxB0AAMAAxB0AAMAAxB0AAMAAxB0AAMAAxB0AAMAAxB0AAMAAxB0AAMAAxB0AAMAAxB0AAMAAxB0AAMAAxB0AAMAAxB0AAMAAxB0AAMAAxB0AAMAAxB0AAMAAxB0AAMAAxB0AAMAAxB0AAMAAxB0AAMAAxB0AAMAAxB0AAMAAxB0AAMAAxB0AAMAAxB0AAMAAxB0AAMAAxB0AAMAAxB0AAMAAxB0AAMAAxB0AAMAAxB0AAMAAxB0AAMAAxB0AAMAAxB0AAMAAxB0AAMAAxB0AAMAAxB0AAMAAxB0AAMAAxB0AAMAAxB0AAMAAxB0AAMAAxB0AAMAAxB0AAMAAxB0AAMAAxB0AAMAAxB0AAMAAxB0AAMAAxB0AAMAAxB0AAMAAxB0AAMAAxB0AAMAAxB0AAMAAxB0AAMAAxB0AAMAAxB0AAMAAxB0AAMAAloq7qjqqqi6sqouq6uQ11n9LVb2vqr5cVc9dWP7NVXX+wp9rq+o587rnV9WnFtY9ZpfNCgAAYJPZe0cbVNVeSU5J8n1JtiY5p6rO7O6PLGz22STPSvL4xX27+8IkRyxcz6eS/MnCJi/t7hffgvEDAACQ5Y7cPSzJRd19cXdfn+SNSY5Z3KC7r+ruc5J8ZTvX8+gkH+/uT+z0aAEAAFjTMnF3QJLLFi5vnZet17FJ3rBq2UlV9cGqOr2q9ltrp6o6oarOrapzr7766p24WQAAgPEtE3e1xrJez41U1T5JHpfkzQuLX57kAZlO27wiyUvW2re7T+vuI7v7yC1btqznZgEAADaNZeJua5KDFi4fmOTydd7O0Uk+0N1Xrizo7iu7+6vdfWOSV2Y6/RMAAICdsEzcnZPksKo6dD4Cd2ySM9d5O8dl1SmZVXXfhYtPSPLhdV4nAAAAsx2+W2Z331BVJyV5Z5K9kpze3RdU1Ynz+lOr6j5Jzk1y1yQ3zh93cHh3X1tVd8r0TpvPWHXVL6qqIzKd4nnpGusBAABY0g7jLkm6+6wkZ61adurC15/OdLrmWvt+Mck911j+pHWNFAAAgG1a6kPMAQAA2LOJOwAAgAGIOwAAgAGIOwAAgAGIOwAAgAGIOwAAgAGIOwAAgAGIOwAAgAGIOwAAgAGIOwAAgAGIOwAAgAGIOwAAgAGIOwAAgAGIOwAAgAGIOwAAgAGIOwAAgAGIOwAAgAGIOwAAgAGIOwAAgAGIOwAAgAGIOwAAgAGIOwAAgAGIOwAAgAGIOwAAgAGIOwAAgAGIOwAAgAGIOwAAgAGIOwAAgAGIOwAAgAGIOwAAgAGIOwAAgAGIOwAAgAGIOwAAgAGIOwAAgAGIOwAAgAGIOwAAgAGIOwAAgAGIOwAAgAGIOwAAgAGIOwAAgAGIOwAAgAGIOwAAgAGIOwAAgAGIOwAAgAGIOwAAgAGIOwAAgAGIOwAAgAGIOwAAgAGIOwAAgAGIOwAAgAGIOwAAgAGIOwAAgAGIOwAAgAGIOwAAgAGIOwAAgAGIOwAAgAGIOwAAgAGIOwAAgAGIOwAAgAGIOwAAgAGIOwAAgAGIOwAAgAGIOwAAgAGIOwAAgAGIOwAAgAGIOwAAgAGIOwAAgAGIOwAAgAGIOwAAgAGIOwAAgAGIOwAAgAGIOwAAgAGIOwAAgAGIOwAAgAGIOwAAgAGIOwAAgAGIOwAAgAGIOwAAgAGIOwAAgAGIOwAAgAGIOwAAgAGIOwAAgAGIOwAAgAGIOwAAgAGIOwAAgAGIOwAAgAGIOwAAgAGIOwAAgAEsFXdVdVRVXVhVF1XVyWus/5aqel9Vfbmqnrtq3aVV9aGqOr+qzl1Yfo+qeldVfWz+e79bPh0AAIDNaYdxV1V7JTklydFJDk9yXFUdvmqzzyZ5VpIXb+NqHtXdR3T3kQvLTk7y7u4+LMm758sAAADshGWO3D0syUXdfXF3X5/kjUmOWdygu6/q7nOSfGUdt31MkjPmr89I8vh17AsAAMCCZeLugCSXLVzeOi9bVif5y6o6r6pOWFi+f3dfkSTz3/dea+eqOqGqzq2qc6+++up13CwAAMDmsUzc1RrLeh238cjufmim0zqfWVXfvY59092ndfeR3X3kli1b1rMrAADAprFM3G1NctDC5QOTXL7sDXT35fPfVyX5k0yneSbJlVV13ySZ/75q2esEAADgppaJu3OSHFZVh1bVPkmOTXLmMldeVXeuqrusfJ3kvyT58Lz6zCTHz18fn+Rt6xk4AAAAX7f3jjbo7huq6qQk70yyV5LTu/uCqjpxXn9qVd0nyblJ7prkxqp6TqZ31rxXkj+pqpXb+sPufsd81S9M8qaqemqSTyZ54i6dGQAAwCayw7hLku4+K8lZq5aduvD1pzOdrrnatUkevI3r/EySRy89UgAAALZpqQ8xBwAAYM8m7gAAAAYg7gAAAAYg7gAAAAYg7gAAAAYg7gAAAAYg7gAAAAYg7gAAAAYg7gAAAAYg7gAAAAYg7gAAAAYg7gAAAAYg7gAAAAYg7gAAAAYg7gAAAAYg7gAAAAYg7gAAAAYg7gAAAAYg7gAAAAYg7gAAAAYg7gAAAAYg7gAAAAYg7gAAAAYg7gAAAAYg7gAAAAYg7gAAAAYg7gAAAAYg7gAAAAYg7gAAAAYg7gAAAAYg7gAAAAYg7gAAAAYg7gAAAAYg7gAAAAYg7gAAAAYg7gAAAAYg7gAAAAYg7gAAAAYg7gAAAAYg7gAAAAYg7gAAAAYg7gAAAAYg7gAAAAYg7gAAAAYg7gAAAAYg7gAAAAYg7gAAAAYg7gAAAAYg7gAAAAYg7gAAAAYg7gAAAAYg7gAAAAYg7gAAAAYg7gAAAAYg7gAAAAYg7gAAAAYg7gAAAAYg7gAAAAYg7gAAAAYg7gAAAAYg7gAAAAYg7gAAAAYg7gAAAAYg7gAAAAYg7gAAAAYg7gAAAAYg7gAAAAYg7gAAAAYg7gAAAAYg7gAAAAYg7gAAAAYg7gAAAAYg7gAAAAYg7gAAAAYg7gAAAAYg7gAAAAYg7gAAAAYg7gAAAAaw90YPAIDN69C3v3lDbveSxz5xQ24XRuHfLuyZHLkDAAAYgLgDAAAYgLgDAAAYgLgDAAAYgLgDAAAYgLgDAAAYgLgDAAAYgLgDAAAYgLgDAAAYwFJxV1VHVdWFVXVRVZ28xvpvqar3VdWXq+q5C8sPqqq/qaqPVtUFVfXshXXPr6pPVdX585/H7JopAQAAbD5772iDqtorySlJvi/J1iTnVNWZ3f2Rhc0+m+RZSR6/avcbkvx0d3+gqu6S5LyqetfCvi/t7hff0kkAAABsdsscuXtYkou6++Luvj7JG5Mcs7hBd1/V3eck+cqq5Vd09wfmr7+Q5KNJDtglIwcAAOBrlom7A5JctnB5a3Yi0KrqkCQPSfL+hcUnVdUHq+r0qtpvG/udUFXnVtW5V1999XpvFgAAYFNYJu5qjWW9nhupqn2TvCXJc7r72nnxy5M8IMkRSa5I8pK19u3u07r7yO4+csuWLeu5WQAAgE1jmbjbmuSghcsHJrl82RuoqttnCrvXd/dbV5Z395Xd/dXuvjHJKzOd/gkAAMBOWCbuzklyWFUdWlX7JDk2yZnLXHlVVZJXJ/lod//OqnX3Xbj4hCQfXm7IAAAArLbDd8vs7huq6qQk70yyV5LTu/uCqjpxXn9qVd0nyblJ7prkxqp6TpLDkzwoyZOSfKiqzp+v8he6+6wkL6qqIzKd4nlpkmfswnkBAABsKjuMuySZY+ysVctOXfj605lO11ztvVn7NXvp7ictP0wAAAC2Z6kPMQcAAGDPJu4AAAAGIO4AAAAGIO4AAAAGIO4AAAAGIO4AAAAGIO4AAAAGIO4AAAAGIO4AAAAGIO4AAAAGIO4AAAAGIO4AAAAGIO4AAAAGIO4AAAAGIO4AAAAGIO4AAAAGIO4AAAAGIO4AAAAGIO4AAAAGIO4AAAAGIO4AAAAGIO4AAAAGIO4AAAAGIO4AAAAGIO4AAAAGIO4AAAAGIO4AAAAGIO4AAAAGIO4AAAAGIO4AAAAGIO4AAAAGIO4AAAAGIO4AAAAGIO4AAAAGIO4AAAAGIO4AAAAGIO4AAAAGIO4AAAAGIO4AAAAGIO4AAAAGIO4AAAAGIO4AAAAGIO4AAAAGIO4AAAAGIO4AAAAGIO4AAAAGIO4AAAAGIO4AAAAGIO4AAAAGIO4AAAAGIO4AAAAGIO4AAAAGIO4AAAAGIO4AAAAGIO4AAAAGIO4AAAAGIO4AAAAGIO4AAAAGIO4AAAAGIO4AAAAGIO4AAAAGIO4AAAAGIO4AAAAGIO4AAAAGIO4AAAAGIO4AAAAGIO4AAAAGIO4AAAAGIO4AAAAGIO4AAAAGIO4AAAAGIO4AAAAGIO4AAAAGIO4AAAAGIO4AAAAGIO4AAAAGIO4AAAAGIO4AAAAGIO4AAAAGIO4AAAAGIO4AAAAGIO4AAAAGIO4AAAAGIO4AAAAGIO4AAAAGIO4AAAAGIO4AAAAGIO4AAAAGsFTcVdVRVXVhVV1UVSevsf5bqup9VfXlqnruMvtW1T2q6l1V9bH57/1u+XQAAAA2px3GXVXtleSUJEcnOTzJcVV1+KrNPpvkWUlevI59T07y7u4+LMm758sAAADshGWO3D0syUXdfXF3X5/kjUmOWdygu6/q7nOSfGUd+x6T5Iz56zOSPH7npgAAAMAycXdAkssWLm+dly1je/vu391XJMn8972XvE4AAABW2XuJbWqNZb3k9d+SfacrqDohyQlJcvDBB69nVwAAuMUOffubb/XbvOSxT7zVb5PbvmWO3G1NctDC5QOTXL7k9W9v3yur6r5JMv991VpX0N2ndfeR3X3kli1blrxZAACAzWWZuDsnyWFVdWhV7ZPk2CRnLnn929v3zCTHz18fn+Rtyw8bAACARTs8LbO7b6iqk5K8M8leSU7v7guq6sR5/alVdZ8k5ya5a5Ibq+o5SQ7v7mvX2ne+6hcmeVNVPTXJJ5M49gwAALCTlnnNXbr7rCRnrVp26sLXn850yuVS+87LP5Pk0esZLAAAAGtb6kPMAQAA2LOJOwAAgAGIOwAAgAGIOwAAgAGIOwAAgAGIOwAAgAGIOwAAgAGIOwAAgAGIOwAAgAGIOwAAgAGIOwAAgAGIOwAAgAGIOwAAgAGIOwAAgAGIOwAAgAGIOwAAgAGIOwAAgAGIOwAAgAGIOwAAgAGIOwAAgAGIOwAAgAGIOwAAgAGIOwAAgAGIOwAAgAGIOwAAgAGIOwAAgAGIOwAAgAGIOwAAgAGIOwAAgAGIOwAAgAGIOwAAgAGIOwAAgAGIOwAAgAGIOwAAgAGIOwAAgAGIOwAAgAGIOwAAgAGIOwAAgAGIOwAAgAGIOwAAgAGIOwAAgAGIOwAAgAGIOwAAgAGIOwAAgAGIOwAAgAGIOwAAgAGIOwAAgAGIOwAAgAGIOwAAgAGIOwAAgAHsvdEDAIDN4NC3v3lDbveSxz5xQ24XgFufI3cAAAADEHcAAAADEHcAAAADEHcAAAADEHcAAAADEHcAAAADEHcAAAADEHcAAAADEHcAAAADEHcAAAADEHcAAAADEHcAAAADEHcAAAADEHcAAAADEHcAAAADEHcAAAADEHcAAAADEHcAAAADEHcAAAADEHcAAAADEHcAAAADEHcAAAADEHcAAAADEHcAAAADEHcAAAADEHcAAAADEHcAAAADEHcAAAADEHcAAAADEHcAAAADEHcAAAADEHcAAAADEHcAAAADEHcAAAADEHcAAAADEHcAAAADEHcAAAADWCruquqoqrqwqi6qqpPXWF9V9bJ5/Qer6qHz8m+uqvMX/lxbVc+Z1z2/qj61sO4xu3RmAAAAm8jeO9qgqvZKckqS70uyNck5VXVmd39kYbOjkxw2/3l4kpcneXh3X5jkiIXr+VSSP1nY76Xd/eJdMA8AAIBNbZkjdw9LclF3X9zd1yd5Y5JjVm1zTJLX9uTsJHevqvuu2ubRST7e3Z+4xaMGAADgJpaJuwOSXLZweeu8bL3bHJvkDauWnTSfxnl6Ve23xFgAAABYwzJxV2ss6/VsU1X7JHlckjcvrH95kgdkOm3ziiQvWfPGq06oqnOr6tyrr756ieECAABsPsvE3dYkBy1cPjDJ5evc5ugkH+juK1cWdPeV3f3V7r4xySsznf55M919Wncf2d1HbtmyZYnhAgAAbD7LxN05SQ6rqkPnI3DHJjlz1TZnJnny/K6Zj0jy+e6+YmH9cVl1Suaq1+Q9IcmH1z16AAAAkizxbpndfUNVnZTknUn2SnJ6d19QVSfO609NclaSxyS5KMkXkzxlZf+qulOmd9p8xqqrflFVHZHp9M1L11gPAADAknYYd0nS3WdlCrjFZacufN1JnrmNfb+Y5J5rLH/SukYKAADANi31IeYAAADs2cQdAADAAMQdAADAAMQdAADAAMQdAADAAMQdAADAAMQdAADAAMQdAADAAMQdAADAAMQdAADAAMQdAADAAMQdAADAAMQdAADAAMQdAADAAMQdAADAAMQdAADAAMQdAADAAMQdAADAAMQdAADAAMQdAADAAMQdAADAAMQdAADAAMQdAADAAMQdAADAAMQdAADAAMQdAADAAMQdAADAAMQdAADAAMQdAADAAMQdAADAAMQdAADAAMQdAADAAMQdAADAAMQdAADAAMQdAADAAMQdAADAAMQdAADAAMQdAADAAMQdAADAAMQdAADAAMQdAADAAMQdAADAAMQdAADAAMQdAADAAMQdAADAAMQdAADAAMQdAADAAMQdAADAAMQdAADAAMQdAADAAMQdAADAAMQdAADAAMQdAADAAMQdAADAAMQdAADAAMQdAADAAMQdAADAAMQdAADAAMQdAADAAMQdAADAAMQdAADAAMQdAADAAMQdAADAAMQdAADAAMQdAADAAMQdAADAAMQdAADAAMQdAADAAMQdAADAAMQdAADAAMQdAADAAMQdAADAAMQdAADAAMQdAADAAMQdAADAAMQdAADAAMQdAADAAMQdAADAAMQdAADAAMQdAADAAMQdAADAAMQdAADAAMQdAADAAMQdAADAAMQdAADAAMQdAADAAMQdAADAAMQdAADAAMQdAADAAJaKu6o6qqourKqLqurkNdZXVb1sXv/BqnrowrpLq+pDVXV+VZ27sPweVfWuqvrY/Pd+u2ZKAAAAm88O466q9kpySpKjkxye5LiqOnzVZkcnOWz+c0KSl69a/6juPqK7j1xYdnKSd3f3YUnePV8GAABgJyxz5O5hSS7q7ou7+/okb0xyzKptjkny2p6cneTuVXXfHVzvMUnOmL8+I8njlx82AAAAi5aJuwOSXLZweeu8bNltOslfVtV5VXXCwjb7d/cVSTL/fe+1bryqTqiqc6vq3KuvvnqJ4QIAAGw+y8RdrbGs17HNI7v7oZlO3XxmVX33OsaX7j6tu4/s7iO3bNmynl0BAAA2jWXibmuSgxYuH5jk8mW36e6Vv69K8ieZTvNMkitXTt2c/75qvYMHAABgskzcnZPksKo6tKr2SXJskjNXbXNmkifP75r5iCSf7+4rqurOVXWXJKmqOyf5L0k+vLDP8fPXxyd52y2cCwAAwKa194426O4bquqkJO9MsleS07v7gqo6cV5/apKzkjwmyUVJvpjkKfPu+yf5k6paua0/7O53zOtemORNVfXUJJ9M8sRdNisAAIBNZodxlyTdfVamgFtcdurC153kmWvsd3GSB2/jOj+T5NHrGSwAAABrW+pDzAEAANiziTsAAIABiDsAAIABiDsAAIABiDsAAIABiDsAAIABiDsAAIABiDsAAIABiDsAAIABiDsAAIABiDsAAIABiDsAAIABiDsAAIABiDsAAIABiDsAAIABiDsAAIABiDsAAIABiDsAAIABiDsAAIABiDsAAIABiDsAAIAB7L3RAwAAAPYMh779zRtyu5c89okbcrujceQOAABgAOIOAABgAOIOAABgAOIOAABgAOIOAABgAOIOAABgAOIOAABgAOIOAABgAOIOAABgAOIOAABgAOIOAABgAOIOAABgAOIOAABgAOIOAABgAOIOAABgAOIOAABgAOIOAABgAOIOAABgAOIOAABgAOIOAABgAOIOAABgAOIOAABgAOIOAABgAOIOAABgAOIOAABgAOIOAABgAOIOAABgAOIOAABgAOIOAABgAOIOAABgAOIOAABgAOIOAABgAOIOAABgAOIOAABgAOIOAABgAOIOAABgAOIOAABgAOIOAABgAOIOAABgAOIOAABgAOIOAABgAOIOAABgAOIOAABgAOIOAABgAOIOAABgAOIOAABgAOIOAABgAOIOAABgAOIOAABgAOIOAABgAOIOAABgAOIOAABgAOIOAABgAOIOAABgAOIOAABgAHtv9AAAtufQt795Q273ksc+cUNuFwBgZzlyBwAAMABxBwAAMABxBwAAMABxBwAAMABxBwAAMABxBwAAMABxBwAAMABxBwAAMABxBwAAMABxBwAAMICl4q6qjqqqC6vqoqo6eY31VVUvm9d/sKoeOi8/qKr+pqo+WlUXVNWzF/Z5flV9qqrOn/88ZtdNCwAAYHPZe0cbVNVeSU5J8n1JtiY5p6rO7O6PLGx2dJLD5j8PT/Ly+e8bkvx0d3+gqu6S5LyqetfCvi/t7hfvuukAAABsTsscuXtYkou6++Luvj7JG5Mcs2qbY5K8tidnJ7l7Vd23u6/o7g8kSXd/IclHkxywC8cPAABAlou7A5JctnB5a24eaDvcpqoOSfKQJO9fWHzSfBrn6VW131o3XlUnVNW5VXXu1VdfvcRwAQAANp9l4q7WWNbr2aaq9k3yliTP6e5r58UvT/KAJEckuSLJS9a68e4+rbuP7O4jt2zZssRwAQAANp9l4m5rkoMWLh+Y5PJlt6mq22cKu9d391tXNujuK7v7q919Y5JXZjr9EwAAgJ2wTNydk+Swqjq0qvZJcmySM1dtc2aSJ8/vmvmIJJ/v7iuqqpK8OslHu/t3FneoqvsuXHxCkg/v9CwAAAA2uR2+W2Z331BVJyV5Z5K9kpze3RdU1Ynz+lOTnJXkMUkuSvLFJE+Zd39kkicl+VBVnT8v+4XuPivJi6rqiEynb16a5Bm7aE4AAACbzg7jLknmGDtr1bJTF77uJM9cY7/3Zu3X46W7n7SukQIAALBNS32IOQAAAHs2cQcAADAAcQcAADAAcQcAADAAcQcAADAAcQcAADAAcQcAADAAcQcAADAAcQcAADAAcQcAADAAcQcAADAAcQcAADAAcQcAADAAcQcAADAAcQcAADAAcQcAADAAcQcAADAAcQcAADAAcQcAADAAcQcAADAAcQcAADAAcQcAADAAcQcAADAAcQcAADAAcQcAADAAcQcAADAAcQcAADAAcQcAADAAcQcAADAAcQcAADAAcQcAADAAcQcAADAAcQcAADAAcQcAADAAcQcAADCAvTd6ALeWQ9/+5g253Use+8QNud3NNN/NNNdk8813s/H9BYBbz2j/7zpyBwAAMABxBwAAMABxBwAAMABxBwAAMABxBwAAMABxBwAAMABxBwAAMABxBwAAMABxBwAAMABxBwAAMABxBwAAMABxBwAAMABxBwAAMABxBwAAMABxBwAAMABxBwAAMABxBwAAMABxBwAAMABxBwAAMABxBwAAMABxBwAAMABxBwAAMABxBwAAMABxBwAAMABxBwAAMABxBwAAMABxBwAAMABxBwAAMABxBwAAMABxBwAAMABxBwAAMABxBwAAMABxBwAAMABxBwAAMABxBwAAMABxBwAAMABxBwAAMABxBwAAMABxBwAAMABxBwAAMABxBwAAMABxBwAAMABxBwAAMABxBwAAMABxBwAAMABxBwAAMABxBwAAMABxBwAAMABxBwAAMABxBwAAMABxBwAAMABxBwAAMICl4q6qjqqqC6vqoqo6eY31VVUvm9d/sKoeuqN9q+oeVfWuqvrY/Pd+u2ZKAAAAm88O466q9kpySpKjkxye5LiqOnzVZkcnOWz+c0KSly+x78lJ3t3dhyV593wZAACAnbDMkbuHJbmouy/u7uuTvDHJMau2OSbJa3tydpK7V9V9d7DvMUnOmL8+I8njb9lUAAAANq+9l9jmgCSXLVzemuThS2xzwA723b+7r0iS7r6iqu691o1X1QmZjgYmyXVVdeESY97V7pXkmp3ZsXbxQG4lm2m+m2muifkuzXxvEzbTfDfTXBPzXZr57vE201wT813aLZzv/be1Ypm4W+u2e8ltltl3u7r7tCSnrWefXa2qzu3uIzdyDLemzTTfzTTXxHxHZ77j2kxzTcx3dJtpvptpron57gmWOS1za5KDFi4fmOTyJbfZ3r5XzqduZv77quWHDQAAwKJl4u6cJIdV1aFVtU+SY5OcuWqbM5M8eX7XzEck+fx8yuX29j0zyfHz18cnedstnAsAAMCmtcPTMrv7hqo6Kck7k+yV5PTuvqCqTpzXn5rkrCSPSXJRki8mecr29p2v+oVJ3lRVT03yySRP3KUz27U29LTQDbCZ5ruZ5pqY7+jMd1ybaa6J+Y5uM813M801Md8NV93regkcAAAAe6ClPsQcAACAPZu4AwAAGIC4AwAAGIC4AwAAGIC4W0JV3WOjx3Brq6p9N3oMt4bN9L2tqgdW1Q9W1eEbPZbdpar2Xvh636o6cvTvcVVtqaqHVNW3j/7vtqr2r6qHzvPdf6PHsxFG/x5vRqM/Rq1WVY/b6DHcmjbT93fk5xlVdfeNHsOyxN0qVfXIqvpoVV1QVQ+vqnclObeqLquq79jo8d2KPrLRA9jVqup5C18fXlX/nOS8qrq0qh6+gUPbLarqb6rqXvPXT8r0kSVHJ/mjqvrJDR3cblBV/z3JlVX1z1V1dJIPJvmtJP9YVcdt6OB2g/ln+K+SvC/J+5O8KsmHquo1VXW3jR3drlVVR1TV2Unek+RFSX47yd9W1dlV9dANHdytb8TH5m+fv5eXVdVpVbXfwrp/2Mix7Wqb7TlGVf23VX9+MMlpK5c3eny7mucZQz/PuKaq/qqqnrqnh56PQlhl/o/kqUn2TfL2JI/v7vfOTyD+d3c/ckMHuAtV1f/c1qokv9jdQ/22qao+0N0Pnb/+8yS/191/UVUPS/K73f2dGzvCXauqPtzd3zZ/fU6So7r7M1V1pyRnd/eDNnaEu1ZVfSjJo5LcJck/JnlId398PsLzrgHne3aS47v7wvln+JndfXxVPT3Jf+3uH9rgIe4yVXV+kmd09/tXLX9Ekld094M3ZGC7ySZ8bH5vkhckOTvJ0zJ9Vu7j5n+//6+7H7KhA9yFNtNzjCSpqhuSvCPJVZl+fpPkh5L8cZLu7v+xUWPbHTzPGPd5xvwc4+eTHJfkqCTvTfKGJG/r7i9t5NhWc+Tu5m7f3R/q7vclubq735sk3f2BJHfc2KHtcr+RZL9MT4YX/+yb8X827tfdf5Ek3f0PGe97myRfqaoD5q+vS/Kv89dfTrLXxgxpt/pqd1/T3Zckua67P54k3X3lBo9rd7ljd1+YfO1n+Nvnr1+ZZLRTYu68OuySpLvPTnLnDRjP7rbZHpv37e53dPfnuvvFSU5K8o453kf7DfRmeo6RJN+RaV7nJPkf3f2UJNd091NGC7s1eJ4xlq909591948lOTDJ65P8cJKtVfWHGzu0m9p7x5tsOov/cf78qnX73JoDuRV8IMmfdvd5q1dU1dM2YDy72zdW1ZmZfnt4YFXdqbu/OK+7/QaOa3f5qSR/WVVvSXJBkr+uqnck+a4kv7+hI9s9PllVv5npSfA/VdVLkrw1yX9OcsWGjmz3+HhV/VKSdyf5b0nOT5Kqun3Ge2z/i/m34K9Nctm87KAkT850VGA0m+2xuarqbt39+STp7r+ZT997S5KhjlJmcz3HSHefU1Xfl+QnM/0f9HMZL9gXeZ4x7vOMlSPPmY/UvSnJm+aXQTx+owa1FqdlrjK/0PevFv4xrix/QJIf7O4XbczIdr2q+uYkn+nua9ZYt/9oRzyq6ntWLTqvu6+bT9v7oe4+ZSPGtTvNDzo/muSbMj3h35rpFIJ/2tCB7QZVddckz8z0xOH3kvzXTKd3fSLJC7p7qMCbz/n/hUxH6f4xyQu7+wvz9/xb56Naw5hfR3lMkgMy/Se7NcmZ3X3Whg5sN9iEj80/muTi1T+zVXVwkl/q7qdvzMh2vc30HGO1qrpfkt9NcmR3f+MGD2e38Dxj3OcZVfXc+cyCPZ64AwAAGMCI5+7vNlV1wkaP4daymeaamO/ozHdcm2muifmObDPNNTHf0W2m+e5pcxV361M73mQYm2muifmOznzHtZnmmpjvyDbTXBPzHd1mmu8eNVenZa6hqr4l0+s63t/d1y0sP6q7h3rx/vz2vD2/6PnwTG/v+k8jvo4lMd+Y71A223wXVdVru/vJGz2OW4v5jmszzTUx39FtpvnuqXMd7R3VbrGqelamN2X4aJJXV9Wzu/tt8+rfyEDvzFZVv5Lpwyb3rumDVB+e6UOCT66qh3T3r2/k+HY18zXfjRzfrraZ5ju/+9xNFiV51PymMunux93qg9qNzHfc+W6muSbmG/MdZr63pbk6crdKTR9S+B3zuxsdkumDNv+gu/+/Gu/DVD+U5Igkd0jy6SQHdve1VXXHTEcth/nwycR8Y77mextVVR9I8pEkr8r0bqiV6cNjj02S7v7bjRvdrme+4853M801Md+Y7zDzvS3N1Wvubm6vlVMxu/vSJN+b5Oiq+p3sYefU7gI3dPdX57dk/nh3X5t87fM7btzYoe0W5hvzHchmmu+RSc5L8otJPt/d70nype7+2z3pP9RdyHzHne9mmmtivu+J+Y7iNjNXp2Xe3Ker6ojuPj9J5iN4P5Dk9CTfvqEj2/Wur69/wOa/X1k4f2bJaE8OE/NNYr4D2TTz7e4bk7y0qt48/31lBv7/y3zHne9mmmtivuY7jtvSXPfIQW2wJye5YXFBd9+Q5MlV9YqNGdJu893d/eXkaz+0K26f5PiNGdJuZb4T8x3DZptvuntrkidW1fcnuXajx7O7me+4NtNcE/Pd6PHsbptpvreFuXrNHQAAwAC85g4AAGAA4g4AAGAA4g6AYVXVV6vq/Kr6cFW9uarutIPtv6Gq3l5V51bVi26tcQLAruA1dwAMq6qu6+59569fn+S87v6dDR4WAOwWjtwBsFn8XZIHJklV/XhV/cN8VO8VVbXXvPy6lY2r6u+q6s+q6o7zdudX1fVV9aH56yOr6jVV9UPz9k+rqq6qe1XVIVX14YXr+qGqes389Wuq6pKF6/zOW/NOAGBcPgoBgOFV1d5Jjk7yjqr61iQ/kuSR3f2Vqvo/SX4syWsXtv/+JHfL9GG1X0pyxLz80iSP6u5r5ssr239DkhOTXLXkkH6mu//4ls8MAL7OkTsARnbHqjo/yblJPpnk1UkenemD38+Z1z06yTeu7FBTsf1ikt9Yx+08M8kZSb60sOwBK0fnkvz2zk8BAJbjyB0AI/tSdx+xuGCOtzO6++e3sc9xSd6T5NNL3sZd532+M8lPLyz/+Mptz6du/sDSowaAneDIHQCbzbuT/FBV3TtJquoeVXX/ed3tkvxUkvW8U+ZPJXlZd1+/a4cJAOsj7gDYVLr7I0mel+Qvq+qDSd6V5L7z6jsm+ePu/tw6rrKSvG6XDhIAdoKPQgAAABiAI3cAAAADEHcAAAADEHcAAAADEHcAAAADEHcAAAADEHcAAAADEHcAAAAD+P8BNxfVZ5Sn3A0AAAAASUVORK5CYII="/>
+          <p:cNvSpPr>
+            <a:spLocks noChangeAspect="1" noChangeArrowheads="1"/>
+          </p:cNvSpPr>
+          <p:nvPr/>
+        </p:nvSpPr>
+        <p:spPr bwMode="auto">
+          <a:xfrm>
+            <a:off x="307975" y="7937"/>
+            <a:ext cx="304800" cy="304801"/>
+          </a:xfrm>
+          <a:prstGeom prst="rect">
+            <a:avLst/>
+          </a:prstGeom>
+          <a:noFill/>
+          <a:extLst>
+            <a:ext uri="{909E8E84-426E-40DD-AFC4-6F175D3DCCD1}">
+              <a14:hiddenFill xmlns:a14="http://schemas.microsoft.com/office/drawing/2010/main">
+                <a:solidFill>
+                  <a:srgbClr val="FFFFFF"/>
+                </a:solidFill>
+              </a14:hiddenFill>
+            </a:ext>
+          </a:extLst>
+        </p:spPr>
+        <p:txBody>
+          <a:bodyPr vert="horz" wrap="square" lIns="91440" tIns="45720" rIns="91440" bIns="45720" numCol="1" anchor="t" anchorCtr="0" compatLnSpc="1">
+            <a:prstTxWarp prst="textNoShape">
+              <a:avLst/>
+            </a:prstTxWarp>
+          </a:bodyPr>
+          <a:lstStyle/>
+          <a:p>
+            <a:endParaRPr lang="ru-RU"/>
+          </a:p>
+        </p:txBody>
+      </p:sp>
+      <p:pic>
+        <p:nvPicPr>
+          <p:cNvPr id="1032" name="Picture 8"/>
+          <p:cNvPicPr>
+            <a:picLocks noChangeAspect="1" noChangeArrowheads="1"/>
+          </p:cNvPicPr>
+          <p:nvPr/>
+        </p:nvPicPr>
+        <p:blipFill rotWithShape="1">
+          <a:blip r:embed="rId4">
+            <a:extLst>
+              <a:ext uri="{BEBA8EAE-BF5A-486C-A8C5-ECC9F3942E4B}">
+                <a14:imgProps xmlns:a14="http://schemas.microsoft.com/office/drawing/2010/main">
+                  <a14:imgLayer r:embed="rId5">
+                    <a14:imgEffect>
+                      <a14:sharpenSoften amount="25000"/>
+                    </a14:imgEffect>
+                  </a14:imgLayer>
+                </a14:imgProps>
+              </a:ext>
+              <a:ext uri="{28A0092B-C50C-407E-A947-70E740481C1C}">
+                <a14:useLocalDpi xmlns:a14="http://schemas.microsoft.com/office/drawing/2010/main" val="0"/>
+              </a:ext>
+            </a:extLst>
+          </a:blip>
+          <a:srcRect l="4979" b="1010"/>
+          <a:stretch/>
+        </p:blipFill>
+        <p:spPr bwMode="auto">
+          <a:xfrm>
+            <a:off x="6532472" y="801855"/>
+            <a:ext cx="5712861" cy="5917921"/>
+          </a:xfrm>
+          <a:prstGeom prst="rect">
+            <a:avLst/>
+          </a:prstGeom>
+          <a:noFill/>
+          <a:ln>
+            <a:noFill/>
+          </a:ln>
+          <a:effectLst/>
+          <a:extLst>
+            <a:ext uri="{909E8E84-426E-40DD-AFC4-6F175D3DCCD1}">
+              <a14:hiddenFill xmlns:a14="http://schemas.microsoft.com/office/drawing/2010/main">
+                <a:solidFill>
+                  <a:schemeClr val="accent1"/>
+                </a:solidFill>
+              </a14:hiddenFill>
+            </a:ext>
+            <a:ext uri="{91240B29-F687-4F45-9708-019B960494DF}">
+              <a14:hiddenLine xmlns:a14="http://schemas.microsoft.com/office/drawing/2010/main" w="9525">
+                <a:solidFill>
+                  <a:schemeClr val="tx1"/>
+                </a:solidFill>
+                <a:miter lim="800000"/>
+                <a:headEnd/>
+                <a:tailEnd/>
+              </a14:hiddenLine>
+            </a:ext>
+            <a:ext uri="{AF507438-7753-43E0-B8FC-AC1667EBCBE1}">
+              <a14:hiddenEffects xmlns:a14="http://schemas.microsoft.com/office/drawing/2010/main">
+                <a:effectLst>
+                  <a:outerShdw dist="35921" dir="2700000" algn="ctr" rotWithShape="0">
+                    <a:schemeClr val="bg2"/>
+                  </a:outerShdw>
+                </a:effectLst>
+              </a14:hiddenEffects>
+            </a:ext>
+          </a:extLst>
+        </p:spPr>
+      </p:pic>
+      <p:sp>
+        <p:nvSpPr>
+          <p:cNvPr id="8" name="Прямоугольник 7"/>
+          <p:cNvSpPr/>
+          <p:nvPr/>
+        </p:nvSpPr>
+        <p:spPr>
+          <a:xfrm>
+            <a:off x="9760689" y="1084521"/>
+            <a:ext cx="414669" cy="5635255"/>
+          </a:xfrm>
+          <a:prstGeom prst="rect">
+            <a:avLst/>
+          </a:prstGeom>
+          <a:noFill/>
+          <a:ln w="19050">
+            <a:solidFill>
+              <a:srgbClr val="E19A0D"/>
+            </a:solidFill>
+          </a:ln>
+        </p:spPr>
+        <p:style>
+          <a:lnRef idx="2">
+            <a:schemeClr val="accent1">
+              <a:shade val="50000"/>
+            </a:schemeClr>
+          </a:lnRef>
+          <a:fillRef idx="1">
+            <a:schemeClr val="accent1"/>
+          </a:fillRef>
+          <a:effectRef idx="0">
+            <a:schemeClr val="accent1"/>
+          </a:effectRef>
+          <a:fontRef idx="minor">
+            <a:schemeClr val="lt1"/>
+          </a:fontRef>
+        </p:style>
+        <p:txBody>
+          <a:bodyPr rtlCol="0" anchor="ctr"/>
+          <a:lstStyle/>
+          <a:p>
+            <a:pPr algn="ctr"/>
+            <a:endParaRPr lang="ru-RU"/>
           </a:p>
         </p:txBody>
       </p:sp>
     </p:spTree>
     <p:extLst>
       <p:ext uri="{BB962C8B-B14F-4D97-AF65-F5344CB8AC3E}">
-        <p14:creationId xmlns:p14="http://schemas.microsoft.com/office/powerpoint/2010/main" val="1183830277"/>
+        <p14:creationId xmlns:p14="http://schemas.microsoft.com/office/powerpoint/2010/main" val="3841304096"/>
       </p:ext>
     </p:extLst>
   </p:cSld>
@@ -7824,7 +7687,7 @@
 </p:sld>
 </file>
 
-<file path=ppt/slides/slide9.xml><?xml version="1.0" encoding="utf-8"?>
+<file path=ppt/slides/slide8.xml><?xml version="1.0" encoding="utf-8"?>
 <p:sld xmlns:a="http://schemas.openxmlformats.org/drawingml/2006/main" xmlns:r="http://schemas.openxmlformats.org/officeDocument/2006/relationships" xmlns:p="http://schemas.openxmlformats.org/presentationml/2006/main">
   <p:cSld>
     <p:spTree>
@@ -7841,6 +7704,72 @@
           <a:chExt cx="0" cy="0"/>
         </a:xfrm>
       </p:grpSpPr>
+      <p:pic>
+        <p:nvPicPr>
+          <p:cNvPr id="2053" name="Picture 5"/>
+          <p:cNvPicPr>
+            <a:picLocks noChangeAspect="1" noChangeArrowheads="1"/>
+          </p:cNvPicPr>
+          <p:nvPr/>
+        </p:nvPicPr>
+        <p:blipFill>
+          <a:blip r:embed="rId2">
+            <a:extLst>
+              <a:ext uri="{BEBA8EAE-BF5A-486C-A8C5-ECC9F3942E4B}">
+                <a14:imgProps xmlns:a14="http://schemas.microsoft.com/office/drawing/2010/main">
+                  <a14:imgLayer r:embed="rId3">
+                    <a14:imgEffect>
+                      <a14:sharpenSoften amount="25000"/>
+                    </a14:imgEffect>
+                  </a14:imgLayer>
+                </a14:imgProps>
+              </a:ext>
+              <a:ext uri="{28A0092B-C50C-407E-A947-70E740481C1C}">
+                <a14:useLocalDpi xmlns:a14="http://schemas.microsoft.com/office/drawing/2010/main" val="0"/>
+              </a:ext>
+            </a:extLst>
+          </a:blip>
+          <a:srcRect/>
+          <a:stretch>
+            <a:fillRect/>
+          </a:stretch>
+        </p:blipFill>
+        <p:spPr bwMode="auto">
+          <a:xfrm>
+            <a:off x="5142016" y="826497"/>
+            <a:ext cx="6903446" cy="4892632"/>
+          </a:xfrm>
+          <a:prstGeom prst="rect">
+            <a:avLst/>
+          </a:prstGeom>
+          <a:noFill/>
+          <a:ln w="9525">
+            <a:noFill/>
+            <a:miter lim="800000"/>
+            <a:headEnd/>
+            <a:tailEnd/>
+          </a:ln>
+          <a:effectLst/>
+          <a:extLst>
+            <a:ext uri="{909E8E84-426E-40DD-AFC4-6F175D3DCCD1}">
+              <a14:hiddenFill xmlns:a14="http://schemas.microsoft.com/office/drawing/2010/main">
+                <a:solidFill>
+                  <a:schemeClr val="accent1"/>
+                </a:solidFill>
+              </a14:hiddenFill>
+            </a:ext>
+            <a:ext uri="{AF507438-7753-43E0-B8FC-AC1667EBCBE1}">
+              <a14:hiddenEffects xmlns:a14="http://schemas.microsoft.com/office/drawing/2010/main">
+                <a:effectLst>
+                  <a:outerShdw dist="35921" dir="2700000" algn="ctr" rotWithShape="0">
+                    <a:schemeClr val="bg2"/>
+                  </a:outerShdw>
+                </a:effectLst>
+              </a14:hiddenEffects>
+            </a:ext>
+          </a:extLst>
+        </p:spPr>
+      </p:pic>
       <p:sp>
         <p:nvSpPr>
           <p:cNvPr id="4" name="Блок-схема: процесс 3"/>
@@ -7849,7 +7778,7 @@
         </p:nvSpPr>
         <p:spPr>
           <a:xfrm flipV="1">
-            <a:off x="395654" y="756137"/>
+            <a:off x="395654" y="614524"/>
             <a:ext cx="11649808" cy="45719"/>
           </a:xfrm>
           <a:prstGeom prst="flowChartProcess">
@@ -7922,8 +7851,8 @@
         </p:nvSpPr>
         <p:spPr>
           <a:xfrm>
-            <a:off x="395654" y="294472"/>
-            <a:ext cx="4009292" cy="461665"/>
+            <a:off x="395654" y="175719"/>
+            <a:ext cx="7127148" cy="461665"/>
           </a:xfrm>
           <a:prstGeom prst="rect">
             <a:avLst/>
@@ -7950,7 +7879,7 @@
                   </a:outerShdw>
                 </a:effectLst>
               </a:rPr>
-              <a:t>Используемые технологии</a:t>
+              <a:t>Анализ стоимости приложений</a:t>
             </a:r>
             <a:endParaRPr lang="ru-RU" sz="2400" dirty="0">
               <a:ln w="0"/>
@@ -7968,249 +7897,375 @@
           </a:p>
         </p:txBody>
       </p:sp>
-      <p:sp>
-        <p:nvSpPr>
-          <p:cNvPr id="6" name="Объект 2"/>
-          <p:cNvSpPr>
-            <a:spLocks noGrp="1"/>
-          </p:cNvSpPr>
-          <p:nvPr>
-            <p:ph idx="1"/>
-          </p:nvPr>
-        </p:nvSpPr>
-        <p:spPr>
+      <p:pic>
+        <p:nvPicPr>
+          <p:cNvPr id="2050" name="Picture 2"/>
+          <p:cNvPicPr>
+            <a:picLocks noChangeAspect="1" noChangeArrowheads="1"/>
+          </p:cNvPicPr>
+          <p:nvPr/>
+        </p:nvPicPr>
+        <p:blipFill>
+          <a:blip r:embed="rId4">
+            <a:extLst>
+              <a:ext uri="{BEBA8EAE-BF5A-486C-A8C5-ECC9F3942E4B}">
+                <a14:imgProps xmlns:a14="http://schemas.microsoft.com/office/drawing/2010/main">
+                  <a14:imgLayer r:embed="rId5">
+                    <a14:imgEffect>
+                      <a14:sharpenSoften amount="25000"/>
+                    </a14:imgEffect>
+                  </a14:imgLayer>
+                </a14:imgProps>
+              </a:ext>
+              <a:ext uri="{28A0092B-C50C-407E-A947-70E740481C1C}">
+                <a14:useLocalDpi xmlns:a14="http://schemas.microsoft.com/office/drawing/2010/main" val="0"/>
+              </a:ext>
+            </a:extLst>
+          </a:blip>
+          <a:srcRect/>
+          <a:stretch>
+            <a:fillRect/>
+          </a:stretch>
+        </p:blipFill>
+        <p:spPr bwMode="auto">
           <a:xfrm>
-            <a:off x="486508" y="1217802"/>
-            <a:ext cx="10515600" cy="4351338"/>
+            <a:off x="0" y="826497"/>
+            <a:ext cx="5375246" cy="3983009"/>
           </a:xfrm>
+          <a:prstGeom prst="rect">
+            <a:avLst/>
+          </a:prstGeom>
+          <a:noFill/>
+          <a:ln>
+            <a:noFill/>
+          </a:ln>
+          <a:effectLst/>
+          <a:extLst>
+            <a:ext uri="{909E8E84-426E-40DD-AFC4-6F175D3DCCD1}">
+              <a14:hiddenFill xmlns:a14="http://schemas.microsoft.com/office/drawing/2010/main">
+                <a:solidFill>
+                  <a:schemeClr val="accent1"/>
+                </a:solidFill>
+              </a14:hiddenFill>
+            </a:ext>
+            <a:ext uri="{91240B29-F687-4F45-9708-019B960494DF}">
+              <a14:hiddenLine xmlns:a14="http://schemas.microsoft.com/office/drawing/2010/main" w="9525">
+                <a:solidFill>
+                  <a:schemeClr val="tx1"/>
+                </a:solidFill>
+                <a:miter lim="800000"/>
+                <a:headEnd/>
+                <a:tailEnd/>
+              </a14:hiddenLine>
+            </a:ext>
+            <a:ext uri="{AF507438-7753-43E0-B8FC-AC1667EBCBE1}">
+              <a14:hiddenEffects xmlns:a14="http://schemas.microsoft.com/office/drawing/2010/main">
+                <a:effectLst>
+                  <a:outerShdw dist="35921" dir="2700000" algn="ctr" rotWithShape="0">
+                    <a:schemeClr val="bg2"/>
+                  </a:outerShdw>
+                </a:effectLst>
+              </a14:hiddenEffects>
+            </a:ext>
+          </a:extLst>
         </p:spPr>
-        <p:txBody>
-          <a:bodyPr>
-            <a:normAutofit/>
-          </a:bodyPr>
-          <a:lstStyle/>
-          <a:p>
-            <a:pPr marL="285750" indent="-285750">
-              <a:buClr>
-                <a:srgbClr val="009AD0"/>
-              </a:buClr>
-              <a:buFont typeface="Wingdings" panose="05000000000000000000" pitchFamily="2" charset="2"/>
-              <a:buChar char="Ø"/>
-            </a:pPr>
-            <a:r>
-              <a:rPr lang="ru-RU" sz="1800" i="1" dirty="0" smtClean="0">
-                <a:solidFill>
-                  <a:schemeClr val="tx1">
-                    <a:lumMod val="65000"/>
-                    <a:lumOff val="35000"/>
-                  </a:schemeClr>
-                </a:solidFill>
-              </a:rPr>
-              <a:t>Формирование данных (</a:t>
-            </a:r>
-            <a:r>
-              <a:rPr lang="en-US" sz="1800" i="1" dirty="0" smtClean="0">
-                <a:solidFill>
-                  <a:schemeClr val="tx1">
-                    <a:lumMod val="65000"/>
-                    <a:lumOff val="35000"/>
-                  </a:schemeClr>
-                </a:solidFill>
-              </a:rPr>
-              <a:t>numpy </a:t>
-            </a:r>
-            <a:r>
-              <a:rPr lang="ru-RU" sz="1800" i="1" dirty="0" smtClean="0">
-                <a:solidFill>
-                  <a:schemeClr val="tx1">
-                    <a:lumMod val="65000"/>
-                    <a:lumOff val="35000"/>
-                  </a:schemeClr>
-                </a:solidFill>
-              </a:rPr>
-              <a:t>, </a:t>
-            </a:r>
-            <a:r>
-              <a:rPr lang="en-US" sz="1800" i="1" dirty="0" smtClean="0">
-                <a:solidFill>
-                  <a:schemeClr val="tx1">
-                    <a:lumMod val="65000"/>
-                    <a:lumOff val="35000"/>
-                  </a:schemeClr>
-                </a:solidFill>
-              </a:rPr>
-              <a:t>pandas</a:t>
-            </a:r>
-            <a:r>
-              <a:rPr lang="ru-RU" sz="1800" i="1" dirty="0" smtClean="0">
-                <a:solidFill>
-                  <a:schemeClr val="tx1">
-                    <a:lumMod val="65000"/>
-                    <a:lumOff val="35000"/>
-                  </a:schemeClr>
-                </a:solidFill>
-              </a:rPr>
-              <a:t>)</a:t>
-            </a:r>
-          </a:p>
-          <a:p>
-            <a:pPr marL="285750" indent="-285750">
-              <a:buClr>
-                <a:srgbClr val="009AD0"/>
-              </a:buClr>
-              <a:buFont typeface="Wingdings" panose="05000000000000000000" pitchFamily="2" charset="2"/>
-              <a:buChar char="Ø"/>
-            </a:pPr>
-            <a:r>
-              <a:rPr lang="ru-RU" sz="1800" i="1" dirty="0" smtClean="0">
-                <a:solidFill>
-                  <a:schemeClr val="tx1">
-                    <a:lumMod val="65000"/>
-                    <a:lumOff val="35000"/>
-                  </a:schemeClr>
-                </a:solidFill>
-              </a:rPr>
-              <a:t>Визуализация данных (</a:t>
-            </a:r>
-            <a:r>
-              <a:rPr lang="en-US" sz="1800" i="1" dirty="0" smtClean="0">
-                <a:solidFill>
-                  <a:schemeClr val="tx1">
-                    <a:lumMod val="65000"/>
-                    <a:lumOff val="35000"/>
-                  </a:schemeClr>
-                </a:solidFill>
-              </a:rPr>
-              <a:t>matplotlib</a:t>
-            </a:r>
-            <a:r>
-              <a:rPr lang="ru-RU" sz="1800" i="1" dirty="0" smtClean="0">
-                <a:solidFill>
-                  <a:schemeClr val="tx1">
-                    <a:lumMod val="65000"/>
-                    <a:lumOff val="35000"/>
-                  </a:schemeClr>
-                </a:solidFill>
-              </a:rPr>
-              <a:t> , </a:t>
-            </a:r>
-            <a:r>
-              <a:rPr lang="en-US" sz="1800" i="1" dirty="0" smtClean="0">
-                <a:solidFill>
-                  <a:schemeClr val="tx1">
-                    <a:lumMod val="65000"/>
-                    <a:lumOff val="35000"/>
-                  </a:schemeClr>
-                </a:solidFill>
-              </a:rPr>
-              <a:t>seaborn</a:t>
-            </a:r>
-            <a:r>
-              <a:rPr lang="ru-RU" sz="1800" i="1" dirty="0" smtClean="0">
-                <a:solidFill>
-                  <a:schemeClr val="tx1">
-                    <a:lumMod val="65000"/>
-                    <a:lumOff val="35000"/>
-                  </a:schemeClr>
-                </a:solidFill>
-              </a:rPr>
-              <a:t>,</a:t>
-            </a:r>
-            <a:r>
-              <a:rPr lang="en-US" sz="1800" i="1" dirty="0">
-                <a:solidFill>
-                  <a:schemeClr val="tx1">
-                    <a:lumMod val="65000"/>
-                    <a:lumOff val="35000"/>
-                  </a:schemeClr>
-                </a:solidFill>
-              </a:rPr>
-              <a:t> WordCloud</a:t>
-            </a:r>
-            <a:r>
-              <a:rPr lang="ru-RU" sz="1800" i="1" dirty="0" smtClean="0">
-                <a:solidFill>
-                  <a:schemeClr val="tx1">
-                    <a:lumMod val="65000"/>
-                    <a:lumOff val="35000"/>
-                  </a:schemeClr>
-                </a:solidFill>
-              </a:rPr>
-              <a:t>)</a:t>
-            </a:r>
-          </a:p>
-          <a:p>
-            <a:pPr marL="285750" indent="-285750">
-              <a:buClr>
-                <a:srgbClr val="009AD0"/>
-              </a:buClr>
-              <a:buFont typeface="Wingdings" panose="05000000000000000000" pitchFamily="2" charset="2"/>
-              <a:buChar char="Ø"/>
-            </a:pPr>
-            <a:r>
-              <a:rPr lang="en-US" sz="1800" i="1" dirty="0" smtClean="0">
-                <a:solidFill>
-                  <a:schemeClr val="tx1">
-                    <a:lumMod val="65000"/>
-                    <a:lumOff val="35000"/>
-                  </a:schemeClr>
-                </a:solidFill>
-              </a:rPr>
-              <a:t>Sentiment Analysis</a:t>
-            </a:r>
-            <a:r>
-              <a:rPr lang="ru-RU" sz="1800" i="1" dirty="0" smtClean="0">
-                <a:solidFill>
-                  <a:schemeClr val="tx1">
-                    <a:lumMod val="65000"/>
-                    <a:lumOff val="35000"/>
-                  </a:schemeClr>
-                </a:solidFill>
-              </a:rPr>
-              <a:t> (</a:t>
-            </a:r>
-            <a:r>
-              <a:rPr lang="en-US" sz="1800" i="1" dirty="0" smtClean="0">
-                <a:solidFill>
-                  <a:schemeClr val="tx1">
-                    <a:lumMod val="65000"/>
-                    <a:lumOff val="35000"/>
-                  </a:schemeClr>
-                </a:solidFill>
-              </a:rPr>
-              <a:t>nltk</a:t>
-            </a:r>
-            <a:r>
-              <a:rPr lang="ru-RU" sz="1800" i="1" dirty="0" smtClean="0">
-                <a:solidFill>
-                  <a:schemeClr val="tx1">
-                    <a:lumMod val="65000"/>
-                    <a:lumOff val="35000"/>
-                  </a:schemeClr>
-                </a:solidFill>
-              </a:rPr>
-              <a:t>)</a:t>
-            </a:r>
-          </a:p>
-          <a:p>
-            <a:pPr marL="0" indent="0">
-              <a:buNone/>
-            </a:pPr>
-            <a:endParaRPr lang="ru-RU" i="1" dirty="0" smtClean="0">
-              <a:solidFill>
-                <a:schemeClr val="tx1">
-                  <a:lumMod val="65000"/>
-                  <a:lumOff val="35000"/>
-                </a:schemeClr>
-              </a:solidFill>
-            </a:endParaRPr>
-          </a:p>
-        </p:txBody>
-      </p:sp>
+      </p:pic>
     </p:spTree>
     <p:extLst>
       <p:ext uri="{BB962C8B-B14F-4D97-AF65-F5344CB8AC3E}">
-        <p14:creationId xmlns:p14="http://schemas.microsoft.com/office/powerpoint/2010/main" val="1209697344"/>
+        <p14:creationId xmlns:p14="http://schemas.microsoft.com/office/powerpoint/2010/main" val="2914658125"/>
+      </p:ext>
+    </p:extLst>
+  </p:cSld>
+  <p:clrMapOvr>
+    <a:masterClrMapping/>
+  </p:clrMapOvr>
+</p:sld>
+</file>
+
+<file path=ppt/slides/slide9.xml><?xml version="1.0" encoding="utf-8"?>
+<p:sld xmlns:a="http://schemas.openxmlformats.org/drawingml/2006/main" xmlns:r="http://schemas.openxmlformats.org/officeDocument/2006/relationships" xmlns:p="http://schemas.openxmlformats.org/presentationml/2006/main">
+  <p:cSld>
+    <p:spTree>
+      <p:nvGrpSpPr>
+        <p:cNvPr id="1" name=""/>
+        <p:cNvGrpSpPr/>
+        <p:nvPr/>
+      </p:nvGrpSpPr>
+      <p:grpSpPr>
+        <a:xfrm>
+          <a:off x="0" y="0"/>
+          <a:ext cx="0" cy="0"/>
+          <a:chOff x="0" y="0"/>
+          <a:chExt cx="0" cy="0"/>
+        </a:xfrm>
+      </p:grpSpPr>
+      <p:sp>
+        <p:nvSpPr>
+          <p:cNvPr id="4" name="Блок-схема: процесс 3"/>
+          <p:cNvSpPr/>
+          <p:nvPr/>
+        </p:nvSpPr>
+        <p:spPr>
+          <a:xfrm flipV="1">
+            <a:off x="395654" y="614524"/>
+            <a:ext cx="11649808" cy="45719"/>
+          </a:xfrm>
+          <a:prstGeom prst="flowChartProcess">
+            <a:avLst/>
+          </a:prstGeom>
+          <a:gradFill flip="none" rotWithShape="1">
+            <a:gsLst>
+              <a:gs pos="71000">
+                <a:srgbClr val="00B0F0"/>
+              </a:gs>
+              <a:gs pos="28000">
+                <a:srgbClr val="FFFF00"/>
+              </a:gs>
+              <a:gs pos="0">
+                <a:srgbClr val="FF2F2F"/>
+              </a:gs>
+              <a:gs pos="36000">
+                <a:srgbClr val="FFFF00"/>
+              </a:gs>
+              <a:gs pos="100000">
+                <a:srgbClr val="00B0F0"/>
+              </a:gs>
+            </a:gsLst>
+            <a:path path="circle">
+              <a:fillToRect l="100000" t="100000"/>
+            </a:path>
+            <a:tileRect r="-100000" b="-100000"/>
+          </a:gradFill>
+          <a:ln>
+            <a:noFill/>
+          </a:ln>
+          <a:effectLst>
+            <a:outerShdw blurRad="50800" dist="38100" dir="5400000" algn="t" rotWithShape="0">
+              <a:prstClr val="black">
+                <a:alpha val="40000"/>
+              </a:prstClr>
+            </a:outerShdw>
+          </a:effectLst>
+        </p:spPr>
+        <p:style>
+          <a:lnRef idx="2">
+            <a:schemeClr val="accent1">
+              <a:shade val="50000"/>
+            </a:schemeClr>
+          </a:lnRef>
+          <a:fillRef idx="1">
+            <a:schemeClr val="accent1"/>
+          </a:fillRef>
+          <a:effectRef idx="0">
+            <a:schemeClr val="accent1"/>
+          </a:effectRef>
+          <a:fontRef idx="minor">
+            <a:schemeClr val="lt1"/>
+          </a:fontRef>
+        </p:style>
+        <p:txBody>
+          <a:bodyPr rtlCol="0" anchor="ctr"/>
+          <a:lstStyle/>
+          <a:p>
+            <a:pPr algn="ctr"/>
+            <a:endParaRPr lang="ru-RU"/>
+          </a:p>
+        </p:txBody>
+      </p:sp>
+      <p:sp>
+        <p:nvSpPr>
+          <p:cNvPr id="5" name="TextBox 4"/>
+          <p:cNvSpPr txBox="1"/>
+          <p:nvPr/>
+        </p:nvSpPr>
+        <p:spPr>
+          <a:xfrm>
+            <a:off x="395654" y="175719"/>
+            <a:ext cx="7127148" cy="461665"/>
+          </a:xfrm>
+          <a:prstGeom prst="rect">
+            <a:avLst/>
+          </a:prstGeom>
+          <a:noFill/>
+        </p:spPr>
+        <p:txBody>
+          <a:bodyPr wrap="square" rtlCol="0">
+            <a:spAutoFit/>
+          </a:bodyPr>
+          <a:lstStyle/>
+          <a:p>
+            <a:r>
+              <a:rPr lang="ru-RU" sz="2400" dirty="0" smtClean="0">
+                <a:ln w="0"/>
+                <a:solidFill>
+                  <a:schemeClr val="accent1"/>
+                </a:solidFill>
+                <a:effectLst>
+                  <a:outerShdw blurRad="38100" dist="25400" dir="5400000" algn="ctr" rotWithShape="0">
+                    <a:srgbClr val="6E747A">
+                      <a:alpha val="43000"/>
+                    </a:srgbClr>
+                  </a:outerShdw>
+                </a:effectLst>
+              </a:rPr>
+              <a:t>Анализ стоимости приложений</a:t>
+            </a:r>
+            <a:endParaRPr lang="ru-RU" sz="2400" dirty="0">
+              <a:ln w="0"/>
+              <a:solidFill>
+                <a:schemeClr val="accent1"/>
+              </a:solidFill>
+              <a:effectLst>
+                <a:outerShdw blurRad="38100" dist="25400" dir="5400000" algn="ctr" rotWithShape="0">
+                  <a:srgbClr val="6E747A">
+                    <a:alpha val="43000"/>
+                  </a:srgbClr>
+                </a:outerShdw>
+              </a:effectLst>
+            </a:endParaRPr>
+          </a:p>
+        </p:txBody>
+      </p:sp>
+      <p:pic>
+        <p:nvPicPr>
+          <p:cNvPr id="2" name="Picture 2"/>
+          <p:cNvPicPr>
+            <a:picLocks noChangeAspect="1" noChangeArrowheads="1"/>
+          </p:cNvPicPr>
+          <p:nvPr/>
+        </p:nvPicPr>
+        <p:blipFill>
+          <a:blip r:embed="rId2">
+            <a:extLst>
+              <a:ext uri="{28A0092B-C50C-407E-A947-70E740481C1C}">
+                <a14:useLocalDpi xmlns:a14="http://schemas.microsoft.com/office/drawing/2010/main" val="0"/>
+              </a:ext>
+            </a:extLst>
+          </a:blip>
+          <a:srcRect/>
+          <a:stretch>
+            <a:fillRect/>
+          </a:stretch>
+        </p:blipFill>
+        <p:spPr bwMode="auto">
+          <a:xfrm>
+            <a:off x="-686635" y="793501"/>
+            <a:ext cx="7037151" cy="5649291"/>
+          </a:xfrm>
+          <a:prstGeom prst="rect">
+            <a:avLst/>
+          </a:prstGeom>
+          <a:noFill/>
+          <a:ln>
+            <a:noFill/>
+          </a:ln>
+          <a:effectLst/>
+          <a:extLst>
+            <a:ext uri="{909E8E84-426E-40DD-AFC4-6F175D3DCCD1}">
+              <a14:hiddenFill xmlns:a14="http://schemas.microsoft.com/office/drawing/2010/main">
+                <a:solidFill>
+                  <a:schemeClr val="accent1"/>
+                </a:solidFill>
+              </a14:hiddenFill>
+            </a:ext>
+            <a:ext uri="{91240B29-F687-4F45-9708-019B960494DF}">
+              <a14:hiddenLine xmlns:a14="http://schemas.microsoft.com/office/drawing/2010/main" w="9525">
+                <a:solidFill>
+                  <a:schemeClr val="tx1"/>
+                </a:solidFill>
+                <a:miter lim="800000"/>
+                <a:headEnd/>
+                <a:tailEnd/>
+              </a14:hiddenLine>
+            </a:ext>
+            <a:ext uri="{AF507438-7753-43E0-B8FC-AC1667EBCBE1}">
+              <a14:hiddenEffects xmlns:a14="http://schemas.microsoft.com/office/drawing/2010/main">
+                <a:effectLst>
+                  <a:outerShdw dist="35921" dir="2700000" algn="ctr" rotWithShape="0">
+                    <a:schemeClr val="bg2"/>
+                  </a:outerShdw>
+                </a:effectLst>
+              </a14:hiddenEffects>
+            </a:ext>
+          </a:extLst>
+        </p:spPr>
+      </p:pic>
+      <p:pic>
+        <p:nvPicPr>
+          <p:cNvPr id="2052" name="Picture 4"/>
+          <p:cNvPicPr>
+            <a:picLocks noChangeAspect="1" noChangeArrowheads="1"/>
+          </p:cNvPicPr>
+          <p:nvPr/>
+        </p:nvPicPr>
+        <p:blipFill rotWithShape="1">
+          <a:blip r:embed="rId3">
+            <a:extLst>
+              <a:ext uri="{BEBA8EAE-BF5A-486C-A8C5-ECC9F3942E4B}">
+                <a14:imgProps xmlns:a14="http://schemas.microsoft.com/office/drawing/2010/main">
+                  <a14:imgLayer r:embed="rId4">
+                    <a14:imgEffect>
+                      <a14:sharpenSoften amount="25000"/>
+                    </a14:imgEffect>
+                  </a14:imgLayer>
+                </a14:imgProps>
+              </a:ext>
+              <a:ext uri="{28A0092B-C50C-407E-A947-70E740481C1C}">
+                <a14:useLocalDpi xmlns:a14="http://schemas.microsoft.com/office/drawing/2010/main" val="0"/>
+              </a:ext>
+            </a:extLst>
+          </a:blip>
+          <a:srcRect r="2303"/>
+          <a:stretch/>
+        </p:blipFill>
+        <p:spPr bwMode="auto">
+          <a:xfrm>
+            <a:off x="5963177" y="793501"/>
+            <a:ext cx="6173398" cy="5649292"/>
+          </a:xfrm>
+          <a:prstGeom prst="rect">
+            <a:avLst/>
+          </a:prstGeom>
+          <a:noFill/>
+          <a:ln>
+            <a:noFill/>
+          </a:ln>
+          <a:effectLst/>
+          <a:extLst>
+            <a:ext uri="{909E8E84-426E-40DD-AFC4-6F175D3DCCD1}">
+              <a14:hiddenFill xmlns:a14="http://schemas.microsoft.com/office/drawing/2010/main">
+                <a:solidFill>
+                  <a:schemeClr val="accent1"/>
+                </a:solidFill>
+              </a14:hiddenFill>
+            </a:ext>
+            <a:ext uri="{91240B29-F687-4F45-9708-019B960494DF}">
+              <a14:hiddenLine xmlns:a14="http://schemas.microsoft.com/office/drawing/2010/main" w="9525">
+                <a:solidFill>
+                  <a:schemeClr val="tx1"/>
+                </a:solidFill>
+                <a:miter lim="800000"/>
+                <a:headEnd/>
+                <a:tailEnd/>
+              </a14:hiddenLine>
+            </a:ext>
+            <a:ext uri="{AF507438-7753-43E0-B8FC-AC1667EBCBE1}">
+              <a14:hiddenEffects xmlns:a14="http://schemas.microsoft.com/office/drawing/2010/main">
+                <a:effectLst>
+                  <a:outerShdw dist="35921" dir="2700000" algn="ctr" rotWithShape="0">
+                    <a:schemeClr val="bg2"/>
+                  </a:outerShdw>
+                </a:effectLst>
+              </a14:hiddenEffects>
+            </a:ext>
+          </a:extLst>
+        </p:spPr>
+      </p:pic>
+    </p:spTree>
+    <p:extLst>
+      <p:ext uri="{BB962C8B-B14F-4D97-AF65-F5344CB8AC3E}">
+        <p14:creationId xmlns:p14="http://schemas.microsoft.com/office/powerpoint/2010/main" val="620399142"/>
       </p:ext>
     </p:extLst>
   </p:cSld>
@@ -8475,7 +8530,7 @@
   <a:extraClrSchemeLst/>
   <a:extLst>
     <a:ext uri="{05A4C25C-085E-4340-85A3-A5531E510DB2}">
-      <thm15:themeFamily xmlns:thm15="http://schemas.microsoft.com/office/thememl/2012/main" xmlns="" name="Office Theme" id="{62F939B6-93AF-4DB8-9C6B-D6C7DFDC589F}" vid="{4A3C46E8-61CC-4603-A589-7422A47A8E4A}"/>
+      <thm15:themeFamily xmlns="" xmlns:thm15="http://schemas.microsoft.com/office/thememl/2012/main" name="Office Theme" id="{62F939B6-93AF-4DB8-9C6B-D6C7DFDC589F}" vid="{4A3C46E8-61CC-4603-A589-7422A47A8E4A}"/>
     </a:ext>
   </a:extLst>
 </a:theme>
